--- a/tex/figures/Circuits/Figures.pptx
+++ b/tex/figures/Circuits/Figures.pptx
@@ -7136,6 +7136,2868 @@
           <a:chExt cx="0" cy="0"/>
         </a:xfrm>
       </p:grpSpPr>
+      <p:grpSp>
+        <p:nvGrpSpPr>
+          <p:cNvPr id="67" name="Group 66"/>
+          <p:cNvGrpSpPr/>
+          <p:nvPr/>
+        </p:nvGrpSpPr>
+        <p:grpSpPr>
+          <a:xfrm>
+            <a:off x="506972" y="649890"/>
+            <a:ext cx="5904567" cy="4305491"/>
+            <a:chOff x="2178456" y="699051"/>
+            <a:chExt cx="5904567" cy="4305491"/>
+          </a:xfrm>
+        </p:grpSpPr>
+        <p:sp>
+          <p:nvSpPr>
+            <p:cNvPr id="8" name="Can 7"/>
+            <p:cNvSpPr/>
+            <p:nvPr/>
+          </p:nvSpPr>
+          <p:spPr>
+            <a:xfrm>
+              <a:off x="5799277" y="1685926"/>
+              <a:ext cx="498021" cy="2188028"/>
+            </a:xfrm>
+            <a:prstGeom prst="can">
+              <a:avLst/>
+            </a:prstGeom>
+            <a:solidFill>
+              <a:schemeClr val="accent4">
+                <a:lumMod val="75000"/>
+              </a:schemeClr>
+            </a:solidFill>
+            <a:ln w="38100">
+              <a:solidFill>
+                <a:schemeClr val="tx1"/>
+              </a:solidFill>
+            </a:ln>
+          </p:spPr>
+          <p:style>
+            <a:lnRef idx="2">
+              <a:schemeClr val="accent1">
+                <a:shade val="50000"/>
+              </a:schemeClr>
+            </a:lnRef>
+            <a:fillRef idx="1">
+              <a:schemeClr val="accent1"/>
+            </a:fillRef>
+            <a:effectRef idx="0">
+              <a:schemeClr val="accent1"/>
+            </a:effectRef>
+            <a:fontRef idx="minor">
+              <a:schemeClr val="lt1"/>
+            </a:fontRef>
+          </p:style>
+          <p:txBody>
+            <a:bodyPr rtlCol="0" anchor="ctr"/>
+            <a:lstStyle/>
+            <a:p>
+              <a:pPr algn="ctr"/>
+              <a:endParaRPr lang="en-CA"/>
+            </a:p>
+          </p:txBody>
+        </p:sp>
+        <p:sp>
+          <p:nvSpPr>
+            <p:cNvPr id="6" name="Can 5"/>
+            <p:cNvSpPr/>
+            <p:nvPr/>
+          </p:nvSpPr>
+          <p:spPr>
+            <a:xfrm>
+              <a:off x="3690258" y="1690007"/>
+              <a:ext cx="498021" cy="2188028"/>
+            </a:xfrm>
+            <a:prstGeom prst="can">
+              <a:avLst/>
+            </a:prstGeom>
+            <a:solidFill>
+              <a:schemeClr val="tx1">
+                <a:lumMod val="50000"/>
+                <a:lumOff val="50000"/>
+              </a:schemeClr>
+            </a:solidFill>
+            <a:ln w="38100">
+              <a:solidFill>
+                <a:schemeClr val="tx1"/>
+              </a:solidFill>
+            </a:ln>
+          </p:spPr>
+          <p:style>
+            <a:lnRef idx="2">
+              <a:schemeClr val="accent1">
+                <a:shade val="50000"/>
+              </a:schemeClr>
+            </a:lnRef>
+            <a:fillRef idx="1">
+              <a:schemeClr val="accent1"/>
+            </a:fillRef>
+            <a:effectRef idx="0">
+              <a:schemeClr val="accent1"/>
+            </a:effectRef>
+            <a:fontRef idx="minor">
+              <a:schemeClr val="lt1"/>
+            </a:fontRef>
+          </p:style>
+          <p:txBody>
+            <a:bodyPr rtlCol="0" anchor="ctr"/>
+            <a:lstStyle/>
+            <a:p>
+              <a:pPr algn="ctr"/>
+              <a:endParaRPr lang="en-CA"/>
+            </a:p>
+          </p:txBody>
+        </p:sp>
+        <p:sp>
+          <p:nvSpPr>
+            <p:cNvPr id="32" name="Oval 31"/>
+            <p:cNvSpPr/>
+            <p:nvPr/>
+          </p:nvSpPr>
+          <p:spPr>
+            <a:xfrm>
+              <a:off x="3784969" y="3384534"/>
+              <a:ext cx="195768" cy="195768"/>
+            </a:xfrm>
+            <a:prstGeom prst="ellipse">
+              <a:avLst/>
+            </a:prstGeom>
+            <a:solidFill>
+              <a:schemeClr val="bg2">
+                <a:lumMod val="10000"/>
+              </a:schemeClr>
+            </a:solidFill>
+            <a:ln w="38100">
+              <a:solidFill>
+                <a:schemeClr val="tx1"/>
+              </a:solidFill>
+            </a:ln>
+          </p:spPr>
+          <p:style>
+            <a:lnRef idx="2">
+              <a:schemeClr val="accent1">
+                <a:shade val="50000"/>
+              </a:schemeClr>
+            </a:lnRef>
+            <a:fillRef idx="1">
+              <a:schemeClr val="accent1"/>
+            </a:fillRef>
+            <a:effectRef idx="0">
+              <a:schemeClr val="accent1"/>
+            </a:effectRef>
+            <a:fontRef idx="minor">
+              <a:schemeClr val="lt1"/>
+            </a:fontRef>
+          </p:style>
+          <p:txBody>
+            <a:bodyPr rtlCol="0" anchor="ctr"/>
+            <a:lstStyle/>
+            <a:p>
+              <a:pPr algn="ctr"/>
+              <a:r>
+                <a:rPr lang="en-CA" dirty="0" smtClean="0"/>
+                <a:t>+</a:t>
+              </a:r>
+              <a:endParaRPr lang="en-CA" dirty="0"/>
+            </a:p>
+          </p:txBody>
+        </p:sp>
+        <p:sp>
+          <p:nvSpPr>
+            <p:cNvPr id="9" name="Oval 8"/>
+            <p:cNvSpPr/>
+            <p:nvPr/>
+          </p:nvSpPr>
+          <p:spPr>
+            <a:xfrm>
+              <a:off x="5548136" y="3580302"/>
+              <a:ext cx="195768" cy="195768"/>
+            </a:xfrm>
+            <a:prstGeom prst="ellipse">
+              <a:avLst/>
+            </a:prstGeom>
+            <a:solidFill>
+              <a:schemeClr val="accent4">
+                <a:lumMod val="75000"/>
+              </a:schemeClr>
+            </a:solidFill>
+            <a:ln w="38100">
+              <a:solidFill>
+                <a:schemeClr val="accent4">
+                  <a:lumMod val="75000"/>
+                </a:schemeClr>
+              </a:solidFill>
+            </a:ln>
+          </p:spPr>
+          <p:style>
+            <a:lnRef idx="2">
+              <a:schemeClr val="accent1">
+                <a:shade val="50000"/>
+              </a:schemeClr>
+            </a:lnRef>
+            <a:fillRef idx="1">
+              <a:schemeClr val="accent1"/>
+            </a:fillRef>
+            <a:effectRef idx="0">
+              <a:schemeClr val="accent1"/>
+            </a:effectRef>
+            <a:fontRef idx="minor">
+              <a:schemeClr val="lt1"/>
+            </a:fontRef>
+          </p:style>
+          <p:txBody>
+            <a:bodyPr rtlCol="0" anchor="ctr"/>
+            <a:lstStyle/>
+            <a:p>
+              <a:pPr algn="ctr"/>
+              <a:r>
+                <a:rPr lang="en-CA" dirty="0" smtClean="0"/>
+                <a:t>+</a:t>
+              </a:r>
+              <a:endParaRPr lang="en-CA" dirty="0"/>
+            </a:p>
+          </p:txBody>
+        </p:sp>
+        <p:sp>
+          <p:nvSpPr>
+            <p:cNvPr id="10" name="Oval 9"/>
+            <p:cNvSpPr/>
+            <p:nvPr/>
+          </p:nvSpPr>
+          <p:spPr>
+            <a:xfrm>
+              <a:off x="5603333" y="3939598"/>
+              <a:ext cx="195768" cy="195768"/>
+            </a:xfrm>
+            <a:prstGeom prst="ellipse">
+              <a:avLst/>
+            </a:prstGeom>
+            <a:solidFill>
+              <a:schemeClr val="accent4">
+                <a:lumMod val="75000"/>
+              </a:schemeClr>
+            </a:solidFill>
+            <a:ln w="38100">
+              <a:solidFill>
+                <a:schemeClr val="accent4">
+                  <a:lumMod val="75000"/>
+                </a:schemeClr>
+              </a:solidFill>
+            </a:ln>
+          </p:spPr>
+          <p:style>
+            <a:lnRef idx="2">
+              <a:schemeClr val="accent1">
+                <a:shade val="50000"/>
+              </a:schemeClr>
+            </a:lnRef>
+            <a:fillRef idx="1">
+              <a:schemeClr val="accent1"/>
+            </a:fillRef>
+            <a:effectRef idx="0">
+              <a:schemeClr val="accent1"/>
+            </a:effectRef>
+            <a:fontRef idx="minor">
+              <a:schemeClr val="lt1"/>
+            </a:fontRef>
+          </p:style>
+          <p:txBody>
+            <a:bodyPr rtlCol="0" anchor="ctr"/>
+            <a:lstStyle/>
+            <a:p>
+              <a:pPr algn="ctr"/>
+              <a:r>
+                <a:rPr lang="en-CA" dirty="0" smtClean="0"/>
+                <a:t>+</a:t>
+              </a:r>
+              <a:endParaRPr lang="en-CA" dirty="0"/>
+            </a:p>
+          </p:txBody>
+        </p:sp>
+        <p:sp>
+          <p:nvSpPr>
+            <p:cNvPr id="11" name="Oval 10"/>
+            <p:cNvSpPr/>
+            <p:nvPr/>
+          </p:nvSpPr>
+          <p:spPr>
+            <a:xfrm>
+              <a:off x="5814160" y="3529781"/>
+              <a:ext cx="117865" cy="117865"/>
+            </a:xfrm>
+            <a:prstGeom prst="ellipse">
+              <a:avLst/>
+            </a:prstGeom>
+            <a:solidFill>
+              <a:srgbClr val="FF0000"/>
+            </a:solidFill>
+            <a:ln w="38100">
+              <a:solidFill>
+                <a:srgbClr val="FF0000"/>
+              </a:solidFill>
+            </a:ln>
+          </p:spPr>
+          <p:style>
+            <a:lnRef idx="2">
+              <a:schemeClr val="accent1">
+                <a:shade val="50000"/>
+              </a:schemeClr>
+            </a:lnRef>
+            <a:fillRef idx="1">
+              <a:schemeClr val="accent1"/>
+            </a:fillRef>
+            <a:effectRef idx="0">
+              <a:schemeClr val="accent1"/>
+            </a:effectRef>
+            <a:fontRef idx="minor">
+              <a:schemeClr val="lt1"/>
+            </a:fontRef>
+          </p:style>
+          <p:txBody>
+            <a:bodyPr rtlCol="0" anchor="ctr"/>
+            <a:lstStyle/>
+            <a:p>
+              <a:pPr algn="ctr"/>
+              <a:r>
+                <a:rPr lang="en-CA" dirty="0" smtClean="0"/>
+                <a:t>-</a:t>
+              </a:r>
+              <a:endParaRPr lang="en-CA" dirty="0"/>
+            </a:p>
+          </p:txBody>
+        </p:sp>
+        <p:sp>
+          <p:nvSpPr>
+            <p:cNvPr id="12" name="Oval 11"/>
+            <p:cNvSpPr/>
+            <p:nvPr/>
+          </p:nvSpPr>
+          <p:spPr>
+            <a:xfrm>
+              <a:off x="5932025" y="3303473"/>
+              <a:ext cx="117865" cy="117865"/>
+            </a:xfrm>
+            <a:prstGeom prst="ellipse">
+              <a:avLst/>
+            </a:prstGeom>
+            <a:solidFill>
+              <a:srgbClr val="FF0000"/>
+            </a:solidFill>
+            <a:ln w="38100">
+              <a:solidFill>
+                <a:srgbClr val="FF0000"/>
+              </a:solidFill>
+            </a:ln>
+          </p:spPr>
+          <p:style>
+            <a:lnRef idx="2">
+              <a:schemeClr val="accent1">
+                <a:shade val="50000"/>
+              </a:schemeClr>
+            </a:lnRef>
+            <a:fillRef idx="1">
+              <a:schemeClr val="accent1"/>
+            </a:fillRef>
+            <a:effectRef idx="0">
+              <a:schemeClr val="accent1"/>
+            </a:effectRef>
+            <a:fontRef idx="minor">
+              <a:schemeClr val="lt1"/>
+            </a:fontRef>
+          </p:style>
+          <p:txBody>
+            <a:bodyPr rtlCol="0" anchor="ctr"/>
+            <a:lstStyle/>
+            <a:p>
+              <a:pPr algn="ctr"/>
+              <a:r>
+                <a:rPr lang="en-CA" dirty="0" smtClean="0"/>
+                <a:t>-</a:t>
+              </a:r>
+              <a:endParaRPr lang="en-CA" dirty="0"/>
+            </a:p>
+          </p:txBody>
+        </p:sp>
+        <p:sp>
+          <p:nvSpPr>
+            <p:cNvPr id="13" name="Oval 12"/>
+            <p:cNvSpPr/>
+            <p:nvPr/>
+          </p:nvSpPr>
+          <p:spPr>
+            <a:xfrm>
+              <a:off x="5966560" y="3682181"/>
+              <a:ext cx="117865" cy="117865"/>
+            </a:xfrm>
+            <a:prstGeom prst="ellipse">
+              <a:avLst/>
+            </a:prstGeom>
+            <a:solidFill>
+              <a:srgbClr val="FF0000"/>
+            </a:solidFill>
+            <a:ln w="38100">
+              <a:solidFill>
+                <a:srgbClr val="FF0000"/>
+              </a:solidFill>
+            </a:ln>
+          </p:spPr>
+          <p:style>
+            <a:lnRef idx="2">
+              <a:schemeClr val="accent1">
+                <a:shade val="50000"/>
+              </a:schemeClr>
+            </a:lnRef>
+            <a:fillRef idx="1">
+              <a:schemeClr val="accent1"/>
+            </a:fillRef>
+            <a:effectRef idx="0">
+              <a:schemeClr val="accent1"/>
+            </a:effectRef>
+            <a:fontRef idx="minor">
+              <a:schemeClr val="lt1"/>
+            </a:fontRef>
+          </p:style>
+          <p:txBody>
+            <a:bodyPr rtlCol="0" anchor="ctr"/>
+            <a:lstStyle/>
+            <a:p>
+              <a:pPr algn="ctr"/>
+              <a:r>
+                <a:rPr lang="en-CA" dirty="0" smtClean="0"/>
+                <a:t>-</a:t>
+              </a:r>
+              <a:endParaRPr lang="en-CA" dirty="0"/>
+            </a:p>
+          </p:txBody>
+        </p:sp>
+        <p:sp>
+          <p:nvSpPr>
+            <p:cNvPr id="18" name="Oval 17"/>
+            <p:cNvSpPr/>
+            <p:nvPr/>
+          </p:nvSpPr>
+          <p:spPr>
+            <a:xfrm>
+              <a:off x="5157948" y="3330360"/>
+              <a:ext cx="195768" cy="195768"/>
+            </a:xfrm>
+            <a:prstGeom prst="ellipse">
+              <a:avLst/>
+            </a:prstGeom>
+            <a:solidFill>
+              <a:schemeClr val="accent4">
+                <a:lumMod val="75000"/>
+              </a:schemeClr>
+            </a:solidFill>
+            <a:ln w="38100">
+              <a:solidFill>
+                <a:schemeClr val="accent4">
+                  <a:lumMod val="75000"/>
+                </a:schemeClr>
+              </a:solidFill>
+            </a:ln>
+          </p:spPr>
+          <p:style>
+            <a:lnRef idx="2">
+              <a:schemeClr val="accent1">
+                <a:shade val="50000"/>
+              </a:schemeClr>
+            </a:lnRef>
+            <a:fillRef idx="1">
+              <a:schemeClr val="accent1"/>
+            </a:fillRef>
+            <a:effectRef idx="0">
+              <a:schemeClr val="accent1"/>
+            </a:effectRef>
+            <a:fontRef idx="minor">
+              <a:schemeClr val="lt1"/>
+            </a:fontRef>
+          </p:style>
+          <p:txBody>
+            <a:bodyPr rtlCol="0" anchor="ctr"/>
+            <a:lstStyle/>
+            <a:p>
+              <a:pPr algn="ctr"/>
+              <a:r>
+                <a:rPr lang="en-CA" dirty="0" smtClean="0"/>
+                <a:t>+</a:t>
+              </a:r>
+              <a:endParaRPr lang="en-CA" dirty="0"/>
+            </a:p>
+          </p:txBody>
+        </p:sp>
+        <p:sp>
+          <p:nvSpPr>
+            <p:cNvPr id="19" name="Oval 18"/>
+            <p:cNvSpPr/>
+            <p:nvPr/>
+          </p:nvSpPr>
+          <p:spPr>
+            <a:xfrm>
+              <a:off x="5069512" y="3934632"/>
+              <a:ext cx="195768" cy="195768"/>
+            </a:xfrm>
+            <a:prstGeom prst="ellipse">
+              <a:avLst/>
+            </a:prstGeom>
+            <a:solidFill>
+              <a:schemeClr val="accent4">
+                <a:lumMod val="75000"/>
+              </a:schemeClr>
+            </a:solidFill>
+            <a:ln w="38100">
+              <a:solidFill>
+                <a:schemeClr val="accent4">
+                  <a:lumMod val="75000"/>
+                </a:schemeClr>
+              </a:solidFill>
+            </a:ln>
+          </p:spPr>
+          <p:style>
+            <a:lnRef idx="2">
+              <a:schemeClr val="accent1">
+                <a:shade val="50000"/>
+              </a:schemeClr>
+            </a:lnRef>
+            <a:fillRef idx="1">
+              <a:schemeClr val="accent1"/>
+            </a:fillRef>
+            <a:effectRef idx="0">
+              <a:schemeClr val="accent1"/>
+            </a:effectRef>
+            <a:fontRef idx="minor">
+              <a:schemeClr val="lt1"/>
+            </a:fontRef>
+          </p:style>
+          <p:txBody>
+            <a:bodyPr rtlCol="0" anchor="ctr"/>
+            <a:lstStyle/>
+            <a:p>
+              <a:pPr algn="ctr"/>
+              <a:r>
+                <a:rPr lang="en-CA" dirty="0" smtClean="0"/>
+                <a:t>+</a:t>
+              </a:r>
+              <a:endParaRPr lang="en-CA" dirty="0"/>
+            </a:p>
+          </p:txBody>
+        </p:sp>
+        <p:sp>
+          <p:nvSpPr>
+            <p:cNvPr id="20" name="Oval 19"/>
+            <p:cNvSpPr/>
+            <p:nvPr/>
+          </p:nvSpPr>
+          <p:spPr>
+            <a:xfrm>
+              <a:off x="4832141" y="3434703"/>
+              <a:ext cx="195768" cy="195768"/>
+            </a:xfrm>
+            <a:prstGeom prst="ellipse">
+              <a:avLst/>
+            </a:prstGeom>
+            <a:solidFill>
+              <a:schemeClr val="accent4">
+                <a:lumMod val="75000"/>
+              </a:schemeClr>
+            </a:solidFill>
+            <a:ln w="38100">
+              <a:solidFill>
+                <a:schemeClr val="accent4">
+                  <a:lumMod val="75000"/>
+                </a:schemeClr>
+              </a:solidFill>
+            </a:ln>
+          </p:spPr>
+          <p:style>
+            <a:lnRef idx="2">
+              <a:schemeClr val="accent1">
+                <a:shade val="50000"/>
+              </a:schemeClr>
+            </a:lnRef>
+            <a:fillRef idx="1">
+              <a:schemeClr val="accent1"/>
+            </a:fillRef>
+            <a:effectRef idx="0">
+              <a:schemeClr val="accent1"/>
+            </a:effectRef>
+            <a:fontRef idx="minor">
+              <a:schemeClr val="lt1"/>
+            </a:fontRef>
+          </p:style>
+          <p:txBody>
+            <a:bodyPr rtlCol="0" anchor="ctr"/>
+            <a:lstStyle/>
+            <a:p>
+              <a:pPr algn="ctr"/>
+              <a:r>
+                <a:rPr lang="en-CA" dirty="0" smtClean="0"/>
+                <a:t>+</a:t>
+              </a:r>
+              <a:endParaRPr lang="en-CA" dirty="0"/>
+            </a:p>
+          </p:txBody>
+        </p:sp>
+        <p:sp>
+          <p:nvSpPr>
+            <p:cNvPr id="21" name="Oval 20"/>
+            <p:cNvSpPr/>
+            <p:nvPr/>
+          </p:nvSpPr>
+          <p:spPr>
+            <a:xfrm>
+              <a:off x="4704718" y="4012797"/>
+              <a:ext cx="195768" cy="195768"/>
+            </a:xfrm>
+            <a:prstGeom prst="ellipse">
+              <a:avLst/>
+            </a:prstGeom>
+            <a:solidFill>
+              <a:schemeClr val="accent4">
+                <a:lumMod val="75000"/>
+              </a:schemeClr>
+            </a:solidFill>
+            <a:ln w="38100">
+              <a:solidFill>
+                <a:schemeClr val="accent4">
+                  <a:lumMod val="75000"/>
+                </a:schemeClr>
+              </a:solidFill>
+            </a:ln>
+          </p:spPr>
+          <p:style>
+            <a:lnRef idx="2">
+              <a:schemeClr val="accent1">
+                <a:shade val="50000"/>
+              </a:schemeClr>
+            </a:lnRef>
+            <a:fillRef idx="1">
+              <a:schemeClr val="accent1"/>
+            </a:fillRef>
+            <a:effectRef idx="0">
+              <a:schemeClr val="accent1"/>
+            </a:effectRef>
+            <a:fontRef idx="minor">
+              <a:schemeClr val="lt1"/>
+            </a:fontRef>
+          </p:style>
+          <p:txBody>
+            <a:bodyPr rtlCol="0" anchor="ctr"/>
+            <a:lstStyle/>
+            <a:p>
+              <a:pPr algn="ctr"/>
+              <a:r>
+                <a:rPr lang="en-CA" dirty="0" smtClean="0"/>
+                <a:t>+</a:t>
+              </a:r>
+              <a:endParaRPr lang="en-CA" dirty="0"/>
+            </a:p>
+          </p:txBody>
+        </p:sp>
+        <p:sp>
+          <p:nvSpPr>
+            <p:cNvPr id="22" name="Oval 21"/>
+            <p:cNvSpPr/>
+            <p:nvPr/>
+          </p:nvSpPr>
+          <p:spPr>
+            <a:xfrm>
+              <a:off x="4570344" y="3678186"/>
+              <a:ext cx="195768" cy="195768"/>
+            </a:xfrm>
+            <a:prstGeom prst="ellipse">
+              <a:avLst/>
+            </a:prstGeom>
+            <a:solidFill>
+              <a:schemeClr val="accent4">
+                <a:lumMod val="75000"/>
+              </a:schemeClr>
+            </a:solidFill>
+            <a:ln w="38100">
+              <a:solidFill>
+                <a:schemeClr val="accent4">
+                  <a:lumMod val="75000"/>
+                </a:schemeClr>
+              </a:solidFill>
+            </a:ln>
+          </p:spPr>
+          <p:style>
+            <a:lnRef idx="2">
+              <a:schemeClr val="accent1">
+                <a:shade val="50000"/>
+              </a:schemeClr>
+            </a:lnRef>
+            <a:fillRef idx="1">
+              <a:schemeClr val="accent1"/>
+            </a:fillRef>
+            <a:effectRef idx="0">
+              <a:schemeClr val="accent1"/>
+            </a:effectRef>
+            <a:fontRef idx="minor">
+              <a:schemeClr val="lt1"/>
+            </a:fontRef>
+          </p:style>
+          <p:txBody>
+            <a:bodyPr rtlCol="0" anchor="ctr"/>
+            <a:lstStyle/>
+            <a:p>
+              <a:pPr algn="ctr"/>
+              <a:r>
+                <a:rPr lang="en-CA" dirty="0" smtClean="0"/>
+                <a:t>+</a:t>
+              </a:r>
+              <a:endParaRPr lang="en-CA" dirty="0"/>
+            </a:p>
+          </p:txBody>
+        </p:sp>
+        <p:sp>
+          <p:nvSpPr>
+            <p:cNvPr id="23" name="Oval 22"/>
+            <p:cNvSpPr/>
+            <p:nvPr/>
+          </p:nvSpPr>
+          <p:spPr>
+            <a:xfrm>
+              <a:off x="4219497" y="3630471"/>
+              <a:ext cx="117865" cy="117865"/>
+            </a:xfrm>
+            <a:prstGeom prst="ellipse">
+              <a:avLst/>
+            </a:prstGeom>
+            <a:solidFill>
+              <a:srgbClr val="FF0000"/>
+            </a:solidFill>
+            <a:ln w="38100">
+              <a:solidFill>
+                <a:srgbClr val="FF0000"/>
+              </a:solidFill>
+            </a:ln>
+          </p:spPr>
+          <p:style>
+            <a:lnRef idx="2">
+              <a:schemeClr val="accent1">
+                <a:shade val="50000"/>
+              </a:schemeClr>
+            </a:lnRef>
+            <a:fillRef idx="1">
+              <a:schemeClr val="accent1"/>
+            </a:fillRef>
+            <a:effectRef idx="0">
+              <a:schemeClr val="accent1"/>
+            </a:effectRef>
+            <a:fontRef idx="minor">
+              <a:schemeClr val="lt1"/>
+            </a:fontRef>
+          </p:style>
+          <p:txBody>
+            <a:bodyPr rtlCol="0" anchor="ctr"/>
+            <a:lstStyle/>
+            <a:p>
+              <a:pPr algn="ctr"/>
+              <a:r>
+                <a:rPr lang="en-CA" dirty="0" smtClean="0"/>
+                <a:t>-</a:t>
+              </a:r>
+              <a:endParaRPr lang="en-CA" dirty="0"/>
+            </a:p>
+          </p:txBody>
+        </p:sp>
+        <p:sp>
+          <p:nvSpPr>
+            <p:cNvPr id="25" name="Oval 24"/>
+            <p:cNvSpPr/>
+            <p:nvPr/>
+          </p:nvSpPr>
+          <p:spPr>
+            <a:xfrm>
+              <a:off x="4387034" y="3512606"/>
+              <a:ext cx="117865" cy="117865"/>
+            </a:xfrm>
+            <a:prstGeom prst="ellipse">
+              <a:avLst/>
+            </a:prstGeom>
+            <a:solidFill>
+              <a:srgbClr val="FF0000"/>
+            </a:solidFill>
+            <a:ln w="38100">
+              <a:solidFill>
+                <a:srgbClr val="FF0000"/>
+              </a:solidFill>
+            </a:ln>
+          </p:spPr>
+          <p:style>
+            <a:lnRef idx="2">
+              <a:schemeClr val="accent1">
+                <a:shade val="50000"/>
+              </a:schemeClr>
+            </a:lnRef>
+            <a:fillRef idx="1">
+              <a:schemeClr val="accent1"/>
+            </a:fillRef>
+            <a:effectRef idx="0">
+              <a:schemeClr val="accent1"/>
+            </a:effectRef>
+            <a:fontRef idx="minor">
+              <a:schemeClr val="lt1"/>
+            </a:fontRef>
+          </p:style>
+          <p:txBody>
+            <a:bodyPr rtlCol="0" anchor="ctr"/>
+            <a:lstStyle/>
+            <a:p>
+              <a:pPr algn="ctr"/>
+              <a:r>
+                <a:rPr lang="en-CA" dirty="0" smtClean="0"/>
+                <a:t>-</a:t>
+              </a:r>
+              <a:endParaRPr lang="en-CA" dirty="0"/>
+            </a:p>
+          </p:txBody>
+        </p:sp>
+        <p:sp>
+          <p:nvSpPr>
+            <p:cNvPr id="26" name="Oval 25"/>
+            <p:cNvSpPr/>
+            <p:nvPr/>
+          </p:nvSpPr>
+          <p:spPr>
+            <a:xfrm>
+              <a:off x="4371897" y="3782871"/>
+              <a:ext cx="117865" cy="117865"/>
+            </a:xfrm>
+            <a:prstGeom prst="ellipse">
+              <a:avLst/>
+            </a:prstGeom>
+            <a:solidFill>
+              <a:srgbClr val="FF0000"/>
+            </a:solidFill>
+            <a:ln w="38100">
+              <a:solidFill>
+                <a:srgbClr val="FF0000"/>
+              </a:solidFill>
+            </a:ln>
+          </p:spPr>
+          <p:style>
+            <a:lnRef idx="2">
+              <a:schemeClr val="accent1">
+                <a:shade val="50000"/>
+              </a:schemeClr>
+            </a:lnRef>
+            <a:fillRef idx="1">
+              <a:schemeClr val="accent1"/>
+            </a:fillRef>
+            <a:effectRef idx="0">
+              <a:schemeClr val="accent1"/>
+            </a:effectRef>
+            <a:fontRef idx="minor">
+              <a:schemeClr val="lt1"/>
+            </a:fontRef>
+          </p:style>
+          <p:txBody>
+            <a:bodyPr rtlCol="0" anchor="ctr"/>
+            <a:lstStyle/>
+            <a:p>
+              <a:pPr algn="ctr"/>
+              <a:r>
+                <a:rPr lang="en-CA" dirty="0" smtClean="0"/>
+                <a:t>-</a:t>
+              </a:r>
+              <a:endParaRPr lang="en-CA" dirty="0"/>
+            </a:p>
+          </p:txBody>
+        </p:sp>
+        <p:sp>
+          <p:nvSpPr>
+            <p:cNvPr id="27" name="Oval 26"/>
+            <p:cNvSpPr/>
+            <p:nvPr/>
+          </p:nvSpPr>
+          <p:spPr>
+            <a:xfrm>
+              <a:off x="4633786" y="3425536"/>
+              <a:ext cx="117865" cy="117865"/>
+            </a:xfrm>
+            <a:prstGeom prst="ellipse">
+              <a:avLst/>
+            </a:prstGeom>
+            <a:solidFill>
+              <a:srgbClr val="FF0000"/>
+            </a:solidFill>
+            <a:ln w="38100">
+              <a:solidFill>
+                <a:srgbClr val="FF0000"/>
+              </a:solidFill>
+            </a:ln>
+          </p:spPr>
+          <p:style>
+            <a:lnRef idx="2">
+              <a:schemeClr val="accent1">
+                <a:shade val="50000"/>
+              </a:schemeClr>
+            </a:lnRef>
+            <a:fillRef idx="1">
+              <a:schemeClr val="accent1"/>
+            </a:fillRef>
+            <a:effectRef idx="0">
+              <a:schemeClr val="accent1"/>
+            </a:effectRef>
+            <a:fontRef idx="minor">
+              <a:schemeClr val="lt1"/>
+            </a:fontRef>
+          </p:style>
+          <p:txBody>
+            <a:bodyPr rtlCol="0" anchor="ctr"/>
+            <a:lstStyle/>
+            <a:p>
+              <a:pPr algn="ctr"/>
+              <a:r>
+                <a:rPr lang="en-CA" dirty="0" smtClean="0"/>
+                <a:t>-</a:t>
+              </a:r>
+              <a:endParaRPr lang="en-CA" dirty="0"/>
+            </a:p>
+          </p:txBody>
+        </p:sp>
+        <p:sp>
+          <p:nvSpPr>
+            <p:cNvPr id="28" name="Oval 27"/>
+            <p:cNvSpPr/>
+            <p:nvPr/>
+          </p:nvSpPr>
+          <p:spPr>
+            <a:xfrm>
+              <a:off x="4515921" y="4051748"/>
+              <a:ext cx="117865" cy="117865"/>
+            </a:xfrm>
+            <a:prstGeom prst="ellipse">
+              <a:avLst/>
+            </a:prstGeom>
+            <a:solidFill>
+              <a:srgbClr val="FF0000"/>
+            </a:solidFill>
+            <a:ln w="38100">
+              <a:solidFill>
+                <a:srgbClr val="FF0000"/>
+              </a:solidFill>
+            </a:ln>
+          </p:spPr>
+          <p:style>
+            <a:lnRef idx="2">
+              <a:schemeClr val="accent1">
+                <a:shade val="50000"/>
+              </a:schemeClr>
+            </a:lnRef>
+            <a:fillRef idx="1">
+              <a:schemeClr val="accent1"/>
+            </a:fillRef>
+            <a:effectRef idx="0">
+              <a:schemeClr val="accent1"/>
+            </a:effectRef>
+            <a:fontRef idx="minor">
+              <a:schemeClr val="lt1"/>
+            </a:fontRef>
+          </p:style>
+          <p:txBody>
+            <a:bodyPr rtlCol="0" anchor="ctr"/>
+            <a:lstStyle/>
+            <a:p>
+              <a:pPr algn="ctr"/>
+              <a:r>
+                <a:rPr lang="en-CA" dirty="0" smtClean="0"/>
+                <a:t>-</a:t>
+              </a:r>
+              <a:endParaRPr lang="en-CA" dirty="0"/>
+            </a:p>
+          </p:txBody>
+        </p:sp>
+        <p:sp>
+          <p:nvSpPr>
+            <p:cNvPr id="29" name="Oval 28"/>
+            <p:cNvSpPr/>
+            <p:nvPr/>
+          </p:nvSpPr>
+          <p:spPr>
+            <a:xfrm>
+              <a:off x="4810285" y="3814691"/>
+              <a:ext cx="117865" cy="117865"/>
+            </a:xfrm>
+            <a:prstGeom prst="ellipse">
+              <a:avLst/>
+            </a:prstGeom>
+            <a:solidFill>
+              <a:srgbClr val="FF0000"/>
+            </a:solidFill>
+            <a:ln w="38100">
+              <a:solidFill>
+                <a:srgbClr val="FF0000"/>
+              </a:solidFill>
+            </a:ln>
+          </p:spPr>
+          <p:style>
+            <a:lnRef idx="2">
+              <a:schemeClr val="accent1">
+                <a:shade val="50000"/>
+              </a:schemeClr>
+            </a:lnRef>
+            <a:fillRef idx="1">
+              <a:schemeClr val="accent1"/>
+            </a:fillRef>
+            <a:effectRef idx="0">
+              <a:schemeClr val="accent1"/>
+            </a:effectRef>
+            <a:fontRef idx="minor">
+              <a:schemeClr val="lt1"/>
+            </a:fontRef>
+          </p:style>
+          <p:txBody>
+            <a:bodyPr rtlCol="0" anchor="ctr"/>
+            <a:lstStyle/>
+            <a:p>
+              <a:pPr algn="ctr"/>
+              <a:r>
+                <a:rPr lang="en-CA" dirty="0" smtClean="0"/>
+                <a:t>-</a:t>
+              </a:r>
+              <a:endParaRPr lang="en-CA" dirty="0"/>
+            </a:p>
+          </p:txBody>
+        </p:sp>
+        <p:sp>
+          <p:nvSpPr>
+            <p:cNvPr id="30" name="Oval 29"/>
+            <p:cNvSpPr/>
+            <p:nvPr/>
+          </p:nvSpPr>
+          <p:spPr>
+            <a:xfrm>
+              <a:off x="4964186" y="3668612"/>
+              <a:ext cx="117865" cy="117865"/>
+            </a:xfrm>
+            <a:prstGeom prst="ellipse">
+              <a:avLst/>
+            </a:prstGeom>
+            <a:solidFill>
+              <a:srgbClr val="FF0000"/>
+            </a:solidFill>
+            <a:ln w="38100">
+              <a:solidFill>
+                <a:srgbClr val="FF0000"/>
+              </a:solidFill>
+            </a:ln>
+          </p:spPr>
+          <p:style>
+            <a:lnRef idx="2">
+              <a:schemeClr val="accent1">
+                <a:shade val="50000"/>
+              </a:schemeClr>
+            </a:lnRef>
+            <a:fillRef idx="1">
+              <a:schemeClr val="accent1"/>
+            </a:fillRef>
+            <a:effectRef idx="0">
+              <a:schemeClr val="accent1"/>
+            </a:effectRef>
+            <a:fontRef idx="minor">
+              <a:schemeClr val="lt1"/>
+            </a:fontRef>
+          </p:style>
+          <p:txBody>
+            <a:bodyPr rtlCol="0" anchor="ctr"/>
+            <a:lstStyle/>
+            <a:p>
+              <a:pPr algn="ctr"/>
+              <a:r>
+                <a:rPr lang="en-CA" dirty="0" smtClean="0"/>
+                <a:t>-</a:t>
+              </a:r>
+              <a:endParaRPr lang="en-CA" dirty="0"/>
+            </a:p>
+          </p:txBody>
+        </p:sp>
+        <p:sp>
+          <p:nvSpPr>
+            <p:cNvPr id="2" name="Rectangle 1"/>
+            <p:cNvSpPr/>
+            <p:nvPr/>
+          </p:nvSpPr>
+          <p:spPr>
+            <a:xfrm>
+              <a:off x="3363687" y="2563586"/>
+              <a:ext cx="3322864" cy="1763486"/>
+            </a:xfrm>
+            <a:prstGeom prst="rect">
+              <a:avLst/>
+            </a:prstGeom>
+            <a:noFill/>
+            <a:ln w="38100">
+              <a:solidFill>
+                <a:schemeClr val="tx1"/>
+              </a:solidFill>
+            </a:ln>
+          </p:spPr>
+          <p:style>
+            <a:lnRef idx="2">
+              <a:schemeClr val="accent1">
+                <a:shade val="50000"/>
+              </a:schemeClr>
+            </a:lnRef>
+            <a:fillRef idx="1">
+              <a:schemeClr val="accent1"/>
+            </a:fillRef>
+            <a:effectRef idx="0">
+              <a:schemeClr val="accent1"/>
+            </a:effectRef>
+            <a:fontRef idx="minor">
+              <a:schemeClr val="lt1"/>
+            </a:fontRef>
+          </p:style>
+          <p:txBody>
+            <a:bodyPr rtlCol="0" anchor="ctr"/>
+            <a:lstStyle/>
+            <a:p>
+              <a:pPr algn="ctr"/>
+              <a:endParaRPr lang="en-CA"/>
+            </a:p>
+          </p:txBody>
+        </p:sp>
+        <p:sp>
+          <p:nvSpPr>
+            <p:cNvPr id="3" name="Rectangle 2"/>
+            <p:cNvSpPr/>
+            <p:nvPr/>
+          </p:nvSpPr>
+          <p:spPr>
+            <a:xfrm>
+              <a:off x="3380017" y="3216729"/>
+              <a:ext cx="3290206" cy="1102179"/>
+            </a:xfrm>
+            <a:prstGeom prst="rect">
+              <a:avLst/>
+            </a:prstGeom>
+            <a:solidFill>
+              <a:srgbClr val="00B0F0">
+                <a:alpha val="36000"/>
+              </a:srgbClr>
+            </a:solidFill>
+            <a:ln w="38100">
+              <a:noFill/>
+            </a:ln>
+          </p:spPr>
+          <p:style>
+            <a:lnRef idx="2">
+              <a:schemeClr val="accent1">
+                <a:shade val="50000"/>
+              </a:schemeClr>
+            </a:lnRef>
+            <a:fillRef idx="1">
+              <a:schemeClr val="accent1"/>
+            </a:fillRef>
+            <a:effectRef idx="0">
+              <a:schemeClr val="accent1"/>
+            </a:effectRef>
+            <a:fontRef idx="minor">
+              <a:schemeClr val="lt1"/>
+            </a:fontRef>
+          </p:style>
+          <p:txBody>
+            <a:bodyPr rtlCol="0" anchor="ctr"/>
+            <a:lstStyle/>
+            <a:p>
+              <a:pPr algn="ctr"/>
+              <a:endParaRPr lang="en-CA"/>
+            </a:p>
+          </p:txBody>
+        </p:sp>
+        <p:sp>
+          <p:nvSpPr>
+            <p:cNvPr id="14" name="Oval 13"/>
+            <p:cNvSpPr/>
+            <p:nvPr/>
+          </p:nvSpPr>
+          <p:spPr>
+            <a:xfrm>
+              <a:off x="5989987" y="2938382"/>
+              <a:ext cx="117865" cy="117865"/>
+            </a:xfrm>
+            <a:prstGeom prst="ellipse">
+              <a:avLst/>
+            </a:prstGeom>
+            <a:solidFill>
+              <a:srgbClr val="FF0000"/>
+            </a:solidFill>
+            <a:ln w="38100">
+              <a:solidFill>
+                <a:srgbClr val="FF0000"/>
+              </a:solidFill>
+            </a:ln>
+          </p:spPr>
+          <p:style>
+            <a:lnRef idx="2">
+              <a:schemeClr val="accent1">
+                <a:shade val="50000"/>
+              </a:schemeClr>
+            </a:lnRef>
+            <a:fillRef idx="1">
+              <a:schemeClr val="accent1"/>
+            </a:fillRef>
+            <a:effectRef idx="0">
+              <a:schemeClr val="accent1"/>
+            </a:effectRef>
+            <a:fontRef idx="minor">
+              <a:schemeClr val="lt1"/>
+            </a:fontRef>
+          </p:style>
+          <p:txBody>
+            <a:bodyPr rtlCol="0" anchor="ctr"/>
+            <a:lstStyle/>
+            <a:p>
+              <a:pPr algn="ctr"/>
+              <a:r>
+                <a:rPr lang="en-CA" dirty="0" smtClean="0"/>
+                <a:t>-</a:t>
+              </a:r>
+              <a:endParaRPr lang="en-CA" dirty="0"/>
+            </a:p>
+          </p:txBody>
+        </p:sp>
+        <p:sp>
+          <p:nvSpPr>
+            <p:cNvPr id="15" name="Oval 14"/>
+            <p:cNvSpPr/>
+            <p:nvPr/>
+          </p:nvSpPr>
+          <p:spPr>
+            <a:xfrm>
+              <a:off x="5856365" y="2721007"/>
+              <a:ext cx="117865" cy="117865"/>
+            </a:xfrm>
+            <a:prstGeom prst="ellipse">
+              <a:avLst/>
+            </a:prstGeom>
+            <a:solidFill>
+              <a:srgbClr val="FF0000"/>
+            </a:solidFill>
+            <a:ln w="38100">
+              <a:solidFill>
+                <a:srgbClr val="FF0000"/>
+              </a:solidFill>
+            </a:ln>
+          </p:spPr>
+          <p:style>
+            <a:lnRef idx="2">
+              <a:schemeClr val="accent1">
+                <a:shade val="50000"/>
+              </a:schemeClr>
+            </a:lnRef>
+            <a:fillRef idx="1">
+              <a:schemeClr val="accent1"/>
+            </a:fillRef>
+            <a:effectRef idx="0">
+              <a:schemeClr val="accent1"/>
+            </a:effectRef>
+            <a:fontRef idx="minor">
+              <a:schemeClr val="lt1"/>
+            </a:fontRef>
+          </p:style>
+          <p:txBody>
+            <a:bodyPr rtlCol="0" anchor="ctr"/>
+            <a:lstStyle/>
+            <a:p>
+              <a:pPr algn="ctr"/>
+              <a:r>
+                <a:rPr lang="en-CA" dirty="0" smtClean="0"/>
+                <a:t>-</a:t>
+              </a:r>
+              <a:endParaRPr lang="en-CA" dirty="0"/>
+            </a:p>
+          </p:txBody>
+        </p:sp>
+        <p:sp>
+          <p:nvSpPr>
+            <p:cNvPr id="16" name="Oval 15"/>
+            <p:cNvSpPr/>
+            <p:nvPr/>
+          </p:nvSpPr>
+          <p:spPr>
+            <a:xfrm>
+              <a:off x="6043133" y="2371813"/>
+              <a:ext cx="117865" cy="117865"/>
+            </a:xfrm>
+            <a:prstGeom prst="ellipse">
+              <a:avLst/>
+            </a:prstGeom>
+            <a:solidFill>
+              <a:srgbClr val="FF0000"/>
+            </a:solidFill>
+            <a:ln w="38100">
+              <a:solidFill>
+                <a:srgbClr val="FF0000"/>
+              </a:solidFill>
+            </a:ln>
+          </p:spPr>
+          <p:style>
+            <a:lnRef idx="2">
+              <a:schemeClr val="accent1">
+                <a:shade val="50000"/>
+              </a:schemeClr>
+            </a:lnRef>
+            <a:fillRef idx="1">
+              <a:schemeClr val="accent1"/>
+            </a:fillRef>
+            <a:effectRef idx="0">
+              <a:schemeClr val="accent1"/>
+            </a:effectRef>
+            <a:fontRef idx="minor">
+              <a:schemeClr val="lt1"/>
+            </a:fontRef>
+          </p:style>
+          <p:txBody>
+            <a:bodyPr rtlCol="0" anchor="ctr"/>
+            <a:lstStyle/>
+            <a:p>
+              <a:pPr algn="ctr"/>
+              <a:r>
+                <a:rPr lang="en-CA" dirty="0" smtClean="0"/>
+                <a:t>-</a:t>
+              </a:r>
+              <a:endParaRPr lang="en-CA" dirty="0"/>
+            </a:p>
+          </p:txBody>
+        </p:sp>
+        <p:sp>
+          <p:nvSpPr>
+            <p:cNvPr id="17" name="Oval 16"/>
+            <p:cNvSpPr/>
+            <p:nvPr/>
+          </p:nvSpPr>
+          <p:spPr>
+            <a:xfrm>
+              <a:off x="5856365" y="2006891"/>
+              <a:ext cx="117865" cy="117865"/>
+            </a:xfrm>
+            <a:prstGeom prst="ellipse">
+              <a:avLst/>
+            </a:prstGeom>
+            <a:solidFill>
+              <a:srgbClr val="FF0000"/>
+            </a:solidFill>
+            <a:ln w="38100">
+              <a:solidFill>
+                <a:srgbClr val="FF0000"/>
+              </a:solidFill>
+            </a:ln>
+          </p:spPr>
+          <p:style>
+            <a:lnRef idx="2">
+              <a:schemeClr val="accent1">
+                <a:shade val="50000"/>
+              </a:schemeClr>
+            </a:lnRef>
+            <a:fillRef idx="1">
+              <a:schemeClr val="accent1"/>
+            </a:fillRef>
+            <a:effectRef idx="0">
+              <a:schemeClr val="accent1"/>
+            </a:effectRef>
+            <a:fontRef idx="minor">
+              <a:schemeClr val="lt1"/>
+            </a:fontRef>
+          </p:style>
+          <p:txBody>
+            <a:bodyPr rtlCol="0" anchor="ctr"/>
+            <a:lstStyle/>
+            <a:p>
+              <a:pPr algn="ctr"/>
+              <a:r>
+                <a:rPr lang="en-CA" dirty="0" smtClean="0"/>
+                <a:t>-</a:t>
+              </a:r>
+              <a:endParaRPr lang="en-CA" dirty="0"/>
+            </a:p>
+          </p:txBody>
+        </p:sp>
+        <p:sp>
+          <p:nvSpPr>
+            <p:cNvPr id="24" name="Arc 23"/>
+            <p:cNvSpPr/>
+            <p:nvPr/>
+          </p:nvSpPr>
+          <p:spPr>
+            <a:xfrm>
+              <a:off x="5345768" y="3222535"/>
+              <a:ext cx="507467" cy="247408"/>
+            </a:xfrm>
+            <a:prstGeom prst="arc">
+              <a:avLst>
+                <a:gd name="adj1" fmla="val 11523573"/>
+                <a:gd name="adj2" fmla="val 0"/>
+              </a:avLst>
+            </a:prstGeom>
+            <a:ln w="38100">
+              <a:solidFill>
+                <a:schemeClr val="accent4">
+                  <a:lumMod val="75000"/>
+                </a:schemeClr>
+              </a:solidFill>
+              <a:headEnd type="triangle"/>
+              <a:tailEnd type="none"/>
+            </a:ln>
+          </p:spPr>
+          <p:style>
+            <a:lnRef idx="1">
+              <a:schemeClr val="accent1"/>
+            </a:lnRef>
+            <a:fillRef idx="0">
+              <a:schemeClr val="accent1"/>
+            </a:fillRef>
+            <a:effectRef idx="0">
+              <a:schemeClr val="accent1"/>
+            </a:effectRef>
+            <a:fontRef idx="minor">
+              <a:schemeClr val="tx1"/>
+            </a:fontRef>
+          </p:style>
+          <p:txBody>
+            <a:bodyPr rtlCol="0" anchor="ctr"/>
+            <a:lstStyle/>
+            <a:p>
+              <a:pPr algn="ctr"/>
+              <a:endParaRPr lang="en-CA"/>
+            </a:p>
+          </p:txBody>
+        </p:sp>
+        <p:sp>
+          <p:nvSpPr>
+            <p:cNvPr id="31" name="Arc 30"/>
+            <p:cNvSpPr/>
+            <p:nvPr/>
+          </p:nvSpPr>
+          <p:spPr>
+            <a:xfrm>
+              <a:off x="3980737" y="3310999"/>
+              <a:ext cx="507467" cy="247408"/>
+            </a:xfrm>
+            <a:prstGeom prst="arc">
+              <a:avLst>
+                <a:gd name="adj1" fmla="val 11523573"/>
+                <a:gd name="adj2" fmla="val 0"/>
+              </a:avLst>
+            </a:prstGeom>
+            <a:ln w="38100">
+              <a:solidFill>
+                <a:srgbClr val="FF0000"/>
+              </a:solidFill>
+              <a:headEnd type="none"/>
+              <a:tailEnd type="triangle"/>
+            </a:ln>
+          </p:spPr>
+          <p:style>
+            <a:lnRef idx="1">
+              <a:schemeClr val="accent1"/>
+            </a:lnRef>
+            <a:fillRef idx="0">
+              <a:schemeClr val="accent1"/>
+            </a:fillRef>
+            <a:effectRef idx="0">
+              <a:schemeClr val="accent1"/>
+            </a:effectRef>
+            <a:fontRef idx="minor">
+              <a:schemeClr val="tx1"/>
+            </a:fontRef>
+          </p:style>
+          <p:txBody>
+            <a:bodyPr rtlCol="0" anchor="ctr"/>
+            <a:lstStyle/>
+            <a:p>
+              <a:pPr algn="ctr"/>
+              <a:endParaRPr lang="en-CA"/>
+            </a:p>
+          </p:txBody>
+        </p:sp>
+        <p:sp>
+          <p:nvSpPr>
+            <p:cNvPr id="33" name="Oval 32"/>
+            <p:cNvSpPr/>
+            <p:nvPr/>
+          </p:nvSpPr>
+          <p:spPr>
+            <a:xfrm>
+              <a:off x="3935813" y="3107067"/>
+              <a:ext cx="195768" cy="195768"/>
+            </a:xfrm>
+            <a:prstGeom prst="ellipse">
+              <a:avLst/>
+            </a:prstGeom>
+            <a:solidFill>
+              <a:schemeClr val="bg2">
+                <a:lumMod val="10000"/>
+              </a:schemeClr>
+            </a:solidFill>
+            <a:ln w="38100">
+              <a:solidFill>
+                <a:schemeClr val="tx1"/>
+              </a:solidFill>
+            </a:ln>
+          </p:spPr>
+          <p:style>
+            <a:lnRef idx="2">
+              <a:schemeClr val="accent1">
+                <a:shade val="50000"/>
+              </a:schemeClr>
+            </a:lnRef>
+            <a:fillRef idx="1">
+              <a:schemeClr val="accent1"/>
+            </a:fillRef>
+            <a:effectRef idx="0">
+              <a:schemeClr val="accent1"/>
+            </a:effectRef>
+            <a:fontRef idx="minor">
+              <a:schemeClr val="lt1"/>
+            </a:fontRef>
+          </p:style>
+          <p:txBody>
+            <a:bodyPr rtlCol="0" anchor="ctr"/>
+            <a:lstStyle/>
+            <a:p>
+              <a:pPr algn="ctr"/>
+              <a:r>
+                <a:rPr lang="en-CA" dirty="0" smtClean="0"/>
+                <a:t>+</a:t>
+              </a:r>
+              <a:endParaRPr lang="en-CA" dirty="0"/>
+            </a:p>
+          </p:txBody>
+        </p:sp>
+        <p:sp>
+          <p:nvSpPr>
+            <p:cNvPr id="34" name="Oval 33"/>
+            <p:cNvSpPr/>
+            <p:nvPr/>
+          </p:nvSpPr>
+          <p:spPr>
+            <a:xfrm>
+              <a:off x="3740045" y="2893342"/>
+              <a:ext cx="195768" cy="195768"/>
+            </a:xfrm>
+            <a:prstGeom prst="ellipse">
+              <a:avLst/>
+            </a:prstGeom>
+            <a:solidFill>
+              <a:schemeClr val="bg2">
+                <a:lumMod val="10000"/>
+              </a:schemeClr>
+            </a:solidFill>
+            <a:ln w="38100">
+              <a:solidFill>
+                <a:schemeClr val="tx1"/>
+              </a:solidFill>
+            </a:ln>
+          </p:spPr>
+          <p:style>
+            <a:lnRef idx="2">
+              <a:schemeClr val="accent1">
+                <a:shade val="50000"/>
+              </a:schemeClr>
+            </a:lnRef>
+            <a:fillRef idx="1">
+              <a:schemeClr val="accent1"/>
+            </a:fillRef>
+            <a:effectRef idx="0">
+              <a:schemeClr val="accent1"/>
+            </a:effectRef>
+            <a:fontRef idx="minor">
+              <a:schemeClr val="lt1"/>
+            </a:fontRef>
+          </p:style>
+          <p:txBody>
+            <a:bodyPr rtlCol="0" anchor="ctr"/>
+            <a:lstStyle/>
+            <a:p>
+              <a:pPr algn="ctr"/>
+              <a:r>
+                <a:rPr lang="en-CA" dirty="0" smtClean="0"/>
+                <a:t>+</a:t>
+              </a:r>
+              <a:endParaRPr lang="en-CA" dirty="0"/>
+            </a:p>
+          </p:txBody>
+        </p:sp>
+        <p:sp>
+          <p:nvSpPr>
+            <p:cNvPr id="35" name="Oval 34"/>
+            <p:cNvSpPr/>
+            <p:nvPr/>
+          </p:nvSpPr>
+          <p:spPr>
+            <a:xfrm>
+              <a:off x="4020860" y="2721007"/>
+              <a:ext cx="195768" cy="195768"/>
+            </a:xfrm>
+            <a:prstGeom prst="ellipse">
+              <a:avLst/>
+            </a:prstGeom>
+            <a:solidFill>
+              <a:schemeClr val="bg2">
+                <a:lumMod val="10000"/>
+              </a:schemeClr>
+            </a:solidFill>
+            <a:ln w="38100">
+              <a:solidFill>
+                <a:schemeClr val="tx1"/>
+              </a:solidFill>
+            </a:ln>
+          </p:spPr>
+          <p:style>
+            <a:lnRef idx="2">
+              <a:schemeClr val="accent1">
+                <a:shade val="50000"/>
+              </a:schemeClr>
+            </a:lnRef>
+            <a:fillRef idx="1">
+              <a:schemeClr val="accent1"/>
+            </a:fillRef>
+            <a:effectRef idx="0">
+              <a:schemeClr val="accent1"/>
+            </a:effectRef>
+            <a:fontRef idx="minor">
+              <a:schemeClr val="lt1"/>
+            </a:fontRef>
+          </p:style>
+          <p:txBody>
+            <a:bodyPr rtlCol="0" anchor="ctr"/>
+            <a:lstStyle/>
+            <a:p>
+              <a:pPr algn="ctr"/>
+              <a:r>
+                <a:rPr lang="en-CA" dirty="0" smtClean="0"/>
+                <a:t>+</a:t>
+              </a:r>
+              <a:endParaRPr lang="en-CA" dirty="0"/>
+            </a:p>
+          </p:txBody>
+        </p:sp>
+        <p:sp>
+          <p:nvSpPr>
+            <p:cNvPr id="36" name="Oval 35"/>
+            <p:cNvSpPr/>
+            <p:nvPr/>
+          </p:nvSpPr>
+          <p:spPr>
+            <a:xfrm>
+              <a:off x="3784150" y="1939884"/>
+              <a:ext cx="195768" cy="195768"/>
+            </a:xfrm>
+            <a:prstGeom prst="ellipse">
+              <a:avLst/>
+            </a:prstGeom>
+            <a:solidFill>
+              <a:schemeClr val="bg2">
+                <a:lumMod val="10000"/>
+              </a:schemeClr>
+            </a:solidFill>
+            <a:ln w="38100">
+              <a:solidFill>
+                <a:schemeClr val="tx1"/>
+              </a:solidFill>
+            </a:ln>
+          </p:spPr>
+          <p:style>
+            <a:lnRef idx="2">
+              <a:schemeClr val="accent1">
+                <a:shade val="50000"/>
+              </a:schemeClr>
+            </a:lnRef>
+            <a:fillRef idx="1">
+              <a:schemeClr val="accent1"/>
+            </a:fillRef>
+            <a:effectRef idx="0">
+              <a:schemeClr val="accent1"/>
+            </a:effectRef>
+            <a:fontRef idx="minor">
+              <a:schemeClr val="lt1"/>
+            </a:fontRef>
+          </p:style>
+          <p:txBody>
+            <a:bodyPr rtlCol="0" anchor="ctr"/>
+            <a:lstStyle/>
+            <a:p>
+              <a:pPr algn="ctr"/>
+              <a:r>
+                <a:rPr lang="en-CA" dirty="0" smtClean="0"/>
+                <a:t>+</a:t>
+              </a:r>
+              <a:endParaRPr lang="en-CA" dirty="0"/>
+            </a:p>
+          </p:txBody>
+        </p:sp>
+        <p:sp>
+          <p:nvSpPr>
+            <p:cNvPr id="37" name="Oval 36"/>
+            <p:cNvSpPr/>
+            <p:nvPr/>
+          </p:nvSpPr>
+          <p:spPr>
+            <a:xfrm>
+              <a:off x="3740045" y="2459310"/>
+              <a:ext cx="195768" cy="195768"/>
+            </a:xfrm>
+            <a:prstGeom prst="ellipse">
+              <a:avLst/>
+            </a:prstGeom>
+            <a:solidFill>
+              <a:schemeClr val="bg2">
+                <a:lumMod val="10000"/>
+              </a:schemeClr>
+            </a:solidFill>
+            <a:ln w="38100">
+              <a:solidFill>
+                <a:schemeClr val="tx1"/>
+              </a:solidFill>
+            </a:ln>
+          </p:spPr>
+          <p:style>
+            <a:lnRef idx="2">
+              <a:schemeClr val="accent1">
+                <a:shade val="50000"/>
+              </a:schemeClr>
+            </a:lnRef>
+            <a:fillRef idx="1">
+              <a:schemeClr val="accent1"/>
+            </a:fillRef>
+            <a:effectRef idx="0">
+              <a:schemeClr val="accent1"/>
+            </a:effectRef>
+            <a:fontRef idx="minor">
+              <a:schemeClr val="lt1"/>
+            </a:fontRef>
+          </p:style>
+          <p:txBody>
+            <a:bodyPr rtlCol="0" anchor="ctr"/>
+            <a:lstStyle/>
+            <a:p>
+              <a:pPr algn="ctr"/>
+              <a:r>
+                <a:rPr lang="en-CA" dirty="0" smtClean="0"/>
+                <a:t>+</a:t>
+              </a:r>
+              <a:endParaRPr lang="en-CA" dirty="0"/>
+            </a:p>
+          </p:txBody>
+        </p:sp>
+        <p:sp>
+          <p:nvSpPr>
+            <p:cNvPr id="38" name="Oval 37"/>
+            <p:cNvSpPr/>
+            <p:nvPr/>
+          </p:nvSpPr>
+          <p:spPr>
+            <a:xfrm>
+              <a:off x="3959894" y="2211253"/>
+              <a:ext cx="195768" cy="195768"/>
+            </a:xfrm>
+            <a:prstGeom prst="ellipse">
+              <a:avLst/>
+            </a:prstGeom>
+            <a:solidFill>
+              <a:schemeClr val="bg2">
+                <a:lumMod val="10000"/>
+              </a:schemeClr>
+            </a:solidFill>
+            <a:ln w="38100">
+              <a:solidFill>
+                <a:schemeClr val="tx1"/>
+              </a:solidFill>
+            </a:ln>
+          </p:spPr>
+          <p:style>
+            <a:lnRef idx="2">
+              <a:schemeClr val="accent1">
+                <a:shade val="50000"/>
+              </a:schemeClr>
+            </a:lnRef>
+            <a:fillRef idx="1">
+              <a:schemeClr val="accent1"/>
+            </a:fillRef>
+            <a:effectRef idx="0">
+              <a:schemeClr val="accent1"/>
+            </a:effectRef>
+            <a:fontRef idx="minor">
+              <a:schemeClr val="lt1"/>
+            </a:fontRef>
+          </p:style>
+          <p:txBody>
+            <a:bodyPr rtlCol="0" anchor="ctr"/>
+            <a:lstStyle/>
+            <a:p>
+              <a:pPr algn="ctr"/>
+              <a:r>
+                <a:rPr lang="en-CA" dirty="0" smtClean="0"/>
+                <a:t>+</a:t>
+              </a:r>
+              <a:endParaRPr lang="en-CA" dirty="0"/>
+            </a:p>
+          </p:txBody>
+        </p:sp>
+        <mc:AlternateContent xmlns:mc="http://schemas.openxmlformats.org/markup-compatibility/2006">
+          <mc:Choice xmlns:a14="http://schemas.microsoft.com/office/drawing/2010/main" Requires="a14">
+            <p:sp>
+              <p:nvSpPr>
+                <p:cNvPr id="39" name="TextBox 38"/>
+                <p:cNvSpPr txBox="1"/>
+                <p:nvPr/>
+              </p:nvSpPr>
+              <p:spPr>
+                <a:xfrm>
+                  <a:off x="5290079" y="1054945"/>
+                  <a:ext cx="2792944" cy="307777"/>
+                </a:xfrm>
+                <a:prstGeom prst="rect">
+                  <a:avLst/>
+                </a:prstGeom>
+                <a:noFill/>
+              </p:spPr>
+              <p:txBody>
+                <a:bodyPr wrap="none" lIns="0" tIns="0" rIns="0" bIns="0" rtlCol="0">
+                  <a:spAutoFit/>
+                </a:bodyPr>
+                <a:lstStyle/>
+                <a:p>
+                  <a14:m>
+                    <m:oMathPara xmlns:m="http://schemas.openxmlformats.org/officeDocument/2006/math">
+                      <m:oMathParaPr>
+                        <m:jc m:val="centerGroup"/>
+                      </m:oMathParaPr>
+                      <m:oMath xmlns:m="http://schemas.openxmlformats.org/officeDocument/2006/math">
+                        <m:r>
+                          <a:rPr lang="en-US" sz="2000" b="0" i="1" smtClean="0">
+                            <a:latin typeface="Cambria Math" panose="02040503050406030204" pitchFamily="18" charset="0"/>
+                            <a:cs typeface="Arial" panose="020B0604020202020204" pitchFamily="34" charset="0"/>
+                          </a:rPr>
+                          <m:t>𝑁𝑒𝑔𝑎𝑡𝑖𝑣𝑒</m:t>
+                        </m:r>
+                        <m:r>
+                          <a:rPr lang="en-US" sz="2000" b="0" i="1" smtClean="0">
+                            <a:latin typeface="Cambria Math" panose="02040503050406030204" pitchFamily="18" charset="0"/>
+                            <a:cs typeface="Arial" panose="020B0604020202020204" pitchFamily="34" charset="0"/>
+                          </a:rPr>
+                          <m:t> </m:t>
+                        </m:r>
+                        <m:r>
+                          <a:rPr lang="en-US" sz="2000" b="0" i="1" smtClean="0">
+                            <a:latin typeface="Cambria Math" panose="02040503050406030204" pitchFamily="18" charset="0"/>
+                            <a:cs typeface="Arial" panose="020B0604020202020204" pitchFamily="34" charset="0"/>
+                          </a:rPr>
+                          <m:t>𝑡𝑒𝑟𝑚𝑖𝑛𝑎𝑙</m:t>
+                        </m:r>
+                        <m:r>
+                          <a:rPr lang="en-US" sz="2000" b="0" i="1" smtClean="0">
+                            <a:latin typeface="Cambria Math" panose="02040503050406030204" pitchFamily="18" charset="0"/>
+                            <a:cs typeface="Arial" panose="020B0604020202020204" pitchFamily="34" charset="0"/>
+                          </a:rPr>
+                          <m:t> (</m:t>
+                        </m:r>
+                        <m:r>
+                          <a:rPr lang="en-US" sz="2000" b="0" i="1" smtClean="0">
+                            <a:latin typeface="Cambria Math" panose="02040503050406030204" pitchFamily="18" charset="0"/>
+                            <a:cs typeface="Arial" panose="020B0604020202020204" pitchFamily="34" charset="0"/>
+                          </a:rPr>
+                          <m:t>𝑍𝑛</m:t>
+                        </m:r>
+                        <m:r>
+                          <a:rPr lang="en-US" sz="2000" b="0" i="1" smtClean="0">
+                            <a:latin typeface="Cambria Math" panose="02040503050406030204" pitchFamily="18" charset="0"/>
+                            <a:cs typeface="Arial" panose="020B0604020202020204" pitchFamily="34" charset="0"/>
+                          </a:rPr>
+                          <m:t>)</m:t>
+                        </m:r>
+                      </m:oMath>
+                    </m:oMathPara>
+                  </a14:m>
+                  <a:endParaRPr lang="en-CA" sz="2000" dirty="0" smtClean="0">
+                    <a:latin typeface="Arial" panose="020B0604020202020204" pitchFamily="34" charset="0"/>
+                    <a:cs typeface="Arial" panose="020B0604020202020204" pitchFamily="34" charset="0"/>
+                  </a:endParaRPr>
+                </a:p>
+              </p:txBody>
+            </p:sp>
+          </mc:Choice>
+          <mc:Fallback>
+            <p:sp>
+              <p:nvSpPr>
+                <p:cNvPr id="39" name="TextBox 38"/>
+                <p:cNvSpPr txBox="1">
+                  <a:spLocks noRot="1" noChangeAspect="1" noMove="1" noResize="1" noEditPoints="1" noAdjustHandles="1" noChangeArrowheads="1" noChangeShapeType="1" noTextEdit="1"/>
+                </p:cNvSpPr>
+                <p:nvPr/>
+              </p:nvSpPr>
+              <p:spPr>
+                <a:xfrm>
+                  <a:off x="5290079" y="1054945"/>
+                  <a:ext cx="2792944" cy="307777"/>
+                </a:xfrm>
+                <a:prstGeom prst="rect">
+                  <a:avLst/>
+                </a:prstGeom>
+                <a:blipFill rotWithShape="0">
+                  <a:blip r:embed="rId2"/>
+                  <a:stretch>
+                    <a:fillRect l="-2402" r="-2620" b="-40000"/>
+                  </a:stretch>
+                </a:blipFill>
+              </p:spPr>
+              <p:txBody>
+                <a:bodyPr/>
+                <a:lstStyle/>
+                <a:p>
+                  <a:r>
+                    <a:rPr lang="en-CA">
+                      <a:noFill/>
+                    </a:rPr>
+                    <a:t> </a:t>
+                  </a:r>
+                </a:p>
+              </p:txBody>
+            </p:sp>
+          </mc:Fallback>
+        </mc:AlternateContent>
+        <mc:AlternateContent xmlns:mc="http://schemas.openxmlformats.org/markup-compatibility/2006">
+          <mc:Choice xmlns:a14="http://schemas.microsoft.com/office/drawing/2010/main" Requires="a14">
+            <p:sp>
+              <p:nvSpPr>
+                <p:cNvPr id="40" name="TextBox 39"/>
+                <p:cNvSpPr txBox="1"/>
+                <p:nvPr/>
+              </p:nvSpPr>
+              <p:spPr>
+                <a:xfrm>
+                  <a:off x="2811997" y="699051"/>
+                  <a:ext cx="2533771" cy="307777"/>
+                </a:xfrm>
+                <a:prstGeom prst="rect">
+                  <a:avLst/>
+                </a:prstGeom>
+                <a:noFill/>
+              </p:spPr>
+              <p:txBody>
+                <a:bodyPr wrap="none" lIns="0" tIns="0" rIns="0" bIns="0" rtlCol="0">
+                  <a:spAutoFit/>
+                </a:bodyPr>
+                <a:lstStyle/>
+                <a:p>
+                  <a14:m>
+                    <m:oMathPara xmlns:m="http://schemas.openxmlformats.org/officeDocument/2006/math">
+                      <m:oMathParaPr>
+                        <m:jc m:val="centerGroup"/>
+                      </m:oMathParaPr>
+                      <m:oMath xmlns:m="http://schemas.openxmlformats.org/officeDocument/2006/math">
+                        <m:r>
+                          <a:rPr lang="en-US" sz="2000" b="0" i="1" smtClean="0">
+                            <a:latin typeface="Cambria Math" panose="02040503050406030204" pitchFamily="18" charset="0"/>
+                            <a:cs typeface="Arial" panose="020B0604020202020204" pitchFamily="34" charset="0"/>
+                          </a:rPr>
+                          <m:t>𝑃𝑜𝑠𝑖𝑡𝑖𝑣𝑒</m:t>
+                        </m:r>
+                        <m:r>
+                          <a:rPr lang="en-US" sz="2000" b="0" i="1" smtClean="0">
+                            <a:latin typeface="Cambria Math" panose="02040503050406030204" pitchFamily="18" charset="0"/>
+                            <a:cs typeface="Arial" panose="020B0604020202020204" pitchFamily="34" charset="0"/>
+                          </a:rPr>
+                          <m:t> </m:t>
+                        </m:r>
+                        <m:r>
+                          <a:rPr lang="en-US" sz="2000" b="0" i="1" smtClean="0">
+                            <a:latin typeface="Cambria Math" panose="02040503050406030204" pitchFamily="18" charset="0"/>
+                            <a:cs typeface="Arial" panose="020B0604020202020204" pitchFamily="34" charset="0"/>
+                          </a:rPr>
+                          <m:t>𝑡𝑒𝑟𝑚𝑖𝑛𝑎𝑙</m:t>
+                        </m:r>
+                        <m:r>
+                          <a:rPr lang="en-US" sz="2000" b="0" i="1" smtClean="0">
+                            <a:latin typeface="Cambria Math" panose="02040503050406030204" pitchFamily="18" charset="0"/>
+                            <a:cs typeface="Arial" panose="020B0604020202020204" pitchFamily="34" charset="0"/>
+                          </a:rPr>
+                          <m:t> (</m:t>
+                        </m:r>
+                        <m:r>
+                          <a:rPr lang="en-US" sz="2000" b="0" i="1" smtClean="0">
+                            <a:latin typeface="Cambria Math" panose="02040503050406030204" pitchFamily="18" charset="0"/>
+                            <a:cs typeface="Arial" panose="020B0604020202020204" pitchFamily="34" charset="0"/>
+                          </a:rPr>
+                          <m:t>𝐶</m:t>
+                        </m:r>
+                        <m:r>
+                          <a:rPr lang="en-US" sz="2000" b="0" i="1" smtClean="0">
+                            <a:latin typeface="Cambria Math" panose="02040503050406030204" pitchFamily="18" charset="0"/>
+                            <a:cs typeface="Arial" panose="020B0604020202020204" pitchFamily="34" charset="0"/>
+                          </a:rPr>
+                          <m:t>)</m:t>
+                        </m:r>
+                      </m:oMath>
+                    </m:oMathPara>
+                  </a14:m>
+                  <a:endParaRPr lang="en-CA" sz="2000" dirty="0" smtClean="0">
+                    <a:latin typeface="Arial" panose="020B0604020202020204" pitchFamily="34" charset="0"/>
+                    <a:cs typeface="Arial" panose="020B0604020202020204" pitchFamily="34" charset="0"/>
+                  </a:endParaRPr>
+                </a:p>
+              </p:txBody>
+            </p:sp>
+          </mc:Choice>
+          <mc:Fallback>
+            <p:sp>
+              <p:nvSpPr>
+                <p:cNvPr id="40" name="TextBox 39"/>
+                <p:cNvSpPr txBox="1">
+                  <a:spLocks noRot="1" noChangeAspect="1" noMove="1" noResize="1" noEditPoints="1" noAdjustHandles="1" noChangeArrowheads="1" noChangeShapeType="1" noTextEdit="1"/>
+                </p:cNvSpPr>
+                <p:nvPr/>
+              </p:nvSpPr>
+              <p:spPr>
+                <a:xfrm>
+                  <a:off x="2811997" y="699051"/>
+                  <a:ext cx="2533771" cy="307777"/>
+                </a:xfrm>
+                <a:prstGeom prst="rect">
+                  <a:avLst/>
+                </a:prstGeom>
+                <a:blipFill rotWithShape="0">
+                  <a:blip r:embed="rId3"/>
+                  <a:stretch>
+                    <a:fillRect l="-1442" r="-2885" b="-40000"/>
+                  </a:stretch>
+                </a:blipFill>
+              </p:spPr>
+              <p:txBody>
+                <a:bodyPr/>
+                <a:lstStyle/>
+                <a:p>
+                  <a:r>
+                    <a:rPr lang="en-CA">
+                      <a:noFill/>
+                    </a:rPr>
+                    <a:t> </a:t>
+                  </a:r>
+                </a:p>
+              </p:txBody>
+            </p:sp>
+          </mc:Fallback>
+        </mc:AlternateContent>
+        <p:cxnSp>
+          <p:nvCxnSpPr>
+            <p:cNvPr id="42" name="Straight Arrow Connector 41"/>
+            <p:cNvCxnSpPr>
+              <a:stCxn id="40" idx="2"/>
+            </p:cNvCxnSpPr>
+            <p:nvPr/>
+          </p:nvCxnSpPr>
+          <p:spPr>
+            <a:xfrm flipH="1">
+              <a:off x="4020860" y="1006828"/>
+              <a:ext cx="58023" cy="543481"/>
+            </a:xfrm>
+            <a:prstGeom prst="straightConnector1">
+              <a:avLst/>
+            </a:prstGeom>
+            <a:ln w="38100">
+              <a:solidFill>
+                <a:schemeClr val="tx1"/>
+              </a:solidFill>
+              <a:tailEnd type="triangle"/>
+            </a:ln>
+          </p:spPr>
+          <p:style>
+            <a:lnRef idx="1">
+              <a:schemeClr val="accent1"/>
+            </a:lnRef>
+            <a:fillRef idx="0">
+              <a:schemeClr val="accent1"/>
+            </a:fillRef>
+            <a:effectRef idx="0">
+              <a:schemeClr val="accent1"/>
+            </a:effectRef>
+            <a:fontRef idx="minor">
+              <a:schemeClr val="tx1"/>
+            </a:fontRef>
+          </p:style>
+        </p:cxnSp>
+        <p:cxnSp>
+          <p:nvCxnSpPr>
+            <p:cNvPr id="43" name="Straight Arrow Connector 42"/>
+            <p:cNvCxnSpPr>
+              <a:stCxn id="39" idx="2"/>
+            </p:cNvCxnSpPr>
+            <p:nvPr/>
+          </p:nvCxnSpPr>
+          <p:spPr>
+            <a:xfrm flipH="1">
+              <a:off x="6400800" y="1362722"/>
+              <a:ext cx="285751" cy="299954"/>
+            </a:xfrm>
+            <a:prstGeom prst="straightConnector1">
+              <a:avLst/>
+            </a:prstGeom>
+            <a:ln w="38100">
+              <a:solidFill>
+                <a:schemeClr val="tx1"/>
+              </a:solidFill>
+              <a:tailEnd type="triangle"/>
+            </a:ln>
+          </p:spPr>
+          <p:style>
+            <a:lnRef idx="1">
+              <a:schemeClr val="accent1"/>
+            </a:lnRef>
+            <a:fillRef idx="0">
+              <a:schemeClr val="accent1"/>
+            </a:fillRef>
+            <a:effectRef idx="0">
+              <a:schemeClr val="accent1"/>
+            </a:effectRef>
+            <a:fontRef idx="minor">
+              <a:schemeClr val="tx1"/>
+            </a:fontRef>
+          </p:style>
+        </p:cxnSp>
+        <mc:AlternateContent xmlns:mc="http://schemas.openxmlformats.org/markup-compatibility/2006">
+          <mc:Choice xmlns:a14="http://schemas.microsoft.com/office/drawing/2010/main" Requires="a14">
+            <p:sp>
+              <p:nvSpPr>
+                <p:cNvPr id="48" name="TextBox 47"/>
+                <p:cNvSpPr txBox="1"/>
+                <p:nvPr/>
+              </p:nvSpPr>
+              <p:spPr>
+                <a:xfrm>
+                  <a:off x="2779451" y="4696765"/>
+                  <a:ext cx="2354491" cy="307777"/>
+                </a:xfrm>
+                <a:prstGeom prst="rect">
+                  <a:avLst/>
+                </a:prstGeom>
+                <a:noFill/>
+              </p:spPr>
+              <p:txBody>
+                <a:bodyPr wrap="none" lIns="0" tIns="0" rIns="0" bIns="0" rtlCol="0">
+                  <a:spAutoFit/>
+                </a:bodyPr>
+                <a:lstStyle/>
+                <a:p>
+                  <a14:m>
+                    <m:oMathPara xmlns:m="http://schemas.openxmlformats.org/officeDocument/2006/math">
+                      <m:oMathParaPr>
+                        <m:jc m:val="centerGroup"/>
+                      </m:oMathParaPr>
+                      <m:oMath xmlns:m="http://schemas.openxmlformats.org/officeDocument/2006/math">
+                        <m:r>
+                          <a:rPr lang="en-US" sz="2000" b="0" i="1" smtClean="0">
+                            <a:latin typeface="Cambria Math" panose="02040503050406030204" pitchFamily="18" charset="0"/>
+                            <a:cs typeface="Arial" panose="020B0604020202020204" pitchFamily="34" charset="0"/>
+                          </a:rPr>
+                          <m:t>𝐸𝑙𝑒𝑐𝑡𝑟𝑜𝑙𝑦𝑡𝑒</m:t>
+                        </m:r>
+                        <m:r>
+                          <a:rPr lang="en-US" sz="2000" b="0" i="0" smtClean="0">
+                            <a:latin typeface="Cambria Math" panose="02040503050406030204" pitchFamily="18" charset="0"/>
+                            <a:cs typeface="Arial" panose="020B0604020202020204" pitchFamily="34" charset="0"/>
+                          </a:rPr>
+                          <m:t> (</m:t>
+                        </m:r>
+                        <m:sSub>
+                          <m:sSubPr>
+                            <m:ctrlPr>
+                              <a:rPr lang="en-US" sz="2000" b="0" i="0" smtClean="0">
+                                <a:latin typeface="Cambria Math" panose="02040503050406030204" pitchFamily="18" charset="0"/>
+                                <a:cs typeface="Arial" panose="020B0604020202020204" pitchFamily="34" charset="0"/>
+                              </a:rPr>
+                            </m:ctrlPr>
+                          </m:sSubPr>
+                          <m:e>
+                            <m:r>
+                              <m:rPr>
+                                <m:sty m:val="p"/>
+                              </m:rPr>
+                              <a:rPr lang="en-US" sz="2000" b="0" i="0" smtClean="0">
+                                <a:latin typeface="Cambria Math" panose="02040503050406030204" pitchFamily="18" charset="0"/>
+                                <a:cs typeface="Arial" panose="020B0604020202020204" pitchFamily="34" charset="0"/>
+                              </a:rPr>
+                              <m:t>H</m:t>
+                            </m:r>
+                          </m:e>
+                          <m:sub>
+                            <m:r>
+                              <a:rPr lang="en-US" sz="2000" b="0" i="0" smtClean="0">
+                                <a:latin typeface="Cambria Math" panose="02040503050406030204" pitchFamily="18" charset="0"/>
+                                <a:cs typeface="Arial" panose="020B0604020202020204" pitchFamily="34" charset="0"/>
+                              </a:rPr>
+                              <m:t>2</m:t>
+                            </m:r>
+                          </m:sub>
+                        </m:sSub>
+                        <m:sSub>
+                          <m:sSubPr>
+                            <m:ctrlPr>
+                              <a:rPr lang="en-US" sz="2000" b="0" i="0" smtClean="0">
+                                <a:latin typeface="Cambria Math" panose="02040503050406030204" pitchFamily="18" charset="0"/>
+                                <a:cs typeface="Arial" panose="020B0604020202020204" pitchFamily="34" charset="0"/>
+                              </a:rPr>
+                            </m:ctrlPr>
+                          </m:sSubPr>
+                          <m:e>
+                            <m:r>
+                              <m:rPr>
+                                <m:sty m:val="p"/>
+                              </m:rPr>
+                              <a:rPr lang="en-US" sz="2000" b="0" i="0" smtClean="0">
+                                <a:latin typeface="Cambria Math" panose="02040503050406030204" pitchFamily="18" charset="0"/>
+                                <a:cs typeface="Arial" panose="020B0604020202020204" pitchFamily="34" charset="0"/>
+                              </a:rPr>
+                              <m:t>SO</m:t>
+                            </m:r>
+                          </m:e>
+                          <m:sub>
+                            <m:r>
+                              <a:rPr lang="en-US" sz="2000" b="0" i="0" smtClean="0">
+                                <a:latin typeface="Cambria Math" panose="02040503050406030204" pitchFamily="18" charset="0"/>
+                                <a:cs typeface="Arial" panose="020B0604020202020204" pitchFamily="34" charset="0"/>
+                              </a:rPr>
+                              <m:t>4</m:t>
+                            </m:r>
+                          </m:sub>
+                        </m:sSub>
+                        <m:r>
+                          <a:rPr lang="en-US" sz="2000" b="0" i="0" smtClean="0">
+                            <a:latin typeface="Cambria Math" panose="02040503050406030204" pitchFamily="18" charset="0"/>
+                            <a:cs typeface="Arial" panose="020B0604020202020204" pitchFamily="34" charset="0"/>
+                          </a:rPr>
+                          <m:t>)</m:t>
+                        </m:r>
+                      </m:oMath>
+                    </m:oMathPara>
+                  </a14:m>
+                  <a:endParaRPr lang="en-CA" sz="2000" dirty="0" smtClean="0">
+                    <a:latin typeface="Arial" panose="020B0604020202020204" pitchFamily="34" charset="0"/>
+                    <a:cs typeface="Arial" panose="020B0604020202020204" pitchFamily="34" charset="0"/>
+                  </a:endParaRPr>
+                </a:p>
+              </p:txBody>
+            </p:sp>
+          </mc:Choice>
+          <mc:Fallback>
+            <p:sp>
+              <p:nvSpPr>
+                <p:cNvPr id="48" name="TextBox 47"/>
+                <p:cNvSpPr txBox="1">
+                  <a:spLocks noRot="1" noChangeAspect="1" noMove="1" noResize="1" noEditPoints="1" noAdjustHandles="1" noChangeArrowheads="1" noChangeShapeType="1" noTextEdit="1"/>
+                </p:cNvSpPr>
+                <p:nvPr/>
+              </p:nvSpPr>
+              <p:spPr>
+                <a:xfrm>
+                  <a:off x="2779451" y="4696765"/>
+                  <a:ext cx="2354491" cy="307777"/>
+                </a:xfrm>
+                <a:prstGeom prst="rect">
+                  <a:avLst/>
+                </a:prstGeom>
+                <a:blipFill rotWithShape="0">
+                  <a:blip r:embed="rId4"/>
+                  <a:stretch>
+                    <a:fillRect l="-3109" r="-3368" b="-37255"/>
+                  </a:stretch>
+                </a:blipFill>
+              </p:spPr>
+              <p:txBody>
+                <a:bodyPr/>
+                <a:lstStyle/>
+                <a:p>
+                  <a:r>
+                    <a:rPr lang="en-CA">
+                      <a:noFill/>
+                    </a:rPr>
+                    <a:t> </a:t>
+                  </a:r>
+                </a:p>
+              </p:txBody>
+            </p:sp>
+          </mc:Fallback>
+        </mc:AlternateContent>
+        <p:cxnSp>
+          <p:nvCxnSpPr>
+            <p:cNvPr id="49" name="Straight Arrow Connector 48"/>
+            <p:cNvCxnSpPr>
+              <a:stCxn id="48" idx="0"/>
+            </p:cNvCxnSpPr>
+            <p:nvPr/>
+          </p:nvCxnSpPr>
+          <p:spPr>
+            <a:xfrm flipH="1" flipV="1">
+              <a:off x="3695878" y="4130401"/>
+              <a:ext cx="260819" cy="566364"/>
+            </a:xfrm>
+            <a:prstGeom prst="straightConnector1">
+              <a:avLst/>
+            </a:prstGeom>
+            <a:ln w="38100">
+              <a:solidFill>
+                <a:schemeClr val="tx1"/>
+              </a:solidFill>
+              <a:tailEnd type="triangle"/>
+            </a:ln>
+          </p:spPr>
+          <p:style>
+            <a:lnRef idx="1">
+              <a:schemeClr val="accent1"/>
+            </a:lnRef>
+            <a:fillRef idx="0">
+              <a:schemeClr val="accent1"/>
+            </a:fillRef>
+            <a:effectRef idx="0">
+              <a:schemeClr val="accent1"/>
+            </a:effectRef>
+            <a:fontRef idx="minor">
+              <a:schemeClr val="tx1"/>
+            </a:fontRef>
+          </p:style>
+        </p:cxnSp>
+        <mc:AlternateContent xmlns:mc="http://schemas.openxmlformats.org/markup-compatibility/2006">
+          <mc:Choice xmlns:a14="http://schemas.microsoft.com/office/drawing/2010/main" Requires="a14">
+            <p:sp>
+              <p:nvSpPr>
+                <p:cNvPr id="52" name="TextBox 51"/>
+                <p:cNvSpPr txBox="1"/>
+                <p:nvPr/>
+              </p:nvSpPr>
+              <p:spPr>
+                <a:xfrm>
+                  <a:off x="5646020" y="4602819"/>
+                  <a:ext cx="1004762" cy="307777"/>
+                </a:xfrm>
+                <a:prstGeom prst="rect">
+                  <a:avLst/>
+                </a:prstGeom>
+                <a:noFill/>
+              </p:spPr>
+              <p:txBody>
+                <a:bodyPr wrap="none" lIns="0" tIns="0" rIns="0" bIns="0" rtlCol="0">
+                  <a:spAutoFit/>
+                </a:bodyPr>
+                <a:lstStyle/>
+                <a:p>
+                  <a14:m>
+                    <m:oMathPara xmlns:m="http://schemas.openxmlformats.org/officeDocument/2006/math">
+                      <m:oMathParaPr>
+                        <m:jc m:val="centerGroup"/>
+                      </m:oMathParaPr>
+                      <m:oMath xmlns:m="http://schemas.openxmlformats.org/officeDocument/2006/math">
+                        <m:r>
+                          <a:rPr lang="en-US" sz="2000" b="0" i="1" smtClean="0">
+                            <a:latin typeface="Cambria Math" panose="02040503050406030204" pitchFamily="18" charset="0"/>
+                            <a:cs typeface="Arial" panose="020B0604020202020204" pitchFamily="34" charset="0"/>
+                          </a:rPr>
+                          <m:t>𝑍𝑖𝑛𝑐</m:t>
+                        </m:r>
+                        <m:r>
+                          <a:rPr lang="en-US" sz="2000" b="0" i="1" smtClean="0">
+                            <a:latin typeface="Cambria Math" panose="02040503050406030204" pitchFamily="18" charset="0"/>
+                            <a:cs typeface="Arial" panose="020B0604020202020204" pitchFamily="34" charset="0"/>
+                          </a:rPr>
+                          <m:t> </m:t>
+                        </m:r>
+                        <m:r>
+                          <a:rPr lang="en-US" sz="2000" b="0" i="1" smtClean="0">
+                            <a:latin typeface="Cambria Math" panose="02040503050406030204" pitchFamily="18" charset="0"/>
+                            <a:cs typeface="Arial" panose="020B0604020202020204" pitchFamily="34" charset="0"/>
+                          </a:rPr>
+                          <m:t>𝑖𝑜𝑛</m:t>
+                        </m:r>
+                      </m:oMath>
+                    </m:oMathPara>
+                  </a14:m>
+                  <a:endParaRPr lang="en-CA" sz="2000" dirty="0" smtClean="0">
+                    <a:latin typeface="Arial" panose="020B0604020202020204" pitchFamily="34" charset="0"/>
+                    <a:cs typeface="Arial" panose="020B0604020202020204" pitchFamily="34" charset="0"/>
+                  </a:endParaRPr>
+                </a:p>
+              </p:txBody>
+            </p:sp>
+          </mc:Choice>
+          <mc:Fallback>
+            <p:sp>
+              <p:nvSpPr>
+                <p:cNvPr id="52" name="TextBox 51"/>
+                <p:cNvSpPr txBox="1">
+                  <a:spLocks noRot="1" noChangeAspect="1" noMove="1" noResize="1" noEditPoints="1" noAdjustHandles="1" noChangeArrowheads="1" noChangeShapeType="1" noTextEdit="1"/>
+                </p:cNvSpPr>
+                <p:nvPr/>
+              </p:nvSpPr>
+              <p:spPr>
+                <a:xfrm>
+                  <a:off x="5646020" y="4602819"/>
+                  <a:ext cx="1004762" cy="307777"/>
+                </a:xfrm>
+                <a:prstGeom prst="rect">
+                  <a:avLst/>
+                </a:prstGeom>
+                <a:blipFill rotWithShape="0">
+                  <a:blip r:embed="rId5"/>
+                  <a:stretch>
+                    <a:fillRect l="-5455" r="-3636" b="-10000"/>
+                  </a:stretch>
+                </a:blipFill>
+              </p:spPr>
+              <p:txBody>
+                <a:bodyPr/>
+                <a:lstStyle/>
+                <a:p>
+                  <a:r>
+                    <a:rPr lang="en-CA">
+                      <a:noFill/>
+                    </a:rPr>
+                    <a:t> </a:t>
+                  </a:r>
+                </a:p>
+              </p:txBody>
+            </p:sp>
+          </mc:Fallback>
+        </mc:AlternateContent>
+        <p:cxnSp>
+          <p:nvCxnSpPr>
+            <p:cNvPr id="53" name="Straight Arrow Connector 52"/>
+            <p:cNvCxnSpPr>
+              <a:stCxn id="52" idx="0"/>
+            </p:cNvCxnSpPr>
+            <p:nvPr/>
+          </p:nvCxnSpPr>
+          <p:spPr>
+            <a:xfrm flipH="1" flipV="1">
+              <a:off x="5790790" y="4169613"/>
+              <a:ext cx="357611" cy="433206"/>
+            </a:xfrm>
+            <a:prstGeom prst="straightConnector1">
+              <a:avLst/>
+            </a:prstGeom>
+            <a:ln w="38100">
+              <a:solidFill>
+                <a:schemeClr val="tx1"/>
+              </a:solidFill>
+              <a:tailEnd type="triangle"/>
+            </a:ln>
+          </p:spPr>
+          <p:style>
+            <a:lnRef idx="1">
+              <a:schemeClr val="accent1"/>
+            </a:lnRef>
+            <a:fillRef idx="0">
+              <a:schemeClr val="accent1"/>
+            </a:fillRef>
+            <a:effectRef idx="0">
+              <a:schemeClr val="accent1"/>
+            </a:effectRef>
+            <a:fontRef idx="minor">
+              <a:schemeClr val="tx1"/>
+            </a:fontRef>
+          </p:style>
+        </p:cxnSp>
+        <mc:AlternateContent xmlns:mc="http://schemas.openxmlformats.org/markup-compatibility/2006">
+          <mc:Choice xmlns:a14="http://schemas.microsoft.com/office/drawing/2010/main" Requires="a14">
+            <p:sp>
+              <p:nvSpPr>
+                <p:cNvPr id="56" name="TextBox 55"/>
+                <p:cNvSpPr txBox="1"/>
+                <p:nvPr/>
+              </p:nvSpPr>
+              <p:spPr>
+                <a:xfrm>
+                  <a:off x="2178456" y="1726518"/>
+                  <a:ext cx="1339213" cy="307777"/>
+                </a:xfrm>
+                <a:prstGeom prst="rect">
+                  <a:avLst/>
+                </a:prstGeom>
+                <a:noFill/>
+              </p:spPr>
+              <p:txBody>
+                <a:bodyPr wrap="none" lIns="0" tIns="0" rIns="0" bIns="0" rtlCol="0">
+                  <a:spAutoFit/>
+                </a:bodyPr>
+                <a:lstStyle/>
+                <a:p>
+                  <a14:m>
+                    <m:oMathPara xmlns:m="http://schemas.openxmlformats.org/officeDocument/2006/math">
+                      <m:oMathParaPr>
+                        <m:jc m:val="centerGroup"/>
+                      </m:oMathParaPr>
+                      <m:oMath xmlns:m="http://schemas.openxmlformats.org/officeDocument/2006/math">
+                        <m:r>
+                          <a:rPr lang="en-US" sz="2000" b="0" i="1" smtClean="0">
+                            <a:latin typeface="Cambria Math" panose="02040503050406030204" pitchFamily="18" charset="0"/>
+                            <a:cs typeface="Arial" panose="020B0604020202020204" pitchFamily="34" charset="0"/>
+                          </a:rPr>
+                          <m:t>𝐶𝑎𝑟𝑏𝑜𝑛</m:t>
+                        </m:r>
+                        <m:r>
+                          <a:rPr lang="en-US" sz="2000" b="0" i="1" smtClean="0">
+                            <a:latin typeface="Cambria Math" panose="02040503050406030204" pitchFamily="18" charset="0"/>
+                            <a:cs typeface="Arial" panose="020B0604020202020204" pitchFamily="34" charset="0"/>
+                          </a:rPr>
+                          <m:t> </m:t>
+                        </m:r>
+                        <m:r>
+                          <a:rPr lang="en-US" sz="2000" b="0" i="1" smtClean="0">
+                            <a:latin typeface="Cambria Math" panose="02040503050406030204" pitchFamily="18" charset="0"/>
+                            <a:cs typeface="Arial" panose="020B0604020202020204" pitchFamily="34" charset="0"/>
+                          </a:rPr>
+                          <m:t>𝑖𝑜𝑛</m:t>
+                        </m:r>
+                      </m:oMath>
+                    </m:oMathPara>
+                  </a14:m>
+                  <a:endParaRPr lang="en-CA" sz="2000" dirty="0" smtClean="0">
+                    <a:latin typeface="Arial" panose="020B0604020202020204" pitchFamily="34" charset="0"/>
+                    <a:cs typeface="Arial" panose="020B0604020202020204" pitchFamily="34" charset="0"/>
+                  </a:endParaRPr>
+                </a:p>
+              </p:txBody>
+            </p:sp>
+          </mc:Choice>
+          <mc:Fallback>
+            <p:sp>
+              <p:nvSpPr>
+                <p:cNvPr id="56" name="TextBox 55"/>
+                <p:cNvSpPr txBox="1">
+                  <a:spLocks noRot="1" noChangeAspect="1" noMove="1" noResize="1" noEditPoints="1" noAdjustHandles="1" noChangeArrowheads="1" noChangeShapeType="1" noTextEdit="1"/>
+                </p:cNvSpPr>
+                <p:nvPr/>
+              </p:nvSpPr>
+              <p:spPr>
+                <a:xfrm>
+                  <a:off x="2178456" y="1726518"/>
+                  <a:ext cx="1339213" cy="307777"/>
+                </a:xfrm>
+                <a:prstGeom prst="rect">
+                  <a:avLst/>
+                </a:prstGeom>
+                <a:blipFill rotWithShape="0">
+                  <a:blip r:embed="rId6"/>
+                  <a:stretch>
+                    <a:fillRect l="-3636" r="-3182" b="-9804"/>
+                  </a:stretch>
+                </a:blipFill>
+              </p:spPr>
+              <p:txBody>
+                <a:bodyPr/>
+                <a:lstStyle/>
+                <a:p>
+                  <a:r>
+                    <a:rPr lang="en-CA">
+                      <a:noFill/>
+                    </a:rPr>
+                    <a:t> </a:t>
+                  </a:r>
+                </a:p>
+              </p:txBody>
+            </p:sp>
+          </mc:Fallback>
+        </mc:AlternateContent>
+        <p:cxnSp>
+          <p:nvCxnSpPr>
+            <p:cNvPr id="58" name="Straight Arrow Connector 57"/>
+            <p:cNvCxnSpPr>
+              <a:stCxn id="56" idx="2"/>
+            </p:cNvCxnSpPr>
+            <p:nvPr/>
+          </p:nvCxnSpPr>
+          <p:spPr>
+            <a:xfrm>
+              <a:off x="2848063" y="2034295"/>
+              <a:ext cx="836889" cy="455383"/>
+            </a:xfrm>
+            <a:prstGeom prst="straightConnector1">
+              <a:avLst/>
+            </a:prstGeom>
+            <a:ln w="38100">
+              <a:solidFill>
+                <a:schemeClr val="tx1"/>
+              </a:solidFill>
+              <a:tailEnd type="triangle"/>
+            </a:ln>
+          </p:spPr>
+          <p:style>
+            <a:lnRef idx="1">
+              <a:schemeClr val="accent1"/>
+            </a:lnRef>
+            <a:fillRef idx="0">
+              <a:schemeClr val="accent1"/>
+            </a:fillRef>
+            <a:effectRef idx="0">
+              <a:schemeClr val="accent1"/>
+            </a:effectRef>
+            <a:fontRef idx="minor">
+              <a:schemeClr val="tx1"/>
+            </a:fontRef>
+          </p:style>
+        </p:cxnSp>
+        <p:cxnSp>
+          <p:nvCxnSpPr>
+            <p:cNvPr id="61" name="Straight Arrow Connector 60"/>
+            <p:cNvCxnSpPr/>
+            <p:nvPr/>
+          </p:nvCxnSpPr>
+          <p:spPr>
+            <a:xfrm flipH="1" flipV="1">
+              <a:off x="6051554" y="3024491"/>
+              <a:ext cx="1034936" cy="194943"/>
+            </a:xfrm>
+            <a:prstGeom prst="straightConnector1">
+              <a:avLst/>
+            </a:prstGeom>
+            <a:ln w="38100">
+              <a:solidFill>
+                <a:schemeClr val="tx1"/>
+              </a:solidFill>
+              <a:tailEnd type="triangle"/>
+            </a:ln>
+          </p:spPr>
+          <p:style>
+            <a:lnRef idx="1">
+              <a:schemeClr val="accent1"/>
+            </a:lnRef>
+            <a:fillRef idx="0">
+              <a:schemeClr val="accent1"/>
+            </a:fillRef>
+            <a:effectRef idx="0">
+              <a:schemeClr val="accent1"/>
+            </a:effectRef>
+            <a:fontRef idx="minor">
+              <a:schemeClr val="tx1"/>
+            </a:fontRef>
+          </p:style>
+        </p:cxnSp>
+        <mc:AlternateContent xmlns:mc="http://schemas.openxmlformats.org/markup-compatibility/2006">
+          <mc:Choice xmlns:a14="http://schemas.microsoft.com/office/drawing/2010/main" Requires="a14">
+            <p:sp>
+              <p:nvSpPr>
+                <p:cNvPr id="63" name="TextBox 62"/>
+                <p:cNvSpPr txBox="1"/>
+                <p:nvPr/>
+              </p:nvSpPr>
+              <p:spPr>
+                <a:xfrm>
+                  <a:off x="6842812" y="3263761"/>
+                  <a:ext cx="1068754" cy="307777"/>
+                </a:xfrm>
+                <a:prstGeom prst="rect">
+                  <a:avLst/>
+                </a:prstGeom>
+                <a:noFill/>
+              </p:spPr>
+              <p:txBody>
+                <a:bodyPr wrap="none" lIns="0" tIns="0" rIns="0" bIns="0" rtlCol="0">
+                  <a:spAutoFit/>
+                </a:bodyPr>
+                <a:lstStyle/>
+                <a:p>
+                  <a14:m>
+                    <m:oMathPara xmlns:m="http://schemas.openxmlformats.org/officeDocument/2006/math">
+                      <m:oMathParaPr>
+                        <m:jc m:val="centerGroup"/>
+                      </m:oMathParaPr>
+                      <m:oMath xmlns:m="http://schemas.openxmlformats.org/officeDocument/2006/math">
+                        <m:r>
+                          <a:rPr lang="en-US" sz="2000" b="0" i="1" smtClean="0">
+                            <a:latin typeface="Cambria Math" panose="02040503050406030204" pitchFamily="18" charset="0"/>
+                            <a:cs typeface="Arial" panose="020B0604020202020204" pitchFamily="34" charset="0"/>
+                          </a:rPr>
+                          <m:t>𝐸𝑙𝑒𝑐𝑡𝑟𝑜𝑛</m:t>
+                        </m:r>
+                      </m:oMath>
+                    </m:oMathPara>
+                  </a14:m>
+                  <a:endParaRPr lang="en-CA" sz="2000" dirty="0" smtClean="0">
+                    <a:latin typeface="Arial" panose="020B0604020202020204" pitchFamily="34" charset="0"/>
+                    <a:cs typeface="Arial" panose="020B0604020202020204" pitchFamily="34" charset="0"/>
+                  </a:endParaRPr>
+                </a:p>
+              </p:txBody>
+            </p:sp>
+          </mc:Choice>
+          <mc:Fallback>
+            <p:sp>
+              <p:nvSpPr>
+                <p:cNvPr id="63" name="TextBox 62"/>
+                <p:cNvSpPr txBox="1">
+                  <a:spLocks noRot="1" noChangeAspect="1" noMove="1" noResize="1" noEditPoints="1" noAdjustHandles="1" noChangeArrowheads="1" noChangeShapeType="1" noTextEdit="1"/>
+                </p:cNvSpPr>
+                <p:nvPr/>
+              </p:nvSpPr>
+              <p:spPr>
+                <a:xfrm>
+                  <a:off x="6842812" y="3263761"/>
+                  <a:ext cx="1068754" cy="307777"/>
+                </a:xfrm>
+                <a:prstGeom prst="rect">
+                  <a:avLst/>
+                </a:prstGeom>
+                <a:blipFill rotWithShape="0">
+                  <a:blip r:embed="rId7"/>
+                  <a:stretch>
+                    <a:fillRect l="-4545" r="-4545" b="-9804"/>
+                  </a:stretch>
+                </a:blipFill>
+              </p:spPr>
+              <p:txBody>
+                <a:bodyPr/>
+                <a:lstStyle/>
+                <a:p>
+                  <a:r>
+                    <a:rPr lang="en-CA">
+                      <a:noFill/>
+                    </a:rPr>
+                    <a:t> </a:t>
+                  </a:r>
+                </a:p>
+              </p:txBody>
+            </p:sp>
+          </mc:Fallback>
+        </mc:AlternateContent>
+        <p:cxnSp>
+          <p:nvCxnSpPr>
+            <p:cNvPr id="65" name="Straight Arrow Connector 64"/>
+            <p:cNvCxnSpPr/>
+            <p:nvPr/>
+          </p:nvCxnSpPr>
+          <p:spPr>
+            <a:xfrm>
+              <a:off x="4235742" y="2070294"/>
+              <a:ext cx="1465475" cy="0"/>
+            </a:xfrm>
+            <a:prstGeom prst="straightConnector1">
+              <a:avLst/>
+            </a:prstGeom>
+            <a:ln w="38100">
+              <a:solidFill>
+                <a:schemeClr val="tx1"/>
+              </a:solidFill>
+              <a:headEnd type="triangle"/>
+              <a:tailEnd type="triangle"/>
+            </a:ln>
+          </p:spPr>
+          <p:style>
+            <a:lnRef idx="1">
+              <a:schemeClr val="accent1"/>
+            </a:lnRef>
+            <a:fillRef idx="0">
+              <a:schemeClr val="accent1"/>
+            </a:fillRef>
+            <a:effectRef idx="0">
+              <a:schemeClr val="accent1"/>
+            </a:effectRef>
+            <a:fontRef idx="minor">
+              <a:schemeClr val="tx1"/>
+            </a:fontRef>
+          </p:style>
+        </p:cxnSp>
+        <mc:AlternateContent xmlns:mc="http://schemas.openxmlformats.org/markup-compatibility/2006">
+          <mc:Choice xmlns:a14="http://schemas.microsoft.com/office/drawing/2010/main" Requires="a14">
+            <p:sp>
+              <p:nvSpPr>
+                <p:cNvPr id="66" name="TextBox 65"/>
+                <p:cNvSpPr txBox="1"/>
+                <p:nvPr/>
+              </p:nvSpPr>
+              <p:spPr>
+                <a:xfrm>
+                  <a:off x="4834678" y="1753849"/>
+                  <a:ext cx="391261" cy="307777"/>
+                </a:xfrm>
+                <a:prstGeom prst="rect">
+                  <a:avLst/>
+                </a:prstGeom>
+                <a:noFill/>
+              </p:spPr>
+              <p:txBody>
+                <a:bodyPr wrap="none" lIns="0" tIns="0" rIns="0" bIns="0" rtlCol="0">
+                  <a:spAutoFit/>
+                </a:bodyPr>
+                <a:lstStyle/>
+                <a:p>
+                  <a14:m>
+                    <m:oMathPara xmlns:m="http://schemas.openxmlformats.org/officeDocument/2006/math">
+                      <m:oMathParaPr>
+                        <m:jc m:val="centerGroup"/>
+                      </m:oMathParaPr>
+                      <m:oMath xmlns:m="http://schemas.openxmlformats.org/officeDocument/2006/math">
+                        <m:r>
+                          <m:rPr>
+                            <m:sty m:val="p"/>
+                          </m:rPr>
+                          <a:rPr lang="en-US" sz="2000" b="0" i="0" smtClean="0">
+                            <a:latin typeface="Cambria Math" panose="02040503050406030204" pitchFamily="18" charset="0"/>
+                            <a:cs typeface="Arial" panose="020B0604020202020204" pitchFamily="34" charset="0"/>
+                          </a:rPr>
+                          <m:t>Δ</m:t>
+                        </m:r>
+                        <m:r>
+                          <a:rPr lang="en-US" sz="2000" b="0" i="1" smtClean="0">
+                            <a:latin typeface="Cambria Math" panose="02040503050406030204" pitchFamily="18" charset="0"/>
+                            <a:cs typeface="Arial" panose="020B0604020202020204" pitchFamily="34" charset="0"/>
+                          </a:rPr>
+                          <m:t>𝑉</m:t>
+                        </m:r>
+                      </m:oMath>
+                    </m:oMathPara>
+                  </a14:m>
+                  <a:endParaRPr lang="en-CA" sz="2000" dirty="0" smtClean="0">
+                    <a:latin typeface="Arial" panose="020B0604020202020204" pitchFamily="34" charset="0"/>
+                    <a:cs typeface="Arial" panose="020B0604020202020204" pitchFamily="34" charset="0"/>
+                  </a:endParaRPr>
+                </a:p>
+              </p:txBody>
+            </p:sp>
+          </mc:Choice>
+          <mc:Fallback>
+            <p:sp>
+              <p:nvSpPr>
+                <p:cNvPr id="66" name="TextBox 65"/>
+                <p:cNvSpPr txBox="1">
+                  <a:spLocks noRot="1" noChangeAspect="1" noMove="1" noResize="1" noEditPoints="1" noAdjustHandles="1" noChangeArrowheads="1" noChangeShapeType="1" noTextEdit="1"/>
+                </p:cNvSpPr>
+                <p:nvPr/>
+              </p:nvSpPr>
+              <p:spPr>
+                <a:xfrm>
+                  <a:off x="4834678" y="1753849"/>
+                  <a:ext cx="391261" cy="307777"/>
+                </a:xfrm>
+                <a:prstGeom prst="rect">
+                  <a:avLst/>
+                </a:prstGeom>
+                <a:blipFill rotWithShape="0">
+                  <a:blip r:embed="rId8"/>
+                  <a:stretch>
+                    <a:fillRect l="-14063" r="-10938" b="-10000"/>
+                  </a:stretch>
+                </a:blipFill>
+              </p:spPr>
+              <p:txBody>
+                <a:bodyPr/>
+                <a:lstStyle/>
+                <a:p>
+                  <a:r>
+                    <a:rPr lang="en-CA">
+                      <a:noFill/>
+                    </a:rPr>
+                    <a:t> </a:t>
+                  </a:r>
+                </a:p>
+              </p:txBody>
+            </p:sp>
+          </mc:Fallback>
+        </mc:AlternateContent>
+      </p:grpSp>
     </p:spTree>
     <p:extLst>
       <p:ext uri="{BB962C8B-B14F-4D97-AF65-F5344CB8AC3E}">

--- a/tex/figures/Circuits/Figures.pptx
+++ b/tex/figures/Circuits/Figures.pptx
@@ -5,11 +5,12 @@
     <p:sldMasterId id="2147483648" r:id="rId1"/>
   </p:sldMasterIdLst>
   <p:notesMasterIdLst>
-    <p:notesMasterId r:id="rId4"/>
+    <p:notesMasterId r:id="rId5"/>
   </p:notesMasterIdLst>
   <p:sldIdLst>
     <p:sldId id="271" r:id="rId2"/>
     <p:sldId id="289" r:id="rId3"/>
+    <p:sldId id="290" r:id="rId4"/>
   </p:sldIdLst>
   <p:sldSz cx="12192000" cy="6858000"/>
   <p:notesSz cx="6858000" cy="9144000"/>
@@ -198,7 +199,7 @@
           <a:p>
             <a:fld id="{FA15A6B2-55AC-CD4B-A1E6-BB01091FE9DC}" type="datetimeFigureOut">
               <a:rPr lang="en-US" smtClean="0"/>
-              <a:t>6/25/2019</a:t>
+              <a:t>6/26/2019</a:t>
             </a:fld>
             <a:endParaRPr lang="en-US"/>
           </a:p>
@@ -597,7 +598,7 @@
           <a:p>
             <a:fld id="{F7249F8D-641B-4CAF-BAE5-10524742F6F1}" type="datetimeFigureOut">
               <a:rPr lang="en-CA" smtClean="0"/>
-              <a:t>2019-06-25</a:t>
+              <a:t>2019-06-26</a:t>
             </a:fld>
             <a:endParaRPr lang="en-CA"/>
           </a:p>
@@ -767,7 +768,7 @@
           <a:p>
             <a:fld id="{F7249F8D-641B-4CAF-BAE5-10524742F6F1}" type="datetimeFigureOut">
               <a:rPr lang="en-CA" smtClean="0"/>
-              <a:t>2019-06-25</a:t>
+              <a:t>2019-06-26</a:t>
             </a:fld>
             <a:endParaRPr lang="en-CA"/>
           </a:p>
@@ -947,7 +948,7 @@
           <a:p>
             <a:fld id="{F7249F8D-641B-4CAF-BAE5-10524742F6F1}" type="datetimeFigureOut">
               <a:rPr lang="en-CA" smtClean="0"/>
-              <a:t>2019-06-25</a:t>
+              <a:t>2019-06-26</a:t>
             </a:fld>
             <a:endParaRPr lang="en-CA"/>
           </a:p>
@@ -1117,7 +1118,7 @@
           <a:p>
             <a:fld id="{F7249F8D-641B-4CAF-BAE5-10524742F6F1}" type="datetimeFigureOut">
               <a:rPr lang="en-CA" smtClean="0"/>
-              <a:t>2019-06-25</a:t>
+              <a:t>2019-06-26</a:t>
             </a:fld>
             <a:endParaRPr lang="en-CA"/>
           </a:p>
@@ -1363,7 +1364,7 @@
           <a:p>
             <a:fld id="{F7249F8D-641B-4CAF-BAE5-10524742F6F1}" type="datetimeFigureOut">
               <a:rPr lang="en-CA" smtClean="0"/>
-              <a:t>2019-06-25</a:t>
+              <a:t>2019-06-26</a:t>
             </a:fld>
             <a:endParaRPr lang="en-CA"/>
           </a:p>
@@ -1595,7 +1596,7 @@
           <a:p>
             <a:fld id="{F7249F8D-641B-4CAF-BAE5-10524742F6F1}" type="datetimeFigureOut">
               <a:rPr lang="en-CA" smtClean="0"/>
-              <a:t>2019-06-25</a:t>
+              <a:t>2019-06-26</a:t>
             </a:fld>
             <a:endParaRPr lang="en-CA"/>
           </a:p>
@@ -1962,7 +1963,7 @@
           <a:p>
             <a:fld id="{F7249F8D-641B-4CAF-BAE5-10524742F6F1}" type="datetimeFigureOut">
               <a:rPr lang="en-CA" smtClean="0"/>
-              <a:t>2019-06-25</a:t>
+              <a:t>2019-06-26</a:t>
             </a:fld>
             <a:endParaRPr lang="en-CA"/>
           </a:p>
@@ -2080,7 +2081,7 @@
           <a:p>
             <a:fld id="{F7249F8D-641B-4CAF-BAE5-10524742F6F1}" type="datetimeFigureOut">
               <a:rPr lang="en-CA" smtClean="0"/>
-              <a:t>2019-06-25</a:t>
+              <a:t>2019-06-26</a:t>
             </a:fld>
             <a:endParaRPr lang="en-CA"/>
           </a:p>
@@ -2175,7 +2176,7 @@
           <a:p>
             <a:fld id="{F7249F8D-641B-4CAF-BAE5-10524742F6F1}" type="datetimeFigureOut">
               <a:rPr lang="en-CA" smtClean="0"/>
-              <a:t>2019-06-25</a:t>
+              <a:t>2019-06-26</a:t>
             </a:fld>
             <a:endParaRPr lang="en-CA"/>
           </a:p>
@@ -2452,7 +2453,7 @@
           <a:p>
             <a:fld id="{F7249F8D-641B-4CAF-BAE5-10524742F6F1}" type="datetimeFigureOut">
               <a:rPr lang="en-CA" smtClean="0"/>
-              <a:t>2019-06-25</a:t>
+              <a:t>2019-06-26</a:t>
             </a:fld>
             <a:endParaRPr lang="en-CA"/>
           </a:p>
@@ -2705,7 +2706,7 @@
           <a:p>
             <a:fld id="{F7249F8D-641B-4CAF-BAE5-10524742F6F1}" type="datetimeFigureOut">
               <a:rPr lang="en-CA" smtClean="0"/>
-              <a:t>2019-06-25</a:t>
+              <a:t>2019-06-26</a:t>
             </a:fld>
             <a:endParaRPr lang="en-CA"/>
           </a:p>
@@ -2918,7 +2919,7 @@
           <a:p>
             <a:fld id="{F7249F8D-641B-4CAF-BAE5-10524742F6F1}" type="datetimeFigureOut">
               <a:rPr lang="en-CA" smtClean="0"/>
-              <a:t>2019-06-25</a:t>
+              <a:t>2019-06-26</a:t>
             </a:fld>
             <a:endParaRPr lang="en-CA"/>
           </a:p>
@@ -8941,8 +8942,8 @@
             </a:p>
           </p:txBody>
         </p:sp>
-        <mc:AlternateContent xmlns:mc="http://schemas.openxmlformats.org/markup-compatibility/2006">
-          <mc:Choice xmlns:a14="http://schemas.microsoft.com/office/drawing/2010/main" Requires="a14">
+        <mc:AlternateContent xmlns:mc="http://schemas.openxmlformats.org/markup-compatibility/2006" xmlns:a14="http://schemas.microsoft.com/office/drawing/2010/main">
+          <mc:Choice Requires="a14">
             <p:sp>
               <p:nvSpPr>
                 <p:cNvPr id="39" name="TextBox 38"/>
@@ -8965,6 +8966,7 @@
                 </a:bodyPr>
                 <a:lstStyle/>
                 <a:p>
+                  <a:pPr/>
                   <a14:m>
                     <m:oMathPara xmlns:m="http://schemas.openxmlformats.org/officeDocument/2006/math">
                       <m:oMathParaPr>
@@ -9024,7 +9026,7 @@
               </p:txBody>
             </p:sp>
           </mc:Choice>
-          <mc:Fallback>
+          <mc:Fallback xmlns="">
             <p:sp>
               <p:nvSpPr>
                 <p:cNvPr id="39" name="TextBox 38"/>
@@ -9063,8 +9065,8 @@
             </p:sp>
           </mc:Fallback>
         </mc:AlternateContent>
-        <mc:AlternateContent xmlns:mc="http://schemas.openxmlformats.org/markup-compatibility/2006">
-          <mc:Choice xmlns:a14="http://schemas.microsoft.com/office/drawing/2010/main" Requires="a14">
+        <mc:AlternateContent xmlns:mc="http://schemas.openxmlformats.org/markup-compatibility/2006" xmlns:a14="http://schemas.microsoft.com/office/drawing/2010/main">
+          <mc:Choice Requires="a14">
             <p:sp>
               <p:nvSpPr>
                 <p:cNvPr id="40" name="TextBox 39"/>
@@ -9087,6 +9089,7 @@
                 </a:bodyPr>
                 <a:lstStyle/>
                 <a:p>
+                  <a:pPr/>
                   <a14:m>
                     <m:oMathPara xmlns:m="http://schemas.openxmlformats.org/officeDocument/2006/math">
                       <m:oMathParaPr>
@@ -9146,7 +9149,7 @@
               </p:txBody>
             </p:sp>
           </mc:Choice>
-          <mc:Fallback>
+          <mc:Fallback xmlns="">
             <p:sp>
               <p:nvSpPr>
                 <p:cNvPr id="40" name="TextBox 39"/>
@@ -9261,8 +9264,8 @@
             </a:fontRef>
           </p:style>
         </p:cxnSp>
-        <mc:AlternateContent xmlns:mc="http://schemas.openxmlformats.org/markup-compatibility/2006">
-          <mc:Choice xmlns:a14="http://schemas.microsoft.com/office/drawing/2010/main" Requires="a14">
+        <mc:AlternateContent xmlns:mc="http://schemas.openxmlformats.org/markup-compatibility/2006" xmlns:a14="http://schemas.microsoft.com/office/drawing/2010/main">
+          <mc:Choice Requires="a14">
             <p:sp>
               <p:nvSpPr>
                 <p:cNvPr id="48" name="TextBox 47"/>
@@ -9285,6 +9288,7 @@
                 </a:bodyPr>
                 <a:lstStyle/>
                 <a:p>
+                  <a:pPr/>
                   <a14:m>
                     <m:oMathPara xmlns:m="http://schemas.openxmlformats.org/officeDocument/2006/math">
                       <m:oMathParaPr>
@@ -9308,7 +9312,7 @@
                         <m:sSub>
                           <m:sSubPr>
                             <m:ctrlPr>
-                              <a:rPr lang="en-US" sz="2000" b="0" i="0" smtClean="0">
+                              <a:rPr lang="en-US" sz="2000" b="0" i="1" smtClean="0">
                                 <a:latin typeface="Cambria Math" panose="02040503050406030204" pitchFamily="18" charset="0"/>
                                 <a:cs typeface="Arial" panose="020B0604020202020204" pitchFamily="34" charset="0"/>
                               </a:rPr>
@@ -9339,7 +9343,7 @@
                         <m:sSub>
                           <m:sSubPr>
                             <m:ctrlPr>
-                              <a:rPr lang="en-US" sz="2000" b="0" i="0" smtClean="0">
+                              <a:rPr lang="en-US" sz="2000" b="0" i="1" smtClean="0">
                                 <a:latin typeface="Cambria Math" panose="02040503050406030204" pitchFamily="18" charset="0"/>
                                 <a:cs typeface="Arial" panose="020B0604020202020204" pitchFamily="34" charset="0"/>
                               </a:rPr>
@@ -9385,7 +9389,7 @@
               </p:txBody>
             </p:sp>
           </mc:Choice>
-          <mc:Fallback>
+          <mc:Fallback xmlns="">
             <p:sp>
               <p:nvSpPr>
                 <p:cNvPr id="48" name="TextBox 47"/>
@@ -9462,8 +9466,8 @@
             </a:fontRef>
           </p:style>
         </p:cxnSp>
-        <mc:AlternateContent xmlns:mc="http://schemas.openxmlformats.org/markup-compatibility/2006">
-          <mc:Choice xmlns:a14="http://schemas.microsoft.com/office/drawing/2010/main" Requires="a14">
+        <mc:AlternateContent xmlns:mc="http://schemas.openxmlformats.org/markup-compatibility/2006" xmlns:a14="http://schemas.microsoft.com/office/drawing/2010/main">
+          <mc:Choice Requires="a14">
             <p:sp>
               <p:nvSpPr>
                 <p:cNvPr id="52" name="TextBox 51"/>
@@ -9486,6 +9490,7 @@
                 </a:bodyPr>
                 <a:lstStyle/>
                 <a:p>
+                  <a:pPr/>
                   <a14:m>
                     <m:oMathPara xmlns:m="http://schemas.openxmlformats.org/officeDocument/2006/math">
                       <m:oMathParaPr>
@@ -9524,7 +9529,7 @@
               </p:txBody>
             </p:sp>
           </mc:Choice>
-          <mc:Fallback>
+          <mc:Fallback xmlns="">
             <p:sp>
               <p:nvSpPr>
                 <p:cNvPr id="52" name="TextBox 51"/>
@@ -9601,8 +9606,8 @@
             </a:fontRef>
           </p:style>
         </p:cxnSp>
-        <mc:AlternateContent xmlns:mc="http://schemas.openxmlformats.org/markup-compatibility/2006">
-          <mc:Choice xmlns:a14="http://schemas.microsoft.com/office/drawing/2010/main" Requires="a14">
+        <mc:AlternateContent xmlns:mc="http://schemas.openxmlformats.org/markup-compatibility/2006" xmlns:a14="http://schemas.microsoft.com/office/drawing/2010/main">
+          <mc:Choice Requires="a14">
             <p:sp>
               <p:nvSpPr>
                 <p:cNvPr id="56" name="TextBox 55"/>
@@ -9625,6 +9630,7 @@
                 </a:bodyPr>
                 <a:lstStyle/>
                 <a:p>
+                  <a:pPr/>
                   <a14:m>
                     <m:oMathPara xmlns:m="http://schemas.openxmlformats.org/officeDocument/2006/math">
                       <m:oMathParaPr>
@@ -9663,7 +9669,7 @@
               </p:txBody>
             </p:sp>
           </mc:Choice>
-          <mc:Fallback>
+          <mc:Fallback xmlns="">
             <p:sp>
               <p:nvSpPr>
                 <p:cNvPr id="56" name="TextBox 55"/>
@@ -9776,8 +9782,8 @@
             </a:fontRef>
           </p:style>
         </p:cxnSp>
-        <mc:AlternateContent xmlns:mc="http://schemas.openxmlformats.org/markup-compatibility/2006">
-          <mc:Choice xmlns:a14="http://schemas.microsoft.com/office/drawing/2010/main" Requires="a14">
+        <mc:AlternateContent xmlns:mc="http://schemas.openxmlformats.org/markup-compatibility/2006" xmlns:a14="http://schemas.microsoft.com/office/drawing/2010/main">
+          <mc:Choice Requires="a14">
             <p:sp>
               <p:nvSpPr>
                 <p:cNvPr id="63" name="TextBox 62"/>
@@ -9800,6 +9806,7 @@
                 </a:bodyPr>
                 <a:lstStyle/>
                 <a:p>
+                  <a:pPr/>
                   <a14:m>
                     <m:oMathPara xmlns:m="http://schemas.openxmlformats.org/officeDocument/2006/math">
                       <m:oMathParaPr>
@@ -9824,7 +9831,7 @@
               </p:txBody>
             </p:sp>
           </mc:Choice>
-          <mc:Fallback>
+          <mc:Fallback xmlns="">
             <p:sp>
               <p:nvSpPr>
                 <p:cNvPr id="63" name="TextBox 62"/>
@@ -9900,8 +9907,8 @@
             </a:fontRef>
           </p:style>
         </p:cxnSp>
-        <mc:AlternateContent xmlns:mc="http://schemas.openxmlformats.org/markup-compatibility/2006">
-          <mc:Choice xmlns:a14="http://schemas.microsoft.com/office/drawing/2010/main" Requires="a14">
+        <mc:AlternateContent xmlns:mc="http://schemas.openxmlformats.org/markup-compatibility/2006" xmlns:a14="http://schemas.microsoft.com/office/drawing/2010/main">
+          <mc:Choice Requires="a14">
             <p:sp>
               <p:nvSpPr>
                 <p:cNvPr id="66" name="TextBox 65"/>
@@ -9924,6 +9931,7 @@
                 </a:bodyPr>
                 <a:lstStyle/>
                 <a:p>
+                  <a:pPr/>
                   <a14:m>
                     <m:oMathPara xmlns:m="http://schemas.openxmlformats.org/officeDocument/2006/math">
                       <m:oMathParaPr>
@@ -9958,7 +9966,7 @@
               </p:txBody>
             </p:sp>
           </mc:Choice>
-          <mc:Fallback>
+          <mc:Fallback xmlns="">
             <p:sp>
               <p:nvSpPr>
                 <p:cNvPr id="66" name="TextBox 65"/>
@@ -10015,6 +10023,1969 @@
       </p:par>
     </p:tnLst>
   </p:timing>
+</p:sld>
+</file>
+
+<file path=ppt/slides/slide3.xml><?xml version="1.0" encoding="utf-8"?>
+<p:sld xmlns:a="http://schemas.openxmlformats.org/drawingml/2006/main" xmlns:r="http://schemas.openxmlformats.org/officeDocument/2006/relationships" xmlns:p="http://schemas.openxmlformats.org/presentationml/2006/main">
+  <p:cSld>
+    <p:spTree>
+      <p:nvGrpSpPr>
+        <p:cNvPr id="1" name=""/>
+        <p:cNvGrpSpPr/>
+        <p:nvPr/>
+      </p:nvGrpSpPr>
+      <p:grpSpPr>
+        <a:xfrm>
+          <a:off x="0" y="0"/>
+          <a:ext cx="0" cy="0"/>
+          <a:chOff x="0" y="0"/>
+          <a:chExt cx="0" cy="0"/>
+        </a:xfrm>
+      </p:grpSpPr>
+      <p:grpSp>
+        <p:nvGrpSpPr>
+          <p:cNvPr id="27" name="Group 26"/>
+          <p:cNvGrpSpPr/>
+          <p:nvPr/>
+        </p:nvGrpSpPr>
+        <p:grpSpPr>
+          <a:xfrm>
+            <a:off x="2018950" y="2309231"/>
+            <a:ext cx="4085552" cy="1842187"/>
+            <a:chOff x="2018950" y="2309231"/>
+            <a:chExt cx="4085552" cy="1842187"/>
+          </a:xfrm>
+        </p:grpSpPr>
+        <p:sp>
+          <p:nvSpPr>
+            <p:cNvPr id="5" name="Rectangle 4"/>
+            <p:cNvSpPr/>
+            <p:nvPr/>
+          </p:nvSpPr>
+          <p:spPr>
+            <a:xfrm>
+              <a:off x="2018950" y="2623822"/>
+              <a:ext cx="211018" cy="1249506"/>
+            </a:xfrm>
+            <a:prstGeom prst="rect">
+              <a:avLst/>
+            </a:prstGeom>
+            <a:solidFill>
+              <a:srgbClr val="00B0F0"/>
+            </a:solidFill>
+            <a:ln>
+              <a:solidFill>
+                <a:srgbClr val="00B0F0"/>
+              </a:solidFill>
+            </a:ln>
+          </p:spPr>
+          <p:style>
+            <a:lnRef idx="2">
+              <a:schemeClr val="accent1">
+                <a:shade val="50000"/>
+              </a:schemeClr>
+            </a:lnRef>
+            <a:fillRef idx="1">
+              <a:schemeClr val="accent1"/>
+            </a:fillRef>
+            <a:effectRef idx="0">
+              <a:schemeClr val="accent1"/>
+            </a:effectRef>
+            <a:fontRef idx="minor">
+              <a:schemeClr val="lt1"/>
+            </a:fontRef>
+          </p:style>
+          <p:txBody>
+            <a:bodyPr rtlCol="0" anchor="ctr"/>
+            <a:lstStyle>
+              <a:defPPr>
+                <a:defRPr lang="en-US"/>
+              </a:defPPr>
+              <a:lvl1pPr marL="0" algn="l" defTabSz="914400" rtl="0" eaLnBrk="1" latinLnBrk="0" hangingPunct="1">
+                <a:defRPr sz="1800" kern="1200">
+                  <a:solidFill>
+                    <a:schemeClr val="lt1"/>
+                  </a:solidFill>
+                  <a:latin typeface="+mn-lt"/>
+                  <a:ea typeface="+mn-ea"/>
+                  <a:cs typeface="+mn-cs"/>
+                </a:defRPr>
+              </a:lvl1pPr>
+              <a:lvl2pPr marL="457200" algn="l" defTabSz="914400" rtl="0" eaLnBrk="1" latinLnBrk="0" hangingPunct="1">
+                <a:defRPr sz="1800" kern="1200">
+                  <a:solidFill>
+                    <a:schemeClr val="lt1"/>
+                  </a:solidFill>
+                  <a:latin typeface="+mn-lt"/>
+                  <a:ea typeface="+mn-ea"/>
+                  <a:cs typeface="+mn-cs"/>
+                </a:defRPr>
+              </a:lvl2pPr>
+              <a:lvl3pPr marL="914400" algn="l" defTabSz="914400" rtl="0" eaLnBrk="1" latinLnBrk="0" hangingPunct="1">
+                <a:defRPr sz="1800" kern="1200">
+                  <a:solidFill>
+                    <a:schemeClr val="lt1"/>
+                  </a:solidFill>
+                  <a:latin typeface="+mn-lt"/>
+                  <a:ea typeface="+mn-ea"/>
+                  <a:cs typeface="+mn-cs"/>
+                </a:defRPr>
+              </a:lvl3pPr>
+              <a:lvl4pPr marL="1371600" algn="l" defTabSz="914400" rtl="0" eaLnBrk="1" latinLnBrk="0" hangingPunct="1">
+                <a:defRPr sz="1800" kern="1200">
+                  <a:solidFill>
+                    <a:schemeClr val="lt1"/>
+                  </a:solidFill>
+                  <a:latin typeface="+mn-lt"/>
+                  <a:ea typeface="+mn-ea"/>
+                  <a:cs typeface="+mn-cs"/>
+                </a:defRPr>
+              </a:lvl4pPr>
+              <a:lvl5pPr marL="1828800" algn="l" defTabSz="914400" rtl="0" eaLnBrk="1" latinLnBrk="0" hangingPunct="1">
+                <a:defRPr sz="1800" kern="1200">
+                  <a:solidFill>
+                    <a:schemeClr val="lt1"/>
+                  </a:solidFill>
+                  <a:latin typeface="+mn-lt"/>
+                  <a:ea typeface="+mn-ea"/>
+                  <a:cs typeface="+mn-cs"/>
+                </a:defRPr>
+              </a:lvl5pPr>
+              <a:lvl6pPr marL="2286000" algn="l" defTabSz="914400" rtl="0" eaLnBrk="1" latinLnBrk="0" hangingPunct="1">
+                <a:defRPr sz="1800" kern="1200">
+                  <a:solidFill>
+                    <a:schemeClr val="lt1"/>
+                  </a:solidFill>
+                  <a:latin typeface="+mn-lt"/>
+                  <a:ea typeface="+mn-ea"/>
+                  <a:cs typeface="+mn-cs"/>
+                </a:defRPr>
+              </a:lvl6pPr>
+              <a:lvl7pPr marL="2743200" algn="l" defTabSz="914400" rtl="0" eaLnBrk="1" latinLnBrk="0" hangingPunct="1">
+                <a:defRPr sz="1800" kern="1200">
+                  <a:solidFill>
+                    <a:schemeClr val="lt1"/>
+                  </a:solidFill>
+                  <a:latin typeface="+mn-lt"/>
+                  <a:ea typeface="+mn-ea"/>
+                  <a:cs typeface="+mn-cs"/>
+                </a:defRPr>
+              </a:lvl7pPr>
+              <a:lvl8pPr marL="3200400" algn="l" defTabSz="914400" rtl="0" eaLnBrk="1" latinLnBrk="0" hangingPunct="1">
+                <a:defRPr sz="1800" kern="1200">
+                  <a:solidFill>
+                    <a:schemeClr val="lt1"/>
+                  </a:solidFill>
+                  <a:latin typeface="+mn-lt"/>
+                  <a:ea typeface="+mn-ea"/>
+                  <a:cs typeface="+mn-cs"/>
+                </a:defRPr>
+              </a:lvl8pPr>
+              <a:lvl9pPr marL="3657600" algn="l" defTabSz="914400" rtl="0" eaLnBrk="1" latinLnBrk="0" hangingPunct="1">
+                <a:defRPr sz="1800" kern="1200">
+                  <a:solidFill>
+                    <a:schemeClr val="lt1"/>
+                  </a:solidFill>
+                  <a:latin typeface="+mn-lt"/>
+                  <a:ea typeface="+mn-ea"/>
+                  <a:cs typeface="+mn-cs"/>
+                </a:defRPr>
+              </a:lvl9pPr>
+            </a:lstStyle>
+            <a:p>
+              <a:pPr algn="ctr"/>
+              <a:endParaRPr lang="en-US"/>
+            </a:p>
+          </p:txBody>
+        </p:sp>
+        <p:sp>
+          <p:nvSpPr>
+            <p:cNvPr id="6" name="Rectangle 17"/>
+            <p:cNvSpPr/>
+            <p:nvPr/>
+          </p:nvSpPr>
+          <p:spPr>
+            <a:xfrm>
+              <a:off x="3223498" y="2623047"/>
+              <a:ext cx="707354" cy="211017"/>
+            </a:xfrm>
+            <a:custGeom>
+              <a:avLst/>
+              <a:gdLst>
+                <a:gd name="connsiteX0" fmla="*/ 0 w 2184462"/>
+                <a:gd name="connsiteY0" fmla="*/ 0 h 342901"/>
+                <a:gd name="connsiteX1" fmla="*/ 2184462 w 2184462"/>
+                <a:gd name="connsiteY1" fmla="*/ 0 h 342901"/>
+                <a:gd name="connsiteX2" fmla="*/ 2184462 w 2184462"/>
+                <a:gd name="connsiteY2" fmla="*/ 342901 h 342901"/>
+                <a:gd name="connsiteX3" fmla="*/ 0 w 2184462"/>
+                <a:gd name="connsiteY3" fmla="*/ 342901 h 342901"/>
+                <a:gd name="connsiteX4" fmla="*/ 0 w 2184462"/>
+                <a:gd name="connsiteY4" fmla="*/ 0 h 342901"/>
+                <a:gd name="connsiteX0" fmla="*/ 0 w 2184462"/>
+                <a:gd name="connsiteY0" fmla="*/ 0 h 342901"/>
+                <a:gd name="connsiteX1" fmla="*/ 2184462 w 2184462"/>
+                <a:gd name="connsiteY1" fmla="*/ 0 h 342901"/>
+                <a:gd name="connsiteX2" fmla="*/ 2184462 w 2184462"/>
+                <a:gd name="connsiteY2" fmla="*/ 342901 h 342901"/>
+                <a:gd name="connsiteX3" fmla="*/ 0 w 2184462"/>
+                <a:gd name="connsiteY3" fmla="*/ 342901 h 342901"/>
+                <a:gd name="connsiteX4" fmla="*/ 0 w 2184462"/>
+                <a:gd name="connsiteY4" fmla="*/ 0 h 342901"/>
+                <a:gd name="connsiteX0" fmla="*/ 0 w 2184462"/>
+                <a:gd name="connsiteY0" fmla="*/ 0 h 342901"/>
+                <a:gd name="connsiteX1" fmla="*/ 2184462 w 2184462"/>
+                <a:gd name="connsiteY1" fmla="*/ 0 h 342901"/>
+                <a:gd name="connsiteX2" fmla="*/ 2184462 w 2184462"/>
+                <a:gd name="connsiteY2" fmla="*/ 342901 h 342901"/>
+                <a:gd name="connsiteX3" fmla="*/ 0 w 2184462"/>
+                <a:gd name="connsiteY3" fmla="*/ 342901 h 342901"/>
+                <a:gd name="connsiteX4" fmla="*/ 0 w 2184462"/>
+                <a:gd name="connsiteY4" fmla="*/ 0 h 342901"/>
+                <a:gd name="connsiteX0" fmla="*/ 0 w 2184462"/>
+                <a:gd name="connsiteY0" fmla="*/ 0 h 342901"/>
+                <a:gd name="connsiteX1" fmla="*/ 2184462 w 2184462"/>
+                <a:gd name="connsiteY1" fmla="*/ 0 h 342901"/>
+                <a:gd name="connsiteX2" fmla="*/ 2184462 w 2184462"/>
+                <a:gd name="connsiteY2" fmla="*/ 342901 h 342901"/>
+                <a:gd name="connsiteX3" fmla="*/ 0 w 2184462"/>
+                <a:gd name="connsiteY3" fmla="*/ 342901 h 342901"/>
+                <a:gd name="connsiteX4" fmla="*/ 0 w 2184462"/>
+                <a:gd name="connsiteY4" fmla="*/ 0 h 342901"/>
+                <a:gd name="connsiteX0" fmla="*/ 0 w 2184462"/>
+                <a:gd name="connsiteY0" fmla="*/ 0 h 342901"/>
+                <a:gd name="connsiteX1" fmla="*/ 2184462 w 2184462"/>
+                <a:gd name="connsiteY1" fmla="*/ 0 h 342901"/>
+                <a:gd name="connsiteX2" fmla="*/ 2184462 w 2184462"/>
+                <a:gd name="connsiteY2" fmla="*/ 342901 h 342901"/>
+                <a:gd name="connsiteX3" fmla="*/ 0 w 2184462"/>
+                <a:gd name="connsiteY3" fmla="*/ 342901 h 342901"/>
+                <a:gd name="connsiteX4" fmla="*/ 0 w 2184462"/>
+                <a:gd name="connsiteY4" fmla="*/ 0 h 342901"/>
+              </a:gdLst>
+              <a:ahLst/>
+              <a:cxnLst>
+                <a:cxn ang="0">
+                  <a:pos x="connsiteX0" y="connsiteY0"/>
+                </a:cxn>
+                <a:cxn ang="0">
+                  <a:pos x="connsiteX1" y="connsiteY1"/>
+                </a:cxn>
+                <a:cxn ang="0">
+                  <a:pos x="connsiteX2" y="connsiteY2"/>
+                </a:cxn>
+                <a:cxn ang="0">
+                  <a:pos x="connsiteX3" y="connsiteY3"/>
+                </a:cxn>
+                <a:cxn ang="0">
+                  <a:pos x="connsiteX4" y="connsiteY4"/>
+                </a:cxn>
+              </a:cxnLst>
+              <a:rect l="l" t="t" r="r" b="b"/>
+              <a:pathLst>
+                <a:path w="2184462" h="342901">
+                  <a:moveTo>
+                    <a:pt x="0" y="0"/>
+                  </a:moveTo>
+                  <a:cubicBezTo>
+                    <a:pt x="780907" y="140677"/>
+                    <a:pt x="1456308" y="140677"/>
+                    <a:pt x="2184462" y="0"/>
+                  </a:cubicBezTo>
+                  <a:lnTo>
+                    <a:pt x="2184462" y="342901"/>
+                  </a:lnTo>
+                  <a:cubicBezTo>
+                    <a:pt x="1491478" y="184639"/>
+                    <a:pt x="763323" y="211016"/>
+                    <a:pt x="0" y="342901"/>
+                  </a:cubicBezTo>
+                  <a:lnTo>
+                    <a:pt x="0" y="0"/>
+                  </a:lnTo>
+                  <a:close/>
+                </a:path>
+              </a:pathLst>
+            </a:custGeom>
+            <a:solidFill>
+              <a:srgbClr val="00B0F0"/>
+            </a:solidFill>
+            <a:ln>
+              <a:solidFill>
+                <a:srgbClr val="00B0F0"/>
+              </a:solidFill>
+            </a:ln>
+          </p:spPr>
+          <p:style>
+            <a:lnRef idx="2">
+              <a:schemeClr val="accent1">
+                <a:shade val="50000"/>
+              </a:schemeClr>
+            </a:lnRef>
+            <a:fillRef idx="1">
+              <a:schemeClr val="accent1"/>
+            </a:fillRef>
+            <a:effectRef idx="0">
+              <a:schemeClr val="accent1"/>
+            </a:effectRef>
+            <a:fontRef idx="minor">
+              <a:schemeClr val="lt1"/>
+            </a:fontRef>
+          </p:style>
+          <p:txBody>
+            <a:bodyPr rtlCol="0" anchor="ctr"/>
+            <a:lstStyle>
+              <a:defPPr>
+                <a:defRPr lang="en-US"/>
+              </a:defPPr>
+              <a:lvl1pPr marL="0" algn="l" defTabSz="914400" rtl="0" eaLnBrk="1" latinLnBrk="0" hangingPunct="1">
+                <a:defRPr sz="1800" kern="1200">
+                  <a:solidFill>
+                    <a:schemeClr val="lt1"/>
+                  </a:solidFill>
+                  <a:latin typeface="+mn-lt"/>
+                  <a:ea typeface="+mn-ea"/>
+                  <a:cs typeface="+mn-cs"/>
+                </a:defRPr>
+              </a:lvl1pPr>
+              <a:lvl2pPr marL="457200" algn="l" defTabSz="914400" rtl="0" eaLnBrk="1" latinLnBrk="0" hangingPunct="1">
+                <a:defRPr sz="1800" kern="1200">
+                  <a:solidFill>
+                    <a:schemeClr val="lt1"/>
+                  </a:solidFill>
+                  <a:latin typeface="+mn-lt"/>
+                  <a:ea typeface="+mn-ea"/>
+                  <a:cs typeface="+mn-cs"/>
+                </a:defRPr>
+              </a:lvl2pPr>
+              <a:lvl3pPr marL="914400" algn="l" defTabSz="914400" rtl="0" eaLnBrk="1" latinLnBrk="0" hangingPunct="1">
+                <a:defRPr sz="1800" kern="1200">
+                  <a:solidFill>
+                    <a:schemeClr val="lt1"/>
+                  </a:solidFill>
+                  <a:latin typeface="+mn-lt"/>
+                  <a:ea typeface="+mn-ea"/>
+                  <a:cs typeface="+mn-cs"/>
+                </a:defRPr>
+              </a:lvl3pPr>
+              <a:lvl4pPr marL="1371600" algn="l" defTabSz="914400" rtl="0" eaLnBrk="1" latinLnBrk="0" hangingPunct="1">
+                <a:defRPr sz="1800" kern="1200">
+                  <a:solidFill>
+                    <a:schemeClr val="lt1"/>
+                  </a:solidFill>
+                  <a:latin typeface="+mn-lt"/>
+                  <a:ea typeface="+mn-ea"/>
+                  <a:cs typeface="+mn-cs"/>
+                </a:defRPr>
+              </a:lvl4pPr>
+              <a:lvl5pPr marL="1828800" algn="l" defTabSz="914400" rtl="0" eaLnBrk="1" latinLnBrk="0" hangingPunct="1">
+                <a:defRPr sz="1800" kern="1200">
+                  <a:solidFill>
+                    <a:schemeClr val="lt1"/>
+                  </a:solidFill>
+                  <a:latin typeface="+mn-lt"/>
+                  <a:ea typeface="+mn-ea"/>
+                  <a:cs typeface="+mn-cs"/>
+                </a:defRPr>
+              </a:lvl5pPr>
+              <a:lvl6pPr marL="2286000" algn="l" defTabSz="914400" rtl="0" eaLnBrk="1" latinLnBrk="0" hangingPunct="1">
+                <a:defRPr sz="1800" kern="1200">
+                  <a:solidFill>
+                    <a:schemeClr val="lt1"/>
+                  </a:solidFill>
+                  <a:latin typeface="+mn-lt"/>
+                  <a:ea typeface="+mn-ea"/>
+                  <a:cs typeface="+mn-cs"/>
+                </a:defRPr>
+              </a:lvl6pPr>
+              <a:lvl7pPr marL="2743200" algn="l" defTabSz="914400" rtl="0" eaLnBrk="1" latinLnBrk="0" hangingPunct="1">
+                <a:defRPr sz="1800" kern="1200">
+                  <a:solidFill>
+                    <a:schemeClr val="lt1"/>
+                  </a:solidFill>
+                  <a:latin typeface="+mn-lt"/>
+                  <a:ea typeface="+mn-ea"/>
+                  <a:cs typeface="+mn-cs"/>
+                </a:defRPr>
+              </a:lvl7pPr>
+              <a:lvl8pPr marL="3200400" algn="l" defTabSz="914400" rtl="0" eaLnBrk="1" latinLnBrk="0" hangingPunct="1">
+                <a:defRPr sz="1800" kern="1200">
+                  <a:solidFill>
+                    <a:schemeClr val="lt1"/>
+                  </a:solidFill>
+                  <a:latin typeface="+mn-lt"/>
+                  <a:ea typeface="+mn-ea"/>
+                  <a:cs typeface="+mn-cs"/>
+                </a:defRPr>
+              </a:lvl8pPr>
+              <a:lvl9pPr marL="3657600" algn="l" defTabSz="914400" rtl="0" eaLnBrk="1" latinLnBrk="0" hangingPunct="1">
+                <a:defRPr sz="1800" kern="1200">
+                  <a:solidFill>
+                    <a:schemeClr val="lt1"/>
+                  </a:solidFill>
+                  <a:latin typeface="+mn-lt"/>
+                  <a:ea typeface="+mn-ea"/>
+                  <a:cs typeface="+mn-cs"/>
+                </a:defRPr>
+              </a:lvl9pPr>
+            </a:lstStyle>
+            <a:p>
+              <a:pPr algn="ctr"/>
+              <a:endParaRPr lang="en-US"/>
+            </a:p>
+          </p:txBody>
+        </p:sp>
+        <p:sp>
+          <p:nvSpPr>
+            <p:cNvPr id="9" name="Rectangle 8"/>
+            <p:cNvSpPr/>
+            <p:nvPr/>
+          </p:nvSpPr>
+          <p:spPr>
+            <a:xfrm rot="5400000">
+              <a:off x="2621224" y="2231790"/>
+              <a:ext cx="211018" cy="993530"/>
+            </a:xfrm>
+            <a:prstGeom prst="rect">
+              <a:avLst/>
+            </a:prstGeom>
+            <a:solidFill>
+              <a:srgbClr val="00B0F0"/>
+            </a:solidFill>
+            <a:ln>
+              <a:solidFill>
+                <a:srgbClr val="00B0F0"/>
+              </a:solidFill>
+            </a:ln>
+          </p:spPr>
+          <p:style>
+            <a:lnRef idx="2">
+              <a:schemeClr val="accent1">
+                <a:shade val="50000"/>
+              </a:schemeClr>
+            </a:lnRef>
+            <a:fillRef idx="1">
+              <a:schemeClr val="accent1"/>
+            </a:fillRef>
+            <a:effectRef idx="0">
+              <a:schemeClr val="accent1"/>
+            </a:effectRef>
+            <a:fontRef idx="minor">
+              <a:schemeClr val="lt1"/>
+            </a:fontRef>
+          </p:style>
+          <p:txBody>
+            <a:bodyPr rtlCol="0" anchor="ctr"/>
+            <a:lstStyle>
+              <a:defPPr>
+                <a:defRPr lang="en-US"/>
+              </a:defPPr>
+              <a:lvl1pPr marL="0" algn="l" defTabSz="914400" rtl="0" eaLnBrk="1" latinLnBrk="0" hangingPunct="1">
+                <a:defRPr sz="1800" kern="1200">
+                  <a:solidFill>
+                    <a:schemeClr val="lt1"/>
+                  </a:solidFill>
+                  <a:latin typeface="+mn-lt"/>
+                  <a:ea typeface="+mn-ea"/>
+                  <a:cs typeface="+mn-cs"/>
+                </a:defRPr>
+              </a:lvl1pPr>
+              <a:lvl2pPr marL="457200" algn="l" defTabSz="914400" rtl="0" eaLnBrk="1" latinLnBrk="0" hangingPunct="1">
+                <a:defRPr sz="1800" kern="1200">
+                  <a:solidFill>
+                    <a:schemeClr val="lt1"/>
+                  </a:solidFill>
+                  <a:latin typeface="+mn-lt"/>
+                  <a:ea typeface="+mn-ea"/>
+                  <a:cs typeface="+mn-cs"/>
+                </a:defRPr>
+              </a:lvl2pPr>
+              <a:lvl3pPr marL="914400" algn="l" defTabSz="914400" rtl="0" eaLnBrk="1" latinLnBrk="0" hangingPunct="1">
+                <a:defRPr sz="1800" kern="1200">
+                  <a:solidFill>
+                    <a:schemeClr val="lt1"/>
+                  </a:solidFill>
+                  <a:latin typeface="+mn-lt"/>
+                  <a:ea typeface="+mn-ea"/>
+                  <a:cs typeface="+mn-cs"/>
+                </a:defRPr>
+              </a:lvl3pPr>
+              <a:lvl4pPr marL="1371600" algn="l" defTabSz="914400" rtl="0" eaLnBrk="1" latinLnBrk="0" hangingPunct="1">
+                <a:defRPr sz="1800" kern="1200">
+                  <a:solidFill>
+                    <a:schemeClr val="lt1"/>
+                  </a:solidFill>
+                  <a:latin typeface="+mn-lt"/>
+                  <a:ea typeface="+mn-ea"/>
+                  <a:cs typeface="+mn-cs"/>
+                </a:defRPr>
+              </a:lvl4pPr>
+              <a:lvl5pPr marL="1828800" algn="l" defTabSz="914400" rtl="0" eaLnBrk="1" latinLnBrk="0" hangingPunct="1">
+                <a:defRPr sz="1800" kern="1200">
+                  <a:solidFill>
+                    <a:schemeClr val="lt1"/>
+                  </a:solidFill>
+                  <a:latin typeface="+mn-lt"/>
+                  <a:ea typeface="+mn-ea"/>
+                  <a:cs typeface="+mn-cs"/>
+                </a:defRPr>
+              </a:lvl5pPr>
+              <a:lvl6pPr marL="2286000" algn="l" defTabSz="914400" rtl="0" eaLnBrk="1" latinLnBrk="0" hangingPunct="1">
+                <a:defRPr sz="1800" kern="1200">
+                  <a:solidFill>
+                    <a:schemeClr val="lt1"/>
+                  </a:solidFill>
+                  <a:latin typeface="+mn-lt"/>
+                  <a:ea typeface="+mn-ea"/>
+                  <a:cs typeface="+mn-cs"/>
+                </a:defRPr>
+              </a:lvl6pPr>
+              <a:lvl7pPr marL="2743200" algn="l" defTabSz="914400" rtl="0" eaLnBrk="1" latinLnBrk="0" hangingPunct="1">
+                <a:defRPr sz="1800" kern="1200">
+                  <a:solidFill>
+                    <a:schemeClr val="lt1"/>
+                  </a:solidFill>
+                  <a:latin typeface="+mn-lt"/>
+                  <a:ea typeface="+mn-ea"/>
+                  <a:cs typeface="+mn-cs"/>
+                </a:defRPr>
+              </a:lvl7pPr>
+              <a:lvl8pPr marL="3200400" algn="l" defTabSz="914400" rtl="0" eaLnBrk="1" latinLnBrk="0" hangingPunct="1">
+                <a:defRPr sz="1800" kern="1200">
+                  <a:solidFill>
+                    <a:schemeClr val="lt1"/>
+                  </a:solidFill>
+                  <a:latin typeface="+mn-lt"/>
+                  <a:ea typeface="+mn-ea"/>
+                  <a:cs typeface="+mn-cs"/>
+                </a:defRPr>
+              </a:lvl8pPr>
+              <a:lvl9pPr marL="3657600" algn="l" defTabSz="914400" rtl="0" eaLnBrk="1" latinLnBrk="0" hangingPunct="1">
+                <a:defRPr sz="1800" kern="1200">
+                  <a:solidFill>
+                    <a:schemeClr val="lt1"/>
+                  </a:solidFill>
+                  <a:latin typeface="+mn-lt"/>
+                  <a:ea typeface="+mn-ea"/>
+                  <a:cs typeface="+mn-cs"/>
+                </a:defRPr>
+              </a:lvl9pPr>
+            </a:lstStyle>
+            <a:p>
+              <a:pPr algn="ctr"/>
+              <a:endParaRPr lang="en-US"/>
+            </a:p>
+          </p:txBody>
+        </p:sp>
+        <p:sp>
+          <p:nvSpPr>
+            <p:cNvPr id="10" name="Rectangle 9"/>
+            <p:cNvSpPr/>
+            <p:nvPr/>
+          </p:nvSpPr>
+          <p:spPr>
+            <a:xfrm rot="5400000">
+              <a:off x="4322108" y="2231791"/>
+              <a:ext cx="211018" cy="993530"/>
+            </a:xfrm>
+            <a:prstGeom prst="rect">
+              <a:avLst/>
+            </a:prstGeom>
+            <a:solidFill>
+              <a:srgbClr val="00B0F0"/>
+            </a:solidFill>
+            <a:ln>
+              <a:solidFill>
+                <a:srgbClr val="00B0F0"/>
+              </a:solidFill>
+            </a:ln>
+          </p:spPr>
+          <p:style>
+            <a:lnRef idx="2">
+              <a:schemeClr val="accent1">
+                <a:shade val="50000"/>
+              </a:schemeClr>
+            </a:lnRef>
+            <a:fillRef idx="1">
+              <a:schemeClr val="accent1"/>
+            </a:fillRef>
+            <a:effectRef idx="0">
+              <a:schemeClr val="accent1"/>
+            </a:effectRef>
+            <a:fontRef idx="minor">
+              <a:schemeClr val="lt1"/>
+            </a:fontRef>
+          </p:style>
+          <p:txBody>
+            <a:bodyPr rtlCol="0" anchor="ctr"/>
+            <a:lstStyle>
+              <a:defPPr>
+                <a:defRPr lang="en-US"/>
+              </a:defPPr>
+              <a:lvl1pPr marL="0" algn="l" defTabSz="914400" rtl="0" eaLnBrk="1" latinLnBrk="0" hangingPunct="1">
+                <a:defRPr sz="1800" kern="1200">
+                  <a:solidFill>
+                    <a:schemeClr val="lt1"/>
+                  </a:solidFill>
+                  <a:latin typeface="+mn-lt"/>
+                  <a:ea typeface="+mn-ea"/>
+                  <a:cs typeface="+mn-cs"/>
+                </a:defRPr>
+              </a:lvl1pPr>
+              <a:lvl2pPr marL="457200" algn="l" defTabSz="914400" rtl="0" eaLnBrk="1" latinLnBrk="0" hangingPunct="1">
+                <a:defRPr sz="1800" kern="1200">
+                  <a:solidFill>
+                    <a:schemeClr val="lt1"/>
+                  </a:solidFill>
+                  <a:latin typeface="+mn-lt"/>
+                  <a:ea typeface="+mn-ea"/>
+                  <a:cs typeface="+mn-cs"/>
+                </a:defRPr>
+              </a:lvl2pPr>
+              <a:lvl3pPr marL="914400" algn="l" defTabSz="914400" rtl="0" eaLnBrk="1" latinLnBrk="0" hangingPunct="1">
+                <a:defRPr sz="1800" kern="1200">
+                  <a:solidFill>
+                    <a:schemeClr val="lt1"/>
+                  </a:solidFill>
+                  <a:latin typeface="+mn-lt"/>
+                  <a:ea typeface="+mn-ea"/>
+                  <a:cs typeface="+mn-cs"/>
+                </a:defRPr>
+              </a:lvl3pPr>
+              <a:lvl4pPr marL="1371600" algn="l" defTabSz="914400" rtl="0" eaLnBrk="1" latinLnBrk="0" hangingPunct="1">
+                <a:defRPr sz="1800" kern="1200">
+                  <a:solidFill>
+                    <a:schemeClr val="lt1"/>
+                  </a:solidFill>
+                  <a:latin typeface="+mn-lt"/>
+                  <a:ea typeface="+mn-ea"/>
+                  <a:cs typeface="+mn-cs"/>
+                </a:defRPr>
+              </a:lvl4pPr>
+              <a:lvl5pPr marL="1828800" algn="l" defTabSz="914400" rtl="0" eaLnBrk="1" latinLnBrk="0" hangingPunct="1">
+                <a:defRPr sz="1800" kern="1200">
+                  <a:solidFill>
+                    <a:schemeClr val="lt1"/>
+                  </a:solidFill>
+                  <a:latin typeface="+mn-lt"/>
+                  <a:ea typeface="+mn-ea"/>
+                  <a:cs typeface="+mn-cs"/>
+                </a:defRPr>
+              </a:lvl5pPr>
+              <a:lvl6pPr marL="2286000" algn="l" defTabSz="914400" rtl="0" eaLnBrk="1" latinLnBrk="0" hangingPunct="1">
+                <a:defRPr sz="1800" kern="1200">
+                  <a:solidFill>
+                    <a:schemeClr val="lt1"/>
+                  </a:solidFill>
+                  <a:latin typeface="+mn-lt"/>
+                  <a:ea typeface="+mn-ea"/>
+                  <a:cs typeface="+mn-cs"/>
+                </a:defRPr>
+              </a:lvl6pPr>
+              <a:lvl7pPr marL="2743200" algn="l" defTabSz="914400" rtl="0" eaLnBrk="1" latinLnBrk="0" hangingPunct="1">
+                <a:defRPr sz="1800" kern="1200">
+                  <a:solidFill>
+                    <a:schemeClr val="lt1"/>
+                  </a:solidFill>
+                  <a:latin typeface="+mn-lt"/>
+                  <a:ea typeface="+mn-ea"/>
+                  <a:cs typeface="+mn-cs"/>
+                </a:defRPr>
+              </a:lvl7pPr>
+              <a:lvl8pPr marL="3200400" algn="l" defTabSz="914400" rtl="0" eaLnBrk="1" latinLnBrk="0" hangingPunct="1">
+                <a:defRPr sz="1800" kern="1200">
+                  <a:solidFill>
+                    <a:schemeClr val="lt1"/>
+                  </a:solidFill>
+                  <a:latin typeface="+mn-lt"/>
+                  <a:ea typeface="+mn-ea"/>
+                  <a:cs typeface="+mn-cs"/>
+                </a:defRPr>
+              </a:lvl8pPr>
+              <a:lvl9pPr marL="3657600" algn="l" defTabSz="914400" rtl="0" eaLnBrk="1" latinLnBrk="0" hangingPunct="1">
+                <a:defRPr sz="1800" kern="1200">
+                  <a:solidFill>
+                    <a:schemeClr val="lt1"/>
+                  </a:solidFill>
+                  <a:latin typeface="+mn-lt"/>
+                  <a:ea typeface="+mn-ea"/>
+                  <a:cs typeface="+mn-cs"/>
+                </a:defRPr>
+              </a:lvl9pPr>
+            </a:lstStyle>
+            <a:p>
+              <a:pPr algn="ctr"/>
+              <a:endParaRPr lang="en-US"/>
+            </a:p>
+          </p:txBody>
+        </p:sp>
+        <p:sp>
+          <p:nvSpPr>
+            <p:cNvPr id="11" name="Rectangle 10"/>
+            <p:cNvSpPr/>
+            <p:nvPr/>
+          </p:nvSpPr>
+          <p:spPr>
+            <a:xfrm rot="5400000">
+              <a:off x="2607256" y="3271054"/>
+              <a:ext cx="211018" cy="993530"/>
+            </a:xfrm>
+            <a:prstGeom prst="rect">
+              <a:avLst/>
+            </a:prstGeom>
+            <a:solidFill>
+              <a:srgbClr val="00B0F0"/>
+            </a:solidFill>
+            <a:ln>
+              <a:solidFill>
+                <a:srgbClr val="00B0F0"/>
+              </a:solidFill>
+            </a:ln>
+          </p:spPr>
+          <p:style>
+            <a:lnRef idx="2">
+              <a:schemeClr val="accent1">
+                <a:shade val="50000"/>
+              </a:schemeClr>
+            </a:lnRef>
+            <a:fillRef idx="1">
+              <a:schemeClr val="accent1"/>
+            </a:fillRef>
+            <a:effectRef idx="0">
+              <a:schemeClr val="accent1"/>
+            </a:effectRef>
+            <a:fontRef idx="minor">
+              <a:schemeClr val="lt1"/>
+            </a:fontRef>
+          </p:style>
+          <p:txBody>
+            <a:bodyPr rtlCol="0" anchor="ctr"/>
+            <a:lstStyle>
+              <a:defPPr>
+                <a:defRPr lang="en-US"/>
+              </a:defPPr>
+              <a:lvl1pPr marL="0" algn="l" defTabSz="914400" rtl="0" eaLnBrk="1" latinLnBrk="0" hangingPunct="1">
+                <a:defRPr sz="1800" kern="1200">
+                  <a:solidFill>
+                    <a:schemeClr val="lt1"/>
+                  </a:solidFill>
+                  <a:latin typeface="+mn-lt"/>
+                  <a:ea typeface="+mn-ea"/>
+                  <a:cs typeface="+mn-cs"/>
+                </a:defRPr>
+              </a:lvl1pPr>
+              <a:lvl2pPr marL="457200" algn="l" defTabSz="914400" rtl="0" eaLnBrk="1" latinLnBrk="0" hangingPunct="1">
+                <a:defRPr sz="1800" kern="1200">
+                  <a:solidFill>
+                    <a:schemeClr val="lt1"/>
+                  </a:solidFill>
+                  <a:latin typeface="+mn-lt"/>
+                  <a:ea typeface="+mn-ea"/>
+                  <a:cs typeface="+mn-cs"/>
+                </a:defRPr>
+              </a:lvl2pPr>
+              <a:lvl3pPr marL="914400" algn="l" defTabSz="914400" rtl="0" eaLnBrk="1" latinLnBrk="0" hangingPunct="1">
+                <a:defRPr sz="1800" kern="1200">
+                  <a:solidFill>
+                    <a:schemeClr val="lt1"/>
+                  </a:solidFill>
+                  <a:latin typeface="+mn-lt"/>
+                  <a:ea typeface="+mn-ea"/>
+                  <a:cs typeface="+mn-cs"/>
+                </a:defRPr>
+              </a:lvl3pPr>
+              <a:lvl4pPr marL="1371600" algn="l" defTabSz="914400" rtl="0" eaLnBrk="1" latinLnBrk="0" hangingPunct="1">
+                <a:defRPr sz="1800" kern="1200">
+                  <a:solidFill>
+                    <a:schemeClr val="lt1"/>
+                  </a:solidFill>
+                  <a:latin typeface="+mn-lt"/>
+                  <a:ea typeface="+mn-ea"/>
+                  <a:cs typeface="+mn-cs"/>
+                </a:defRPr>
+              </a:lvl4pPr>
+              <a:lvl5pPr marL="1828800" algn="l" defTabSz="914400" rtl="0" eaLnBrk="1" latinLnBrk="0" hangingPunct="1">
+                <a:defRPr sz="1800" kern="1200">
+                  <a:solidFill>
+                    <a:schemeClr val="lt1"/>
+                  </a:solidFill>
+                  <a:latin typeface="+mn-lt"/>
+                  <a:ea typeface="+mn-ea"/>
+                  <a:cs typeface="+mn-cs"/>
+                </a:defRPr>
+              </a:lvl5pPr>
+              <a:lvl6pPr marL="2286000" algn="l" defTabSz="914400" rtl="0" eaLnBrk="1" latinLnBrk="0" hangingPunct="1">
+                <a:defRPr sz="1800" kern="1200">
+                  <a:solidFill>
+                    <a:schemeClr val="lt1"/>
+                  </a:solidFill>
+                  <a:latin typeface="+mn-lt"/>
+                  <a:ea typeface="+mn-ea"/>
+                  <a:cs typeface="+mn-cs"/>
+                </a:defRPr>
+              </a:lvl6pPr>
+              <a:lvl7pPr marL="2743200" algn="l" defTabSz="914400" rtl="0" eaLnBrk="1" latinLnBrk="0" hangingPunct="1">
+                <a:defRPr sz="1800" kern="1200">
+                  <a:solidFill>
+                    <a:schemeClr val="lt1"/>
+                  </a:solidFill>
+                  <a:latin typeface="+mn-lt"/>
+                  <a:ea typeface="+mn-ea"/>
+                  <a:cs typeface="+mn-cs"/>
+                </a:defRPr>
+              </a:lvl7pPr>
+              <a:lvl8pPr marL="3200400" algn="l" defTabSz="914400" rtl="0" eaLnBrk="1" latinLnBrk="0" hangingPunct="1">
+                <a:defRPr sz="1800" kern="1200">
+                  <a:solidFill>
+                    <a:schemeClr val="lt1"/>
+                  </a:solidFill>
+                  <a:latin typeface="+mn-lt"/>
+                  <a:ea typeface="+mn-ea"/>
+                  <a:cs typeface="+mn-cs"/>
+                </a:defRPr>
+              </a:lvl8pPr>
+              <a:lvl9pPr marL="3657600" algn="l" defTabSz="914400" rtl="0" eaLnBrk="1" latinLnBrk="0" hangingPunct="1">
+                <a:defRPr sz="1800" kern="1200">
+                  <a:solidFill>
+                    <a:schemeClr val="lt1"/>
+                  </a:solidFill>
+                  <a:latin typeface="+mn-lt"/>
+                  <a:ea typeface="+mn-ea"/>
+                  <a:cs typeface="+mn-cs"/>
+                </a:defRPr>
+              </a:lvl9pPr>
+            </a:lstStyle>
+            <a:p>
+              <a:pPr algn="ctr"/>
+              <a:endParaRPr lang="en-US"/>
+            </a:p>
+          </p:txBody>
+        </p:sp>
+        <p:sp>
+          <p:nvSpPr>
+            <p:cNvPr id="16" name="Rectangle 15"/>
+            <p:cNvSpPr/>
+            <p:nvPr/>
+          </p:nvSpPr>
+          <p:spPr>
+            <a:xfrm rot="5400000">
+              <a:off x="4308140" y="3271054"/>
+              <a:ext cx="211018" cy="993530"/>
+            </a:xfrm>
+            <a:prstGeom prst="rect">
+              <a:avLst/>
+            </a:prstGeom>
+            <a:solidFill>
+              <a:srgbClr val="00B0F0"/>
+            </a:solidFill>
+            <a:ln>
+              <a:solidFill>
+                <a:srgbClr val="00B0F0"/>
+              </a:solidFill>
+            </a:ln>
+          </p:spPr>
+          <p:style>
+            <a:lnRef idx="2">
+              <a:schemeClr val="accent1">
+                <a:shade val="50000"/>
+              </a:schemeClr>
+            </a:lnRef>
+            <a:fillRef idx="1">
+              <a:schemeClr val="accent1"/>
+            </a:fillRef>
+            <a:effectRef idx="0">
+              <a:schemeClr val="accent1"/>
+            </a:effectRef>
+            <a:fontRef idx="minor">
+              <a:schemeClr val="lt1"/>
+            </a:fontRef>
+          </p:style>
+          <p:txBody>
+            <a:bodyPr rtlCol="0" anchor="ctr"/>
+            <a:lstStyle>
+              <a:defPPr>
+                <a:defRPr lang="en-US"/>
+              </a:defPPr>
+              <a:lvl1pPr marL="0" algn="l" defTabSz="914400" rtl="0" eaLnBrk="1" latinLnBrk="0" hangingPunct="1">
+                <a:defRPr sz="1800" kern="1200">
+                  <a:solidFill>
+                    <a:schemeClr val="lt1"/>
+                  </a:solidFill>
+                  <a:latin typeface="+mn-lt"/>
+                  <a:ea typeface="+mn-ea"/>
+                  <a:cs typeface="+mn-cs"/>
+                </a:defRPr>
+              </a:lvl1pPr>
+              <a:lvl2pPr marL="457200" algn="l" defTabSz="914400" rtl="0" eaLnBrk="1" latinLnBrk="0" hangingPunct="1">
+                <a:defRPr sz="1800" kern="1200">
+                  <a:solidFill>
+                    <a:schemeClr val="lt1"/>
+                  </a:solidFill>
+                  <a:latin typeface="+mn-lt"/>
+                  <a:ea typeface="+mn-ea"/>
+                  <a:cs typeface="+mn-cs"/>
+                </a:defRPr>
+              </a:lvl2pPr>
+              <a:lvl3pPr marL="914400" algn="l" defTabSz="914400" rtl="0" eaLnBrk="1" latinLnBrk="0" hangingPunct="1">
+                <a:defRPr sz="1800" kern="1200">
+                  <a:solidFill>
+                    <a:schemeClr val="lt1"/>
+                  </a:solidFill>
+                  <a:latin typeface="+mn-lt"/>
+                  <a:ea typeface="+mn-ea"/>
+                  <a:cs typeface="+mn-cs"/>
+                </a:defRPr>
+              </a:lvl3pPr>
+              <a:lvl4pPr marL="1371600" algn="l" defTabSz="914400" rtl="0" eaLnBrk="1" latinLnBrk="0" hangingPunct="1">
+                <a:defRPr sz="1800" kern="1200">
+                  <a:solidFill>
+                    <a:schemeClr val="lt1"/>
+                  </a:solidFill>
+                  <a:latin typeface="+mn-lt"/>
+                  <a:ea typeface="+mn-ea"/>
+                  <a:cs typeface="+mn-cs"/>
+                </a:defRPr>
+              </a:lvl4pPr>
+              <a:lvl5pPr marL="1828800" algn="l" defTabSz="914400" rtl="0" eaLnBrk="1" latinLnBrk="0" hangingPunct="1">
+                <a:defRPr sz="1800" kern="1200">
+                  <a:solidFill>
+                    <a:schemeClr val="lt1"/>
+                  </a:solidFill>
+                  <a:latin typeface="+mn-lt"/>
+                  <a:ea typeface="+mn-ea"/>
+                  <a:cs typeface="+mn-cs"/>
+                </a:defRPr>
+              </a:lvl5pPr>
+              <a:lvl6pPr marL="2286000" algn="l" defTabSz="914400" rtl="0" eaLnBrk="1" latinLnBrk="0" hangingPunct="1">
+                <a:defRPr sz="1800" kern="1200">
+                  <a:solidFill>
+                    <a:schemeClr val="lt1"/>
+                  </a:solidFill>
+                  <a:latin typeface="+mn-lt"/>
+                  <a:ea typeface="+mn-ea"/>
+                  <a:cs typeface="+mn-cs"/>
+                </a:defRPr>
+              </a:lvl6pPr>
+              <a:lvl7pPr marL="2743200" algn="l" defTabSz="914400" rtl="0" eaLnBrk="1" latinLnBrk="0" hangingPunct="1">
+                <a:defRPr sz="1800" kern="1200">
+                  <a:solidFill>
+                    <a:schemeClr val="lt1"/>
+                  </a:solidFill>
+                  <a:latin typeface="+mn-lt"/>
+                  <a:ea typeface="+mn-ea"/>
+                  <a:cs typeface="+mn-cs"/>
+                </a:defRPr>
+              </a:lvl7pPr>
+              <a:lvl8pPr marL="3200400" algn="l" defTabSz="914400" rtl="0" eaLnBrk="1" latinLnBrk="0" hangingPunct="1">
+                <a:defRPr sz="1800" kern="1200">
+                  <a:solidFill>
+                    <a:schemeClr val="lt1"/>
+                  </a:solidFill>
+                  <a:latin typeface="+mn-lt"/>
+                  <a:ea typeface="+mn-ea"/>
+                  <a:cs typeface="+mn-cs"/>
+                </a:defRPr>
+              </a:lvl8pPr>
+              <a:lvl9pPr marL="3657600" algn="l" defTabSz="914400" rtl="0" eaLnBrk="1" latinLnBrk="0" hangingPunct="1">
+                <a:defRPr sz="1800" kern="1200">
+                  <a:solidFill>
+                    <a:schemeClr val="lt1"/>
+                  </a:solidFill>
+                  <a:latin typeface="+mn-lt"/>
+                  <a:ea typeface="+mn-ea"/>
+                  <a:cs typeface="+mn-cs"/>
+                </a:defRPr>
+              </a:lvl9pPr>
+            </a:lstStyle>
+            <a:p>
+              <a:pPr algn="ctr"/>
+              <a:endParaRPr lang="en-US"/>
+            </a:p>
+          </p:txBody>
+        </p:sp>
+        <p:sp>
+          <p:nvSpPr>
+            <p:cNvPr id="17" name="Oval 16"/>
+            <p:cNvSpPr/>
+            <p:nvPr/>
+          </p:nvSpPr>
+          <p:spPr>
+            <a:xfrm>
+              <a:off x="3179607" y="3384219"/>
+              <a:ext cx="767199" cy="767199"/>
+            </a:xfrm>
+            <a:prstGeom prst="ellipse">
+              <a:avLst/>
+            </a:prstGeom>
+            <a:solidFill>
+              <a:srgbClr val="00B0F0"/>
+            </a:solidFill>
+            <a:ln>
+              <a:solidFill>
+                <a:srgbClr val="00B0F0"/>
+              </a:solidFill>
+            </a:ln>
+          </p:spPr>
+          <p:style>
+            <a:lnRef idx="2">
+              <a:schemeClr val="accent1">
+                <a:shade val="50000"/>
+              </a:schemeClr>
+            </a:lnRef>
+            <a:fillRef idx="1">
+              <a:schemeClr val="accent1"/>
+            </a:fillRef>
+            <a:effectRef idx="0">
+              <a:schemeClr val="accent1"/>
+            </a:effectRef>
+            <a:fontRef idx="minor">
+              <a:schemeClr val="lt1"/>
+            </a:fontRef>
+          </p:style>
+          <p:txBody>
+            <a:bodyPr rtlCol="0" anchor="ctr"/>
+            <a:lstStyle>
+              <a:defPPr>
+                <a:defRPr lang="en-US"/>
+              </a:defPPr>
+              <a:lvl1pPr marL="0" algn="l" defTabSz="914400" rtl="0" eaLnBrk="1" latinLnBrk="0" hangingPunct="1">
+                <a:defRPr sz="1800" kern="1200">
+                  <a:solidFill>
+                    <a:schemeClr val="lt1"/>
+                  </a:solidFill>
+                  <a:latin typeface="+mn-lt"/>
+                  <a:ea typeface="+mn-ea"/>
+                  <a:cs typeface="+mn-cs"/>
+                </a:defRPr>
+              </a:lvl1pPr>
+              <a:lvl2pPr marL="457200" algn="l" defTabSz="914400" rtl="0" eaLnBrk="1" latinLnBrk="0" hangingPunct="1">
+                <a:defRPr sz="1800" kern="1200">
+                  <a:solidFill>
+                    <a:schemeClr val="lt1"/>
+                  </a:solidFill>
+                  <a:latin typeface="+mn-lt"/>
+                  <a:ea typeface="+mn-ea"/>
+                  <a:cs typeface="+mn-cs"/>
+                </a:defRPr>
+              </a:lvl2pPr>
+              <a:lvl3pPr marL="914400" algn="l" defTabSz="914400" rtl="0" eaLnBrk="1" latinLnBrk="0" hangingPunct="1">
+                <a:defRPr sz="1800" kern="1200">
+                  <a:solidFill>
+                    <a:schemeClr val="lt1"/>
+                  </a:solidFill>
+                  <a:latin typeface="+mn-lt"/>
+                  <a:ea typeface="+mn-ea"/>
+                  <a:cs typeface="+mn-cs"/>
+                </a:defRPr>
+              </a:lvl3pPr>
+              <a:lvl4pPr marL="1371600" algn="l" defTabSz="914400" rtl="0" eaLnBrk="1" latinLnBrk="0" hangingPunct="1">
+                <a:defRPr sz="1800" kern="1200">
+                  <a:solidFill>
+                    <a:schemeClr val="lt1"/>
+                  </a:solidFill>
+                  <a:latin typeface="+mn-lt"/>
+                  <a:ea typeface="+mn-ea"/>
+                  <a:cs typeface="+mn-cs"/>
+                </a:defRPr>
+              </a:lvl4pPr>
+              <a:lvl5pPr marL="1828800" algn="l" defTabSz="914400" rtl="0" eaLnBrk="1" latinLnBrk="0" hangingPunct="1">
+                <a:defRPr sz="1800" kern="1200">
+                  <a:solidFill>
+                    <a:schemeClr val="lt1"/>
+                  </a:solidFill>
+                  <a:latin typeface="+mn-lt"/>
+                  <a:ea typeface="+mn-ea"/>
+                  <a:cs typeface="+mn-cs"/>
+                </a:defRPr>
+              </a:lvl5pPr>
+              <a:lvl6pPr marL="2286000" algn="l" defTabSz="914400" rtl="0" eaLnBrk="1" latinLnBrk="0" hangingPunct="1">
+                <a:defRPr sz="1800" kern="1200">
+                  <a:solidFill>
+                    <a:schemeClr val="lt1"/>
+                  </a:solidFill>
+                  <a:latin typeface="+mn-lt"/>
+                  <a:ea typeface="+mn-ea"/>
+                  <a:cs typeface="+mn-cs"/>
+                </a:defRPr>
+              </a:lvl6pPr>
+              <a:lvl7pPr marL="2743200" algn="l" defTabSz="914400" rtl="0" eaLnBrk="1" latinLnBrk="0" hangingPunct="1">
+                <a:defRPr sz="1800" kern="1200">
+                  <a:solidFill>
+                    <a:schemeClr val="lt1"/>
+                  </a:solidFill>
+                  <a:latin typeface="+mn-lt"/>
+                  <a:ea typeface="+mn-ea"/>
+                  <a:cs typeface="+mn-cs"/>
+                </a:defRPr>
+              </a:lvl7pPr>
+              <a:lvl8pPr marL="3200400" algn="l" defTabSz="914400" rtl="0" eaLnBrk="1" latinLnBrk="0" hangingPunct="1">
+                <a:defRPr sz="1800" kern="1200">
+                  <a:solidFill>
+                    <a:schemeClr val="lt1"/>
+                  </a:solidFill>
+                  <a:latin typeface="+mn-lt"/>
+                  <a:ea typeface="+mn-ea"/>
+                  <a:cs typeface="+mn-cs"/>
+                </a:defRPr>
+              </a:lvl8pPr>
+              <a:lvl9pPr marL="3657600" algn="l" defTabSz="914400" rtl="0" eaLnBrk="1" latinLnBrk="0" hangingPunct="1">
+                <a:defRPr sz="1800" kern="1200">
+                  <a:solidFill>
+                    <a:schemeClr val="lt1"/>
+                  </a:solidFill>
+                  <a:latin typeface="+mn-lt"/>
+                  <a:ea typeface="+mn-ea"/>
+                  <a:cs typeface="+mn-cs"/>
+                </a:defRPr>
+              </a:lvl9pPr>
+            </a:lstStyle>
+            <a:p>
+              <a:pPr algn="ctr"/>
+              <a:endParaRPr lang="en-US"/>
+            </a:p>
+          </p:txBody>
+        </p:sp>
+        <mc:AlternateContent xmlns:mc="http://schemas.openxmlformats.org/markup-compatibility/2006">
+          <mc:Choice xmlns:a14="http://schemas.microsoft.com/office/drawing/2010/main" Requires="a14">
+            <p:sp>
+              <p:nvSpPr>
+                <p:cNvPr id="20" name="TextBox 30"/>
+                <p:cNvSpPr txBox="1"/>
+                <p:nvPr/>
+              </p:nvSpPr>
+              <p:spPr>
+                <a:xfrm>
+                  <a:off x="3477549" y="2309231"/>
+                  <a:ext cx="207108" cy="276999"/>
+                </a:xfrm>
+                <a:prstGeom prst="rect">
+                  <a:avLst/>
+                </a:prstGeom>
+                <a:noFill/>
+              </p:spPr>
+              <p:txBody>
+                <a:bodyPr wrap="none" lIns="0" tIns="0" rIns="0" bIns="0" rtlCol="0">
+                  <a:spAutoFit/>
+                </a:bodyPr>
+                <a:lstStyle>
+                  <a:defPPr>
+                    <a:defRPr lang="en-US"/>
+                  </a:defPPr>
+                  <a:lvl1pPr marL="0" algn="l" defTabSz="914400" rtl="0" eaLnBrk="1" latinLnBrk="0" hangingPunct="1">
+                    <a:defRPr sz="1800" kern="1200">
+                      <a:solidFill>
+                        <a:schemeClr val="tx1"/>
+                      </a:solidFill>
+                      <a:latin typeface="+mn-lt"/>
+                      <a:ea typeface="+mn-ea"/>
+                      <a:cs typeface="+mn-cs"/>
+                    </a:defRPr>
+                  </a:lvl1pPr>
+                  <a:lvl2pPr marL="457200" algn="l" defTabSz="914400" rtl="0" eaLnBrk="1" latinLnBrk="0" hangingPunct="1">
+                    <a:defRPr sz="1800" kern="1200">
+                      <a:solidFill>
+                        <a:schemeClr val="tx1"/>
+                      </a:solidFill>
+                      <a:latin typeface="+mn-lt"/>
+                      <a:ea typeface="+mn-ea"/>
+                      <a:cs typeface="+mn-cs"/>
+                    </a:defRPr>
+                  </a:lvl2pPr>
+                  <a:lvl3pPr marL="914400" algn="l" defTabSz="914400" rtl="0" eaLnBrk="1" latinLnBrk="0" hangingPunct="1">
+                    <a:defRPr sz="1800" kern="1200">
+                      <a:solidFill>
+                        <a:schemeClr val="tx1"/>
+                      </a:solidFill>
+                      <a:latin typeface="+mn-lt"/>
+                      <a:ea typeface="+mn-ea"/>
+                      <a:cs typeface="+mn-cs"/>
+                    </a:defRPr>
+                  </a:lvl3pPr>
+                  <a:lvl4pPr marL="1371600" algn="l" defTabSz="914400" rtl="0" eaLnBrk="1" latinLnBrk="0" hangingPunct="1">
+                    <a:defRPr sz="1800" kern="1200">
+                      <a:solidFill>
+                        <a:schemeClr val="tx1"/>
+                      </a:solidFill>
+                      <a:latin typeface="+mn-lt"/>
+                      <a:ea typeface="+mn-ea"/>
+                      <a:cs typeface="+mn-cs"/>
+                    </a:defRPr>
+                  </a:lvl4pPr>
+                  <a:lvl5pPr marL="1828800" algn="l" defTabSz="914400" rtl="0" eaLnBrk="1" latinLnBrk="0" hangingPunct="1">
+                    <a:defRPr sz="1800" kern="1200">
+                      <a:solidFill>
+                        <a:schemeClr val="tx1"/>
+                      </a:solidFill>
+                      <a:latin typeface="+mn-lt"/>
+                      <a:ea typeface="+mn-ea"/>
+                      <a:cs typeface="+mn-cs"/>
+                    </a:defRPr>
+                  </a:lvl5pPr>
+                  <a:lvl6pPr marL="2286000" algn="l" defTabSz="914400" rtl="0" eaLnBrk="1" latinLnBrk="0" hangingPunct="1">
+                    <a:defRPr sz="1800" kern="1200">
+                      <a:solidFill>
+                        <a:schemeClr val="tx1"/>
+                      </a:solidFill>
+                      <a:latin typeface="+mn-lt"/>
+                      <a:ea typeface="+mn-ea"/>
+                      <a:cs typeface="+mn-cs"/>
+                    </a:defRPr>
+                  </a:lvl6pPr>
+                  <a:lvl7pPr marL="2743200" algn="l" defTabSz="914400" rtl="0" eaLnBrk="1" latinLnBrk="0" hangingPunct="1">
+                    <a:defRPr sz="1800" kern="1200">
+                      <a:solidFill>
+                        <a:schemeClr val="tx1"/>
+                      </a:solidFill>
+                      <a:latin typeface="+mn-lt"/>
+                      <a:ea typeface="+mn-ea"/>
+                      <a:cs typeface="+mn-cs"/>
+                    </a:defRPr>
+                  </a:lvl7pPr>
+                  <a:lvl8pPr marL="3200400" algn="l" defTabSz="914400" rtl="0" eaLnBrk="1" latinLnBrk="0" hangingPunct="1">
+                    <a:defRPr sz="1800" kern="1200">
+                      <a:solidFill>
+                        <a:schemeClr val="tx1"/>
+                      </a:solidFill>
+                      <a:latin typeface="+mn-lt"/>
+                      <a:ea typeface="+mn-ea"/>
+                      <a:cs typeface="+mn-cs"/>
+                    </a:defRPr>
+                  </a:lvl8pPr>
+                  <a:lvl9pPr marL="3657600" algn="l" defTabSz="914400" rtl="0" eaLnBrk="1" latinLnBrk="0" hangingPunct="1">
+                    <a:defRPr sz="1800" kern="1200">
+                      <a:solidFill>
+                        <a:schemeClr val="tx1"/>
+                      </a:solidFill>
+                      <a:latin typeface="+mn-lt"/>
+                      <a:ea typeface="+mn-ea"/>
+                      <a:cs typeface="+mn-cs"/>
+                    </a:defRPr>
+                  </a:lvl9pPr>
+                </a:lstStyle>
+                <a:p>
+                  <a:pPr/>
+                  <a14:m>
+                    <m:oMathPara xmlns:m="http://schemas.openxmlformats.org/officeDocument/2006/math">
+                      <m:oMathParaPr>
+                        <m:jc m:val="centerGroup"/>
+                      </m:oMathParaPr>
+                      <m:oMath xmlns:m="http://schemas.openxmlformats.org/officeDocument/2006/math">
+                        <m:r>
+                          <a:rPr lang="en-US" b="0" i="1" smtClean="0">
+                            <a:latin typeface="Cambria Math" panose="02040503050406030204" pitchFamily="18" charset="0"/>
+                          </a:rPr>
+                          <m:t>𝑅</m:t>
+                        </m:r>
+                      </m:oMath>
+                    </m:oMathPara>
+                  </a14:m>
+                  <a:endParaRPr lang="en-US" dirty="0"/>
+                </a:p>
+              </p:txBody>
+            </p:sp>
+          </mc:Choice>
+          <mc:Fallback>
+            <p:sp>
+              <p:nvSpPr>
+                <p:cNvPr id="20" name="TextBox 30"/>
+                <p:cNvSpPr txBox="1">
+                  <a:spLocks noRot="1" noChangeAspect="1" noMove="1" noResize="1" noEditPoints="1" noAdjustHandles="1" noChangeArrowheads="1" noChangeShapeType="1" noTextEdit="1"/>
+                </p:cNvSpPr>
+                <p:nvPr/>
+              </p:nvSpPr>
+              <p:spPr>
+                <a:xfrm>
+                  <a:off x="3477549" y="2309231"/>
+                  <a:ext cx="207108" cy="276999"/>
+                </a:xfrm>
+                <a:prstGeom prst="rect">
+                  <a:avLst/>
+                </a:prstGeom>
+                <a:blipFill rotWithShape="0">
+                  <a:blip r:embed="rId2"/>
+                  <a:stretch>
+                    <a:fillRect l="-26471" r="-23529" b="-6667"/>
+                  </a:stretch>
+                </a:blipFill>
+              </p:spPr>
+              <p:txBody>
+                <a:bodyPr/>
+                <a:lstStyle/>
+                <a:p>
+                  <a:r>
+                    <a:rPr lang="en-CA">
+                      <a:noFill/>
+                    </a:rPr>
+                    <a:t> </a:t>
+                  </a:r>
+                </a:p>
+              </p:txBody>
+            </p:sp>
+          </mc:Fallback>
+        </mc:AlternateContent>
+        <mc:AlternateContent xmlns:mc="http://schemas.openxmlformats.org/markup-compatibility/2006">
+          <mc:Choice xmlns:a14="http://schemas.microsoft.com/office/drawing/2010/main" Requires="a14">
+            <p:sp>
+              <p:nvSpPr>
+                <p:cNvPr id="21" name="TextBox 31"/>
+                <p:cNvSpPr txBox="1"/>
+                <p:nvPr/>
+              </p:nvSpPr>
+              <p:spPr>
+                <a:xfrm>
+                  <a:off x="3050020" y="3043915"/>
+                  <a:ext cx="1026371" cy="276999"/>
+                </a:xfrm>
+                <a:prstGeom prst="rect">
+                  <a:avLst/>
+                </a:prstGeom>
+                <a:noFill/>
+              </p:spPr>
+              <p:txBody>
+                <a:bodyPr wrap="none" lIns="0" tIns="0" rIns="0" bIns="0" rtlCol="0">
+                  <a:spAutoFit/>
+                </a:bodyPr>
+                <a:lstStyle>
+                  <a:defPPr>
+                    <a:defRPr lang="en-US"/>
+                  </a:defPPr>
+                  <a:lvl1pPr marL="0" algn="l" defTabSz="914400" rtl="0" eaLnBrk="1" latinLnBrk="0" hangingPunct="1">
+                    <a:defRPr sz="1800" kern="1200">
+                      <a:solidFill>
+                        <a:schemeClr val="tx1"/>
+                      </a:solidFill>
+                      <a:latin typeface="+mn-lt"/>
+                      <a:ea typeface="+mn-ea"/>
+                      <a:cs typeface="+mn-cs"/>
+                    </a:defRPr>
+                  </a:lvl1pPr>
+                  <a:lvl2pPr marL="457200" algn="l" defTabSz="914400" rtl="0" eaLnBrk="1" latinLnBrk="0" hangingPunct="1">
+                    <a:defRPr sz="1800" kern="1200">
+                      <a:solidFill>
+                        <a:schemeClr val="tx1"/>
+                      </a:solidFill>
+                      <a:latin typeface="+mn-lt"/>
+                      <a:ea typeface="+mn-ea"/>
+                      <a:cs typeface="+mn-cs"/>
+                    </a:defRPr>
+                  </a:lvl2pPr>
+                  <a:lvl3pPr marL="914400" algn="l" defTabSz="914400" rtl="0" eaLnBrk="1" latinLnBrk="0" hangingPunct="1">
+                    <a:defRPr sz="1800" kern="1200">
+                      <a:solidFill>
+                        <a:schemeClr val="tx1"/>
+                      </a:solidFill>
+                      <a:latin typeface="+mn-lt"/>
+                      <a:ea typeface="+mn-ea"/>
+                      <a:cs typeface="+mn-cs"/>
+                    </a:defRPr>
+                  </a:lvl3pPr>
+                  <a:lvl4pPr marL="1371600" algn="l" defTabSz="914400" rtl="0" eaLnBrk="1" latinLnBrk="0" hangingPunct="1">
+                    <a:defRPr sz="1800" kern="1200">
+                      <a:solidFill>
+                        <a:schemeClr val="tx1"/>
+                      </a:solidFill>
+                      <a:latin typeface="+mn-lt"/>
+                      <a:ea typeface="+mn-ea"/>
+                      <a:cs typeface="+mn-cs"/>
+                    </a:defRPr>
+                  </a:lvl4pPr>
+                  <a:lvl5pPr marL="1828800" algn="l" defTabSz="914400" rtl="0" eaLnBrk="1" latinLnBrk="0" hangingPunct="1">
+                    <a:defRPr sz="1800" kern="1200">
+                      <a:solidFill>
+                        <a:schemeClr val="tx1"/>
+                      </a:solidFill>
+                      <a:latin typeface="+mn-lt"/>
+                      <a:ea typeface="+mn-ea"/>
+                      <a:cs typeface="+mn-cs"/>
+                    </a:defRPr>
+                  </a:lvl5pPr>
+                  <a:lvl6pPr marL="2286000" algn="l" defTabSz="914400" rtl="0" eaLnBrk="1" latinLnBrk="0" hangingPunct="1">
+                    <a:defRPr sz="1800" kern="1200">
+                      <a:solidFill>
+                        <a:schemeClr val="tx1"/>
+                      </a:solidFill>
+                      <a:latin typeface="+mn-lt"/>
+                      <a:ea typeface="+mn-ea"/>
+                      <a:cs typeface="+mn-cs"/>
+                    </a:defRPr>
+                  </a:lvl6pPr>
+                  <a:lvl7pPr marL="2743200" algn="l" defTabSz="914400" rtl="0" eaLnBrk="1" latinLnBrk="0" hangingPunct="1">
+                    <a:defRPr sz="1800" kern="1200">
+                      <a:solidFill>
+                        <a:schemeClr val="tx1"/>
+                      </a:solidFill>
+                      <a:latin typeface="+mn-lt"/>
+                      <a:ea typeface="+mn-ea"/>
+                      <a:cs typeface="+mn-cs"/>
+                    </a:defRPr>
+                  </a:lvl7pPr>
+                  <a:lvl8pPr marL="3200400" algn="l" defTabSz="914400" rtl="0" eaLnBrk="1" latinLnBrk="0" hangingPunct="1">
+                    <a:defRPr sz="1800" kern="1200">
+                      <a:solidFill>
+                        <a:schemeClr val="tx1"/>
+                      </a:solidFill>
+                      <a:latin typeface="+mn-lt"/>
+                      <a:ea typeface="+mn-ea"/>
+                      <a:cs typeface="+mn-cs"/>
+                    </a:defRPr>
+                  </a:lvl8pPr>
+                  <a:lvl9pPr marL="3657600" algn="l" defTabSz="914400" rtl="0" eaLnBrk="1" latinLnBrk="0" hangingPunct="1">
+                    <a:defRPr sz="1800" kern="1200">
+                      <a:solidFill>
+                        <a:schemeClr val="tx1"/>
+                      </a:solidFill>
+                      <a:latin typeface="+mn-lt"/>
+                      <a:ea typeface="+mn-ea"/>
+                      <a:cs typeface="+mn-cs"/>
+                    </a:defRPr>
+                  </a:lvl9pPr>
+                </a:lstStyle>
+                <a:p>
+                  <a:pPr/>
+                  <a14:m>
+                    <m:oMathPara xmlns:m="http://schemas.openxmlformats.org/officeDocument/2006/math">
+                      <m:oMathParaPr>
+                        <m:jc m:val="centerGroup"/>
+                      </m:oMathParaPr>
+                      <m:oMath xmlns:m="http://schemas.openxmlformats.org/officeDocument/2006/math">
+                        <m:r>
+                          <a:rPr lang="en-US" b="0" i="1" smtClean="0">
+                            <a:latin typeface="Cambria Math" panose="02040503050406030204" pitchFamily="18" charset="0"/>
+                          </a:rPr>
+                          <m:t>𝑃𝑢𝑚𝑝</m:t>
+                        </m:r>
+                        <m:r>
+                          <a:rPr lang="en-US" b="0" i="1" smtClean="0">
+                            <a:latin typeface="Cambria Math" panose="02040503050406030204" pitchFamily="18" charset="0"/>
+                          </a:rPr>
+                          <m:t>, </m:t>
+                        </m:r>
+                        <m:r>
+                          <m:rPr>
+                            <m:sty m:val="p"/>
+                          </m:rPr>
+                          <a:rPr lang="en-US" b="0" i="0" smtClean="0">
+                            <a:latin typeface="Cambria Math" panose="02040503050406030204" pitchFamily="18" charset="0"/>
+                          </a:rPr>
+                          <m:t>Δ</m:t>
+                        </m:r>
+                        <m:r>
+                          <a:rPr lang="en-US" b="0" i="1" smtClean="0">
+                            <a:latin typeface="Cambria Math" panose="02040503050406030204" pitchFamily="18" charset="0"/>
+                          </a:rPr>
+                          <m:t>𝑃</m:t>
+                        </m:r>
+                      </m:oMath>
+                    </m:oMathPara>
+                  </a14:m>
+                  <a:endParaRPr lang="en-US" dirty="0"/>
+                </a:p>
+              </p:txBody>
+            </p:sp>
+          </mc:Choice>
+          <mc:Fallback>
+            <p:sp>
+              <p:nvSpPr>
+                <p:cNvPr id="21" name="TextBox 31"/>
+                <p:cNvSpPr txBox="1">
+                  <a:spLocks noRot="1" noChangeAspect="1" noMove="1" noResize="1" noEditPoints="1" noAdjustHandles="1" noChangeArrowheads="1" noChangeShapeType="1" noTextEdit="1"/>
+                </p:cNvSpPr>
+                <p:nvPr/>
+              </p:nvSpPr>
+              <p:spPr>
+                <a:xfrm>
+                  <a:off x="3050020" y="3043915"/>
+                  <a:ext cx="1026371" cy="276999"/>
+                </a:xfrm>
+                <a:prstGeom prst="rect">
+                  <a:avLst/>
+                </a:prstGeom>
+                <a:blipFill rotWithShape="0">
+                  <a:blip r:embed="rId3"/>
+                  <a:stretch>
+                    <a:fillRect l="-7101" r="-4734" b="-32609"/>
+                  </a:stretch>
+                </a:blipFill>
+              </p:spPr>
+              <p:txBody>
+                <a:bodyPr/>
+                <a:lstStyle/>
+                <a:p>
+                  <a:r>
+                    <a:rPr lang="en-CA">
+                      <a:noFill/>
+                    </a:rPr>
+                    <a:t> </a:t>
+                  </a:r>
+                </a:p>
+              </p:txBody>
+            </p:sp>
+          </mc:Fallback>
+        </mc:AlternateContent>
+        <p:sp>
+          <p:nvSpPr>
+            <p:cNvPr id="22" name="Left Arrow 21"/>
+            <p:cNvSpPr/>
+            <p:nvPr/>
+          </p:nvSpPr>
+          <p:spPr>
+            <a:xfrm rot="10800000">
+              <a:off x="3168263" y="3698337"/>
+              <a:ext cx="756138" cy="138499"/>
+            </a:xfrm>
+            <a:prstGeom prst="leftArrow">
+              <a:avLst/>
+            </a:prstGeom>
+            <a:solidFill>
+              <a:schemeClr val="tx1"/>
+            </a:solidFill>
+            <a:ln>
+              <a:solidFill>
+                <a:schemeClr val="tx2"/>
+              </a:solidFill>
+            </a:ln>
+          </p:spPr>
+          <p:style>
+            <a:lnRef idx="2">
+              <a:schemeClr val="accent1">
+                <a:shade val="50000"/>
+              </a:schemeClr>
+            </a:lnRef>
+            <a:fillRef idx="1">
+              <a:schemeClr val="accent1"/>
+            </a:fillRef>
+            <a:effectRef idx="0">
+              <a:schemeClr val="accent1"/>
+            </a:effectRef>
+            <a:fontRef idx="minor">
+              <a:schemeClr val="lt1"/>
+            </a:fontRef>
+          </p:style>
+          <p:txBody>
+            <a:bodyPr rtlCol="0" anchor="ctr"/>
+            <a:lstStyle>
+              <a:defPPr>
+                <a:defRPr lang="en-US"/>
+              </a:defPPr>
+              <a:lvl1pPr marL="0" algn="l" defTabSz="914400" rtl="0" eaLnBrk="1" latinLnBrk="0" hangingPunct="1">
+                <a:defRPr sz="1800" kern="1200">
+                  <a:solidFill>
+                    <a:schemeClr val="lt1"/>
+                  </a:solidFill>
+                  <a:latin typeface="+mn-lt"/>
+                  <a:ea typeface="+mn-ea"/>
+                  <a:cs typeface="+mn-cs"/>
+                </a:defRPr>
+              </a:lvl1pPr>
+              <a:lvl2pPr marL="457200" algn="l" defTabSz="914400" rtl="0" eaLnBrk="1" latinLnBrk="0" hangingPunct="1">
+                <a:defRPr sz="1800" kern="1200">
+                  <a:solidFill>
+                    <a:schemeClr val="lt1"/>
+                  </a:solidFill>
+                  <a:latin typeface="+mn-lt"/>
+                  <a:ea typeface="+mn-ea"/>
+                  <a:cs typeface="+mn-cs"/>
+                </a:defRPr>
+              </a:lvl2pPr>
+              <a:lvl3pPr marL="914400" algn="l" defTabSz="914400" rtl="0" eaLnBrk="1" latinLnBrk="0" hangingPunct="1">
+                <a:defRPr sz="1800" kern="1200">
+                  <a:solidFill>
+                    <a:schemeClr val="lt1"/>
+                  </a:solidFill>
+                  <a:latin typeface="+mn-lt"/>
+                  <a:ea typeface="+mn-ea"/>
+                  <a:cs typeface="+mn-cs"/>
+                </a:defRPr>
+              </a:lvl3pPr>
+              <a:lvl4pPr marL="1371600" algn="l" defTabSz="914400" rtl="0" eaLnBrk="1" latinLnBrk="0" hangingPunct="1">
+                <a:defRPr sz="1800" kern="1200">
+                  <a:solidFill>
+                    <a:schemeClr val="lt1"/>
+                  </a:solidFill>
+                  <a:latin typeface="+mn-lt"/>
+                  <a:ea typeface="+mn-ea"/>
+                  <a:cs typeface="+mn-cs"/>
+                </a:defRPr>
+              </a:lvl4pPr>
+              <a:lvl5pPr marL="1828800" algn="l" defTabSz="914400" rtl="0" eaLnBrk="1" latinLnBrk="0" hangingPunct="1">
+                <a:defRPr sz="1800" kern="1200">
+                  <a:solidFill>
+                    <a:schemeClr val="lt1"/>
+                  </a:solidFill>
+                  <a:latin typeface="+mn-lt"/>
+                  <a:ea typeface="+mn-ea"/>
+                  <a:cs typeface="+mn-cs"/>
+                </a:defRPr>
+              </a:lvl5pPr>
+              <a:lvl6pPr marL="2286000" algn="l" defTabSz="914400" rtl="0" eaLnBrk="1" latinLnBrk="0" hangingPunct="1">
+                <a:defRPr sz="1800" kern="1200">
+                  <a:solidFill>
+                    <a:schemeClr val="lt1"/>
+                  </a:solidFill>
+                  <a:latin typeface="+mn-lt"/>
+                  <a:ea typeface="+mn-ea"/>
+                  <a:cs typeface="+mn-cs"/>
+                </a:defRPr>
+              </a:lvl6pPr>
+              <a:lvl7pPr marL="2743200" algn="l" defTabSz="914400" rtl="0" eaLnBrk="1" latinLnBrk="0" hangingPunct="1">
+                <a:defRPr sz="1800" kern="1200">
+                  <a:solidFill>
+                    <a:schemeClr val="lt1"/>
+                  </a:solidFill>
+                  <a:latin typeface="+mn-lt"/>
+                  <a:ea typeface="+mn-ea"/>
+                  <a:cs typeface="+mn-cs"/>
+                </a:defRPr>
+              </a:lvl7pPr>
+              <a:lvl8pPr marL="3200400" algn="l" defTabSz="914400" rtl="0" eaLnBrk="1" latinLnBrk="0" hangingPunct="1">
+                <a:defRPr sz="1800" kern="1200">
+                  <a:solidFill>
+                    <a:schemeClr val="lt1"/>
+                  </a:solidFill>
+                  <a:latin typeface="+mn-lt"/>
+                  <a:ea typeface="+mn-ea"/>
+                  <a:cs typeface="+mn-cs"/>
+                </a:defRPr>
+              </a:lvl8pPr>
+              <a:lvl9pPr marL="3657600" algn="l" defTabSz="914400" rtl="0" eaLnBrk="1" latinLnBrk="0" hangingPunct="1">
+                <a:defRPr sz="1800" kern="1200">
+                  <a:solidFill>
+                    <a:schemeClr val="lt1"/>
+                  </a:solidFill>
+                  <a:latin typeface="+mn-lt"/>
+                  <a:ea typeface="+mn-ea"/>
+                  <a:cs typeface="+mn-cs"/>
+                </a:defRPr>
+              </a:lvl9pPr>
+            </a:lstStyle>
+            <a:p>
+              <a:pPr algn="ctr"/>
+              <a:endParaRPr lang="en-US"/>
+            </a:p>
+          </p:txBody>
+        </p:sp>
+        <p:sp>
+          <p:nvSpPr>
+            <p:cNvPr id="23" name="Rectangle 22"/>
+            <p:cNvSpPr/>
+            <p:nvPr/>
+          </p:nvSpPr>
+          <p:spPr>
+            <a:xfrm>
+              <a:off x="4912168" y="2623822"/>
+              <a:ext cx="211018" cy="1249506"/>
+            </a:xfrm>
+            <a:prstGeom prst="rect">
+              <a:avLst/>
+            </a:prstGeom>
+            <a:solidFill>
+              <a:srgbClr val="00B0F0"/>
+            </a:solidFill>
+            <a:ln>
+              <a:solidFill>
+                <a:srgbClr val="00B0F0"/>
+              </a:solidFill>
+            </a:ln>
+          </p:spPr>
+          <p:style>
+            <a:lnRef idx="2">
+              <a:schemeClr val="accent1">
+                <a:shade val="50000"/>
+              </a:schemeClr>
+            </a:lnRef>
+            <a:fillRef idx="1">
+              <a:schemeClr val="accent1"/>
+            </a:fillRef>
+            <a:effectRef idx="0">
+              <a:schemeClr val="accent1"/>
+            </a:effectRef>
+            <a:fontRef idx="minor">
+              <a:schemeClr val="lt1"/>
+            </a:fontRef>
+          </p:style>
+          <p:txBody>
+            <a:bodyPr rtlCol="0" anchor="ctr"/>
+            <a:lstStyle>
+              <a:defPPr>
+                <a:defRPr lang="en-US"/>
+              </a:defPPr>
+              <a:lvl1pPr marL="0" algn="l" defTabSz="914400" rtl="0" eaLnBrk="1" latinLnBrk="0" hangingPunct="1">
+                <a:defRPr sz="1800" kern="1200">
+                  <a:solidFill>
+                    <a:schemeClr val="lt1"/>
+                  </a:solidFill>
+                  <a:latin typeface="+mn-lt"/>
+                  <a:ea typeface="+mn-ea"/>
+                  <a:cs typeface="+mn-cs"/>
+                </a:defRPr>
+              </a:lvl1pPr>
+              <a:lvl2pPr marL="457200" algn="l" defTabSz="914400" rtl="0" eaLnBrk="1" latinLnBrk="0" hangingPunct="1">
+                <a:defRPr sz="1800" kern="1200">
+                  <a:solidFill>
+                    <a:schemeClr val="lt1"/>
+                  </a:solidFill>
+                  <a:latin typeface="+mn-lt"/>
+                  <a:ea typeface="+mn-ea"/>
+                  <a:cs typeface="+mn-cs"/>
+                </a:defRPr>
+              </a:lvl2pPr>
+              <a:lvl3pPr marL="914400" algn="l" defTabSz="914400" rtl="0" eaLnBrk="1" latinLnBrk="0" hangingPunct="1">
+                <a:defRPr sz="1800" kern="1200">
+                  <a:solidFill>
+                    <a:schemeClr val="lt1"/>
+                  </a:solidFill>
+                  <a:latin typeface="+mn-lt"/>
+                  <a:ea typeface="+mn-ea"/>
+                  <a:cs typeface="+mn-cs"/>
+                </a:defRPr>
+              </a:lvl3pPr>
+              <a:lvl4pPr marL="1371600" algn="l" defTabSz="914400" rtl="0" eaLnBrk="1" latinLnBrk="0" hangingPunct="1">
+                <a:defRPr sz="1800" kern="1200">
+                  <a:solidFill>
+                    <a:schemeClr val="lt1"/>
+                  </a:solidFill>
+                  <a:latin typeface="+mn-lt"/>
+                  <a:ea typeface="+mn-ea"/>
+                  <a:cs typeface="+mn-cs"/>
+                </a:defRPr>
+              </a:lvl4pPr>
+              <a:lvl5pPr marL="1828800" algn="l" defTabSz="914400" rtl="0" eaLnBrk="1" latinLnBrk="0" hangingPunct="1">
+                <a:defRPr sz="1800" kern="1200">
+                  <a:solidFill>
+                    <a:schemeClr val="lt1"/>
+                  </a:solidFill>
+                  <a:latin typeface="+mn-lt"/>
+                  <a:ea typeface="+mn-ea"/>
+                  <a:cs typeface="+mn-cs"/>
+                </a:defRPr>
+              </a:lvl5pPr>
+              <a:lvl6pPr marL="2286000" algn="l" defTabSz="914400" rtl="0" eaLnBrk="1" latinLnBrk="0" hangingPunct="1">
+                <a:defRPr sz="1800" kern="1200">
+                  <a:solidFill>
+                    <a:schemeClr val="lt1"/>
+                  </a:solidFill>
+                  <a:latin typeface="+mn-lt"/>
+                  <a:ea typeface="+mn-ea"/>
+                  <a:cs typeface="+mn-cs"/>
+                </a:defRPr>
+              </a:lvl6pPr>
+              <a:lvl7pPr marL="2743200" algn="l" defTabSz="914400" rtl="0" eaLnBrk="1" latinLnBrk="0" hangingPunct="1">
+                <a:defRPr sz="1800" kern="1200">
+                  <a:solidFill>
+                    <a:schemeClr val="lt1"/>
+                  </a:solidFill>
+                  <a:latin typeface="+mn-lt"/>
+                  <a:ea typeface="+mn-ea"/>
+                  <a:cs typeface="+mn-cs"/>
+                </a:defRPr>
+              </a:lvl7pPr>
+              <a:lvl8pPr marL="3200400" algn="l" defTabSz="914400" rtl="0" eaLnBrk="1" latinLnBrk="0" hangingPunct="1">
+                <a:defRPr sz="1800" kern="1200">
+                  <a:solidFill>
+                    <a:schemeClr val="lt1"/>
+                  </a:solidFill>
+                  <a:latin typeface="+mn-lt"/>
+                  <a:ea typeface="+mn-ea"/>
+                  <a:cs typeface="+mn-cs"/>
+                </a:defRPr>
+              </a:lvl8pPr>
+              <a:lvl9pPr marL="3657600" algn="l" defTabSz="914400" rtl="0" eaLnBrk="1" latinLnBrk="0" hangingPunct="1">
+                <a:defRPr sz="1800" kern="1200">
+                  <a:solidFill>
+                    <a:schemeClr val="lt1"/>
+                  </a:solidFill>
+                  <a:latin typeface="+mn-lt"/>
+                  <a:ea typeface="+mn-ea"/>
+                  <a:cs typeface="+mn-cs"/>
+                </a:defRPr>
+              </a:lvl9pPr>
+            </a:lstStyle>
+            <a:p>
+              <a:pPr algn="ctr"/>
+              <a:endParaRPr lang="en-US"/>
+            </a:p>
+          </p:txBody>
+        </p:sp>
+        <p:cxnSp>
+          <p:nvCxnSpPr>
+            <p:cNvPr id="25" name="Straight Arrow Connector 24"/>
+            <p:cNvCxnSpPr/>
+            <p:nvPr/>
+          </p:nvCxnSpPr>
+          <p:spPr>
+            <a:xfrm flipV="1">
+              <a:off x="5017677" y="2955471"/>
+              <a:ext cx="0" cy="489858"/>
+            </a:xfrm>
+            <a:prstGeom prst="straightConnector1">
+              <a:avLst/>
+            </a:prstGeom>
+            <a:ln w="38100">
+              <a:solidFill>
+                <a:schemeClr val="tx1"/>
+              </a:solidFill>
+              <a:tailEnd type="triangle"/>
+            </a:ln>
+          </p:spPr>
+          <p:style>
+            <a:lnRef idx="1">
+              <a:schemeClr val="accent1"/>
+            </a:lnRef>
+            <a:fillRef idx="0">
+              <a:schemeClr val="accent1"/>
+            </a:fillRef>
+            <a:effectRef idx="0">
+              <a:schemeClr val="accent1"/>
+            </a:effectRef>
+            <a:fontRef idx="minor">
+              <a:schemeClr val="tx1"/>
+            </a:fontRef>
+          </p:style>
+        </p:cxnSp>
+        <mc:AlternateContent xmlns:mc="http://schemas.openxmlformats.org/markup-compatibility/2006">
+          <mc:Choice xmlns:a14="http://schemas.microsoft.com/office/drawing/2010/main" Requires="a14">
+            <p:sp>
+              <p:nvSpPr>
+                <p:cNvPr id="26" name="TextBox 25"/>
+                <p:cNvSpPr txBox="1"/>
+                <p:nvPr/>
+              </p:nvSpPr>
+              <p:spPr>
+                <a:xfrm>
+                  <a:off x="5201241" y="2894322"/>
+                  <a:ext cx="903261" cy="576183"/>
+                </a:xfrm>
+                <a:prstGeom prst="rect">
+                  <a:avLst/>
+                </a:prstGeom>
+                <a:noFill/>
+              </p:spPr>
+              <p:txBody>
+                <a:bodyPr wrap="none" lIns="0" tIns="0" rIns="0" bIns="0" rtlCol="0">
+                  <a:spAutoFit/>
+                </a:bodyPr>
+                <a:lstStyle/>
+                <a:p>
+                  <a14:m>
+                    <m:oMathPara xmlns:m="http://schemas.openxmlformats.org/officeDocument/2006/math">
+                      <m:oMathParaPr>
+                        <m:jc m:val="centerGroup"/>
+                      </m:oMathParaPr>
+                      <m:oMath xmlns:m="http://schemas.openxmlformats.org/officeDocument/2006/math">
+                        <m:r>
+                          <a:rPr lang="en-US" sz="2000" b="0" i="1" smtClean="0">
+                            <a:latin typeface="Cambria Math" panose="02040503050406030204" pitchFamily="18" charset="0"/>
+                            <a:cs typeface="Arial" panose="020B0604020202020204" pitchFamily="34" charset="0"/>
+                          </a:rPr>
+                          <m:t>𝑄</m:t>
+                        </m:r>
+                        <m:r>
+                          <a:rPr lang="en-US" sz="2000" b="0" i="1" smtClean="0">
+                            <a:latin typeface="Cambria Math" panose="02040503050406030204" pitchFamily="18" charset="0"/>
+                            <a:cs typeface="Arial" panose="020B0604020202020204" pitchFamily="34" charset="0"/>
+                          </a:rPr>
+                          <m:t>=</m:t>
+                        </m:r>
+                        <m:f>
+                          <m:fPr>
+                            <m:ctrlPr>
+                              <a:rPr lang="en-US" sz="2000" b="0" i="1" smtClean="0">
+                                <a:latin typeface="Cambria Math" panose="02040503050406030204" pitchFamily="18" charset="0"/>
+                                <a:cs typeface="Arial" panose="020B0604020202020204" pitchFamily="34" charset="0"/>
+                              </a:rPr>
+                            </m:ctrlPr>
+                          </m:fPr>
+                          <m:num>
+                            <m:r>
+                              <m:rPr>
+                                <m:sty m:val="p"/>
+                              </m:rPr>
+                              <a:rPr lang="en-US" sz="2000" b="0" i="0" smtClean="0">
+                                <a:latin typeface="Cambria Math" panose="02040503050406030204" pitchFamily="18" charset="0"/>
+                                <a:cs typeface="Arial" panose="020B0604020202020204" pitchFamily="34" charset="0"/>
+                              </a:rPr>
+                              <m:t>Δ</m:t>
+                            </m:r>
+                            <m:r>
+                              <a:rPr lang="en-US" sz="2000" b="0" i="1" smtClean="0">
+                                <a:latin typeface="Cambria Math" panose="02040503050406030204" pitchFamily="18" charset="0"/>
+                                <a:cs typeface="Arial" panose="020B0604020202020204" pitchFamily="34" charset="0"/>
+                              </a:rPr>
+                              <m:t>𝑃</m:t>
+                            </m:r>
+                          </m:num>
+                          <m:den>
+                            <m:r>
+                              <a:rPr lang="en-US" sz="2000" b="0" i="1" smtClean="0">
+                                <a:latin typeface="Cambria Math" panose="02040503050406030204" pitchFamily="18" charset="0"/>
+                                <a:cs typeface="Arial" panose="020B0604020202020204" pitchFamily="34" charset="0"/>
+                              </a:rPr>
+                              <m:t>𝑅</m:t>
+                            </m:r>
+                          </m:den>
+                        </m:f>
+                      </m:oMath>
+                    </m:oMathPara>
+                  </a14:m>
+                  <a:endParaRPr lang="en-CA" sz="2000" dirty="0" smtClean="0">
+                    <a:latin typeface="Arial" panose="020B0604020202020204" pitchFamily="34" charset="0"/>
+                    <a:cs typeface="Arial" panose="020B0604020202020204" pitchFamily="34" charset="0"/>
+                  </a:endParaRPr>
+                </a:p>
+              </p:txBody>
+            </p:sp>
+          </mc:Choice>
+          <mc:Fallback>
+            <p:sp>
+              <p:nvSpPr>
+                <p:cNvPr id="26" name="TextBox 25"/>
+                <p:cNvSpPr txBox="1">
+                  <a:spLocks noRot="1" noChangeAspect="1" noMove="1" noResize="1" noEditPoints="1" noAdjustHandles="1" noChangeArrowheads="1" noChangeShapeType="1" noTextEdit="1"/>
+                </p:cNvSpPr>
+                <p:nvPr/>
+              </p:nvSpPr>
+              <p:spPr>
+                <a:xfrm>
+                  <a:off x="5201241" y="2894322"/>
+                  <a:ext cx="903261" cy="576183"/>
+                </a:xfrm>
+                <a:prstGeom prst="rect">
+                  <a:avLst/>
+                </a:prstGeom>
+                <a:blipFill rotWithShape="0">
+                  <a:blip r:embed="rId4"/>
+                  <a:stretch>
+                    <a:fillRect/>
+                  </a:stretch>
+                </a:blipFill>
+              </p:spPr>
+              <p:txBody>
+                <a:bodyPr/>
+                <a:lstStyle/>
+                <a:p>
+                  <a:r>
+                    <a:rPr lang="en-CA">
+                      <a:noFill/>
+                    </a:rPr>
+                    <a:t> </a:t>
+                  </a:r>
+                </a:p>
+              </p:txBody>
+            </p:sp>
+          </mc:Fallback>
+        </mc:AlternateContent>
+      </p:grpSp>
+    </p:spTree>
+    <p:extLst>
+      <p:ext uri="{BB962C8B-B14F-4D97-AF65-F5344CB8AC3E}">
+        <p14:creationId xmlns:p14="http://schemas.microsoft.com/office/powerpoint/2010/main" val="4078106684"/>
+      </p:ext>
+    </p:extLst>
+  </p:cSld>
+  <p:clrMapOvr>
+    <a:masterClrMapping/>
+  </p:clrMapOvr>
 </p:sld>
 </file>
 

--- a/tex/figures/Circuits/Figures.pptx
+++ b/tex/figures/Circuits/Figures.pptx
@@ -199,7 +199,7 @@
           <a:p>
             <a:fld id="{FA15A6B2-55AC-CD4B-A1E6-BB01091FE9DC}" type="datetimeFigureOut">
               <a:rPr lang="en-US" smtClean="0"/>
-              <a:t>6/26/2019</a:t>
+              <a:t>6/27/2019</a:t>
             </a:fld>
             <a:endParaRPr lang="en-US"/>
           </a:p>
@@ -598,7 +598,7 @@
           <a:p>
             <a:fld id="{F7249F8D-641B-4CAF-BAE5-10524742F6F1}" type="datetimeFigureOut">
               <a:rPr lang="en-CA" smtClean="0"/>
-              <a:t>2019-06-26</a:t>
+              <a:t>2019-06-27</a:t>
             </a:fld>
             <a:endParaRPr lang="en-CA"/>
           </a:p>
@@ -768,7 +768,7 @@
           <a:p>
             <a:fld id="{F7249F8D-641B-4CAF-BAE5-10524742F6F1}" type="datetimeFigureOut">
               <a:rPr lang="en-CA" smtClean="0"/>
-              <a:t>2019-06-26</a:t>
+              <a:t>2019-06-27</a:t>
             </a:fld>
             <a:endParaRPr lang="en-CA"/>
           </a:p>
@@ -948,7 +948,7 @@
           <a:p>
             <a:fld id="{F7249F8D-641B-4CAF-BAE5-10524742F6F1}" type="datetimeFigureOut">
               <a:rPr lang="en-CA" smtClean="0"/>
-              <a:t>2019-06-26</a:t>
+              <a:t>2019-06-27</a:t>
             </a:fld>
             <a:endParaRPr lang="en-CA"/>
           </a:p>
@@ -1118,7 +1118,7 @@
           <a:p>
             <a:fld id="{F7249F8D-641B-4CAF-BAE5-10524742F6F1}" type="datetimeFigureOut">
               <a:rPr lang="en-CA" smtClean="0"/>
-              <a:t>2019-06-26</a:t>
+              <a:t>2019-06-27</a:t>
             </a:fld>
             <a:endParaRPr lang="en-CA"/>
           </a:p>
@@ -1364,7 +1364,7 @@
           <a:p>
             <a:fld id="{F7249F8D-641B-4CAF-BAE5-10524742F6F1}" type="datetimeFigureOut">
               <a:rPr lang="en-CA" smtClean="0"/>
-              <a:t>2019-06-26</a:t>
+              <a:t>2019-06-27</a:t>
             </a:fld>
             <a:endParaRPr lang="en-CA"/>
           </a:p>
@@ -1596,7 +1596,7 @@
           <a:p>
             <a:fld id="{F7249F8D-641B-4CAF-BAE5-10524742F6F1}" type="datetimeFigureOut">
               <a:rPr lang="en-CA" smtClean="0"/>
-              <a:t>2019-06-26</a:t>
+              <a:t>2019-06-27</a:t>
             </a:fld>
             <a:endParaRPr lang="en-CA"/>
           </a:p>
@@ -1963,7 +1963,7 @@
           <a:p>
             <a:fld id="{F7249F8D-641B-4CAF-BAE5-10524742F6F1}" type="datetimeFigureOut">
               <a:rPr lang="en-CA" smtClean="0"/>
-              <a:t>2019-06-26</a:t>
+              <a:t>2019-06-27</a:t>
             </a:fld>
             <a:endParaRPr lang="en-CA"/>
           </a:p>
@@ -2081,7 +2081,7 @@
           <a:p>
             <a:fld id="{F7249F8D-641B-4CAF-BAE5-10524742F6F1}" type="datetimeFigureOut">
               <a:rPr lang="en-CA" smtClean="0"/>
-              <a:t>2019-06-26</a:t>
+              <a:t>2019-06-27</a:t>
             </a:fld>
             <a:endParaRPr lang="en-CA"/>
           </a:p>
@@ -2176,7 +2176,7 @@
           <a:p>
             <a:fld id="{F7249F8D-641B-4CAF-BAE5-10524742F6F1}" type="datetimeFigureOut">
               <a:rPr lang="en-CA" smtClean="0"/>
-              <a:t>2019-06-26</a:t>
+              <a:t>2019-06-27</a:t>
             </a:fld>
             <a:endParaRPr lang="en-CA"/>
           </a:p>
@@ -2453,7 +2453,7 @@
           <a:p>
             <a:fld id="{F7249F8D-641B-4CAF-BAE5-10524742F6F1}" type="datetimeFigureOut">
               <a:rPr lang="en-CA" smtClean="0"/>
-              <a:t>2019-06-26</a:t>
+              <a:t>2019-06-27</a:t>
             </a:fld>
             <a:endParaRPr lang="en-CA"/>
           </a:p>
@@ -2706,7 +2706,7 @@
           <a:p>
             <a:fld id="{F7249F8D-641B-4CAF-BAE5-10524742F6F1}" type="datetimeFigureOut">
               <a:rPr lang="en-CA" smtClean="0"/>
-              <a:t>2019-06-26</a:t>
+              <a:t>2019-06-27</a:t>
             </a:fld>
             <a:endParaRPr lang="en-CA"/>
           </a:p>
@@ -2919,7 +2919,7 @@
           <a:p>
             <a:fld id="{F7249F8D-641B-4CAF-BAE5-10524742F6F1}" type="datetimeFigureOut">
               <a:rPr lang="en-CA" smtClean="0"/>
-              <a:t>2019-06-26</a:t>
+              <a:t>2019-06-27</a:t>
             </a:fld>
             <a:endParaRPr lang="en-CA"/>
           </a:p>
@@ -11146,8 +11146,8 @@
             </a:p>
           </p:txBody>
         </p:sp>
-        <mc:AlternateContent xmlns:mc="http://schemas.openxmlformats.org/markup-compatibility/2006">
-          <mc:Choice xmlns:a14="http://schemas.microsoft.com/office/drawing/2010/main" Requires="a14">
+        <mc:AlternateContent xmlns:mc="http://schemas.openxmlformats.org/markup-compatibility/2006" xmlns:a14="http://schemas.microsoft.com/office/drawing/2010/main">
+          <mc:Choice Requires="a14">
             <p:sp>
               <p:nvSpPr>
                 <p:cNvPr id="20" name="TextBox 30"/>
@@ -11285,7 +11285,7 @@
               </p:txBody>
             </p:sp>
           </mc:Choice>
-          <mc:Fallback>
+          <mc:Fallback xmlns="">
             <p:sp>
               <p:nvSpPr>
                 <p:cNvPr id="20" name="TextBox 30"/>
@@ -11324,8 +11324,8 @@
             </p:sp>
           </mc:Fallback>
         </mc:AlternateContent>
-        <mc:AlternateContent xmlns:mc="http://schemas.openxmlformats.org/markup-compatibility/2006">
-          <mc:Choice xmlns:a14="http://schemas.microsoft.com/office/drawing/2010/main" Requires="a14">
+        <mc:AlternateContent xmlns:mc="http://schemas.openxmlformats.org/markup-compatibility/2006" xmlns:a14="http://schemas.microsoft.com/office/drawing/2010/main">
+          <mc:Choice Requires="a14">
             <p:sp>
               <p:nvSpPr>
                 <p:cNvPr id="21" name="TextBox 31"/>
@@ -11484,7 +11484,7 @@
               </p:txBody>
             </p:sp>
           </mc:Choice>
-          <mc:Fallback>
+          <mc:Fallback xmlns="">
             <p:sp>
               <p:nvSpPr>
                 <p:cNvPr id="21" name="TextBox 31"/>
@@ -11843,8 +11843,8 @@
             </a:fontRef>
           </p:style>
         </p:cxnSp>
-        <mc:AlternateContent xmlns:mc="http://schemas.openxmlformats.org/markup-compatibility/2006">
-          <mc:Choice xmlns:a14="http://schemas.microsoft.com/office/drawing/2010/main" Requires="a14">
+        <mc:AlternateContent xmlns:mc="http://schemas.openxmlformats.org/markup-compatibility/2006" xmlns:a14="http://schemas.microsoft.com/office/drawing/2010/main">
+          <mc:Choice Requires="a14">
             <p:sp>
               <p:nvSpPr>
                 <p:cNvPr id="26" name="TextBox 25"/>
@@ -11867,6 +11867,7 @@
                 </a:bodyPr>
                 <a:lstStyle/>
                 <a:p>
+                  <a:pPr/>
                   <a14:m>
                     <m:oMathPara xmlns:m="http://schemas.openxmlformats.org/officeDocument/2006/math">
                       <m:oMathParaPr>
@@ -11936,7 +11937,7 @@
               </p:txBody>
             </p:sp>
           </mc:Choice>
-          <mc:Fallback>
+          <mc:Fallback xmlns="">
             <p:sp>
               <p:nvSpPr>
                 <p:cNvPr id="26" name="TextBox 25"/>

--- a/tex/figures/Circuits/Figures.pptx
+++ b/tex/figures/Circuits/Figures.pptx
@@ -199,7 +199,7 @@
           <a:p>
             <a:fld id="{FA15A6B2-55AC-CD4B-A1E6-BB01091FE9DC}" type="datetimeFigureOut">
               <a:rPr lang="en-US" smtClean="0"/>
-              <a:t>6/27/2019</a:t>
+              <a:t>7/2/2019</a:t>
             </a:fld>
             <a:endParaRPr lang="en-US"/>
           </a:p>
@@ -598,7 +598,7 @@
           <a:p>
             <a:fld id="{F7249F8D-641B-4CAF-BAE5-10524742F6F1}" type="datetimeFigureOut">
               <a:rPr lang="en-CA" smtClean="0"/>
-              <a:t>2019-06-27</a:t>
+              <a:t>2019-07-02</a:t>
             </a:fld>
             <a:endParaRPr lang="en-CA"/>
           </a:p>
@@ -768,7 +768,7 @@
           <a:p>
             <a:fld id="{F7249F8D-641B-4CAF-BAE5-10524742F6F1}" type="datetimeFigureOut">
               <a:rPr lang="en-CA" smtClean="0"/>
-              <a:t>2019-06-27</a:t>
+              <a:t>2019-07-02</a:t>
             </a:fld>
             <a:endParaRPr lang="en-CA"/>
           </a:p>
@@ -948,7 +948,7 @@
           <a:p>
             <a:fld id="{F7249F8D-641B-4CAF-BAE5-10524742F6F1}" type="datetimeFigureOut">
               <a:rPr lang="en-CA" smtClean="0"/>
-              <a:t>2019-06-27</a:t>
+              <a:t>2019-07-02</a:t>
             </a:fld>
             <a:endParaRPr lang="en-CA"/>
           </a:p>
@@ -1118,7 +1118,7 @@
           <a:p>
             <a:fld id="{F7249F8D-641B-4CAF-BAE5-10524742F6F1}" type="datetimeFigureOut">
               <a:rPr lang="en-CA" smtClean="0"/>
-              <a:t>2019-06-27</a:t>
+              <a:t>2019-07-02</a:t>
             </a:fld>
             <a:endParaRPr lang="en-CA"/>
           </a:p>
@@ -1364,7 +1364,7 @@
           <a:p>
             <a:fld id="{F7249F8D-641B-4CAF-BAE5-10524742F6F1}" type="datetimeFigureOut">
               <a:rPr lang="en-CA" smtClean="0"/>
-              <a:t>2019-06-27</a:t>
+              <a:t>2019-07-02</a:t>
             </a:fld>
             <a:endParaRPr lang="en-CA"/>
           </a:p>
@@ -1596,7 +1596,7 @@
           <a:p>
             <a:fld id="{F7249F8D-641B-4CAF-BAE5-10524742F6F1}" type="datetimeFigureOut">
               <a:rPr lang="en-CA" smtClean="0"/>
-              <a:t>2019-06-27</a:t>
+              <a:t>2019-07-02</a:t>
             </a:fld>
             <a:endParaRPr lang="en-CA"/>
           </a:p>
@@ -1963,7 +1963,7 @@
           <a:p>
             <a:fld id="{F7249F8D-641B-4CAF-BAE5-10524742F6F1}" type="datetimeFigureOut">
               <a:rPr lang="en-CA" smtClean="0"/>
-              <a:t>2019-06-27</a:t>
+              <a:t>2019-07-02</a:t>
             </a:fld>
             <a:endParaRPr lang="en-CA"/>
           </a:p>
@@ -2081,7 +2081,7 @@
           <a:p>
             <a:fld id="{F7249F8D-641B-4CAF-BAE5-10524742F6F1}" type="datetimeFigureOut">
               <a:rPr lang="en-CA" smtClean="0"/>
-              <a:t>2019-06-27</a:t>
+              <a:t>2019-07-02</a:t>
             </a:fld>
             <a:endParaRPr lang="en-CA"/>
           </a:p>
@@ -2176,7 +2176,7 @@
           <a:p>
             <a:fld id="{F7249F8D-641B-4CAF-BAE5-10524742F6F1}" type="datetimeFigureOut">
               <a:rPr lang="en-CA" smtClean="0"/>
-              <a:t>2019-06-27</a:t>
+              <a:t>2019-07-02</a:t>
             </a:fld>
             <a:endParaRPr lang="en-CA"/>
           </a:p>
@@ -2453,7 +2453,7 @@
           <a:p>
             <a:fld id="{F7249F8D-641B-4CAF-BAE5-10524742F6F1}" type="datetimeFigureOut">
               <a:rPr lang="en-CA" smtClean="0"/>
-              <a:t>2019-06-27</a:t>
+              <a:t>2019-07-02</a:t>
             </a:fld>
             <a:endParaRPr lang="en-CA"/>
           </a:p>
@@ -2706,7 +2706,7 @@
           <a:p>
             <a:fld id="{F7249F8D-641B-4CAF-BAE5-10524742F6F1}" type="datetimeFigureOut">
               <a:rPr lang="en-CA" smtClean="0"/>
-              <a:t>2019-06-27</a:t>
+              <a:t>2019-07-02</a:t>
             </a:fld>
             <a:endParaRPr lang="en-CA"/>
           </a:p>
@@ -2919,7 +2919,7 @@
           <a:p>
             <a:fld id="{F7249F8D-641B-4CAF-BAE5-10524742F6F1}" type="datetimeFigureOut">
               <a:rPr lang="en-CA" smtClean="0"/>
-              <a:t>2019-06-27</a:t>
+              <a:t>2019-07-02</a:t>
             </a:fld>
             <a:endParaRPr lang="en-CA"/>
           </a:p>
@@ -10005,6 +10005,342 @@
             </p:sp>
           </mc:Fallback>
         </mc:AlternateContent>
+      </p:grpSp>
+      <p:grpSp>
+        <p:nvGrpSpPr>
+          <p:cNvPr id="7" name="Group 6"/>
+          <p:cNvGrpSpPr/>
+          <p:nvPr/>
+        </p:nvGrpSpPr>
+        <p:grpSpPr>
+          <a:xfrm>
+            <a:off x="7146844" y="1568046"/>
+            <a:ext cx="4380751" cy="3139500"/>
+            <a:chOff x="7146844" y="1568046"/>
+            <a:chExt cx="4380751" cy="3139500"/>
+          </a:xfrm>
+        </p:grpSpPr>
+        <p:pic>
+          <p:nvPicPr>
+            <p:cNvPr id="4" name="Picture 3"/>
+            <p:cNvPicPr>
+              <a:picLocks noChangeAspect="1"/>
+            </p:cNvPicPr>
+            <p:nvPr/>
+          </p:nvPicPr>
+          <p:blipFill>
+            <a:blip r:embed="rId9"/>
+            <a:stretch>
+              <a:fillRect/>
+            </a:stretch>
+          </p:blipFill>
+          <p:spPr>
+            <a:xfrm>
+              <a:off x="7146844" y="1568046"/>
+              <a:ext cx="4380751" cy="3139500"/>
+            </a:xfrm>
+            <a:prstGeom prst="rect">
+              <a:avLst/>
+            </a:prstGeom>
+            <a:solidFill>
+              <a:schemeClr val="bg2">
+                <a:lumMod val="90000"/>
+                <a:alpha val="47000"/>
+              </a:schemeClr>
+            </a:solidFill>
+          </p:spPr>
+        </p:pic>
+        <p:sp>
+          <p:nvSpPr>
+            <p:cNvPr id="5" name="Rectangle 4"/>
+            <p:cNvSpPr/>
+            <p:nvPr/>
+          </p:nvSpPr>
+          <p:spPr>
+            <a:xfrm>
+              <a:off x="7467638" y="1907878"/>
+              <a:ext cx="1248099" cy="271369"/>
+            </a:xfrm>
+            <a:prstGeom prst="rect">
+              <a:avLst/>
+            </a:prstGeom>
+            <a:solidFill>
+              <a:schemeClr val="bg2">
+                <a:lumMod val="90000"/>
+                <a:alpha val="47000"/>
+              </a:schemeClr>
+            </a:solidFill>
+            <a:ln w="38100">
+              <a:noFill/>
+            </a:ln>
+          </p:spPr>
+          <p:style>
+            <a:lnRef idx="2">
+              <a:schemeClr val="accent1">
+                <a:shade val="50000"/>
+              </a:schemeClr>
+            </a:lnRef>
+            <a:fillRef idx="1">
+              <a:schemeClr val="accent1"/>
+            </a:fillRef>
+            <a:effectRef idx="0">
+              <a:schemeClr val="accent1"/>
+            </a:effectRef>
+            <a:fontRef idx="minor">
+              <a:schemeClr val="lt1"/>
+            </a:fontRef>
+          </p:style>
+          <p:txBody>
+            <a:bodyPr rtlCol="0" anchor="ctr"/>
+            <a:lstStyle/>
+            <a:p>
+              <a:pPr algn="ctr"/>
+              <a:endParaRPr lang="en-CA"/>
+            </a:p>
+          </p:txBody>
+        </p:sp>
+        <p:sp>
+          <p:nvSpPr>
+            <p:cNvPr id="54" name="Rectangle 53"/>
+            <p:cNvSpPr/>
+            <p:nvPr/>
+          </p:nvSpPr>
+          <p:spPr>
+            <a:xfrm>
+              <a:off x="9793082" y="1890723"/>
+              <a:ext cx="1304881" cy="271369"/>
+            </a:xfrm>
+            <a:prstGeom prst="rect">
+              <a:avLst/>
+            </a:prstGeom>
+            <a:solidFill>
+              <a:srgbClr val="FF0000">
+                <a:alpha val="35000"/>
+              </a:srgbClr>
+            </a:solidFill>
+            <a:ln w="38100">
+              <a:noFill/>
+            </a:ln>
+          </p:spPr>
+          <p:style>
+            <a:lnRef idx="2">
+              <a:schemeClr val="accent1">
+                <a:shade val="50000"/>
+              </a:schemeClr>
+            </a:lnRef>
+            <a:fillRef idx="1">
+              <a:schemeClr val="accent1"/>
+            </a:fillRef>
+            <a:effectRef idx="0">
+              <a:schemeClr val="accent1"/>
+            </a:effectRef>
+            <a:fontRef idx="minor">
+              <a:schemeClr val="lt1"/>
+            </a:fontRef>
+          </p:style>
+          <p:txBody>
+            <a:bodyPr rtlCol="0" anchor="ctr"/>
+            <a:lstStyle/>
+            <a:p>
+              <a:pPr algn="ctr"/>
+              <a:endParaRPr lang="en-CA"/>
+            </a:p>
+          </p:txBody>
+        </p:sp>
+        <p:sp>
+          <p:nvSpPr>
+            <p:cNvPr id="55" name="Rectangle 54"/>
+            <p:cNvSpPr/>
+            <p:nvPr/>
+          </p:nvSpPr>
+          <p:spPr>
+            <a:xfrm>
+              <a:off x="9325645" y="3592662"/>
+              <a:ext cx="1778104" cy="282095"/>
+            </a:xfrm>
+            <a:prstGeom prst="rect">
+              <a:avLst/>
+            </a:prstGeom>
+            <a:solidFill>
+              <a:srgbClr val="FF0000">
+                <a:alpha val="35000"/>
+              </a:srgbClr>
+            </a:solidFill>
+            <a:ln w="38100">
+              <a:noFill/>
+            </a:ln>
+          </p:spPr>
+          <p:style>
+            <a:lnRef idx="2">
+              <a:schemeClr val="accent1">
+                <a:shade val="50000"/>
+              </a:schemeClr>
+            </a:lnRef>
+            <a:fillRef idx="1">
+              <a:schemeClr val="accent1"/>
+            </a:fillRef>
+            <a:effectRef idx="0">
+              <a:schemeClr val="accent1"/>
+            </a:effectRef>
+            <a:fontRef idx="minor">
+              <a:schemeClr val="lt1"/>
+            </a:fontRef>
+          </p:style>
+          <p:txBody>
+            <a:bodyPr rtlCol="0" anchor="ctr"/>
+            <a:lstStyle/>
+            <a:p>
+              <a:pPr algn="ctr"/>
+              <a:endParaRPr lang="en-CA"/>
+            </a:p>
+          </p:txBody>
+        </p:sp>
+        <p:sp>
+          <p:nvSpPr>
+            <p:cNvPr id="57" name="Rectangle 56"/>
+            <p:cNvSpPr/>
+            <p:nvPr/>
+          </p:nvSpPr>
+          <p:spPr>
+            <a:xfrm>
+              <a:off x="7467893" y="3581310"/>
+              <a:ext cx="1696671" cy="273558"/>
+            </a:xfrm>
+            <a:prstGeom prst="rect">
+              <a:avLst/>
+            </a:prstGeom>
+            <a:solidFill>
+              <a:schemeClr val="bg2">
+                <a:lumMod val="90000"/>
+                <a:alpha val="47000"/>
+              </a:schemeClr>
+            </a:solidFill>
+            <a:ln w="38100">
+              <a:noFill/>
+            </a:ln>
+          </p:spPr>
+          <p:style>
+            <a:lnRef idx="2">
+              <a:schemeClr val="accent1">
+                <a:shade val="50000"/>
+              </a:schemeClr>
+            </a:lnRef>
+            <a:fillRef idx="1">
+              <a:schemeClr val="accent1"/>
+            </a:fillRef>
+            <a:effectRef idx="0">
+              <a:schemeClr val="accent1"/>
+            </a:effectRef>
+            <a:fontRef idx="minor">
+              <a:schemeClr val="lt1"/>
+            </a:fontRef>
+          </p:style>
+          <p:txBody>
+            <a:bodyPr rtlCol="0" anchor="ctr"/>
+            <a:lstStyle/>
+            <a:p>
+              <a:pPr algn="ctr"/>
+              <a:endParaRPr lang="en-CA"/>
+            </a:p>
+          </p:txBody>
+        </p:sp>
+        <p:sp>
+          <p:nvSpPr>
+            <p:cNvPr id="59" name="Rectangle 58"/>
+            <p:cNvSpPr/>
+            <p:nvPr/>
+          </p:nvSpPr>
+          <p:spPr>
+            <a:xfrm>
+              <a:off x="7469289" y="2179571"/>
+              <a:ext cx="226525" cy="1401091"/>
+            </a:xfrm>
+            <a:prstGeom prst="rect">
+              <a:avLst/>
+            </a:prstGeom>
+            <a:solidFill>
+              <a:schemeClr val="bg2">
+                <a:lumMod val="90000"/>
+                <a:alpha val="47000"/>
+              </a:schemeClr>
+            </a:solidFill>
+            <a:ln w="38100">
+              <a:noFill/>
+            </a:ln>
+          </p:spPr>
+          <p:style>
+            <a:lnRef idx="2">
+              <a:schemeClr val="accent1">
+                <a:shade val="50000"/>
+              </a:schemeClr>
+            </a:lnRef>
+            <a:fillRef idx="1">
+              <a:schemeClr val="accent1"/>
+            </a:fillRef>
+            <a:effectRef idx="0">
+              <a:schemeClr val="accent1"/>
+            </a:effectRef>
+            <a:fontRef idx="minor">
+              <a:schemeClr val="lt1"/>
+            </a:fontRef>
+          </p:style>
+          <p:txBody>
+            <a:bodyPr rtlCol="0" anchor="ctr"/>
+            <a:lstStyle/>
+            <a:p>
+              <a:pPr algn="ctr"/>
+              <a:endParaRPr lang="en-CA"/>
+            </a:p>
+          </p:txBody>
+        </p:sp>
+        <p:sp>
+          <p:nvSpPr>
+            <p:cNvPr id="60" name="Rectangle 59"/>
+            <p:cNvSpPr/>
+            <p:nvPr/>
+          </p:nvSpPr>
+          <p:spPr>
+            <a:xfrm>
+              <a:off x="10871438" y="2162092"/>
+              <a:ext cx="226525" cy="1430323"/>
+            </a:xfrm>
+            <a:prstGeom prst="rect">
+              <a:avLst/>
+            </a:prstGeom>
+            <a:solidFill>
+              <a:srgbClr val="FF0000">
+                <a:alpha val="35000"/>
+              </a:srgbClr>
+            </a:solidFill>
+            <a:ln w="38100">
+              <a:noFill/>
+            </a:ln>
+          </p:spPr>
+          <p:style>
+            <a:lnRef idx="2">
+              <a:schemeClr val="accent1">
+                <a:shade val="50000"/>
+              </a:schemeClr>
+            </a:lnRef>
+            <a:fillRef idx="1">
+              <a:schemeClr val="accent1"/>
+            </a:fillRef>
+            <a:effectRef idx="0">
+              <a:schemeClr val="accent1"/>
+            </a:effectRef>
+            <a:fontRef idx="minor">
+              <a:schemeClr val="lt1"/>
+            </a:fontRef>
+          </p:style>
+          <p:txBody>
+            <a:bodyPr rtlCol="0" anchor="ctr"/>
+            <a:lstStyle/>
+            <a:p>
+              <a:pPr algn="ctr"/>
+              <a:endParaRPr lang="en-CA"/>
+            </a:p>
+          </p:txBody>
+        </p:sp>
       </p:grpSp>
     </p:spTree>
     <p:extLst>

--- a/tex/figures/Circuits/Figures.pptx
+++ b/tex/figures/Circuits/Figures.pptx
@@ -199,7 +199,7 @@
           <a:p>
             <a:fld id="{FA15A6B2-55AC-CD4B-A1E6-BB01091FE9DC}" type="datetimeFigureOut">
               <a:rPr lang="en-US" smtClean="0"/>
-              <a:t>7/2/2019</a:t>
+              <a:t>7/11/20</a:t>
             </a:fld>
             <a:endParaRPr lang="en-US"/>
           </a:p>
@@ -263,38 +263,37 @@
           <a:p>
             <a:pPr lvl="0"/>
             <a:r>
-              <a:rPr lang="en-US" smtClean="0"/>
+              <a:rPr lang="en-US"/>
               <a:t>Click to edit Master text styles</a:t>
             </a:r>
           </a:p>
           <a:p>
             <a:pPr lvl="1"/>
             <a:r>
-              <a:rPr lang="en-US" smtClean="0"/>
+              <a:rPr lang="en-US"/>
               <a:t>Second level</a:t>
             </a:r>
           </a:p>
           <a:p>
             <a:pPr lvl="2"/>
             <a:r>
-              <a:rPr lang="en-US" smtClean="0"/>
+              <a:rPr lang="en-US"/>
               <a:t>Third level</a:t>
             </a:r>
           </a:p>
           <a:p>
             <a:pPr lvl="3"/>
             <a:r>
-              <a:rPr lang="en-US" smtClean="0"/>
+              <a:rPr lang="en-US"/>
               <a:t>Fourth level</a:t>
             </a:r>
           </a:p>
           <a:p>
             <a:pPr lvl="4"/>
             <a:r>
-              <a:rPr lang="en-US" smtClean="0"/>
+              <a:rPr lang="en-US"/>
               <a:t>Fifth level</a:t>
             </a:r>
-            <a:endParaRPr lang="en-US"/>
           </a:p>
         </p:txBody>
       </p:sp>
@@ -467,6 +466,90 @@
 </p:notesMaster>
 </file>
 
+<file path=ppt/notesSlides/notesSlide1.xml><?xml version="1.0" encoding="utf-8"?>
+<p:notes xmlns:a="http://schemas.openxmlformats.org/drawingml/2006/main" xmlns:r="http://schemas.openxmlformats.org/officeDocument/2006/relationships" xmlns:p="http://schemas.openxmlformats.org/presentationml/2006/main">
+  <p:cSld>
+    <p:spTree>
+      <p:nvGrpSpPr>
+        <p:cNvPr id="1" name=""/>
+        <p:cNvGrpSpPr/>
+        <p:nvPr/>
+      </p:nvGrpSpPr>
+      <p:grpSpPr>
+        <a:xfrm>
+          <a:off x="0" y="0"/>
+          <a:ext cx="0" cy="0"/>
+          <a:chOff x="0" y="0"/>
+          <a:chExt cx="0" cy="0"/>
+        </a:xfrm>
+      </p:grpSpPr>
+      <p:sp>
+        <p:nvSpPr>
+          <p:cNvPr id="2" name="Slide Image Placeholder 1"/>
+          <p:cNvSpPr>
+            <a:spLocks noGrp="1" noRot="1" noChangeAspect="1"/>
+          </p:cNvSpPr>
+          <p:nvPr>
+            <p:ph type="sldImg"/>
+          </p:nvPr>
+        </p:nvSpPr>
+        <p:spPr/>
+      </p:sp>
+      <p:sp>
+        <p:nvSpPr>
+          <p:cNvPr id="3" name="Notes Placeholder 2"/>
+          <p:cNvSpPr>
+            <a:spLocks noGrp="1"/>
+          </p:cNvSpPr>
+          <p:nvPr>
+            <p:ph type="body" idx="1"/>
+          </p:nvPr>
+        </p:nvSpPr>
+        <p:spPr/>
+        <p:txBody>
+          <a:bodyPr/>
+          <a:lstStyle/>
+          <a:p>
+            <a:endParaRPr lang="en-US" dirty="0"/>
+          </a:p>
+        </p:txBody>
+      </p:sp>
+      <p:sp>
+        <p:nvSpPr>
+          <p:cNvPr id="4" name="Slide Number Placeholder 3"/>
+          <p:cNvSpPr>
+            <a:spLocks noGrp="1"/>
+          </p:cNvSpPr>
+          <p:nvPr>
+            <p:ph type="sldNum" sz="quarter" idx="5"/>
+          </p:nvPr>
+        </p:nvSpPr>
+        <p:spPr/>
+        <p:txBody>
+          <a:bodyPr/>
+          <a:lstStyle/>
+          <a:p>
+            <a:fld id="{2837E6EB-45E0-614E-8893-FF8AD648B34C}" type="slidenum">
+              <a:rPr lang="en-US" smtClean="0"/>
+              <a:t>3</a:t>
+            </a:fld>
+            <a:endParaRPr lang="en-US"/>
+          </a:p>
+        </p:txBody>
+      </p:sp>
+    </p:spTree>
+    <p:extLst>
+      <p:ext uri="{BB962C8B-B14F-4D97-AF65-F5344CB8AC3E}">
+        <p14:creationId xmlns:p14="http://schemas.microsoft.com/office/powerpoint/2010/main" val="1681475940"/>
+      </p:ext>
+    </p:extLst>
+  </p:cSld>
+  <p:clrMapOvr>
+    <a:masterClrMapping/>
+  </p:clrMapOvr>
+</p:notes>
+</file>
+
 <file path=ppt/slideLayouts/slideLayout1.xml><?xml version="1.0" encoding="utf-8"?>
 <p:sldLayout xmlns:a="http://schemas.openxmlformats.org/drawingml/2006/main" xmlns:r="http://schemas.openxmlformats.org/officeDocument/2006/relationships" xmlns:p="http://schemas.openxmlformats.org/presentationml/2006/main" type="title" preserve="1">
   <p:cSld name="Title Slide">
@@ -598,7 +681,7 @@
           <a:p>
             <a:fld id="{F7249F8D-641B-4CAF-BAE5-10524742F6F1}" type="datetimeFigureOut">
               <a:rPr lang="en-CA" smtClean="0"/>
-              <a:t>2019-07-02</a:t>
+              <a:t>2020-07-11</a:t>
             </a:fld>
             <a:endParaRPr lang="en-CA"/>
           </a:p>
@@ -768,7 +851,7 @@
           <a:p>
             <a:fld id="{F7249F8D-641B-4CAF-BAE5-10524742F6F1}" type="datetimeFigureOut">
               <a:rPr lang="en-CA" smtClean="0"/>
-              <a:t>2019-07-02</a:t>
+              <a:t>2020-07-11</a:t>
             </a:fld>
             <a:endParaRPr lang="en-CA"/>
           </a:p>
@@ -948,7 +1031,7 @@
           <a:p>
             <a:fld id="{F7249F8D-641B-4CAF-BAE5-10524742F6F1}" type="datetimeFigureOut">
               <a:rPr lang="en-CA" smtClean="0"/>
-              <a:t>2019-07-02</a:t>
+              <a:t>2020-07-11</a:t>
             </a:fld>
             <a:endParaRPr lang="en-CA"/>
           </a:p>
@@ -1118,7 +1201,7 @@
           <a:p>
             <a:fld id="{F7249F8D-641B-4CAF-BAE5-10524742F6F1}" type="datetimeFigureOut">
               <a:rPr lang="en-CA" smtClean="0"/>
-              <a:t>2019-07-02</a:t>
+              <a:t>2020-07-11</a:t>
             </a:fld>
             <a:endParaRPr lang="en-CA"/>
           </a:p>
@@ -1364,7 +1447,7 @@
           <a:p>
             <a:fld id="{F7249F8D-641B-4CAF-BAE5-10524742F6F1}" type="datetimeFigureOut">
               <a:rPr lang="en-CA" smtClean="0"/>
-              <a:t>2019-07-02</a:t>
+              <a:t>2020-07-11</a:t>
             </a:fld>
             <a:endParaRPr lang="en-CA"/>
           </a:p>
@@ -1596,7 +1679,7 @@
           <a:p>
             <a:fld id="{F7249F8D-641B-4CAF-BAE5-10524742F6F1}" type="datetimeFigureOut">
               <a:rPr lang="en-CA" smtClean="0"/>
-              <a:t>2019-07-02</a:t>
+              <a:t>2020-07-11</a:t>
             </a:fld>
             <a:endParaRPr lang="en-CA"/>
           </a:p>
@@ -1963,7 +2046,7 @@
           <a:p>
             <a:fld id="{F7249F8D-641B-4CAF-BAE5-10524742F6F1}" type="datetimeFigureOut">
               <a:rPr lang="en-CA" smtClean="0"/>
-              <a:t>2019-07-02</a:t>
+              <a:t>2020-07-11</a:t>
             </a:fld>
             <a:endParaRPr lang="en-CA"/>
           </a:p>
@@ -2081,7 +2164,7 @@
           <a:p>
             <a:fld id="{F7249F8D-641B-4CAF-BAE5-10524742F6F1}" type="datetimeFigureOut">
               <a:rPr lang="en-CA" smtClean="0"/>
-              <a:t>2019-07-02</a:t>
+              <a:t>2020-07-11</a:t>
             </a:fld>
             <a:endParaRPr lang="en-CA"/>
           </a:p>
@@ -2176,7 +2259,7 @@
           <a:p>
             <a:fld id="{F7249F8D-641B-4CAF-BAE5-10524742F6F1}" type="datetimeFigureOut">
               <a:rPr lang="en-CA" smtClean="0"/>
-              <a:t>2019-07-02</a:t>
+              <a:t>2020-07-11</a:t>
             </a:fld>
             <a:endParaRPr lang="en-CA"/>
           </a:p>
@@ -2453,7 +2536,7 @@
           <a:p>
             <a:fld id="{F7249F8D-641B-4CAF-BAE5-10524742F6F1}" type="datetimeFigureOut">
               <a:rPr lang="en-CA" smtClean="0"/>
-              <a:t>2019-07-02</a:t>
+              <a:t>2020-07-11</a:t>
             </a:fld>
             <a:endParaRPr lang="en-CA"/>
           </a:p>
@@ -2706,7 +2789,7 @@
           <a:p>
             <a:fld id="{F7249F8D-641B-4CAF-BAE5-10524742F6F1}" type="datetimeFigureOut">
               <a:rPr lang="en-CA" smtClean="0"/>
-              <a:t>2019-07-02</a:t>
+              <a:t>2020-07-11</a:t>
             </a:fld>
             <a:endParaRPr lang="en-CA"/>
           </a:p>
@@ -2919,7 +3002,7 @@
           <a:p>
             <a:fld id="{F7249F8D-641B-4CAF-BAE5-10524742F6F1}" type="datetimeFigureOut">
               <a:rPr lang="en-CA" smtClean="0"/>
-              <a:t>2019-07-02</a:t>
+              <a:t>2020-07-11</a:t>
             </a:fld>
             <a:endParaRPr lang="en-CA"/>
           </a:p>
@@ -3340,10 +3423,9 @@
           <a:lstStyle/>
           <a:p>
             <a:r>
-              <a:rPr lang="en-US" dirty="0" smtClean="0"/>
+              <a:rPr lang="en-US" dirty="0"/>
               <a:t>Useful components</a:t>
             </a:r>
-            <a:endParaRPr lang="en-US" dirty="0"/>
           </a:p>
         </p:txBody>
       </p:sp>
@@ -4279,7 +4361,7 @@
                       </m:oMath>
                     </m:oMathPara>
                   </a14:m>
-                  <a:endParaRPr lang="en-US" sz="2000" dirty="0" smtClean="0">
+                  <a:endParaRPr lang="en-US" sz="2000" dirty="0">
                     <a:latin typeface="Arial" panose="020B0604020202020204" pitchFamily="34" charset="0"/>
                     <a:cs typeface="Arial" panose="020B0604020202020204" pitchFamily="34" charset="0"/>
                   </a:endParaRPr>
@@ -7110,13 +7192,6 @@
   <p:clrMapOvr>
     <a:masterClrMapping/>
   </p:clrMapOvr>
-  <p:timing>
-    <p:tnLst>
-      <p:par>
-        <p:cTn id="1" dur="indefinite" restart="never" nodeType="tmRoot"/>
-      </p:par>
-    </p:tnLst>
-  </p:timing>
 </p:sld>
 </file>
 
@@ -7299,10 +7374,9 @@
             <a:p>
               <a:pPr algn="ctr"/>
               <a:r>
-                <a:rPr lang="en-CA" dirty="0" smtClean="0"/>
+                <a:rPr lang="en-CA" dirty="0"/>
                 <a:t>+</a:t>
               </a:r>
-              <a:endParaRPr lang="en-CA" dirty="0"/>
             </a:p>
           </p:txBody>
         </p:sp>
@@ -7355,10 +7429,9 @@
             <a:p>
               <a:pPr algn="ctr"/>
               <a:r>
-                <a:rPr lang="en-CA" dirty="0" smtClean="0"/>
+                <a:rPr lang="en-CA" dirty="0"/>
                 <a:t>+</a:t>
               </a:r>
-              <a:endParaRPr lang="en-CA" dirty="0"/>
             </a:p>
           </p:txBody>
         </p:sp>
@@ -7411,10 +7484,9 @@
             <a:p>
               <a:pPr algn="ctr"/>
               <a:r>
-                <a:rPr lang="en-CA" dirty="0" smtClean="0"/>
+                <a:rPr lang="en-CA" dirty="0"/>
                 <a:t>+</a:t>
               </a:r>
-              <a:endParaRPr lang="en-CA" dirty="0"/>
             </a:p>
           </p:txBody>
         </p:sp>
@@ -7463,10 +7535,9 @@
             <a:p>
               <a:pPr algn="ctr"/>
               <a:r>
-                <a:rPr lang="en-CA" dirty="0" smtClean="0"/>
+                <a:rPr lang="en-CA" dirty="0"/>
                 <a:t>-</a:t>
               </a:r>
-              <a:endParaRPr lang="en-CA" dirty="0"/>
             </a:p>
           </p:txBody>
         </p:sp>
@@ -7515,10 +7586,9 @@
             <a:p>
               <a:pPr algn="ctr"/>
               <a:r>
-                <a:rPr lang="en-CA" dirty="0" smtClean="0"/>
+                <a:rPr lang="en-CA" dirty="0"/>
                 <a:t>-</a:t>
               </a:r>
-              <a:endParaRPr lang="en-CA" dirty="0"/>
             </a:p>
           </p:txBody>
         </p:sp>
@@ -7567,10 +7637,9 @@
             <a:p>
               <a:pPr algn="ctr"/>
               <a:r>
-                <a:rPr lang="en-CA" dirty="0" smtClean="0"/>
+                <a:rPr lang="en-CA" dirty="0"/>
                 <a:t>-</a:t>
               </a:r>
-              <a:endParaRPr lang="en-CA" dirty="0"/>
             </a:p>
           </p:txBody>
         </p:sp>
@@ -7623,10 +7692,9 @@
             <a:p>
               <a:pPr algn="ctr"/>
               <a:r>
-                <a:rPr lang="en-CA" dirty="0" smtClean="0"/>
+                <a:rPr lang="en-CA" dirty="0"/>
                 <a:t>+</a:t>
               </a:r>
-              <a:endParaRPr lang="en-CA" dirty="0"/>
             </a:p>
           </p:txBody>
         </p:sp>
@@ -7679,10 +7747,9 @@
             <a:p>
               <a:pPr algn="ctr"/>
               <a:r>
-                <a:rPr lang="en-CA" dirty="0" smtClean="0"/>
+                <a:rPr lang="en-CA" dirty="0"/>
                 <a:t>+</a:t>
               </a:r>
-              <a:endParaRPr lang="en-CA" dirty="0"/>
             </a:p>
           </p:txBody>
         </p:sp>
@@ -7735,10 +7802,9 @@
             <a:p>
               <a:pPr algn="ctr"/>
               <a:r>
-                <a:rPr lang="en-CA" dirty="0" smtClean="0"/>
+                <a:rPr lang="en-CA" dirty="0"/>
                 <a:t>+</a:t>
               </a:r>
-              <a:endParaRPr lang="en-CA" dirty="0"/>
             </a:p>
           </p:txBody>
         </p:sp>
@@ -7791,10 +7857,9 @@
             <a:p>
               <a:pPr algn="ctr"/>
               <a:r>
-                <a:rPr lang="en-CA" dirty="0" smtClean="0"/>
+                <a:rPr lang="en-CA" dirty="0"/>
                 <a:t>+</a:t>
               </a:r>
-              <a:endParaRPr lang="en-CA" dirty="0"/>
             </a:p>
           </p:txBody>
         </p:sp>
@@ -7847,10 +7912,9 @@
             <a:p>
               <a:pPr algn="ctr"/>
               <a:r>
-                <a:rPr lang="en-CA" dirty="0" smtClean="0"/>
+                <a:rPr lang="en-CA" dirty="0"/>
                 <a:t>+</a:t>
               </a:r>
-              <a:endParaRPr lang="en-CA" dirty="0"/>
             </a:p>
           </p:txBody>
         </p:sp>
@@ -7899,10 +7963,9 @@
             <a:p>
               <a:pPr algn="ctr"/>
               <a:r>
-                <a:rPr lang="en-CA" dirty="0" smtClean="0"/>
+                <a:rPr lang="en-CA" dirty="0"/>
                 <a:t>-</a:t>
               </a:r>
-              <a:endParaRPr lang="en-CA" dirty="0"/>
             </a:p>
           </p:txBody>
         </p:sp>
@@ -7951,10 +8014,9 @@
             <a:p>
               <a:pPr algn="ctr"/>
               <a:r>
-                <a:rPr lang="en-CA" dirty="0" smtClean="0"/>
+                <a:rPr lang="en-CA" dirty="0"/>
                 <a:t>-</a:t>
               </a:r>
-              <a:endParaRPr lang="en-CA" dirty="0"/>
             </a:p>
           </p:txBody>
         </p:sp>
@@ -8003,10 +8065,9 @@
             <a:p>
               <a:pPr algn="ctr"/>
               <a:r>
-                <a:rPr lang="en-CA" dirty="0" smtClean="0"/>
+                <a:rPr lang="en-CA" dirty="0"/>
                 <a:t>-</a:t>
               </a:r>
-              <a:endParaRPr lang="en-CA" dirty="0"/>
             </a:p>
           </p:txBody>
         </p:sp>
@@ -8055,10 +8116,9 @@
             <a:p>
               <a:pPr algn="ctr"/>
               <a:r>
-                <a:rPr lang="en-CA" dirty="0" smtClean="0"/>
+                <a:rPr lang="en-CA" dirty="0"/>
                 <a:t>-</a:t>
               </a:r>
-              <a:endParaRPr lang="en-CA" dirty="0"/>
             </a:p>
           </p:txBody>
         </p:sp>
@@ -8107,10 +8167,9 @@
             <a:p>
               <a:pPr algn="ctr"/>
               <a:r>
-                <a:rPr lang="en-CA" dirty="0" smtClean="0"/>
+                <a:rPr lang="en-CA" dirty="0"/>
                 <a:t>-</a:t>
               </a:r>
-              <a:endParaRPr lang="en-CA" dirty="0"/>
             </a:p>
           </p:txBody>
         </p:sp>
@@ -8159,10 +8218,9 @@
             <a:p>
               <a:pPr algn="ctr"/>
               <a:r>
-                <a:rPr lang="en-CA" dirty="0" smtClean="0"/>
+                <a:rPr lang="en-CA" dirty="0"/>
                 <a:t>-</a:t>
               </a:r>
-              <a:endParaRPr lang="en-CA" dirty="0"/>
             </a:p>
           </p:txBody>
         </p:sp>
@@ -8211,10 +8269,9 @@
             <a:p>
               <a:pPr algn="ctr"/>
               <a:r>
-                <a:rPr lang="en-CA" dirty="0" smtClean="0"/>
+                <a:rPr lang="en-CA" dirty="0"/>
                 <a:t>-</a:t>
               </a:r>
-              <a:endParaRPr lang="en-CA" dirty="0"/>
             </a:p>
           </p:txBody>
         </p:sp>
@@ -8357,10 +8414,9 @@
             <a:p>
               <a:pPr algn="ctr"/>
               <a:r>
-                <a:rPr lang="en-CA" dirty="0" smtClean="0"/>
+                <a:rPr lang="en-CA" dirty="0"/>
                 <a:t>-</a:t>
               </a:r>
-              <a:endParaRPr lang="en-CA" dirty="0"/>
             </a:p>
           </p:txBody>
         </p:sp>
@@ -8409,10 +8465,9 @@
             <a:p>
               <a:pPr algn="ctr"/>
               <a:r>
-                <a:rPr lang="en-CA" dirty="0" smtClean="0"/>
+                <a:rPr lang="en-CA" dirty="0"/>
                 <a:t>-</a:t>
               </a:r>
-              <a:endParaRPr lang="en-CA" dirty="0"/>
             </a:p>
           </p:txBody>
         </p:sp>
@@ -8461,10 +8516,9 @@
             <a:p>
               <a:pPr algn="ctr"/>
               <a:r>
-                <a:rPr lang="en-CA" dirty="0" smtClean="0"/>
+                <a:rPr lang="en-CA" dirty="0"/>
                 <a:t>-</a:t>
               </a:r>
-              <a:endParaRPr lang="en-CA" dirty="0"/>
             </a:p>
           </p:txBody>
         </p:sp>
@@ -8513,10 +8567,9 @@
             <a:p>
               <a:pPr algn="ctr"/>
               <a:r>
-                <a:rPr lang="en-CA" dirty="0" smtClean="0"/>
+                <a:rPr lang="en-CA" dirty="0"/>
                 <a:t>-</a:t>
               </a:r>
-              <a:endParaRPr lang="en-CA" dirty="0"/>
             </a:p>
           </p:txBody>
         </p:sp>
@@ -8665,10 +8718,9 @@
             <a:p>
               <a:pPr algn="ctr"/>
               <a:r>
-                <a:rPr lang="en-CA" dirty="0" smtClean="0"/>
+                <a:rPr lang="en-CA" dirty="0"/>
                 <a:t>+</a:t>
               </a:r>
-              <a:endParaRPr lang="en-CA" dirty="0"/>
             </a:p>
           </p:txBody>
         </p:sp>
@@ -8719,10 +8771,9 @@
             <a:p>
               <a:pPr algn="ctr"/>
               <a:r>
-                <a:rPr lang="en-CA" dirty="0" smtClean="0"/>
+                <a:rPr lang="en-CA" dirty="0"/>
                 <a:t>+</a:t>
               </a:r>
-              <a:endParaRPr lang="en-CA" dirty="0"/>
             </a:p>
           </p:txBody>
         </p:sp>
@@ -8773,10 +8824,9 @@
             <a:p>
               <a:pPr algn="ctr"/>
               <a:r>
-                <a:rPr lang="en-CA" dirty="0" smtClean="0"/>
+                <a:rPr lang="en-CA" dirty="0"/>
                 <a:t>+</a:t>
               </a:r>
-              <a:endParaRPr lang="en-CA" dirty="0"/>
             </a:p>
           </p:txBody>
         </p:sp>
@@ -8827,10 +8877,9 @@
             <a:p>
               <a:pPr algn="ctr"/>
               <a:r>
-                <a:rPr lang="en-CA" dirty="0" smtClean="0"/>
+                <a:rPr lang="en-CA" dirty="0"/>
                 <a:t>+</a:t>
               </a:r>
-              <a:endParaRPr lang="en-CA" dirty="0"/>
             </a:p>
           </p:txBody>
         </p:sp>
@@ -8881,10 +8930,9 @@
             <a:p>
               <a:pPr algn="ctr"/>
               <a:r>
-                <a:rPr lang="en-CA" dirty="0" smtClean="0"/>
+                <a:rPr lang="en-CA" dirty="0"/>
                 <a:t>+</a:t>
               </a:r>
-              <a:endParaRPr lang="en-CA" dirty="0"/>
             </a:p>
           </p:txBody>
         </p:sp>
@@ -8935,10 +8983,9 @@
             <a:p>
               <a:pPr algn="ctr"/>
               <a:r>
-                <a:rPr lang="en-CA" dirty="0" smtClean="0"/>
+                <a:rPr lang="en-CA" dirty="0"/>
                 <a:t>+</a:t>
               </a:r>
-              <a:endParaRPr lang="en-CA" dirty="0"/>
             </a:p>
           </p:txBody>
         </p:sp>
@@ -9018,7 +9065,7 @@
                       </m:oMath>
                     </m:oMathPara>
                   </a14:m>
-                  <a:endParaRPr lang="en-CA" sz="2000" dirty="0" smtClean="0">
+                  <a:endParaRPr lang="en-CA" sz="2000" dirty="0">
                     <a:latin typeface="Arial" panose="020B0604020202020204" pitchFamily="34" charset="0"/>
                     <a:cs typeface="Arial" panose="020B0604020202020204" pitchFamily="34" charset="0"/>
                   </a:endParaRPr>
@@ -9141,7 +9188,7 @@
                       </m:oMath>
                     </m:oMathPara>
                   </a14:m>
-                  <a:endParaRPr lang="en-CA" sz="2000" dirty="0" smtClean="0">
+                  <a:endParaRPr lang="en-CA" sz="2000" dirty="0">
                     <a:latin typeface="Arial" panose="020B0604020202020204" pitchFamily="34" charset="0"/>
                     <a:cs typeface="Arial" panose="020B0604020202020204" pitchFamily="34" charset="0"/>
                   </a:endParaRPr>
@@ -9381,7 +9428,7 @@
                       </m:oMath>
                     </m:oMathPara>
                   </a14:m>
-                  <a:endParaRPr lang="en-CA" sz="2000" dirty="0" smtClean="0">
+                  <a:endParaRPr lang="en-CA" sz="2000" dirty="0">
                     <a:latin typeface="Arial" panose="020B0604020202020204" pitchFamily="34" charset="0"/>
                     <a:cs typeface="Arial" panose="020B0604020202020204" pitchFamily="34" charset="0"/>
                   </a:endParaRPr>
@@ -9521,7 +9568,7 @@
                       </m:oMath>
                     </m:oMathPara>
                   </a14:m>
-                  <a:endParaRPr lang="en-CA" sz="2000" dirty="0" smtClean="0">
+                  <a:endParaRPr lang="en-CA" sz="2000" dirty="0">
                     <a:latin typeface="Arial" panose="020B0604020202020204" pitchFamily="34" charset="0"/>
                     <a:cs typeface="Arial" panose="020B0604020202020204" pitchFamily="34" charset="0"/>
                   </a:endParaRPr>
@@ -9661,7 +9708,7 @@
                       </m:oMath>
                     </m:oMathPara>
                   </a14:m>
-                  <a:endParaRPr lang="en-CA" sz="2000" dirty="0" smtClean="0">
+                  <a:endParaRPr lang="en-CA" sz="2000" dirty="0">
                     <a:latin typeface="Arial" panose="020B0604020202020204" pitchFamily="34" charset="0"/>
                     <a:cs typeface="Arial" panose="020B0604020202020204" pitchFamily="34" charset="0"/>
                   </a:endParaRPr>
@@ -9823,7 +9870,7 @@
                       </m:oMath>
                     </m:oMathPara>
                   </a14:m>
-                  <a:endParaRPr lang="en-CA" sz="2000" dirty="0" smtClean="0">
+                  <a:endParaRPr lang="en-CA" sz="2000" dirty="0">
                     <a:latin typeface="Arial" panose="020B0604020202020204" pitchFamily="34" charset="0"/>
                     <a:cs typeface="Arial" panose="020B0604020202020204" pitchFamily="34" charset="0"/>
                   </a:endParaRPr>
@@ -9958,7 +10005,7 @@
                       </m:oMath>
                     </m:oMathPara>
                   </a14:m>
-                  <a:endParaRPr lang="en-CA" sz="2000" dirty="0" smtClean="0">
+                  <a:endParaRPr lang="en-CA" sz="2000" dirty="0">
                     <a:latin typeface="Arial" panose="020B0604020202020204" pitchFamily="34" charset="0"/>
                     <a:cs typeface="Arial" panose="020B0604020202020204" pitchFamily="34" charset="0"/>
                   </a:endParaRPr>
@@ -10352,13 +10399,6 @@
   <p:clrMapOvr>
     <a:masterClrMapping/>
   </p:clrMapOvr>
-  <p:timing>
-    <p:tnLst>
-      <p:par>
-        <p:cTn id="1" dur="indefinite" restart="never" nodeType="tmRoot"/>
-      </p:par>
-    </p:tnLst>
-  </p:timing>
 </p:sld>
 </file>
 
@@ -10387,7 +10427,7 @@
         </p:nvGrpSpPr>
         <p:grpSpPr>
           <a:xfrm>
-            <a:off x="2018950" y="2309231"/>
+            <a:off x="242401" y="232236"/>
             <a:ext cx="4085552" cy="1842187"/>
             <a:chOff x="2018950" y="2309231"/>
             <a:chExt cx="4085552" cy="1842187"/>
@@ -11639,7 +11679,7 @@
                   <a:avLst/>
                 </a:prstGeom>
                 <a:blipFill rotWithShape="0">
-                  <a:blip r:embed="rId2"/>
+                  <a:blip r:embed="rId3"/>
                   <a:stretch>
                     <a:fillRect l="-26471" r="-23529" b="-6667"/>
                   </a:stretch>
@@ -11838,7 +11878,7 @@
                   <a:avLst/>
                 </a:prstGeom>
                 <a:blipFill rotWithShape="0">
-                  <a:blip r:embed="rId3"/>
+                  <a:blip r:embed="rId4"/>
                   <a:stretch>
                     <a:fillRect l="-7101" r="-4734" b="-32609"/>
                   </a:stretch>
@@ -12265,7 +12305,7 @@
                       </m:oMath>
                     </m:oMathPara>
                   </a14:m>
-                  <a:endParaRPr lang="en-CA" sz="2000" dirty="0" smtClean="0">
+                  <a:endParaRPr lang="en-CA" sz="2000" dirty="0">
                     <a:latin typeface="Arial" panose="020B0604020202020204" pitchFamily="34" charset="0"/>
                     <a:cs typeface="Arial" panose="020B0604020202020204" pitchFamily="34" charset="0"/>
                   </a:endParaRPr>
@@ -12291,7 +12331,7 @@
                   <a:avLst/>
                 </a:prstGeom>
                 <a:blipFill rotWithShape="0">
-                  <a:blip r:embed="rId4"/>
+                  <a:blip r:embed="rId5"/>
                   <a:stretch>
                     <a:fillRect/>
                   </a:stretch>
@@ -12313,6 +12353,4602 @@
           </mc:Fallback>
         </mc:AlternateContent>
       </p:grpSp>
+      <p:grpSp>
+        <p:nvGrpSpPr>
+          <p:cNvPr id="229" name="Group 228">
+            <a:extLst>
+              <a:ext uri="{FF2B5EF4-FFF2-40B4-BE49-F238E27FC236}">
+                <a16:creationId xmlns:a16="http://schemas.microsoft.com/office/drawing/2014/main" id="{72BC9A81-9720-8441-89D0-ABC8AFD555E4}"/>
+              </a:ext>
+            </a:extLst>
+          </p:cNvPr>
+          <p:cNvGrpSpPr/>
+          <p:nvPr/>
+        </p:nvGrpSpPr>
+        <p:grpSpPr>
+          <a:xfrm>
+            <a:off x="5904503" y="1393510"/>
+            <a:ext cx="4990374" cy="2961013"/>
+            <a:chOff x="5766999" y="1585315"/>
+            <a:chExt cx="4990374" cy="2961013"/>
+          </a:xfrm>
+        </p:grpSpPr>
+        <p:cxnSp>
+          <p:nvCxnSpPr>
+            <p:cNvPr id="57" name="Straight Connector 56">
+              <a:extLst>
+                <a:ext uri="{FF2B5EF4-FFF2-40B4-BE49-F238E27FC236}">
+                  <a16:creationId xmlns:a16="http://schemas.microsoft.com/office/drawing/2014/main" id="{D6BF9C38-DE72-8843-9464-A9507AEBA142}"/>
+                </a:ext>
+              </a:extLst>
+            </p:cNvPr>
+            <p:cNvCxnSpPr>
+              <a:cxnSpLocks/>
+            </p:cNvCxnSpPr>
+            <p:nvPr/>
+          </p:nvCxnSpPr>
+          <p:spPr>
+            <a:xfrm>
+              <a:off x="10495005" y="1612161"/>
+              <a:ext cx="252000" cy="0"/>
+            </a:xfrm>
+            <a:prstGeom prst="line">
+              <a:avLst/>
+            </a:prstGeom>
+            <a:ln w="57150">
+              <a:solidFill>
+                <a:schemeClr val="accent2"/>
+              </a:solidFill>
+            </a:ln>
+          </p:spPr>
+          <p:style>
+            <a:lnRef idx="1">
+              <a:schemeClr val="accent1"/>
+            </a:lnRef>
+            <a:fillRef idx="0">
+              <a:schemeClr val="accent1"/>
+            </a:fillRef>
+            <a:effectRef idx="0">
+              <a:schemeClr val="accent1"/>
+            </a:effectRef>
+            <a:fontRef idx="minor">
+              <a:schemeClr val="tx1"/>
+            </a:fontRef>
+          </p:style>
+        </p:cxnSp>
+        <p:cxnSp>
+          <p:nvCxnSpPr>
+            <p:cNvPr id="60" name="Straight Connector 59">
+              <a:extLst>
+                <a:ext uri="{FF2B5EF4-FFF2-40B4-BE49-F238E27FC236}">
+                  <a16:creationId xmlns:a16="http://schemas.microsoft.com/office/drawing/2014/main" id="{108C3FEF-79D5-984E-A97F-99FCC0537E12}"/>
+                </a:ext>
+              </a:extLst>
+            </p:cNvPr>
+            <p:cNvCxnSpPr>
+              <a:cxnSpLocks/>
+            </p:cNvCxnSpPr>
+            <p:nvPr/>
+          </p:nvCxnSpPr>
+          <p:spPr>
+            <a:xfrm>
+              <a:off x="5799439" y="3225377"/>
+              <a:ext cx="360000" cy="0"/>
+            </a:xfrm>
+            <a:prstGeom prst="line">
+              <a:avLst/>
+            </a:prstGeom>
+            <a:ln w="57150">
+              <a:solidFill>
+                <a:schemeClr val="accent2"/>
+              </a:solidFill>
+            </a:ln>
+          </p:spPr>
+          <p:style>
+            <a:lnRef idx="1">
+              <a:schemeClr val="accent1"/>
+            </a:lnRef>
+            <a:fillRef idx="0">
+              <a:schemeClr val="accent1"/>
+            </a:fillRef>
+            <a:effectRef idx="0">
+              <a:schemeClr val="accent1"/>
+            </a:effectRef>
+            <a:fontRef idx="minor">
+              <a:schemeClr val="tx1"/>
+            </a:fontRef>
+          </p:style>
+        </p:cxnSp>
+        <p:cxnSp>
+          <p:nvCxnSpPr>
+            <p:cNvPr id="117" name="Straight Connector 116">
+              <a:extLst>
+                <a:ext uri="{FF2B5EF4-FFF2-40B4-BE49-F238E27FC236}">
+                  <a16:creationId xmlns:a16="http://schemas.microsoft.com/office/drawing/2014/main" id="{E608E735-DF25-8849-94BB-EB3D4BEB09A3}"/>
+                </a:ext>
+              </a:extLst>
+            </p:cNvPr>
+            <p:cNvCxnSpPr>
+              <a:cxnSpLocks/>
+            </p:cNvCxnSpPr>
+            <p:nvPr/>
+          </p:nvCxnSpPr>
+          <p:spPr>
+            <a:xfrm flipH="1">
+              <a:off x="6754493" y="2777098"/>
+              <a:ext cx="372888" cy="1091620"/>
+            </a:xfrm>
+            <a:prstGeom prst="line">
+              <a:avLst/>
+            </a:prstGeom>
+            <a:ln w="38100">
+              <a:solidFill>
+                <a:schemeClr val="bg2">
+                  <a:lumMod val="25000"/>
+                </a:schemeClr>
+              </a:solidFill>
+            </a:ln>
+          </p:spPr>
+          <p:style>
+            <a:lnRef idx="1">
+              <a:schemeClr val="accent1"/>
+            </a:lnRef>
+            <a:fillRef idx="0">
+              <a:schemeClr val="accent1"/>
+            </a:fillRef>
+            <a:effectRef idx="0">
+              <a:schemeClr val="accent1"/>
+            </a:effectRef>
+            <a:fontRef idx="minor">
+              <a:schemeClr val="tx1"/>
+            </a:fontRef>
+          </p:style>
+        </p:cxnSp>
+        <p:cxnSp>
+          <p:nvCxnSpPr>
+            <p:cNvPr id="119" name="Straight Connector 118">
+              <a:extLst>
+                <a:ext uri="{FF2B5EF4-FFF2-40B4-BE49-F238E27FC236}">
+                  <a16:creationId xmlns:a16="http://schemas.microsoft.com/office/drawing/2014/main" id="{A9B92B7A-69CF-244D-B40C-0F0A7C4B0780}"/>
+                </a:ext>
+              </a:extLst>
+            </p:cNvPr>
+            <p:cNvCxnSpPr>
+              <a:cxnSpLocks/>
+            </p:cNvCxnSpPr>
+            <p:nvPr/>
+          </p:nvCxnSpPr>
+          <p:spPr>
+            <a:xfrm>
+              <a:off x="7146416" y="2765478"/>
+              <a:ext cx="371351" cy="1062815"/>
+            </a:xfrm>
+            <a:prstGeom prst="line">
+              <a:avLst/>
+            </a:prstGeom>
+            <a:ln w="38100">
+              <a:solidFill>
+                <a:schemeClr val="bg2">
+                  <a:lumMod val="25000"/>
+                </a:schemeClr>
+              </a:solidFill>
+            </a:ln>
+          </p:spPr>
+          <p:style>
+            <a:lnRef idx="1">
+              <a:schemeClr val="accent1"/>
+            </a:lnRef>
+            <a:fillRef idx="0">
+              <a:schemeClr val="accent1"/>
+            </a:fillRef>
+            <a:effectRef idx="0">
+              <a:schemeClr val="accent1"/>
+            </a:effectRef>
+            <a:fontRef idx="minor">
+              <a:schemeClr val="tx1"/>
+            </a:fontRef>
+          </p:style>
+        </p:cxnSp>
+        <p:cxnSp>
+          <p:nvCxnSpPr>
+            <p:cNvPr id="125" name="Straight Connector 124">
+              <a:extLst>
+                <a:ext uri="{FF2B5EF4-FFF2-40B4-BE49-F238E27FC236}">
+                  <a16:creationId xmlns:a16="http://schemas.microsoft.com/office/drawing/2014/main" id="{0C2B1A57-406B-2448-A987-2E059E71512A}"/>
+                </a:ext>
+              </a:extLst>
+            </p:cNvPr>
+            <p:cNvCxnSpPr>
+              <a:cxnSpLocks/>
+            </p:cNvCxnSpPr>
+            <p:nvPr/>
+          </p:nvCxnSpPr>
+          <p:spPr>
+            <a:xfrm flipH="1">
+              <a:off x="7517309" y="2736672"/>
+              <a:ext cx="379943" cy="1102970"/>
+            </a:xfrm>
+            <a:prstGeom prst="line">
+              <a:avLst/>
+            </a:prstGeom>
+            <a:ln w="38100">
+              <a:solidFill>
+                <a:schemeClr val="bg2">
+                  <a:lumMod val="25000"/>
+                </a:schemeClr>
+              </a:solidFill>
+            </a:ln>
+          </p:spPr>
+          <p:style>
+            <a:lnRef idx="1">
+              <a:schemeClr val="accent1"/>
+            </a:lnRef>
+            <a:fillRef idx="0">
+              <a:schemeClr val="accent1"/>
+            </a:fillRef>
+            <a:effectRef idx="0">
+              <a:schemeClr val="accent1"/>
+            </a:effectRef>
+            <a:fontRef idx="minor">
+              <a:schemeClr val="tx1"/>
+            </a:fontRef>
+          </p:style>
+        </p:cxnSp>
+        <p:cxnSp>
+          <p:nvCxnSpPr>
+            <p:cNvPr id="126" name="Straight Connector 125">
+              <a:extLst>
+                <a:ext uri="{FF2B5EF4-FFF2-40B4-BE49-F238E27FC236}">
+                  <a16:creationId xmlns:a16="http://schemas.microsoft.com/office/drawing/2014/main" id="{3B5CF064-6F95-6B4A-ABDB-93C280EE6EA3}"/>
+                </a:ext>
+              </a:extLst>
+            </p:cNvPr>
+            <p:cNvCxnSpPr>
+              <a:cxnSpLocks/>
+            </p:cNvCxnSpPr>
+            <p:nvPr/>
+          </p:nvCxnSpPr>
+          <p:spPr>
+            <a:xfrm>
+              <a:off x="7916737" y="2730472"/>
+              <a:ext cx="360000" cy="1120156"/>
+            </a:xfrm>
+            <a:prstGeom prst="line">
+              <a:avLst/>
+            </a:prstGeom>
+            <a:ln w="38100">
+              <a:solidFill>
+                <a:schemeClr val="bg2">
+                  <a:lumMod val="25000"/>
+                </a:schemeClr>
+              </a:solidFill>
+            </a:ln>
+          </p:spPr>
+          <p:style>
+            <a:lnRef idx="1">
+              <a:schemeClr val="accent1"/>
+            </a:lnRef>
+            <a:fillRef idx="0">
+              <a:schemeClr val="accent1"/>
+            </a:fillRef>
+            <a:effectRef idx="0">
+              <a:schemeClr val="accent1"/>
+            </a:effectRef>
+            <a:fontRef idx="minor">
+              <a:schemeClr val="tx1"/>
+            </a:fontRef>
+          </p:style>
+        </p:cxnSp>
+        <p:cxnSp>
+          <p:nvCxnSpPr>
+            <p:cNvPr id="127" name="Straight Connector 126">
+              <a:extLst>
+                <a:ext uri="{FF2B5EF4-FFF2-40B4-BE49-F238E27FC236}">
+                  <a16:creationId xmlns:a16="http://schemas.microsoft.com/office/drawing/2014/main" id="{32DF8248-6F9A-0541-9AB8-8FA9B9AD9309}"/>
+                </a:ext>
+              </a:extLst>
+            </p:cNvPr>
+            <p:cNvCxnSpPr>
+              <a:cxnSpLocks/>
+            </p:cNvCxnSpPr>
+            <p:nvPr/>
+          </p:nvCxnSpPr>
+          <p:spPr>
+            <a:xfrm flipH="1">
+              <a:off x="8268236" y="2067045"/>
+              <a:ext cx="379950" cy="1773392"/>
+            </a:xfrm>
+            <a:prstGeom prst="line">
+              <a:avLst/>
+            </a:prstGeom>
+            <a:ln w="38100">
+              <a:solidFill>
+                <a:schemeClr val="bg2">
+                  <a:lumMod val="25000"/>
+                </a:schemeClr>
+              </a:solidFill>
+            </a:ln>
+          </p:spPr>
+          <p:style>
+            <a:lnRef idx="1">
+              <a:schemeClr val="accent1"/>
+            </a:lnRef>
+            <a:fillRef idx="0">
+              <a:schemeClr val="accent1"/>
+            </a:fillRef>
+            <a:effectRef idx="0">
+              <a:schemeClr val="accent1"/>
+            </a:effectRef>
+            <a:fontRef idx="minor">
+              <a:schemeClr val="tx1"/>
+            </a:fontRef>
+          </p:style>
+        </p:cxnSp>
+        <p:cxnSp>
+          <p:nvCxnSpPr>
+            <p:cNvPr id="128" name="Straight Connector 127">
+              <a:extLst>
+                <a:ext uri="{FF2B5EF4-FFF2-40B4-BE49-F238E27FC236}">
+                  <a16:creationId xmlns:a16="http://schemas.microsoft.com/office/drawing/2014/main" id="{41B3108F-67F4-FB4F-9349-236E2C09E6F5}"/>
+                </a:ext>
+              </a:extLst>
+            </p:cNvPr>
+            <p:cNvCxnSpPr>
+              <a:cxnSpLocks/>
+            </p:cNvCxnSpPr>
+            <p:nvPr/>
+          </p:nvCxnSpPr>
+          <p:spPr>
+            <a:xfrm>
+              <a:off x="8646036" y="2070734"/>
+              <a:ext cx="361233" cy="1758083"/>
+            </a:xfrm>
+            <a:prstGeom prst="line">
+              <a:avLst/>
+            </a:prstGeom>
+            <a:ln w="38100">
+              <a:solidFill>
+                <a:schemeClr val="bg2">
+                  <a:lumMod val="25000"/>
+                </a:schemeClr>
+              </a:solidFill>
+            </a:ln>
+          </p:spPr>
+          <p:style>
+            <a:lnRef idx="1">
+              <a:schemeClr val="accent1"/>
+            </a:lnRef>
+            <a:fillRef idx="0">
+              <a:schemeClr val="accent1"/>
+            </a:fillRef>
+            <a:effectRef idx="0">
+              <a:schemeClr val="accent1"/>
+            </a:effectRef>
+            <a:fontRef idx="minor">
+              <a:schemeClr val="tx1"/>
+            </a:fontRef>
+          </p:style>
+        </p:cxnSp>
+        <p:cxnSp>
+          <p:nvCxnSpPr>
+            <p:cNvPr id="129" name="Straight Connector 128">
+              <a:extLst>
+                <a:ext uri="{FF2B5EF4-FFF2-40B4-BE49-F238E27FC236}">
+                  <a16:creationId xmlns:a16="http://schemas.microsoft.com/office/drawing/2014/main" id="{C2EB5291-FA45-4C4A-96A9-22D47DAB5731}"/>
+                </a:ext>
+              </a:extLst>
+            </p:cNvPr>
+            <p:cNvCxnSpPr>
+              <a:cxnSpLocks/>
+            </p:cNvCxnSpPr>
+            <p:nvPr/>
+          </p:nvCxnSpPr>
+          <p:spPr>
+            <a:xfrm flipH="1">
+              <a:off x="9021559" y="2026502"/>
+              <a:ext cx="357927" cy="1801791"/>
+            </a:xfrm>
+            <a:prstGeom prst="line">
+              <a:avLst/>
+            </a:prstGeom>
+            <a:ln w="38100">
+              <a:solidFill>
+                <a:schemeClr val="bg2">
+                  <a:lumMod val="25000"/>
+                </a:schemeClr>
+              </a:solidFill>
+            </a:ln>
+          </p:spPr>
+          <p:style>
+            <a:lnRef idx="1">
+              <a:schemeClr val="accent1"/>
+            </a:lnRef>
+            <a:fillRef idx="0">
+              <a:schemeClr val="accent1"/>
+            </a:fillRef>
+            <a:effectRef idx="0">
+              <a:schemeClr val="accent1"/>
+            </a:effectRef>
+            <a:fontRef idx="minor">
+              <a:schemeClr val="tx1"/>
+            </a:fontRef>
+          </p:style>
+        </p:cxnSp>
+        <p:cxnSp>
+          <p:nvCxnSpPr>
+            <p:cNvPr id="130" name="Straight Connector 129">
+              <a:extLst>
+                <a:ext uri="{FF2B5EF4-FFF2-40B4-BE49-F238E27FC236}">
+                  <a16:creationId xmlns:a16="http://schemas.microsoft.com/office/drawing/2014/main" id="{4A1C94DC-58BB-4341-8FE6-619B8F95C898}"/>
+                </a:ext>
+              </a:extLst>
+            </p:cNvPr>
+            <p:cNvCxnSpPr>
+              <a:cxnSpLocks/>
+            </p:cNvCxnSpPr>
+            <p:nvPr/>
+          </p:nvCxnSpPr>
+          <p:spPr>
+            <a:xfrm>
+              <a:off x="9390422" y="2045977"/>
+              <a:ext cx="370172" cy="1770696"/>
+            </a:xfrm>
+            <a:prstGeom prst="line">
+              <a:avLst/>
+            </a:prstGeom>
+            <a:ln w="38100">
+              <a:solidFill>
+                <a:schemeClr val="bg2">
+                  <a:lumMod val="25000"/>
+                </a:schemeClr>
+              </a:solidFill>
+            </a:ln>
+          </p:spPr>
+          <p:style>
+            <a:lnRef idx="1">
+              <a:schemeClr val="accent1"/>
+            </a:lnRef>
+            <a:fillRef idx="0">
+              <a:schemeClr val="accent1"/>
+            </a:fillRef>
+            <a:effectRef idx="0">
+              <a:schemeClr val="accent1"/>
+            </a:effectRef>
+            <a:fontRef idx="minor">
+              <a:schemeClr val="tx1"/>
+            </a:fontRef>
+          </p:style>
+        </p:cxnSp>
+        <p:cxnSp>
+          <p:nvCxnSpPr>
+            <p:cNvPr id="131" name="Straight Connector 130">
+              <a:extLst>
+                <a:ext uri="{FF2B5EF4-FFF2-40B4-BE49-F238E27FC236}">
+                  <a16:creationId xmlns:a16="http://schemas.microsoft.com/office/drawing/2014/main" id="{D226B9F2-B6BB-7F48-8A10-040DF2F796D5}"/>
+                </a:ext>
+              </a:extLst>
+            </p:cNvPr>
+            <p:cNvCxnSpPr>
+              <a:cxnSpLocks/>
+            </p:cNvCxnSpPr>
+            <p:nvPr/>
+          </p:nvCxnSpPr>
+          <p:spPr>
+            <a:xfrm flipH="1">
+              <a:off x="9771409" y="1801720"/>
+              <a:ext cx="366227" cy="2020372"/>
+            </a:xfrm>
+            <a:prstGeom prst="line">
+              <a:avLst/>
+            </a:prstGeom>
+            <a:ln w="38100">
+              <a:solidFill>
+                <a:schemeClr val="bg2">
+                  <a:lumMod val="25000"/>
+                </a:schemeClr>
+              </a:solidFill>
+            </a:ln>
+          </p:spPr>
+          <p:style>
+            <a:lnRef idx="1">
+              <a:schemeClr val="accent1"/>
+            </a:lnRef>
+            <a:fillRef idx="0">
+              <a:schemeClr val="accent1"/>
+            </a:fillRef>
+            <a:effectRef idx="0">
+              <a:schemeClr val="accent1"/>
+            </a:effectRef>
+            <a:fontRef idx="minor">
+              <a:schemeClr val="tx1"/>
+            </a:fontRef>
+          </p:style>
+        </p:cxnSp>
+        <p:cxnSp>
+          <p:nvCxnSpPr>
+            <p:cNvPr id="132" name="Straight Connector 131">
+              <a:extLst>
+                <a:ext uri="{FF2B5EF4-FFF2-40B4-BE49-F238E27FC236}">
+                  <a16:creationId xmlns:a16="http://schemas.microsoft.com/office/drawing/2014/main" id="{3FD6E5D9-4931-DB45-96EC-E108AE0269FD}"/>
+                </a:ext>
+              </a:extLst>
+            </p:cNvPr>
+            <p:cNvCxnSpPr>
+              <a:cxnSpLocks/>
+            </p:cNvCxnSpPr>
+            <p:nvPr/>
+          </p:nvCxnSpPr>
+          <p:spPr>
+            <a:xfrm>
+              <a:off x="10152517" y="1759842"/>
+              <a:ext cx="357927" cy="2050630"/>
+            </a:xfrm>
+            <a:prstGeom prst="line">
+              <a:avLst/>
+            </a:prstGeom>
+            <a:ln w="38100">
+              <a:solidFill>
+                <a:schemeClr val="bg2">
+                  <a:lumMod val="25000"/>
+                </a:schemeClr>
+              </a:solidFill>
+            </a:ln>
+          </p:spPr>
+          <p:style>
+            <a:lnRef idx="1">
+              <a:schemeClr val="accent1"/>
+            </a:lnRef>
+            <a:fillRef idx="0">
+              <a:schemeClr val="accent1"/>
+            </a:fillRef>
+            <a:effectRef idx="0">
+              <a:schemeClr val="accent1"/>
+            </a:effectRef>
+            <a:fontRef idx="minor">
+              <a:schemeClr val="tx1"/>
+            </a:fontRef>
+          </p:style>
+        </p:cxnSp>
+        <p:cxnSp>
+          <p:nvCxnSpPr>
+            <p:cNvPr id="144" name="Straight Connector 143">
+              <a:extLst>
+                <a:ext uri="{FF2B5EF4-FFF2-40B4-BE49-F238E27FC236}">
+                  <a16:creationId xmlns:a16="http://schemas.microsoft.com/office/drawing/2014/main" id="{C8CD8002-59F0-D641-A200-5DC8452D7526}"/>
+                </a:ext>
+              </a:extLst>
+            </p:cNvPr>
+            <p:cNvCxnSpPr>
+              <a:cxnSpLocks/>
+            </p:cNvCxnSpPr>
+            <p:nvPr/>
+          </p:nvCxnSpPr>
+          <p:spPr>
+            <a:xfrm>
+              <a:off x="6380204" y="3210644"/>
+              <a:ext cx="381277" cy="646454"/>
+            </a:xfrm>
+            <a:prstGeom prst="line">
+              <a:avLst/>
+            </a:prstGeom>
+            <a:ln w="38100">
+              <a:solidFill>
+                <a:schemeClr val="bg2">
+                  <a:lumMod val="25000"/>
+                </a:schemeClr>
+              </a:solidFill>
+            </a:ln>
+          </p:spPr>
+          <p:style>
+            <a:lnRef idx="1">
+              <a:schemeClr val="accent1"/>
+            </a:lnRef>
+            <a:fillRef idx="0">
+              <a:schemeClr val="accent1"/>
+            </a:fillRef>
+            <a:effectRef idx="0">
+              <a:schemeClr val="accent1"/>
+            </a:effectRef>
+            <a:fontRef idx="minor">
+              <a:schemeClr val="tx1"/>
+            </a:fontRef>
+          </p:style>
+        </p:cxnSp>
+        <p:cxnSp>
+          <p:nvCxnSpPr>
+            <p:cNvPr id="147" name="Straight Connector 146">
+              <a:extLst>
+                <a:ext uri="{FF2B5EF4-FFF2-40B4-BE49-F238E27FC236}">
+                  <a16:creationId xmlns:a16="http://schemas.microsoft.com/office/drawing/2014/main" id="{FBA7E18F-6EBE-304A-AABB-EFC602A726D7}"/>
+                </a:ext>
+              </a:extLst>
+            </p:cNvPr>
+            <p:cNvCxnSpPr>
+              <a:cxnSpLocks/>
+            </p:cNvCxnSpPr>
+            <p:nvPr/>
+          </p:nvCxnSpPr>
+          <p:spPr>
+            <a:xfrm>
+              <a:off x="5822995" y="3241853"/>
+              <a:ext cx="206260" cy="626865"/>
+            </a:xfrm>
+            <a:prstGeom prst="line">
+              <a:avLst/>
+            </a:prstGeom>
+            <a:ln w="38100">
+              <a:solidFill>
+                <a:schemeClr val="bg2">
+                  <a:lumMod val="25000"/>
+                </a:schemeClr>
+              </a:solidFill>
+            </a:ln>
+          </p:spPr>
+          <p:style>
+            <a:lnRef idx="1">
+              <a:schemeClr val="accent1"/>
+            </a:lnRef>
+            <a:fillRef idx="0">
+              <a:schemeClr val="accent1"/>
+            </a:fillRef>
+            <a:effectRef idx="0">
+              <a:schemeClr val="accent1"/>
+            </a:effectRef>
+            <a:fontRef idx="minor">
+              <a:schemeClr val="tx1"/>
+            </a:fontRef>
+          </p:style>
+        </p:cxnSp>
+        <p:cxnSp>
+          <p:nvCxnSpPr>
+            <p:cNvPr id="149" name="Straight Connector 148">
+              <a:extLst>
+                <a:ext uri="{FF2B5EF4-FFF2-40B4-BE49-F238E27FC236}">
+                  <a16:creationId xmlns:a16="http://schemas.microsoft.com/office/drawing/2014/main" id="{7A2C17D9-EBD7-EE48-B187-BF56ADBD8793}"/>
+                </a:ext>
+              </a:extLst>
+            </p:cNvPr>
+            <p:cNvCxnSpPr>
+              <a:cxnSpLocks/>
+            </p:cNvCxnSpPr>
+            <p:nvPr/>
+          </p:nvCxnSpPr>
+          <p:spPr>
+            <a:xfrm flipH="1">
+              <a:off x="10514562" y="1612161"/>
+              <a:ext cx="214468" cy="2186169"/>
+            </a:xfrm>
+            <a:prstGeom prst="line">
+              <a:avLst/>
+            </a:prstGeom>
+            <a:ln w="38100">
+              <a:solidFill>
+                <a:schemeClr val="bg2">
+                  <a:lumMod val="25000"/>
+                </a:schemeClr>
+              </a:solidFill>
+            </a:ln>
+          </p:spPr>
+          <p:style>
+            <a:lnRef idx="1">
+              <a:schemeClr val="accent1"/>
+            </a:lnRef>
+            <a:fillRef idx="0">
+              <a:schemeClr val="accent1"/>
+            </a:fillRef>
+            <a:effectRef idx="0">
+              <a:schemeClr val="accent1"/>
+            </a:effectRef>
+            <a:fontRef idx="minor">
+              <a:schemeClr val="tx1"/>
+            </a:fontRef>
+          </p:style>
+        </p:cxnSp>
+        <p:sp>
+          <p:nvSpPr>
+            <p:cNvPr id="220" name="Rectangle 219">
+              <a:extLst>
+                <a:ext uri="{FF2B5EF4-FFF2-40B4-BE49-F238E27FC236}">
+                  <a16:creationId xmlns:a16="http://schemas.microsoft.com/office/drawing/2014/main" id="{1904EB91-7057-374A-94C5-04968588DCA8}"/>
+                </a:ext>
+              </a:extLst>
+            </p:cNvPr>
+            <p:cNvSpPr/>
+            <p:nvPr/>
+          </p:nvSpPr>
+          <p:spPr>
+            <a:xfrm>
+              <a:off x="9711047" y="3813786"/>
+              <a:ext cx="117877" cy="52632"/>
+            </a:xfrm>
+            <a:prstGeom prst="rect">
+              <a:avLst/>
+            </a:prstGeom>
+            <a:solidFill>
+              <a:schemeClr val="bg2">
+                <a:lumMod val="25000"/>
+              </a:schemeClr>
+            </a:solidFill>
+            <a:ln w="38100">
+              <a:solidFill>
+                <a:schemeClr val="bg2">
+                  <a:lumMod val="25000"/>
+                </a:schemeClr>
+              </a:solidFill>
+            </a:ln>
+          </p:spPr>
+          <p:style>
+            <a:lnRef idx="2">
+              <a:schemeClr val="accent1">
+                <a:shade val="50000"/>
+              </a:schemeClr>
+            </a:lnRef>
+            <a:fillRef idx="1">
+              <a:schemeClr val="accent1"/>
+            </a:fillRef>
+            <a:effectRef idx="0">
+              <a:schemeClr val="accent1"/>
+            </a:effectRef>
+            <a:fontRef idx="minor">
+              <a:schemeClr val="lt1"/>
+            </a:fontRef>
+          </p:style>
+          <p:txBody>
+            <a:bodyPr rtlCol="0" anchor="ctr"/>
+            <a:lstStyle/>
+            <a:p>
+              <a:pPr algn="ctr"/>
+              <a:endParaRPr lang="en-US"/>
+            </a:p>
+          </p:txBody>
+        </p:sp>
+        <p:cxnSp>
+          <p:nvCxnSpPr>
+            <p:cNvPr id="151" name="Straight Connector 150">
+              <a:extLst>
+                <a:ext uri="{FF2B5EF4-FFF2-40B4-BE49-F238E27FC236}">
+                  <a16:creationId xmlns:a16="http://schemas.microsoft.com/office/drawing/2014/main" id="{EA410245-6E5C-7848-972C-CF7BA691B9EB}"/>
+                </a:ext>
+              </a:extLst>
+            </p:cNvPr>
+            <p:cNvCxnSpPr>
+              <a:cxnSpLocks/>
+            </p:cNvCxnSpPr>
+            <p:nvPr/>
+          </p:nvCxnSpPr>
+          <p:spPr>
+            <a:xfrm flipH="1">
+              <a:off x="5794672" y="4037023"/>
+              <a:ext cx="353130" cy="502256"/>
+            </a:xfrm>
+            <a:prstGeom prst="line">
+              <a:avLst/>
+            </a:prstGeom>
+            <a:ln w="38100">
+              <a:solidFill>
+                <a:schemeClr val="bg2">
+                  <a:lumMod val="50000"/>
+                </a:schemeClr>
+              </a:solidFill>
+            </a:ln>
+          </p:spPr>
+          <p:style>
+            <a:lnRef idx="1">
+              <a:schemeClr val="accent1"/>
+            </a:lnRef>
+            <a:fillRef idx="0">
+              <a:schemeClr val="accent1"/>
+            </a:fillRef>
+            <a:effectRef idx="0">
+              <a:schemeClr val="accent1"/>
+            </a:effectRef>
+            <a:fontRef idx="minor">
+              <a:schemeClr val="tx1"/>
+            </a:fontRef>
+          </p:style>
+        </p:cxnSp>
+        <p:cxnSp>
+          <p:nvCxnSpPr>
+            <p:cNvPr id="152" name="Straight Connector 151">
+              <a:extLst>
+                <a:ext uri="{FF2B5EF4-FFF2-40B4-BE49-F238E27FC236}">
+                  <a16:creationId xmlns:a16="http://schemas.microsoft.com/office/drawing/2014/main" id="{BFE14D23-B91E-9448-9509-B0ABDDB0B73F}"/>
+                </a:ext>
+              </a:extLst>
+            </p:cNvPr>
+            <p:cNvCxnSpPr>
+              <a:cxnSpLocks/>
+            </p:cNvCxnSpPr>
+            <p:nvPr/>
+          </p:nvCxnSpPr>
+          <p:spPr>
+            <a:xfrm>
+              <a:off x="6147802" y="4053499"/>
+              <a:ext cx="385904" cy="474160"/>
+            </a:xfrm>
+            <a:prstGeom prst="line">
+              <a:avLst/>
+            </a:prstGeom>
+            <a:ln w="38100">
+              <a:solidFill>
+                <a:schemeClr val="bg2">
+                  <a:lumMod val="50000"/>
+                </a:schemeClr>
+              </a:solidFill>
+            </a:ln>
+          </p:spPr>
+          <p:style>
+            <a:lnRef idx="1">
+              <a:schemeClr val="accent1"/>
+            </a:lnRef>
+            <a:fillRef idx="0">
+              <a:schemeClr val="accent1"/>
+            </a:fillRef>
+            <a:effectRef idx="0">
+              <a:schemeClr val="accent1"/>
+            </a:effectRef>
+            <a:fontRef idx="minor">
+              <a:schemeClr val="tx1"/>
+            </a:fontRef>
+          </p:style>
+        </p:cxnSp>
+        <p:cxnSp>
+          <p:nvCxnSpPr>
+            <p:cNvPr id="153" name="Straight Connector 152">
+              <a:extLst>
+                <a:ext uri="{FF2B5EF4-FFF2-40B4-BE49-F238E27FC236}">
+                  <a16:creationId xmlns:a16="http://schemas.microsoft.com/office/drawing/2014/main" id="{78B422D7-0B50-9C40-818E-C2D15E373A85}"/>
+                </a:ext>
+              </a:extLst>
+            </p:cNvPr>
+            <p:cNvCxnSpPr>
+              <a:cxnSpLocks/>
+            </p:cNvCxnSpPr>
+            <p:nvPr/>
+          </p:nvCxnSpPr>
+          <p:spPr>
+            <a:xfrm flipH="1">
+              <a:off x="6540180" y="4237533"/>
+              <a:ext cx="338490" cy="296906"/>
+            </a:xfrm>
+            <a:prstGeom prst="line">
+              <a:avLst/>
+            </a:prstGeom>
+            <a:ln w="38100">
+              <a:solidFill>
+                <a:schemeClr val="bg2">
+                  <a:lumMod val="50000"/>
+                </a:schemeClr>
+              </a:solidFill>
+            </a:ln>
+          </p:spPr>
+          <p:style>
+            <a:lnRef idx="1">
+              <a:schemeClr val="accent1"/>
+            </a:lnRef>
+            <a:fillRef idx="0">
+              <a:schemeClr val="accent1"/>
+            </a:fillRef>
+            <a:effectRef idx="0">
+              <a:schemeClr val="accent1"/>
+            </a:effectRef>
+            <a:fontRef idx="minor">
+              <a:schemeClr val="tx1"/>
+            </a:fontRef>
+          </p:style>
+        </p:cxnSp>
+        <p:cxnSp>
+          <p:nvCxnSpPr>
+            <p:cNvPr id="159" name="Straight Connector 158">
+              <a:extLst>
+                <a:ext uri="{FF2B5EF4-FFF2-40B4-BE49-F238E27FC236}">
+                  <a16:creationId xmlns:a16="http://schemas.microsoft.com/office/drawing/2014/main" id="{451108AA-45D5-354D-9722-228FFFD24FE8}"/>
+                </a:ext>
+              </a:extLst>
+            </p:cNvPr>
+            <p:cNvCxnSpPr>
+              <a:cxnSpLocks/>
+            </p:cNvCxnSpPr>
+            <p:nvPr/>
+          </p:nvCxnSpPr>
+          <p:spPr>
+            <a:xfrm flipH="1">
+              <a:off x="9987949" y="2463033"/>
+              <a:ext cx="366227" cy="2020372"/>
+            </a:xfrm>
+            <a:prstGeom prst="line">
+              <a:avLst/>
+            </a:prstGeom>
+            <a:ln w="38100">
+              <a:solidFill>
+                <a:schemeClr val="bg2">
+                  <a:lumMod val="50000"/>
+                </a:schemeClr>
+              </a:solidFill>
+            </a:ln>
+          </p:spPr>
+          <p:style>
+            <a:lnRef idx="1">
+              <a:schemeClr val="accent1"/>
+            </a:lnRef>
+            <a:fillRef idx="0">
+              <a:schemeClr val="accent1"/>
+            </a:fillRef>
+            <a:effectRef idx="0">
+              <a:schemeClr val="accent1"/>
+            </a:effectRef>
+            <a:fontRef idx="minor">
+              <a:schemeClr val="tx1"/>
+            </a:fontRef>
+          </p:style>
+        </p:cxnSp>
+        <p:cxnSp>
+          <p:nvCxnSpPr>
+            <p:cNvPr id="160" name="Straight Connector 159">
+              <a:extLst>
+                <a:ext uri="{FF2B5EF4-FFF2-40B4-BE49-F238E27FC236}">
+                  <a16:creationId xmlns:a16="http://schemas.microsoft.com/office/drawing/2014/main" id="{68CAE2D7-46BC-1248-978A-8FD7585F956E}"/>
+                </a:ext>
+              </a:extLst>
+            </p:cNvPr>
+            <p:cNvCxnSpPr>
+              <a:cxnSpLocks/>
+            </p:cNvCxnSpPr>
+            <p:nvPr/>
+          </p:nvCxnSpPr>
+          <p:spPr>
+            <a:xfrm>
+              <a:off x="10371103" y="2457646"/>
+              <a:ext cx="355881" cy="2014139"/>
+            </a:xfrm>
+            <a:prstGeom prst="line">
+              <a:avLst/>
+            </a:prstGeom>
+            <a:ln w="38100">
+              <a:solidFill>
+                <a:schemeClr val="bg2">
+                  <a:lumMod val="50000"/>
+                </a:schemeClr>
+              </a:solidFill>
+            </a:ln>
+          </p:spPr>
+          <p:style>
+            <a:lnRef idx="1">
+              <a:schemeClr val="accent1"/>
+            </a:lnRef>
+            <a:fillRef idx="0">
+              <a:schemeClr val="accent1"/>
+            </a:fillRef>
+            <a:effectRef idx="0">
+              <a:schemeClr val="accent1"/>
+            </a:effectRef>
+            <a:fontRef idx="minor">
+              <a:schemeClr val="tx1"/>
+            </a:fontRef>
+          </p:style>
+        </p:cxnSp>
+        <p:cxnSp>
+          <p:nvCxnSpPr>
+            <p:cNvPr id="164" name="Straight Connector 163">
+              <a:extLst>
+                <a:ext uri="{FF2B5EF4-FFF2-40B4-BE49-F238E27FC236}">
+                  <a16:creationId xmlns:a16="http://schemas.microsoft.com/office/drawing/2014/main" id="{FB33BF99-8887-0C48-AC20-DD84645DE259}"/>
+                </a:ext>
+              </a:extLst>
+            </p:cNvPr>
+            <p:cNvCxnSpPr>
+              <a:cxnSpLocks/>
+            </p:cNvCxnSpPr>
+            <p:nvPr/>
+          </p:nvCxnSpPr>
+          <p:spPr>
+            <a:xfrm flipH="1">
+              <a:off x="9257907" y="3429000"/>
+              <a:ext cx="381665" cy="1075186"/>
+            </a:xfrm>
+            <a:prstGeom prst="line">
+              <a:avLst/>
+            </a:prstGeom>
+            <a:ln w="38100">
+              <a:solidFill>
+                <a:schemeClr val="bg2">
+                  <a:lumMod val="50000"/>
+                </a:schemeClr>
+              </a:solidFill>
+            </a:ln>
+          </p:spPr>
+          <p:style>
+            <a:lnRef idx="1">
+              <a:schemeClr val="accent1"/>
+            </a:lnRef>
+            <a:fillRef idx="0">
+              <a:schemeClr val="accent1"/>
+            </a:fillRef>
+            <a:effectRef idx="0">
+              <a:schemeClr val="accent1"/>
+            </a:effectRef>
+            <a:fontRef idx="minor">
+              <a:schemeClr val="tx1"/>
+            </a:fontRef>
+          </p:style>
+        </p:cxnSp>
+        <p:cxnSp>
+          <p:nvCxnSpPr>
+            <p:cNvPr id="165" name="Straight Connector 164">
+              <a:extLst>
+                <a:ext uri="{FF2B5EF4-FFF2-40B4-BE49-F238E27FC236}">
+                  <a16:creationId xmlns:a16="http://schemas.microsoft.com/office/drawing/2014/main" id="{A81A5A54-F613-3B4D-BF6C-69F72AFD8B6E}"/>
+                </a:ext>
+              </a:extLst>
+            </p:cNvPr>
+            <p:cNvCxnSpPr>
+              <a:cxnSpLocks/>
+            </p:cNvCxnSpPr>
+            <p:nvPr/>
+          </p:nvCxnSpPr>
+          <p:spPr>
+            <a:xfrm>
+              <a:off x="9643690" y="3429000"/>
+              <a:ext cx="353251" cy="1063566"/>
+            </a:xfrm>
+            <a:prstGeom prst="line">
+              <a:avLst/>
+            </a:prstGeom>
+            <a:ln w="38100">
+              <a:solidFill>
+                <a:schemeClr val="bg2">
+                  <a:lumMod val="50000"/>
+                </a:schemeClr>
+              </a:solidFill>
+            </a:ln>
+          </p:spPr>
+          <p:style>
+            <a:lnRef idx="1">
+              <a:schemeClr val="accent1"/>
+            </a:lnRef>
+            <a:fillRef idx="0">
+              <a:schemeClr val="accent1"/>
+            </a:fillRef>
+            <a:effectRef idx="0">
+              <a:schemeClr val="accent1"/>
+            </a:effectRef>
+            <a:fontRef idx="minor">
+              <a:schemeClr val="tx1"/>
+            </a:fontRef>
+          </p:style>
+        </p:cxnSp>
+        <p:cxnSp>
+          <p:nvCxnSpPr>
+            <p:cNvPr id="170" name="Straight Connector 169">
+              <a:extLst>
+                <a:ext uri="{FF2B5EF4-FFF2-40B4-BE49-F238E27FC236}">
+                  <a16:creationId xmlns:a16="http://schemas.microsoft.com/office/drawing/2014/main" id="{C3248597-D1B6-0B4C-B82A-E7738DB496AF}"/>
+                </a:ext>
+              </a:extLst>
+            </p:cNvPr>
+            <p:cNvCxnSpPr>
+              <a:cxnSpLocks/>
+            </p:cNvCxnSpPr>
+            <p:nvPr/>
+          </p:nvCxnSpPr>
+          <p:spPr>
+            <a:xfrm>
+              <a:off x="10729699" y="2421930"/>
+              <a:ext cx="0" cy="2052000"/>
+            </a:xfrm>
+            <a:prstGeom prst="line">
+              <a:avLst/>
+            </a:prstGeom>
+            <a:ln w="38100">
+              <a:solidFill>
+                <a:schemeClr val="bg2">
+                  <a:lumMod val="50000"/>
+                </a:schemeClr>
+              </a:solidFill>
+            </a:ln>
+          </p:spPr>
+          <p:style>
+            <a:lnRef idx="1">
+              <a:schemeClr val="accent1"/>
+            </a:lnRef>
+            <a:fillRef idx="0">
+              <a:schemeClr val="accent1"/>
+            </a:fillRef>
+            <a:effectRef idx="0">
+              <a:schemeClr val="accent1"/>
+            </a:effectRef>
+            <a:fontRef idx="minor">
+              <a:schemeClr val="tx1"/>
+            </a:fontRef>
+          </p:style>
+        </p:cxnSp>
+        <p:cxnSp>
+          <p:nvCxnSpPr>
+            <p:cNvPr id="172" name="Straight Connector 171">
+              <a:extLst>
+                <a:ext uri="{FF2B5EF4-FFF2-40B4-BE49-F238E27FC236}">
+                  <a16:creationId xmlns:a16="http://schemas.microsoft.com/office/drawing/2014/main" id="{419B40E1-33A5-7346-93E2-C5427EA43246}"/>
+                </a:ext>
+              </a:extLst>
+            </p:cNvPr>
+            <p:cNvCxnSpPr>
+              <a:cxnSpLocks/>
+            </p:cNvCxnSpPr>
+            <p:nvPr/>
+          </p:nvCxnSpPr>
+          <p:spPr>
+            <a:xfrm flipH="1">
+              <a:off x="5799108" y="4024717"/>
+              <a:ext cx="0" cy="521611"/>
+            </a:xfrm>
+            <a:prstGeom prst="line">
+              <a:avLst/>
+            </a:prstGeom>
+            <a:ln w="38100">
+              <a:solidFill>
+                <a:schemeClr val="bg2">
+                  <a:lumMod val="50000"/>
+                </a:schemeClr>
+              </a:solidFill>
+            </a:ln>
+          </p:spPr>
+          <p:style>
+            <a:lnRef idx="1">
+              <a:schemeClr val="accent1"/>
+            </a:lnRef>
+            <a:fillRef idx="0">
+              <a:schemeClr val="accent1"/>
+            </a:fillRef>
+            <a:effectRef idx="0">
+              <a:schemeClr val="accent1"/>
+            </a:effectRef>
+            <a:fontRef idx="minor">
+              <a:schemeClr val="tx1"/>
+            </a:fontRef>
+          </p:style>
+        </p:cxnSp>
+        <p:cxnSp>
+          <p:nvCxnSpPr>
+            <p:cNvPr id="174" name="Straight Connector 173">
+              <a:extLst>
+                <a:ext uri="{FF2B5EF4-FFF2-40B4-BE49-F238E27FC236}">
+                  <a16:creationId xmlns:a16="http://schemas.microsoft.com/office/drawing/2014/main" id="{81D059CF-B26D-8F48-A640-6BC9367FD852}"/>
+                </a:ext>
+              </a:extLst>
+            </p:cNvPr>
+            <p:cNvCxnSpPr>
+              <a:cxnSpLocks/>
+              <a:endCxn id="224" idx="2"/>
+            </p:cNvCxnSpPr>
+            <p:nvPr/>
+          </p:nvCxnSpPr>
+          <p:spPr>
+            <a:xfrm>
+              <a:off x="6878670" y="4222599"/>
+              <a:ext cx="247925" cy="307787"/>
+            </a:xfrm>
+            <a:prstGeom prst="line">
+              <a:avLst/>
+            </a:prstGeom>
+            <a:ln w="38100">
+              <a:solidFill>
+                <a:schemeClr val="bg2">
+                  <a:lumMod val="50000"/>
+                </a:schemeClr>
+              </a:solidFill>
+            </a:ln>
+          </p:spPr>
+          <p:style>
+            <a:lnRef idx="1">
+              <a:schemeClr val="accent1"/>
+            </a:lnRef>
+            <a:fillRef idx="0">
+              <a:schemeClr val="accent1"/>
+            </a:fillRef>
+            <a:effectRef idx="0">
+              <a:schemeClr val="accent1"/>
+            </a:effectRef>
+            <a:fontRef idx="minor">
+              <a:schemeClr val="tx1"/>
+            </a:fontRef>
+          </p:style>
+        </p:cxnSp>
+        <p:cxnSp>
+          <p:nvCxnSpPr>
+            <p:cNvPr id="176" name="Straight Connector 175">
+              <a:extLst>
+                <a:ext uri="{FF2B5EF4-FFF2-40B4-BE49-F238E27FC236}">
+                  <a16:creationId xmlns:a16="http://schemas.microsoft.com/office/drawing/2014/main" id="{92AF80C9-6257-CB48-9940-48BAACEF18F2}"/>
+                </a:ext>
+              </a:extLst>
+            </p:cNvPr>
+            <p:cNvCxnSpPr>
+              <a:cxnSpLocks/>
+            </p:cNvCxnSpPr>
+            <p:nvPr/>
+          </p:nvCxnSpPr>
+          <p:spPr>
+            <a:xfrm flipH="1">
+              <a:off x="7127273" y="4450244"/>
+              <a:ext cx="94546" cy="96084"/>
+            </a:xfrm>
+            <a:prstGeom prst="line">
+              <a:avLst/>
+            </a:prstGeom>
+            <a:ln w="38100">
+              <a:solidFill>
+                <a:schemeClr val="bg2">
+                  <a:lumMod val="50000"/>
+                </a:schemeClr>
+              </a:solidFill>
+            </a:ln>
+          </p:spPr>
+          <p:style>
+            <a:lnRef idx="1">
+              <a:schemeClr val="accent1"/>
+            </a:lnRef>
+            <a:fillRef idx="0">
+              <a:schemeClr val="accent1"/>
+            </a:fillRef>
+            <a:effectRef idx="0">
+              <a:schemeClr val="accent1"/>
+            </a:effectRef>
+            <a:fontRef idx="minor">
+              <a:schemeClr val="tx1"/>
+            </a:fontRef>
+          </p:style>
+        </p:cxnSp>
+        <p:cxnSp>
+          <p:nvCxnSpPr>
+            <p:cNvPr id="179" name="Straight Connector 178">
+              <a:extLst>
+                <a:ext uri="{FF2B5EF4-FFF2-40B4-BE49-F238E27FC236}">
+                  <a16:creationId xmlns:a16="http://schemas.microsoft.com/office/drawing/2014/main" id="{8B043DB2-F276-E94E-BE16-14D55388C8AE}"/>
+                </a:ext>
+              </a:extLst>
+            </p:cNvPr>
+            <p:cNvCxnSpPr>
+              <a:cxnSpLocks/>
+            </p:cNvCxnSpPr>
+            <p:nvPr/>
+          </p:nvCxnSpPr>
+          <p:spPr>
+            <a:xfrm flipV="1">
+              <a:off x="9085773" y="2437516"/>
+              <a:ext cx="991386" cy="2065506"/>
+            </a:xfrm>
+            <a:prstGeom prst="line">
+              <a:avLst/>
+            </a:prstGeom>
+            <a:ln w="57150">
+              <a:solidFill>
+                <a:schemeClr val="accent2"/>
+              </a:solidFill>
+            </a:ln>
+          </p:spPr>
+          <p:style>
+            <a:lnRef idx="1">
+              <a:schemeClr val="accent1"/>
+            </a:lnRef>
+            <a:fillRef idx="0">
+              <a:schemeClr val="accent1"/>
+            </a:fillRef>
+            <a:effectRef idx="0">
+              <a:schemeClr val="accent1"/>
+            </a:effectRef>
+            <a:fontRef idx="minor">
+              <a:schemeClr val="tx1"/>
+            </a:fontRef>
+          </p:style>
+        </p:cxnSp>
+        <p:cxnSp>
+          <p:nvCxnSpPr>
+            <p:cNvPr id="180" name="Straight Connector 179">
+              <a:extLst>
+                <a:ext uri="{FF2B5EF4-FFF2-40B4-BE49-F238E27FC236}">
+                  <a16:creationId xmlns:a16="http://schemas.microsoft.com/office/drawing/2014/main" id="{C7077FA7-F3A0-7E42-9A1E-BF3EFB887CDE}"/>
+                </a:ext>
+              </a:extLst>
+            </p:cNvPr>
+            <p:cNvCxnSpPr>
+              <a:cxnSpLocks/>
+            </p:cNvCxnSpPr>
+            <p:nvPr/>
+          </p:nvCxnSpPr>
+          <p:spPr>
+            <a:xfrm flipH="1" flipV="1">
+              <a:off x="6515321" y="4029973"/>
+              <a:ext cx="883013" cy="491744"/>
+            </a:xfrm>
+            <a:prstGeom prst="line">
+              <a:avLst/>
+            </a:prstGeom>
+            <a:ln w="57150">
+              <a:solidFill>
+                <a:schemeClr val="accent2"/>
+              </a:solidFill>
+            </a:ln>
+          </p:spPr>
+          <p:style>
+            <a:lnRef idx="1">
+              <a:schemeClr val="accent1"/>
+            </a:lnRef>
+            <a:fillRef idx="0">
+              <a:schemeClr val="accent1"/>
+            </a:fillRef>
+            <a:effectRef idx="0">
+              <a:schemeClr val="accent1"/>
+            </a:effectRef>
+            <a:fontRef idx="minor">
+              <a:schemeClr val="tx1"/>
+            </a:fontRef>
+          </p:style>
+        </p:cxnSp>
+        <p:cxnSp>
+          <p:nvCxnSpPr>
+            <p:cNvPr id="181" name="Straight Connector 180">
+              <a:extLst>
+                <a:ext uri="{FF2B5EF4-FFF2-40B4-BE49-F238E27FC236}">
+                  <a16:creationId xmlns:a16="http://schemas.microsoft.com/office/drawing/2014/main" id="{2F750814-D3C3-D548-9112-A401227964A7}"/>
+                </a:ext>
+              </a:extLst>
+            </p:cNvPr>
+            <p:cNvCxnSpPr>
+              <a:cxnSpLocks/>
+            </p:cNvCxnSpPr>
+            <p:nvPr/>
+          </p:nvCxnSpPr>
+          <p:spPr>
+            <a:xfrm>
+              <a:off x="10055274" y="2450303"/>
+              <a:ext cx="691731" cy="20968"/>
+            </a:xfrm>
+            <a:prstGeom prst="line">
+              <a:avLst/>
+            </a:prstGeom>
+            <a:ln w="57150">
+              <a:solidFill>
+                <a:schemeClr val="accent2"/>
+              </a:solidFill>
+            </a:ln>
+          </p:spPr>
+          <p:style>
+            <a:lnRef idx="1">
+              <a:schemeClr val="accent1"/>
+            </a:lnRef>
+            <a:fillRef idx="0">
+              <a:schemeClr val="accent1"/>
+            </a:fillRef>
+            <a:effectRef idx="0">
+              <a:schemeClr val="accent1"/>
+            </a:effectRef>
+            <a:fontRef idx="minor">
+              <a:schemeClr val="tx1"/>
+            </a:fontRef>
+          </p:style>
+        </p:cxnSp>
+        <p:cxnSp>
+          <p:nvCxnSpPr>
+            <p:cNvPr id="182" name="Straight Connector 181">
+              <a:extLst>
+                <a:ext uri="{FF2B5EF4-FFF2-40B4-BE49-F238E27FC236}">
+                  <a16:creationId xmlns:a16="http://schemas.microsoft.com/office/drawing/2014/main" id="{FDB3E174-351A-B24D-942F-9CEF855D1F94}"/>
+                </a:ext>
+              </a:extLst>
+            </p:cNvPr>
+            <p:cNvCxnSpPr>
+              <a:cxnSpLocks/>
+            </p:cNvCxnSpPr>
+            <p:nvPr/>
+          </p:nvCxnSpPr>
+          <p:spPr>
+            <a:xfrm>
+              <a:off x="8728949" y="2026506"/>
+              <a:ext cx="720000" cy="0"/>
+            </a:xfrm>
+            <a:prstGeom prst="line">
+              <a:avLst/>
+            </a:prstGeom>
+            <a:ln w="57150">
+              <a:solidFill>
+                <a:schemeClr val="accent2"/>
+              </a:solidFill>
+            </a:ln>
+          </p:spPr>
+          <p:style>
+            <a:lnRef idx="1">
+              <a:schemeClr val="accent1"/>
+            </a:lnRef>
+            <a:fillRef idx="0">
+              <a:schemeClr val="accent1"/>
+            </a:fillRef>
+            <a:effectRef idx="0">
+              <a:schemeClr val="accent1"/>
+            </a:effectRef>
+            <a:fontRef idx="minor">
+              <a:schemeClr val="tx1"/>
+            </a:fontRef>
+          </p:style>
+        </p:cxnSp>
+        <p:cxnSp>
+          <p:nvCxnSpPr>
+            <p:cNvPr id="191" name="Straight Connector 190">
+              <a:extLst>
+                <a:ext uri="{FF2B5EF4-FFF2-40B4-BE49-F238E27FC236}">
+                  <a16:creationId xmlns:a16="http://schemas.microsoft.com/office/drawing/2014/main" id="{ED59D73E-F56D-6B4E-BE6A-807073F8B796}"/>
+                </a:ext>
+              </a:extLst>
+            </p:cNvPr>
+            <p:cNvCxnSpPr>
+              <a:cxnSpLocks/>
+            </p:cNvCxnSpPr>
+            <p:nvPr/>
+          </p:nvCxnSpPr>
+          <p:spPr>
+            <a:xfrm flipH="1">
+              <a:off x="6022447" y="3216586"/>
+              <a:ext cx="363947" cy="652132"/>
+            </a:xfrm>
+            <a:prstGeom prst="line">
+              <a:avLst/>
+            </a:prstGeom>
+            <a:ln w="38100">
+              <a:solidFill>
+                <a:schemeClr val="bg2">
+                  <a:lumMod val="25000"/>
+                </a:schemeClr>
+              </a:solidFill>
+            </a:ln>
+          </p:spPr>
+          <p:style>
+            <a:lnRef idx="1">
+              <a:schemeClr val="accent1"/>
+            </a:lnRef>
+            <a:fillRef idx="0">
+              <a:schemeClr val="accent1"/>
+            </a:fillRef>
+            <a:effectRef idx="0">
+              <a:schemeClr val="accent1"/>
+            </a:effectRef>
+            <a:fontRef idx="minor">
+              <a:schemeClr val="tx1"/>
+            </a:fontRef>
+          </p:style>
+        </p:cxnSp>
+        <p:sp>
+          <p:nvSpPr>
+            <p:cNvPr id="183" name="Freeform 182">
+              <a:extLst>
+                <a:ext uri="{FF2B5EF4-FFF2-40B4-BE49-F238E27FC236}">
+                  <a16:creationId xmlns:a16="http://schemas.microsoft.com/office/drawing/2014/main" id="{F0FD618D-A1B5-4C4C-9CB5-CBD76DC2D895}"/>
+                </a:ext>
+              </a:extLst>
+            </p:cNvPr>
+            <p:cNvSpPr/>
+            <p:nvPr/>
+          </p:nvSpPr>
+          <p:spPr>
+            <a:xfrm>
+              <a:off x="7784757" y="2026502"/>
+              <a:ext cx="972065" cy="710171"/>
+            </a:xfrm>
+            <a:custGeom>
+              <a:avLst/>
+              <a:gdLst>
+                <a:gd name="connsiteX0" fmla="*/ 972065 w 972065"/>
+                <a:gd name="connsiteY0" fmla="*/ 1717 h 710171"/>
+                <a:gd name="connsiteX1" fmla="*/ 749643 w 972065"/>
+                <a:gd name="connsiteY1" fmla="*/ 84095 h 710171"/>
+                <a:gd name="connsiteX2" fmla="*/ 469557 w 972065"/>
+                <a:gd name="connsiteY2" fmla="*/ 545414 h 710171"/>
+                <a:gd name="connsiteX3" fmla="*/ 0 w 972065"/>
+                <a:gd name="connsiteY3" fmla="*/ 710171 h 710171"/>
+              </a:gdLst>
+              <a:ahLst/>
+              <a:cxnLst>
+                <a:cxn ang="0">
+                  <a:pos x="connsiteX0" y="connsiteY0"/>
+                </a:cxn>
+                <a:cxn ang="0">
+                  <a:pos x="connsiteX1" y="connsiteY1"/>
+                </a:cxn>
+                <a:cxn ang="0">
+                  <a:pos x="connsiteX2" y="connsiteY2"/>
+                </a:cxn>
+                <a:cxn ang="0">
+                  <a:pos x="connsiteX3" y="connsiteY3"/>
+                </a:cxn>
+              </a:cxnLst>
+              <a:rect l="l" t="t" r="r" b="b"/>
+              <a:pathLst>
+                <a:path w="972065" h="710171">
+                  <a:moveTo>
+                    <a:pt x="972065" y="1717"/>
+                  </a:moveTo>
+                  <a:cubicBezTo>
+                    <a:pt x="902729" y="-2402"/>
+                    <a:pt x="833394" y="-6521"/>
+                    <a:pt x="749643" y="84095"/>
+                  </a:cubicBezTo>
+                  <a:cubicBezTo>
+                    <a:pt x="665892" y="174711"/>
+                    <a:pt x="594498" y="441068"/>
+                    <a:pt x="469557" y="545414"/>
+                  </a:cubicBezTo>
+                  <a:cubicBezTo>
+                    <a:pt x="344616" y="649760"/>
+                    <a:pt x="172308" y="679965"/>
+                    <a:pt x="0" y="710171"/>
+                  </a:cubicBezTo>
+                </a:path>
+              </a:pathLst>
+            </a:custGeom>
+            <a:noFill/>
+            <a:ln w="57150">
+              <a:solidFill>
+                <a:schemeClr val="accent2"/>
+              </a:solidFill>
+            </a:ln>
+          </p:spPr>
+          <p:style>
+            <a:lnRef idx="2">
+              <a:schemeClr val="accent1">
+                <a:shade val="50000"/>
+              </a:schemeClr>
+            </a:lnRef>
+            <a:fillRef idx="1">
+              <a:schemeClr val="accent1"/>
+            </a:fillRef>
+            <a:effectRef idx="0">
+              <a:schemeClr val="accent1"/>
+            </a:effectRef>
+            <a:fontRef idx="minor">
+              <a:schemeClr val="lt1"/>
+            </a:fontRef>
+          </p:style>
+          <p:txBody>
+            <a:bodyPr rtlCol="0" anchor="ctr"/>
+            <a:lstStyle/>
+            <a:p>
+              <a:pPr algn="ctr"/>
+              <a:endParaRPr lang="en-US"/>
+            </a:p>
+          </p:txBody>
+        </p:sp>
+        <p:sp>
+          <p:nvSpPr>
+            <p:cNvPr id="184" name="Freeform 183">
+              <a:extLst>
+                <a:ext uri="{FF2B5EF4-FFF2-40B4-BE49-F238E27FC236}">
+                  <a16:creationId xmlns:a16="http://schemas.microsoft.com/office/drawing/2014/main" id="{3720E0E7-8559-0742-AF05-EEB60FF2BD88}"/>
+                </a:ext>
+              </a:extLst>
+            </p:cNvPr>
+            <p:cNvSpPr/>
+            <p:nvPr/>
+          </p:nvSpPr>
+          <p:spPr>
+            <a:xfrm>
+              <a:off x="6145298" y="2736673"/>
+              <a:ext cx="1202724" cy="488482"/>
+            </a:xfrm>
+            <a:custGeom>
+              <a:avLst/>
+              <a:gdLst>
+                <a:gd name="connsiteX0" fmla="*/ 972065 w 972065"/>
+                <a:gd name="connsiteY0" fmla="*/ 1717 h 710171"/>
+                <a:gd name="connsiteX1" fmla="*/ 749643 w 972065"/>
+                <a:gd name="connsiteY1" fmla="*/ 84095 h 710171"/>
+                <a:gd name="connsiteX2" fmla="*/ 469557 w 972065"/>
+                <a:gd name="connsiteY2" fmla="*/ 545414 h 710171"/>
+                <a:gd name="connsiteX3" fmla="*/ 0 w 972065"/>
+                <a:gd name="connsiteY3" fmla="*/ 710171 h 710171"/>
+              </a:gdLst>
+              <a:ahLst/>
+              <a:cxnLst>
+                <a:cxn ang="0">
+                  <a:pos x="connsiteX0" y="connsiteY0"/>
+                </a:cxn>
+                <a:cxn ang="0">
+                  <a:pos x="connsiteX1" y="connsiteY1"/>
+                </a:cxn>
+                <a:cxn ang="0">
+                  <a:pos x="connsiteX2" y="connsiteY2"/>
+                </a:cxn>
+                <a:cxn ang="0">
+                  <a:pos x="connsiteX3" y="connsiteY3"/>
+                </a:cxn>
+              </a:cxnLst>
+              <a:rect l="l" t="t" r="r" b="b"/>
+              <a:pathLst>
+                <a:path w="972065" h="710171">
+                  <a:moveTo>
+                    <a:pt x="972065" y="1717"/>
+                  </a:moveTo>
+                  <a:cubicBezTo>
+                    <a:pt x="902729" y="-2402"/>
+                    <a:pt x="833394" y="-6521"/>
+                    <a:pt x="749643" y="84095"/>
+                  </a:cubicBezTo>
+                  <a:cubicBezTo>
+                    <a:pt x="665892" y="174711"/>
+                    <a:pt x="594498" y="441068"/>
+                    <a:pt x="469557" y="545414"/>
+                  </a:cubicBezTo>
+                  <a:cubicBezTo>
+                    <a:pt x="344616" y="649760"/>
+                    <a:pt x="172308" y="679965"/>
+                    <a:pt x="0" y="710171"/>
+                  </a:cubicBezTo>
+                </a:path>
+              </a:pathLst>
+            </a:custGeom>
+            <a:noFill/>
+            <a:ln w="57150">
+              <a:solidFill>
+                <a:schemeClr val="accent2"/>
+              </a:solidFill>
+            </a:ln>
+          </p:spPr>
+          <p:style>
+            <a:lnRef idx="2">
+              <a:schemeClr val="accent1">
+                <a:shade val="50000"/>
+              </a:schemeClr>
+            </a:lnRef>
+            <a:fillRef idx="1">
+              <a:schemeClr val="accent1"/>
+            </a:fillRef>
+            <a:effectRef idx="0">
+              <a:schemeClr val="accent1"/>
+            </a:effectRef>
+            <a:fontRef idx="minor">
+              <a:schemeClr val="lt1"/>
+            </a:fontRef>
+          </p:style>
+          <p:txBody>
+            <a:bodyPr rtlCol="0" anchor="ctr"/>
+            <a:lstStyle/>
+            <a:p>
+              <a:pPr algn="ctr"/>
+              <a:endParaRPr lang="en-US"/>
+            </a:p>
+          </p:txBody>
+        </p:sp>
+        <p:sp>
+          <p:nvSpPr>
+            <p:cNvPr id="185" name="Freeform 184">
+              <a:extLst>
+                <a:ext uri="{FF2B5EF4-FFF2-40B4-BE49-F238E27FC236}">
+                  <a16:creationId xmlns:a16="http://schemas.microsoft.com/office/drawing/2014/main" id="{3134E585-3CB2-C546-8C46-1E61D47787B8}"/>
+                </a:ext>
+              </a:extLst>
+            </p:cNvPr>
+            <p:cNvSpPr/>
+            <p:nvPr/>
+          </p:nvSpPr>
+          <p:spPr>
+            <a:xfrm>
+              <a:off x="9448949" y="1612161"/>
+              <a:ext cx="1046056" cy="414341"/>
+            </a:xfrm>
+            <a:custGeom>
+              <a:avLst/>
+              <a:gdLst>
+                <a:gd name="connsiteX0" fmla="*/ 972065 w 972065"/>
+                <a:gd name="connsiteY0" fmla="*/ 1717 h 710171"/>
+                <a:gd name="connsiteX1" fmla="*/ 749643 w 972065"/>
+                <a:gd name="connsiteY1" fmla="*/ 84095 h 710171"/>
+                <a:gd name="connsiteX2" fmla="*/ 469557 w 972065"/>
+                <a:gd name="connsiteY2" fmla="*/ 545414 h 710171"/>
+                <a:gd name="connsiteX3" fmla="*/ 0 w 972065"/>
+                <a:gd name="connsiteY3" fmla="*/ 710171 h 710171"/>
+              </a:gdLst>
+              <a:ahLst/>
+              <a:cxnLst>
+                <a:cxn ang="0">
+                  <a:pos x="connsiteX0" y="connsiteY0"/>
+                </a:cxn>
+                <a:cxn ang="0">
+                  <a:pos x="connsiteX1" y="connsiteY1"/>
+                </a:cxn>
+                <a:cxn ang="0">
+                  <a:pos x="connsiteX2" y="connsiteY2"/>
+                </a:cxn>
+                <a:cxn ang="0">
+                  <a:pos x="connsiteX3" y="connsiteY3"/>
+                </a:cxn>
+              </a:cxnLst>
+              <a:rect l="l" t="t" r="r" b="b"/>
+              <a:pathLst>
+                <a:path w="972065" h="710171">
+                  <a:moveTo>
+                    <a:pt x="972065" y="1717"/>
+                  </a:moveTo>
+                  <a:cubicBezTo>
+                    <a:pt x="902729" y="-2402"/>
+                    <a:pt x="833394" y="-6521"/>
+                    <a:pt x="749643" y="84095"/>
+                  </a:cubicBezTo>
+                  <a:cubicBezTo>
+                    <a:pt x="665892" y="174711"/>
+                    <a:pt x="594498" y="441068"/>
+                    <a:pt x="469557" y="545414"/>
+                  </a:cubicBezTo>
+                  <a:cubicBezTo>
+                    <a:pt x="344616" y="649760"/>
+                    <a:pt x="172308" y="679965"/>
+                    <a:pt x="0" y="710171"/>
+                  </a:cubicBezTo>
+                </a:path>
+              </a:pathLst>
+            </a:custGeom>
+            <a:noFill/>
+            <a:ln w="57150">
+              <a:solidFill>
+                <a:schemeClr val="accent2"/>
+              </a:solidFill>
+            </a:ln>
+          </p:spPr>
+          <p:style>
+            <a:lnRef idx="2">
+              <a:schemeClr val="accent1">
+                <a:shade val="50000"/>
+              </a:schemeClr>
+            </a:lnRef>
+            <a:fillRef idx="1">
+              <a:schemeClr val="accent1"/>
+            </a:fillRef>
+            <a:effectRef idx="0">
+              <a:schemeClr val="accent1"/>
+            </a:effectRef>
+            <a:fontRef idx="minor">
+              <a:schemeClr val="lt1"/>
+            </a:fontRef>
+          </p:style>
+          <p:txBody>
+            <a:bodyPr rtlCol="0" anchor="ctr"/>
+            <a:lstStyle/>
+            <a:p>
+              <a:pPr algn="ctr"/>
+              <a:endParaRPr lang="en-US"/>
+            </a:p>
+          </p:txBody>
+        </p:sp>
+        <p:cxnSp>
+          <p:nvCxnSpPr>
+            <p:cNvPr id="186" name="Straight Connector 185">
+              <a:extLst>
+                <a:ext uri="{FF2B5EF4-FFF2-40B4-BE49-F238E27FC236}">
+                  <a16:creationId xmlns:a16="http://schemas.microsoft.com/office/drawing/2014/main" id="{B4376866-5506-2B44-8F04-E988771B94DC}"/>
+                </a:ext>
+              </a:extLst>
+            </p:cNvPr>
+            <p:cNvCxnSpPr>
+              <a:cxnSpLocks/>
+            </p:cNvCxnSpPr>
+            <p:nvPr/>
+          </p:nvCxnSpPr>
+          <p:spPr>
+            <a:xfrm>
+              <a:off x="7348022" y="2736673"/>
+              <a:ext cx="468000" cy="0"/>
+            </a:xfrm>
+            <a:prstGeom prst="line">
+              <a:avLst/>
+            </a:prstGeom>
+            <a:ln w="57150">
+              <a:solidFill>
+                <a:schemeClr val="accent2"/>
+              </a:solidFill>
+            </a:ln>
+          </p:spPr>
+          <p:style>
+            <a:lnRef idx="1">
+              <a:schemeClr val="accent1"/>
+            </a:lnRef>
+            <a:fillRef idx="0">
+              <a:schemeClr val="accent1"/>
+            </a:fillRef>
+            <a:effectRef idx="0">
+              <a:schemeClr val="accent1"/>
+            </a:effectRef>
+            <a:fontRef idx="minor">
+              <a:schemeClr val="tx1"/>
+            </a:fontRef>
+          </p:style>
+        </p:cxnSp>
+        <p:cxnSp>
+          <p:nvCxnSpPr>
+            <p:cNvPr id="187" name="Straight Connector 186">
+              <a:extLst>
+                <a:ext uri="{FF2B5EF4-FFF2-40B4-BE49-F238E27FC236}">
+                  <a16:creationId xmlns:a16="http://schemas.microsoft.com/office/drawing/2014/main" id="{7931BFB7-2CB6-2F4E-AB1B-E06C2291FB1A}"/>
+                </a:ext>
+              </a:extLst>
+            </p:cNvPr>
+            <p:cNvCxnSpPr>
+              <a:cxnSpLocks/>
+            </p:cNvCxnSpPr>
+            <p:nvPr/>
+          </p:nvCxnSpPr>
+          <p:spPr>
+            <a:xfrm flipH="1">
+              <a:off x="5803559" y="4029973"/>
+              <a:ext cx="720000" cy="0"/>
+            </a:xfrm>
+            <a:prstGeom prst="line">
+              <a:avLst/>
+            </a:prstGeom>
+            <a:ln w="57150">
+              <a:solidFill>
+                <a:schemeClr val="accent2"/>
+              </a:solidFill>
+            </a:ln>
+          </p:spPr>
+          <p:style>
+            <a:lnRef idx="1">
+              <a:schemeClr val="accent1"/>
+            </a:lnRef>
+            <a:fillRef idx="0">
+              <a:schemeClr val="accent1"/>
+            </a:fillRef>
+            <a:effectRef idx="0">
+              <a:schemeClr val="accent1"/>
+            </a:effectRef>
+            <a:fontRef idx="minor">
+              <a:schemeClr val="tx1"/>
+            </a:fontRef>
+          </p:style>
+        </p:cxnSp>
+        <p:cxnSp>
+          <p:nvCxnSpPr>
+            <p:cNvPr id="188" name="Straight Connector 187">
+              <a:extLst>
+                <a:ext uri="{FF2B5EF4-FFF2-40B4-BE49-F238E27FC236}">
+                  <a16:creationId xmlns:a16="http://schemas.microsoft.com/office/drawing/2014/main" id="{17C8BA4E-6CB3-8C45-AC44-6C82BAB6630B}"/>
+                </a:ext>
+              </a:extLst>
+            </p:cNvPr>
+            <p:cNvCxnSpPr>
+              <a:cxnSpLocks/>
+            </p:cNvCxnSpPr>
+            <p:nvPr/>
+          </p:nvCxnSpPr>
+          <p:spPr>
+            <a:xfrm flipH="1">
+              <a:off x="7376450" y="4503476"/>
+              <a:ext cx="1740255" cy="14552"/>
+            </a:xfrm>
+            <a:prstGeom prst="line">
+              <a:avLst/>
+            </a:prstGeom>
+            <a:ln w="57150">
+              <a:solidFill>
+                <a:schemeClr val="accent2"/>
+              </a:solidFill>
+            </a:ln>
+          </p:spPr>
+          <p:style>
+            <a:lnRef idx="1">
+              <a:schemeClr val="accent1"/>
+            </a:lnRef>
+            <a:fillRef idx="0">
+              <a:schemeClr val="accent1"/>
+            </a:fillRef>
+            <a:effectRef idx="0">
+              <a:schemeClr val="accent1"/>
+            </a:effectRef>
+            <a:fontRef idx="minor">
+              <a:schemeClr val="tx1"/>
+            </a:fontRef>
+          </p:style>
+        </p:cxnSp>
+        <p:cxnSp>
+          <p:nvCxnSpPr>
+            <p:cNvPr id="189" name="Straight Connector 188">
+              <a:extLst>
+                <a:ext uri="{FF2B5EF4-FFF2-40B4-BE49-F238E27FC236}">
+                  <a16:creationId xmlns:a16="http://schemas.microsoft.com/office/drawing/2014/main" id="{A0B8B5DB-1B8D-C446-97C0-2C1FC90D0D56}"/>
+                </a:ext>
+              </a:extLst>
+            </p:cNvPr>
+            <p:cNvCxnSpPr>
+              <a:cxnSpLocks/>
+            </p:cNvCxnSpPr>
+            <p:nvPr/>
+          </p:nvCxnSpPr>
+          <p:spPr>
+            <a:xfrm flipH="1">
+              <a:off x="5792158" y="3198125"/>
+              <a:ext cx="2514" cy="864472"/>
+            </a:xfrm>
+            <a:prstGeom prst="line">
+              <a:avLst/>
+            </a:prstGeom>
+            <a:ln w="57150">
+              <a:solidFill>
+                <a:schemeClr val="accent2"/>
+              </a:solidFill>
+            </a:ln>
+          </p:spPr>
+          <p:style>
+            <a:lnRef idx="1">
+              <a:schemeClr val="accent1"/>
+            </a:lnRef>
+            <a:fillRef idx="0">
+              <a:schemeClr val="accent1"/>
+            </a:fillRef>
+            <a:effectRef idx="0">
+              <a:schemeClr val="accent1"/>
+            </a:effectRef>
+            <a:fontRef idx="minor">
+              <a:schemeClr val="tx1"/>
+            </a:fontRef>
+          </p:style>
+        </p:cxnSp>
+        <p:cxnSp>
+          <p:nvCxnSpPr>
+            <p:cNvPr id="190" name="Straight Connector 189">
+              <a:extLst>
+                <a:ext uri="{FF2B5EF4-FFF2-40B4-BE49-F238E27FC236}">
+                  <a16:creationId xmlns:a16="http://schemas.microsoft.com/office/drawing/2014/main" id="{EA4C43F2-2CD4-2F43-B77B-0D13D0E6AE8C}"/>
+                </a:ext>
+              </a:extLst>
+            </p:cNvPr>
+            <p:cNvCxnSpPr>
+              <a:cxnSpLocks/>
+            </p:cNvCxnSpPr>
+            <p:nvPr/>
+          </p:nvCxnSpPr>
+          <p:spPr>
+            <a:xfrm>
+              <a:off x="10725665" y="1585315"/>
+              <a:ext cx="9038" cy="921324"/>
+            </a:xfrm>
+            <a:prstGeom prst="line">
+              <a:avLst/>
+            </a:prstGeom>
+            <a:ln w="57150">
+              <a:solidFill>
+                <a:schemeClr val="accent2"/>
+              </a:solidFill>
+            </a:ln>
+          </p:spPr>
+          <p:style>
+            <a:lnRef idx="1">
+              <a:schemeClr val="accent1"/>
+            </a:lnRef>
+            <a:fillRef idx="0">
+              <a:schemeClr val="accent1"/>
+            </a:fillRef>
+            <a:effectRef idx="0">
+              <a:schemeClr val="accent1"/>
+            </a:effectRef>
+            <a:fontRef idx="minor">
+              <a:schemeClr val="tx1"/>
+            </a:fontRef>
+          </p:style>
+        </p:cxnSp>
+        <p:sp>
+          <p:nvSpPr>
+            <p:cNvPr id="215" name="Rectangle 214">
+              <a:extLst>
+                <a:ext uri="{FF2B5EF4-FFF2-40B4-BE49-F238E27FC236}">
+                  <a16:creationId xmlns:a16="http://schemas.microsoft.com/office/drawing/2014/main" id="{65961091-9DF6-E04A-B4D7-54FB4CD57548}"/>
+                </a:ext>
+              </a:extLst>
+            </p:cNvPr>
+            <p:cNvSpPr/>
+            <p:nvPr/>
+          </p:nvSpPr>
+          <p:spPr>
+            <a:xfrm>
+              <a:off x="5971237" y="3828392"/>
+              <a:ext cx="117877" cy="52632"/>
+            </a:xfrm>
+            <a:prstGeom prst="rect">
+              <a:avLst/>
+            </a:prstGeom>
+            <a:solidFill>
+              <a:schemeClr val="bg2">
+                <a:lumMod val="25000"/>
+              </a:schemeClr>
+            </a:solidFill>
+            <a:ln w="38100">
+              <a:solidFill>
+                <a:schemeClr val="bg2">
+                  <a:lumMod val="25000"/>
+                </a:schemeClr>
+              </a:solidFill>
+            </a:ln>
+          </p:spPr>
+          <p:style>
+            <a:lnRef idx="2">
+              <a:schemeClr val="accent1">
+                <a:shade val="50000"/>
+              </a:schemeClr>
+            </a:lnRef>
+            <a:fillRef idx="1">
+              <a:schemeClr val="accent1"/>
+            </a:fillRef>
+            <a:effectRef idx="0">
+              <a:schemeClr val="accent1"/>
+            </a:effectRef>
+            <a:fontRef idx="minor">
+              <a:schemeClr val="lt1"/>
+            </a:fontRef>
+          </p:style>
+          <p:txBody>
+            <a:bodyPr rtlCol="0" anchor="ctr"/>
+            <a:lstStyle/>
+            <a:p>
+              <a:pPr algn="ctr"/>
+              <a:endParaRPr lang="en-US"/>
+            </a:p>
+          </p:txBody>
+        </p:sp>
+        <p:sp>
+          <p:nvSpPr>
+            <p:cNvPr id="216" name="Rectangle 215">
+              <a:extLst>
+                <a:ext uri="{FF2B5EF4-FFF2-40B4-BE49-F238E27FC236}">
+                  <a16:creationId xmlns:a16="http://schemas.microsoft.com/office/drawing/2014/main" id="{8C7DE617-1BC0-D74B-BAF6-D1C49DAEC77D}"/>
+                </a:ext>
+              </a:extLst>
+            </p:cNvPr>
+            <p:cNvSpPr/>
+            <p:nvPr/>
+          </p:nvSpPr>
+          <p:spPr>
+            <a:xfrm>
+              <a:off x="6692839" y="3824312"/>
+              <a:ext cx="117877" cy="52632"/>
+            </a:xfrm>
+            <a:prstGeom prst="rect">
+              <a:avLst/>
+            </a:prstGeom>
+            <a:solidFill>
+              <a:schemeClr val="bg2">
+                <a:lumMod val="25000"/>
+              </a:schemeClr>
+            </a:solidFill>
+            <a:ln w="38100">
+              <a:solidFill>
+                <a:schemeClr val="bg2">
+                  <a:lumMod val="25000"/>
+                </a:schemeClr>
+              </a:solidFill>
+            </a:ln>
+          </p:spPr>
+          <p:style>
+            <a:lnRef idx="2">
+              <a:schemeClr val="accent1">
+                <a:shade val="50000"/>
+              </a:schemeClr>
+            </a:lnRef>
+            <a:fillRef idx="1">
+              <a:schemeClr val="accent1"/>
+            </a:fillRef>
+            <a:effectRef idx="0">
+              <a:schemeClr val="accent1"/>
+            </a:effectRef>
+            <a:fontRef idx="minor">
+              <a:schemeClr val="lt1"/>
+            </a:fontRef>
+          </p:style>
+          <p:txBody>
+            <a:bodyPr rtlCol="0" anchor="ctr"/>
+            <a:lstStyle/>
+            <a:p>
+              <a:pPr algn="ctr"/>
+              <a:endParaRPr lang="en-US"/>
+            </a:p>
+          </p:txBody>
+        </p:sp>
+        <p:sp>
+          <p:nvSpPr>
+            <p:cNvPr id="217" name="Rectangle 216">
+              <a:extLst>
+                <a:ext uri="{FF2B5EF4-FFF2-40B4-BE49-F238E27FC236}">
+                  <a16:creationId xmlns:a16="http://schemas.microsoft.com/office/drawing/2014/main" id="{E9FD7C42-EE85-494E-B7E2-EA2AA32244BF}"/>
+                </a:ext>
+              </a:extLst>
+            </p:cNvPr>
+            <p:cNvSpPr/>
+            <p:nvPr/>
+          </p:nvSpPr>
+          <p:spPr>
+            <a:xfrm>
+              <a:off x="7450539" y="3815171"/>
+              <a:ext cx="117877" cy="52632"/>
+            </a:xfrm>
+            <a:prstGeom prst="rect">
+              <a:avLst/>
+            </a:prstGeom>
+            <a:solidFill>
+              <a:schemeClr val="bg2">
+                <a:lumMod val="25000"/>
+              </a:schemeClr>
+            </a:solidFill>
+            <a:ln w="38100">
+              <a:solidFill>
+                <a:schemeClr val="bg2">
+                  <a:lumMod val="25000"/>
+                </a:schemeClr>
+              </a:solidFill>
+            </a:ln>
+          </p:spPr>
+          <p:style>
+            <a:lnRef idx="2">
+              <a:schemeClr val="accent1">
+                <a:shade val="50000"/>
+              </a:schemeClr>
+            </a:lnRef>
+            <a:fillRef idx="1">
+              <a:schemeClr val="accent1"/>
+            </a:fillRef>
+            <a:effectRef idx="0">
+              <a:schemeClr val="accent1"/>
+            </a:effectRef>
+            <a:fontRef idx="minor">
+              <a:schemeClr val="lt1"/>
+            </a:fontRef>
+          </p:style>
+          <p:txBody>
+            <a:bodyPr rtlCol="0" anchor="ctr"/>
+            <a:lstStyle/>
+            <a:p>
+              <a:pPr algn="ctr"/>
+              <a:endParaRPr lang="en-US"/>
+            </a:p>
+          </p:txBody>
+        </p:sp>
+        <p:sp>
+          <p:nvSpPr>
+            <p:cNvPr id="218" name="Rectangle 217">
+              <a:extLst>
+                <a:ext uri="{FF2B5EF4-FFF2-40B4-BE49-F238E27FC236}">
+                  <a16:creationId xmlns:a16="http://schemas.microsoft.com/office/drawing/2014/main" id="{B42ACE25-AD37-154E-A0A4-D95CAD339BF8}"/>
+                </a:ext>
+              </a:extLst>
+            </p:cNvPr>
+            <p:cNvSpPr/>
+            <p:nvPr/>
+          </p:nvSpPr>
+          <p:spPr>
+            <a:xfrm>
+              <a:off x="8205179" y="3819991"/>
+              <a:ext cx="117877" cy="52632"/>
+            </a:xfrm>
+            <a:prstGeom prst="rect">
+              <a:avLst/>
+            </a:prstGeom>
+            <a:solidFill>
+              <a:schemeClr val="bg2">
+                <a:lumMod val="25000"/>
+              </a:schemeClr>
+            </a:solidFill>
+            <a:ln w="38100">
+              <a:solidFill>
+                <a:schemeClr val="bg2">
+                  <a:lumMod val="25000"/>
+                </a:schemeClr>
+              </a:solidFill>
+            </a:ln>
+          </p:spPr>
+          <p:style>
+            <a:lnRef idx="2">
+              <a:schemeClr val="accent1">
+                <a:shade val="50000"/>
+              </a:schemeClr>
+            </a:lnRef>
+            <a:fillRef idx="1">
+              <a:schemeClr val="accent1"/>
+            </a:fillRef>
+            <a:effectRef idx="0">
+              <a:schemeClr val="accent1"/>
+            </a:effectRef>
+            <a:fontRef idx="minor">
+              <a:schemeClr val="lt1"/>
+            </a:fontRef>
+          </p:style>
+          <p:txBody>
+            <a:bodyPr rtlCol="0" anchor="ctr"/>
+            <a:lstStyle/>
+            <a:p>
+              <a:pPr algn="ctr"/>
+              <a:endParaRPr lang="en-US"/>
+            </a:p>
+          </p:txBody>
+        </p:sp>
+        <p:sp>
+          <p:nvSpPr>
+            <p:cNvPr id="219" name="Rectangle 218">
+              <a:extLst>
+                <a:ext uri="{FF2B5EF4-FFF2-40B4-BE49-F238E27FC236}">
+                  <a16:creationId xmlns:a16="http://schemas.microsoft.com/office/drawing/2014/main" id="{56D97CB3-279C-654A-96CC-98C140379675}"/>
+                </a:ext>
+              </a:extLst>
+            </p:cNvPr>
+            <p:cNvSpPr/>
+            <p:nvPr/>
+          </p:nvSpPr>
+          <p:spPr>
+            <a:xfrm>
+              <a:off x="8955476" y="3820412"/>
+              <a:ext cx="117877" cy="52632"/>
+            </a:xfrm>
+            <a:prstGeom prst="rect">
+              <a:avLst/>
+            </a:prstGeom>
+            <a:solidFill>
+              <a:schemeClr val="bg2">
+                <a:lumMod val="25000"/>
+              </a:schemeClr>
+            </a:solidFill>
+            <a:ln w="38100">
+              <a:solidFill>
+                <a:schemeClr val="bg2">
+                  <a:lumMod val="25000"/>
+                </a:schemeClr>
+              </a:solidFill>
+            </a:ln>
+          </p:spPr>
+          <p:style>
+            <a:lnRef idx="2">
+              <a:schemeClr val="accent1">
+                <a:shade val="50000"/>
+              </a:schemeClr>
+            </a:lnRef>
+            <a:fillRef idx="1">
+              <a:schemeClr val="accent1"/>
+            </a:fillRef>
+            <a:effectRef idx="0">
+              <a:schemeClr val="accent1"/>
+            </a:effectRef>
+            <a:fontRef idx="minor">
+              <a:schemeClr val="lt1"/>
+            </a:fontRef>
+          </p:style>
+          <p:txBody>
+            <a:bodyPr rtlCol="0" anchor="ctr"/>
+            <a:lstStyle/>
+            <a:p>
+              <a:pPr algn="ctr"/>
+              <a:endParaRPr lang="en-US"/>
+            </a:p>
+          </p:txBody>
+        </p:sp>
+        <p:sp>
+          <p:nvSpPr>
+            <p:cNvPr id="221" name="Rectangle 220">
+              <a:extLst>
+                <a:ext uri="{FF2B5EF4-FFF2-40B4-BE49-F238E27FC236}">
+                  <a16:creationId xmlns:a16="http://schemas.microsoft.com/office/drawing/2014/main" id="{1DA882A5-7F49-EB4C-AAE0-10787363CEC7}"/>
+                </a:ext>
+              </a:extLst>
+            </p:cNvPr>
+            <p:cNvSpPr/>
+            <p:nvPr/>
+          </p:nvSpPr>
+          <p:spPr>
+            <a:xfrm>
+              <a:off x="10454885" y="3813786"/>
+              <a:ext cx="117877" cy="52632"/>
+            </a:xfrm>
+            <a:prstGeom prst="rect">
+              <a:avLst/>
+            </a:prstGeom>
+            <a:solidFill>
+              <a:schemeClr val="bg2">
+                <a:lumMod val="25000"/>
+              </a:schemeClr>
+            </a:solidFill>
+            <a:ln w="38100">
+              <a:solidFill>
+                <a:schemeClr val="bg2">
+                  <a:lumMod val="25000"/>
+                </a:schemeClr>
+              </a:solidFill>
+            </a:ln>
+          </p:spPr>
+          <p:style>
+            <a:lnRef idx="2">
+              <a:schemeClr val="accent1">
+                <a:shade val="50000"/>
+              </a:schemeClr>
+            </a:lnRef>
+            <a:fillRef idx="1">
+              <a:schemeClr val="accent1"/>
+            </a:fillRef>
+            <a:effectRef idx="0">
+              <a:schemeClr val="accent1"/>
+            </a:effectRef>
+            <a:fontRef idx="minor">
+              <a:schemeClr val="lt1"/>
+            </a:fontRef>
+          </p:style>
+          <p:txBody>
+            <a:bodyPr rtlCol="0" anchor="ctr"/>
+            <a:lstStyle/>
+            <a:p>
+              <a:pPr algn="ctr"/>
+              <a:endParaRPr lang="en-US"/>
+            </a:p>
+          </p:txBody>
+        </p:sp>
+        <p:sp>
+          <p:nvSpPr>
+            <p:cNvPr id="222" name="Rectangle 221">
+              <a:extLst>
+                <a:ext uri="{FF2B5EF4-FFF2-40B4-BE49-F238E27FC236}">
+                  <a16:creationId xmlns:a16="http://schemas.microsoft.com/office/drawing/2014/main" id="{7E67CCE1-4962-8942-81F7-EC010CF7E42A}"/>
+                </a:ext>
+              </a:extLst>
+            </p:cNvPr>
+            <p:cNvSpPr/>
+            <p:nvPr/>
+          </p:nvSpPr>
+          <p:spPr>
+            <a:xfrm>
+              <a:off x="5766999" y="4476706"/>
+              <a:ext cx="117877" cy="52632"/>
+            </a:xfrm>
+            <a:prstGeom prst="rect">
+              <a:avLst/>
+            </a:prstGeom>
+            <a:solidFill>
+              <a:schemeClr val="bg2">
+                <a:lumMod val="50000"/>
+              </a:schemeClr>
+            </a:solidFill>
+            <a:ln w="38100">
+              <a:solidFill>
+                <a:schemeClr val="bg2">
+                  <a:lumMod val="50000"/>
+                </a:schemeClr>
+              </a:solidFill>
+            </a:ln>
+          </p:spPr>
+          <p:style>
+            <a:lnRef idx="2">
+              <a:schemeClr val="accent1">
+                <a:shade val="50000"/>
+              </a:schemeClr>
+            </a:lnRef>
+            <a:fillRef idx="1">
+              <a:schemeClr val="accent1"/>
+            </a:fillRef>
+            <a:effectRef idx="0">
+              <a:schemeClr val="accent1"/>
+            </a:effectRef>
+            <a:fontRef idx="minor">
+              <a:schemeClr val="lt1"/>
+            </a:fontRef>
+          </p:style>
+          <p:txBody>
+            <a:bodyPr rtlCol="0" anchor="ctr"/>
+            <a:lstStyle/>
+            <a:p>
+              <a:pPr algn="ctr"/>
+              <a:endParaRPr lang="en-US"/>
+            </a:p>
+          </p:txBody>
+        </p:sp>
+        <p:sp>
+          <p:nvSpPr>
+            <p:cNvPr id="223" name="Rectangle 222">
+              <a:extLst>
+                <a:ext uri="{FF2B5EF4-FFF2-40B4-BE49-F238E27FC236}">
+                  <a16:creationId xmlns:a16="http://schemas.microsoft.com/office/drawing/2014/main" id="{A0539837-4F49-354E-9F85-CCC767F4BE58}"/>
+                </a:ext>
+              </a:extLst>
+            </p:cNvPr>
+            <p:cNvSpPr/>
+            <p:nvPr/>
+          </p:nvSpPr>
+          <p:spPr>
+            <a:xfrm>
+              <a:off x="6487752" y="4483817"/>
+              <a:ext cx="117877" cy="52632"/>
+            </a:xfrm>
+            <a:prstGeom prst="rect">
+              <a:avLst/>
+            </a:prstGeom>
+            <a:solidFill>
+              <a:schemeClr val="bg2">
+                <a:lumMod val="50000"/>
+              </a:schemeClr>
+            </a:solidFill>
+            <a:ln w="38100">
+              <a:solidFill>
+                <a:schemeClr val="bg2">
+                  <a:lumMod val="50000"/>
+                </a:schemeClr>
+              </a:solidFill>
+            </a:ln>
+          </p:spPr>
+          <p:style>
+            <a:lnRef idx="2">
+              <a:schemeClr val="accent1">
+                <a:shade val="50000"/>
+              </a:schemeClr>
+            </a:lnRef>
+            <a:fillRef idx="1">
+              <a:schemeClr val="accent1"/>
+            </a:fillRef>
+            <a:effectRef idx="0">
+              <a:schemeClr val="accent1"/>
+            </a:effectRef>
+            <a:fontRef idx="minor">
+              <a:schemeClr val="lt1"/>
+            </a:fontRef>
+          </p:style>
+          <p:txBody>
+            <a:bodyPr rtlCol="0" anchor="ctr"/>
+            <a:lstStyle/>
+            <a:p>
+              <a:pPr algn="ctr"/>
+              <a:endParaRPr lang="en-US"/>
+            </a:p>
+          </p:txBody>
+        </p:sp>
+        <p:sp>
+          <p:nvSpPr>
+            <p:cNvPr id="224" name="Rectangle 223">
+              <a:extLst>
+                <a:ext uri="{FF2B5EF4-FFF2-40B4-BE49-F238E27FC236}">
+                  <a16:creationId xmlns:a16="http://schemas.microsoft.com/office/drawing/2014/main" id="{54A99EDF-D185-B84C-AF1D-39F7B7CF5367}"/>
+                </a:ext>
+              </a:extLst>
+            </p:cNvPr>
+            <p:cNvSpPr/>
+            <p:nvPr/>
+          </p:nvSpPr>
+          <p:spPr>
+            <a:xfrm>
+              <a:off x="7067656" y="4477754"/>
+              <a:ext cx="117877" cy="52632"/>
+            </a:xfrm>
+            <a:prstGeom prst="rect">
+              <a:avLst/>
+            </a:prstGeom>
+            <a:solidFill>
+              <a:schemeClr val="bg2">
+                <a:lumMod val="50000"/>
+              </a:schemeClr>
+            </a:solidFill>
+            <a:ln w="38100">
+              <a:solidFill>
+                <a:schemeClr val="bg2">
+                  <a:lumMod val="50000"/>
+                </a:schemeClr>
+              </a:solidFill>
+            </a:ln>
+          </p:spPr>
+          <p:style>
+            <a:lnRef idx="2">
+              <a:schemeClr val="accent1">
+                <a:shade val="50000"/>
+              </a:schemeClr>
+            </a:lnRef>
+            <a:fillRef idx="1">
+              <a:schemeClr val="accent1"/>
+            </a:fillRef>
+            <a:effectRef idx="0">
+              <a:schemeClr val="accent1"/>
+            </a:effectRef>
+            <a:fontRef idx="minor">
+              <a:schemeClr val="lt1"/>
+            </a:fontRef>
+          </p:style>
+          <p:txBody>
+            <a:bodyPr rtlCol="0" anchor="ctr"/>
+            <a:lstStyle/>
+            <a:p>
+              <a:pPr algn="ctr"/>
+              <a:endParaRPr lang="en-US"/>
+            </a:p>
+          </p:txBody>
+        </p:sp>
+        <p:sp>
+          <p:nvSpPr>
+            <p:cNvPr id="225" name="Rectangle 224">
+              <a:extLst>
+                <a:ext uri="{FF2B5EF4-FFF2-40B4-BE49-F238E27FC236}">
+                  <a16:creationId xmlns:a16="http://schemas.microsoft.com/office/drawing/2014/main" id="{227F7C9C-BEEA-FE42-A912-1BA4647EC9E4}"/>
+                </a:ext>
+              </a:extLst>
+            </p:cNvPr>
+            <p:cNvSpPr/>
+            <p:nvPr/>
+          </p:nvSpPr>
+          <p:spPr>
+            <a:xfrm>
+              <a:off x="9184840" y="4469866"/>
+              <a:ext cx="117877" cy="52632"/>
+            </a:xfrm>
+            <a:prstGeom prst="rect">
+              <a:avLst/>
+            </a:prstGeom>
+            <a:solidFill>
+              <a:schemeClr val="bg2">
+                <a:lumMod val="50000"/>
+              </a:schemeClr>
+            </a:solidFill>
+            <a:ln w="38100">
+              <a:solidFill>
+                <a:schemeClr val="bg2">
+                  <a:lumMod val="50000"/>
+                </a:schemeClr>
+              </a:solidFill>
+            </a:ln>
+          </p:spPr>
+          <p:style>
+            <a:lnRef idx="2">
+              <a:schemeClr val="accent1">
+                <a:shade val="50000"/>
+              </a:schemeClr>
+            </a:lnRef>
+            <a:fillRef idx="1">
+              <a:schemeClr val="accent1"/>
+            </a:fillRef>
+            <a:effectRef idx="0">
+              <a:schemeClr val="accent1"/>
+            </a:effectRef>
+            <a:fontRef idx="minor">
+              <a:schemeClr val="lt1"/>
+            </a:fontRef>
+          </p:style>
+          <p:txBody>
+            <a:bodyPr rtlCol="0" anchor="ctr"/>
+            <a:lstStyle/>
+            <a:p>
+              <a:pPr algn="ctr"/>
+              <a:endParaRPr lang="en-US"/>
+            </a:p>
+          </p:txBody>
+        </p:sp>
+        <p:sp>
+          <p:nvSpPr>
+            <p:cNvPr id="226" name="Rectangle 225">
+              <a:extLst>
+                <a:ext uri="{FF2B5EF4-FFF2-40B4-BE49-F238E27FC236}">
+                  <a16:creationId xmlns:a16="http://schemas.microsoft.com/office/drawing/2014/main" id="{7F61FBED-A2A4-C049-A30C-741C551EB7F9}"/>
+                </a:ext>
+              </a:extLst>
+            </p:cNvPr>
+            <p:cNvSpPr/>
+            <p:nvPr/>
+          </p:nvSpPr>
+          <p:spPr>
+            <a:xfrm>
+              <a:off x="9927653" y="4475098"/>
+              <a:ext cx="117877" cy="52632"/>
+            </a:xfrm>
+            <a:prstGeom prst="rect">
+              <a:avLst/>
+            </a:prstGeom>
+            <a:solidFill>
+              <a:schemeClr val="bg2">
+                <a:lumMod val="50000"/>
+              </a:schemeClr>
+            </a:solidFill>
+            <a:ln w="38100">
+              <a:solidFill>
+                <a:schemeClr val="bg2">
+                  <a:lumMod val="50000"/>
+                </a:schemeClr>
+              </a:solidFill>
+            </a:ln>
+          </p:spPr>
+          <p:style>
+            <a:lnRef idx="2">
+              <a:schemeClr val="accent1">
+                <a:shade val="50000"/>
+              </a:schemeClr>
+            </a:lnRef>
+            <a:fillRef idx="1">
+              <a:schemeClr val="accent1"/>
+            </a:fillRef>
+            <a:effectRef idx="0">
+              <a:schemeClr val="accent1"/>
+            </a:effectRef>
+            <a:fontRef idx="minor">
+              <a:schemeClr val="lt1"/>
+            </a:fontRef>
+          </p:style>
+          <p:txBody>
+            <a:bodyPr rtlCol="0" anchor="ctr"/>
+            <a:lstStyle/>
+            <a:p>
+              <a:pPr algn="ctr"/>
+              <a:endParaRPr lang="en-US"/>
+            </a:p>
+          </p:txBody>
+        </p:sp>
+        <p:sp>
+          <p:nvSpPr>
+            <p:cNvPr id="227" name="Rectangle 226">
+              <a:extLst>
+                <a:ext uri="{FF2B5EF4-FFF2-40B4-BE49-F238E27FC236}">
+                  <a16:creationId xmlns:a16="http://schemas.microsoft.com/office/drawing/2014/main" id="{90DDDD0E-045B-E54B-BE17-77D7B69F25A7}"/>
+                </a:ext>
+              </a:extLst>
+            </p:cNvPr>
+            <p:cNvSpPr/>
+            <p:nvPr/>
+          </p:nvSpPr>
+          <p:spPr>
+            <a:xfrm>
+              <a:off x="10639496" y="4476706"/>
+              <a:ext cx="117877" cy="52632"/>
+            </a:xfrm>
+            <a:prstGeom prst="rect">
+              <a:avLst/>
+            </a:prstGeom>
+            <a:solidFill>
+              <a:schemeClr val="bg2">
+                <a:lumMod val="50000"/>
+              </a:schemeClr>
+            </a:solidFill>
+            <a:ln w="38100">
+              <a:solidFill>
+                <a:schemeClr val="bg2">
+                  <a:lumMod val="50000"/>
+                </a:schemeClr>
+              </a:solidFill>
+            </a:ln>
+          </p:spPr>
+          <p:style>
+            <a:lnRef idx="2">
+              <a:schemeClr val="accent1">
+                <a:shade val="50000"/>
+              </a:schemeClr>
+            </a:lnRef>
+            <a:fillRef idx="1">
+              <a:schemeClr val="accent1"/>
+            </a:fillRef>
+            <a:effectRef idx="0">
+              <a:schemeClr val="accent1"/>
+            </a:effectRef>
+            <a:fontRef idx="minor">
+              <a:schemeClr val="lt1"/>
+            </a:fontRef>
+          </p:style>
+          <p:txBody>
+            <a:bodyPr rtlCol="0" anchor="ctr"/>
+            <a:lstStyle/>
+            <a:p>
+              <a:pPr algn="ctr"/>
+              <a:endParaRPr lang="en-US"/>
+            </a:p>
+          </p:txBody>
+        </p:sp>
+      </p:grpSp>
+      <p:sp>
+        <p:nvSpPr>
+          <p:cNvPr id="230" name="Rectangle 229">
+            <a:extLst>
+              <a:ext uri="{FF2B5EF4-FFF2-40B4-BE49-F238E27FC236}">
+                <a16:creationId xmlns:a16="http://schemas.microsoft.com/office/drawing/2014/main" id="{A5C33B4F-DAED-AC4B-B27B-AB0372C8BD55}"/>
+              </a:ext>
+            </a:extLst>
+          </p:cNvPr>
+          <p:cNvSpPr/>
+          <p:nvPr/>
+        </p:nvSpPr>
+        <p:spPr>
+          <a:xfrm>
+            <a:off x="8152731" y="4142439"/>
+            <a:ext cx="439532" cy="149372"/>
+          </a:xfrm>
+          <a:prstGeom prst="rect">
+            <a:avLst/>
+          </a:prstGeom>
+          <a:solidFill>
+            <a:srgbClr val="0070C0"/>
+          </a:solidFill>
+          <a:ln w="38100">
+            <a:noFill/>
+          </a:ln>
+        </p:spPr>
+        <p:style>
+          <a:lnRef idx="2">
+            <a:schemeClr val="accent1">
+              <a:shade val="50000"/>
+            </a:schemeClr>
+          </a:lnRef>
+          <a:fillRef idx="1">
+            <a:schemeClr val="accent1"/>
+          </a:fillRef>
+          <a:effectRef idx="0">
+            <a:schemeClr val="accent1"/>
+          </a:effectRef>
+          <a:fontRef idx="minor">
+            <a:schemeClr val="lt1"/>
+          </a:fontRef>
+        </p:style>
+        <p:txBody>
+          <a:bodyPr rtlCol="0" anchor="ctr"/>
+          <a:lstStyle/>
+          <a:p>
+            <a:pPr algn="ctr"/>
+            <a:endParaRPr lang="en-US"/>
+          </a:p>
+        </p:txBody>
+      </p:sp>
+      <p:sp>
+        <p:nvSpPr>
+          <p:cNvPr id="231" name="Rectangle 230">
+            <a:extLst>
+              <a:ext uri="{FF2B5EF4-FFF2-40B4-BE49-F238E27FC236}">
+                <a16:creationId xmlns:a16="http://schemas.microsoft.com/office/drawing/2014/main" id="{6D7D3AA4-D32F-4D4F-8AA0-E57CC330118F}"/>
+              </a:ext>
+            </a:extLst>
+          </p:cNvPr>
+          <p:cNvSpPr/>
+          <p:nvPr/>
+        </p:nvSpPr>
+        <p:spPr>
+          <a:xfrm rot="17792609">
+            <a:off x="9482490" y="3012583"/>
+            <a:ext cx="439532" cy="149372"/>
+          </a:xfrm>
+          <a:prstGeom prst="rect">
+            <a:avLst/>
+          </a:prstGeom>
+          <a:solidFill>
+            <a:srgbClr val="0070C0"/>
+          </a:solidFill>
+          <a:ln w="38100">
+            <a:noFill/>
+          </a:ln>
+        </p:spPr>
+        <p:style>
+          <a:lnRef idx="2">
+            <a:schemeClr val="accent1">
+              <a:shade val="50000"/>
+            </a:schemeClr>
+          </a:lnRef>
+          <a:fillRef idx="1">
+            <a:schemeClr val="accent1"/>
+          </a:fillRef>
+          <a:effectRef idx="0">
+            <a:schemeClr val="accent1"/>
+          </a:effectRef>
+          <a:fontRef idx="minor">
+            <a:schemeClr val="lt1"/>
+          </a:fontRef>
+        </p:style>
+        <p:txBody>
+          <a:bodyPr rtlCol="0" anchor="ctr"/>
+          <a:lstStyle/>
+          <a:p>
+            <a:pPr algn="ctr"/>
+            <a:endParaRPr lang="en-US"/>
+          </a:p>
+        </p:txBody>
+      </p:sp>
+      <p:cxnSp>
+        <p:nvCxnSpPr>
+          <p:cNvPr id="232" name="Straight Connector 231">
+            <a:extLst>
+              <a:ext uri="{FF2B5EF4-FFF2-40B4-BE49-F238E27FC236}">
+                <a16:creationId xmlns:a16="http://schemas.microsoft.com/office/drawing/2014/main" id="{98BEE365-7C17-D248-838D-1D60A4EBB8E5}"/>
+              </a:ext>
+            </a:extLst>
+          </p:cNvPr>
+          <p:cNvCxnSpPr>
+            <a:cxnSpLocks/>
+          </p:cNvCxnSpPr>
+          <p:nvPr/>
+        </p:nvCxnSpPr>
+        <p:spPr>
+          <a:xfrm flipH="1" flipV="1">
+            <a:off x="6689190" y="3841207"/>
+            <a:ext cx="883013" cy="491744"/>
+          </a:xfrm>
+          <a:prstGeom prst="line">
+            <a:avLst/>
+          </a:prstGeom>
+          <a:ln w="28575">
+            <a:solidFill>
+              <a:schemeClr val="tx1"/>
+            </a:solidFill>
+            <a:prstDash val="sysDash"/>
+          </a:ln>
+        </p:spPr>
+        <p:style>
+          <a:lnRef idx="1">
+            <a:schemeClr val="accent1"/>
+          </a:lnRef>
+          <a:fillRef idx="0">
+            <a:schemeClr val="accent1"/>
+          </a:fillRef>
+          <a:effectRef idx="0">
+            <a:schemeClr val="accent1"/>
+          </a:effectRef>
+          <a:fontRef idx="minor">
+            <a:schemeClr val="tx1"/>
+          </a:fontRef>
+        </p:style>
+      </p:cxnSp>
+      <p:cxnSp>
+        <p:nvCxnSpPr>
+          <p:cNvPr id="233" name="Straight Connector 232">
+            <a:extLst>
+              <a:ext uri="{FF2B5EF4-FFF2-40B4-BE49-F238E27FC236}">
+                <a16:creationId xmlns:a16="http://schemas.microsoft.com/office/drawing/2014/main" id="{E36FC122-8615-524E-A4E0-B5074A115359}"/>
+              </a:ext>
+            </a:extLst>
+          </p:cNvPr>
+          <p:cNvCxnSpPr>
+            <a:cxnSpLocks/>
+          </p:cNvCxnSpPr>
+          <p:nvPr/>
+        </p:nvCxnSpPr>
+        <p:spPr>
+          <a:xfrm flipH="1">
+            <a:off x="9242067" y="2234756"/>
+            <a:ext cx="979688" cy="2043360"/>
+          </a:xfrm>
+          <a:prstGeom prst="line">
+            <a:avLst/>
+          </a:prstGeom>
+          <a:ln w="28575">
+            <a:solidFill>
+              <a:schemeClr val="tx1"/>
+            </a:solidFill>
+            <a:prstDash val="sysDash"/>
+          </a:ln>
+        </p:spPr>
+        <p:style>
+          <a:lnRef idx="1">
+            <a:schemeClr val="accent1"/>
+          </a:lnRef>
+          <a:fillRef idx="0">
+            <a:schemeClr val="accent1"/>
+          </a:fillRef>
+          <a:effectRef idx="0">
+            <a:schemeClr val="accent1"/>
+          </a:effectRef>
+          <a:fontRef idx="minor">
+            <a:schemeClr val="tx1"/>
+          </a:fontRef>
+        </p:style>
+      </p:cxnSp>
+      <p:sp>
+        <p:nvSpPr>
+          <p:cNvPr id="237" name="Rectangle 236">
+            <a:extLst>
+              <a:ext uri="{FF2B5EF4-FFF2-40B4-BE49-F238E27FC236}">
+                <a16:creationId xmlns:a16="http://schemas.microsoft.com/office/drawing/2014/main" id="{04DFB201-B9D4-524A-B98C-B08FF66E05DB}"/>
+              </a:ext>
+            </a:extLst>
+          </p:cNvPr>
+          <p:cNvSpPr/>
+          <p:nvPr/>
+        </p:nvSpPr>
+        <p:spPr>
+          <a:xfrm>
+            <a:off x="10251442" y="2097218"/>
+            <a:ext cx="439532" cy="149372"/>
+          </a:xfrm>
+          <a:prstGeom prst="rect">
+            <a:avLst/>
+          </a:prstGeom>
+          <a:solidFill>
+            <a:srgbClr val="0070C0"/>
+          </a:solidFill>
+          <a:ln w="38100">
+            <a:noFill/>
+          </a:ln>
+        </p:spPr>
+        <p:style>
+          <a:lnRef idx="2">
+            <a:schemeClr val="accent1">
+              <a:shade val="50000"/>
+            </a:schemeClr>
+          </a:lnRef>
+          <a:fillRef idx="1">
+            <a:schemeClr val="accent1"/>
+          </a:fillRef>
+          <a:effectRef idx="0">
+            <a:schemeClr val="accent1"/>
+          </a:effectRef>
+          <a:fontRef idx="minor">
+            <a:schemeClr val="lt1"/>
+          </a:fontRef>
+        </p:style>
+        <p:txBody>
+          <a:bodyPr rtlCol="0" anchor="ctr"/>
+          <a:lstStyle/>
+          <a:p>
+            <a:pPr algn="ctr"/>
+            <a:endParaRPr lang="en-US"/>
+          </a:p>
+        </p:txBody>
+      </p:sp>
+      <p:sp>
+        <p:nvSpPr>
+          <p:cNvPr id="240" name="Rectangle 239">
+            <a:extLst>
+              <a:ext uri="{FF2B5EF4-FFF2-40B4-BE49-F238E27FC236}">
+                <a16:creationId xmlns:a16="http://schemas.microsoft.com/office/drawing/2014/main" id="{0B4C12D5-DCEA-C04A-B802-42CDF0004B8B}"/>
+              </a:ext>
+            </a:extLst>
+          </p:cNvPr>
+          <p:cNvSpPr/>
+          <p:nvPr/>
+        </p:nvSpPr>
+        <p:spPr>
+          <a:xfrm rot="18927880">
+            <a:off x="10085048" y="1446278"/>
+            <a:ext cx="306888" cy="112228"/>
+          </a:xfrm>
+          <a:prstGeom prst="rect">
+            <a:avLst/>
+          </a:prstGeom>
+          <a:solidFill>
+            <a:srgbClr val="0070C0"/>
+          </a:solidFill>
+          <a:ln w="38100">
+            <a:noFill/>
+          </a:ln>
+        </p:spPr>
+        <p:style>
+          <a:lnRef idx="2">
+            <a:schemeClr val="accent1">
+              <a:shade val="50000"/>
+            </a:schemeClr>
+          </a:lnRef>
+          <a:fillRef idx="1">
+            <a:schemeClr val="accent1"/>
+          </a:fillRef>
+          <a:effectRef idx="0">
+            <a:schemeClr val="accent1"/>
+          </a:effectRef>
+          <a:fontRef idx="minor">
+            <a:schemeClr val="lt1"/>
+          </a:fontRef>
+        </p:style>
+        <p:txBody>
+          <a:bodyPr rtlCol="0" anchor="ctr"/>
+          <a:lstStyle/>
+          <a:p>
+            <a:pPr algn="ctr"/>
+            <a:endParaRPr lang="en-US"/>
+          </a:p>
+        </p:txBody>
+      </p:sp>
+      <p:sp>
+        <p:nvSpPr>
+          <p:cNvPr id="241" name="Rectangle 240">
+            <a:extLst>
+              <a:ext uri="{FF2B5EF4-FFF2-40B4-BE49-F238E27FC236}">
+                <a16:creationId xmlns:a16="http://schemas.microsoft.com/office/drawing/2014/main" id="{B3AF2B97-B3B3-6C48-BE3A-2CE0102BEA9E}"/>
+              </a:ext>
+            </a:extLst>
+          </p:cNvPr>
+          <p:cNvSpPr/>
+          <p:nvPr/>
+        </p:nvSpPr>
+        <p:spPr>
+          <a:xfrm rot="17720038">
+            <a:off x="8339255" y="2021641"/>
+            <a:ext cx="303822" cy="112228"/>
+          </a:xfrm>
+          <a:prstGeom prst="rect">
+            <a:avLst/>
+          </a:prstGeom>
+          <a:solidFill>
+            <a:srgbClr val="0070C0"/>
+          </a:solidFill>
+          <a:ln w="38100">
+            <a:noFill/>
+          </a:ln>
+        </p:spPr>
+        <p:style>
+          <a:lnRef idx="2">
+            <a:schemeClr val="accent1">
+              <a:shade val="50000"/>
+            </a:schemeClr>
+          </a:lnRef>
+          <a:fillRef idx="1">
+            <a:schemeClr val="accent1"/>
+          </a:fillRef>
+          <a:effectRef idx="0">
+            <a:schemeClr val="accent1"/>
+          </a:effectRef>
+          <a:fontRef idx="minor">
+            <a:schemeClr val="lt1"/>
+          </a:fontRef>
+        </p:style>
+        <p:txBody>
+          <a:bodyPr rtlCol="0" anchor="ctr"/>
+          <a:lstStyle/>
+          <a:p>
+            <a:pPr algn="ctr"/>
+            <a:endParaRPr lang="en-US"/>
+          </a:p>
+        </p:txBody>
+      </p:sp>
+      <p:sp>
+        <p:nvSpPr>
+          <p:cNvPr id="242" name="Rectangle 241">
+            <a:extLst>
+              <a:ext uri="{FF2B5EF4-FFF2-40B4-BE49-F238E27FC236}">
+                <a16:creationId xmlns:a16="http://schemas.microsoft.com/office/drawing/2014/main" id="{24A5B4DC-1846-6645-81F5-C4E280CC436C}"/>
+              </a:ext>
+            </a:extLst>
+          </p:cNvPr>
+          <p:cNvSpPr/>
+          <p:nvPr/>
+        </p:nvSpPr>
+        <p:spPr>
+          <a:xfrm rot="18753659">
+            <a:off x="6854092" y="2621197"/>
+            <a:ext cx="321076" cy="112228"/>
+          </a:xfrm>
+          <a:prstGeom prst="rect">
+            <a:avLst/>
+          </a:prstGeom>
+          <a:solidFill>
+            <a:srgbClr val="0070C0"/>
+          </a:solidFill>
+          <a:ln w="38100">
+            <a:noFill/>
+          </a:ln>
+        </p:spPr>
+        <p:style>
+          <a:lnRef idx="2">
+            <a:schemeClr val="accent1">
+              <a:shade val="50000"/>
+            </a:schemeClr>
+          </a:lnRef>
+          <a:fillRef idx="1">
+            <a:schemeClr val="accent1"/>
+          </a:fillRef>
+          <a:effectRef idx="0">
+            <a:schemeClr val="accent1"/>
+          </a:effectRef>
+          <a:fontRef idx="minor">
+            <a:schemeClr val="lt1"/>
+          </a:fontRef>
+        </p:style>
+        <p:txBody>
+          <a:bodyPr rtlCol="0" anchor="ctr"/>
+          <a:lstStyle/>
+          <a:p>
+            <a:pPr algn="ctr"/>
+            <a:endParaRPr lang="en-US"/>
+          </a:p>
+        </p:txBody>
+      </p:sp>
+      <p:sp>
+        <p:nvSpPr>
+          <p:cNvPr id="244" name="Pie 243">
+            <a:extLst>
+              <a:ext uri="{FF2B5EF4-FFF2-40B4-BE49-F238E27FC236}">
+                <a16:creationId xmlns:a16="http://schemas.microsoft.com/office/drawing/2014/main" id="{B368B781-3739-8D48-9455-AE45F6396D00}"/>
+              </a:ext>
+            </a:extLst>
+          </p:cNvPr>
+          <p:cNvSpPr/>
+          <p:nvPr/>
+        </p:nvSpPr>
+        <p:spPr>
+          <a:xfrm>
+            <a:off x="8422109" y="4142439"/>
+            <a:ext cx="332295" cy="299732"/>
+          </a:xfrm>
+          <a:prstGeom prst="pie">
+            <a:avLst>
+              <a:gd name="adj1" fmla="val 16082683"/>
+              <a:gd name="adj2" fmla="val 21568076"/>
+            </a:avLst>
+          </a:prstGeom>
+          <a:solidFill>
+            <a:srgbClr val="0070C0"/>
+          </a:solidFill>
+          <a:ln w="38100">
+            <a:noFill/>
+          </a:ln>
+        </p:spPr>
+        <p:style>
+          <a:lnRef idx="2">
+            <a:schemeClr val="accent1">
+              <a:shade val="50000"/>
+            </a:schemeClr>
+          </a:lnRef>
+          <a:fillRef idx="1">
+            <a:schemeClr val="accent1"/>
+          </a:fillRef>
+          <a:effectRef idx="0">
+            <a:schemeClr val="accent1"/>
+          </a:effectRef>
+          <a:fontRef idx="minor">
+            <a:schemeClr val="lt1"/>
+          </a:fontRef>
+        </p:style>
+        <p:txBody>
+          <a:bodyPr rtlCol="0" anchor="ctr"/>
+          <a:lstStyle/>
+          <a:p>
+            <a:pPr algn="ctr"/>
+            <a:endParaRPr lang="en-US">
+              <a:solidFill>
+                <a:schemeClr val="tx1"/>
+              </a:solidFill>
+            </a:endParaRPr>
+          </a:p>
+        </p:txBody>
+      </p:sp>
+      <p:sp>
+        <p:nvSpPr>
+          <p:cNvPr id="245" name="Pie 244">
+            <a:extLst>
+              <a:ext uri="{FF2B5EF4-FFF2-40B4-BE49-F238E27FC236}">
+                <a16:creationId xmlns:a16="http://schemas.microsoft.com/office/drawing/2014/main" id="{F97C057A-ADF3-2D46-BE00-1124C3274557}"/>
+              </a:ext>
+            </a:extLst>
+          </p:cNvPr>
+          <p:cNvSpPr/>
+          <p:nvPr/>
+        </p:nvSpPr>
+        <p:spPr>
+          <a:xfrm rot="17807860">
+            <a:off x="9691301" y="2779708"/>
+            <a:ext cx="332295" cy="299732"/>
+          </a:xfrm>
+          <a:prstGeom prst="pie">
+            <a:avLst>
+              <a:gd name="adj1" fmla="val 16082683"/>
+              <a:gd name="adj2" fmla="val 21568076"/>
+            </a:avLst>
+          </a:prstGeom>
+          <a:solidFill>
+            <a:srgbClr val="0070C0"/>
+          </a:solidFill>
+          <a:ln w="38100">
+            <a:noFill/>
+          </a:ln>
+        </p:spPr>
+        <p:style>
+          <a:lnRef idx="2">
+            <a:schemeClr val="accent1">
+              <a:shade val="50000"/>
+            </a:schemeClr>
+          </a:lnRef>
+          <a:fillRef idx="1">
+            <a:schemeClr val="accent1"/>
+          </a:fillRef>
+          <a:effectRef idx="0">
+            <a:schemeClr val="accent1"/>
+          </a:effectRef>
+          <a:fontRef idx="minor">
+            <a:schemeClr val="lt1"/>
+          </a:fontRef>
+        </p:style>
+        <p:txBody>
+          <a:bodyPr rtlCol="0" anchor="ctr"/>
+          <a:lstStyle/>
+          <a:p>
+            <a:pPr algn="ctr"/>
+            <a:endParaRPr lang="en-US">
+              <a:solidFill>
+                <a:schemeClr val="tx1"/>
+              </a:solidFill>
+            </a:endParaRPr>
+          </a:p>
+        </p:txBody>
+      </p:sp>
+      <p:sp>
+        <p:nvSpPr>
+          <p:cNvPr id="246" name="Pie 245">
+            <a:extLst>
+              <a:ext uri="{FF2B5EF4-FFF2-40B4-BE49-F238E27FC236}">
+                <a16:creationId xmlns:a16="http://schemas.microsoft.com/office/drawing/2014/main" id="{2C7ACB24-647B-444A-9FBA-3F4BAF8266AD}"/>
+              </a:ext>
+            </a:extLst>
+          </p:cNvPr>
+          <p:cNvSpPr/>
+          <p:nvPr/>
+        </p:nvSpPr>
+        <p:spPr>
+          <a:xfrm>
+            <a:off x="10513382" y="2097808"/>
+            <a:ext cx="332295" cy="299732"/>
+          </a:xfrm>
+          <a:prstGeom prst="pie">
+            <a:avLst>
+              <a:gd name="adj1" fmla="val 16082683"/>
+              <a:gd name="adj2" fmla="val 21568076"/>
+            </a:avLst>
+          </a:prstGeom>
+          <a:solidFill>
+            <a:srgbClr val="0070C0"/>
+          </a:solidFill>
+          <a:ln w="38100">
+            <a:noFill/>
+          </a:ln>
+        </p:spPr>
+        <p:style>
+          <a:lnRef idx="2">
+            <a:schemeClr val="accent1">
+              <a:shade val="50000"/>
+            </a:schemeClr>
+          </a:lnRef>
+          <a:fillRef idx="1">
+            <a:schemeClr val="accent1"/>
+          </a:fillRef>
+          <a:effectRef idx="0">
+            <a:schemeClr val="accent1"/>
+          </a:effectRef>
+          <a:fontRef idx="minor">
+            <a:schemeClr val="lt1"/>
+          </a:fontRef>
+        </p:style>
+        <p:txBody>
+          <a:bodyPr rtlCol="0" anchor="ctr"/>
+          <a:lstStyle/>
+          <a:p>
+            <a:pPr algn="ctr"/>
+            <a:endParaRPr lang="en-US">
+              <a:solidFill>
+                <a:schemeClr val="tx1"/>
+              </a:solidFill>
+            </a:endParaRPr>
+          </a:p>
+        </p:txBody>
+      </p:sp>
+      <p:sp>
+        <p:nvSpPr>
+          <p:cNvPr id="247" name="Pie 246">
+            <a:extLst>
+              <a:ext uri="{FF2B5EF4-FFF2-40B4-BE49-F238E27FC236}">
+                <a16:creationId xmlns:a16="http://schemas.microsoft.com/office/drawing/2014/main" id="{F809107E-46B5-1B4D-9A94-55DB936DCFBC}"/>
+              </a:ext>
+            </a:extLst>
+          </p:cNvPr>
+          <p:cNvSpPr/>
+          <p:nvPr/>
+        </p:nvSpPr>
+        <p:spPr>
+          <a:xfrm rot="19243573">
+            <a:off x="10067678" y="1527050"/>
+            <a:ext cx="236251" cy="222910"/>
+          </a:xfrm>
+          <a:prstGeom prst="pie">
+            <a:avLst>
+              <a:gd name="adj1" fmla="val 10681927"/>
+              <a:gd name="adj2" fmla="val 15872251"/>
+            </a:avLst>
+          </a:prstGeom>
+          <a:solidFill>
+            <a:srgbClr val="0070C0"/>
+          </a:solidFill>
+          <a:ln w="38100">
+            <a:noFill/>
+          </a:ln>
+        </p:spPr>
+        <p:style>
+          <a:lnRef idx="2">
+            <a:schemeClr val="accent1">
+              <a:shade val="50000"/>
+            </a:schemeClr>
+          </a:lnRef>
+          <a:fillRef idx="1">
+            <a:schemeClr val="accent1"/>
+          </a:fillRef>
+          <a:effectRef idx="0">
+            <a:schemeClr val="accent1"/>
+          </a:effectRef>
+          <a:fontRef idx="minor">
+            <a:schemeClr val="lt1"/>
+          </a:fontRef>
+        </p:style>
+        <p:txBody>
+          <a:bodyPr rtlCol="0" anchor="ctr"/>
+          <a:lstStyle/>
+          <a:p>
+            <a:pPr algn="ctr"/>
+            <a:endParaRPr lang="en-US">
+              <a:solidFill>
+                <a:schemeClr val="tx1"/>
+              </a:solidFill>
+            </a:endParaRPr>
+          </a:p>
+        </p:txBody>
+      </p:sp>
+      <p:sp>
+        <p:nvSpPr>
+          <p:cNvPr id="248" name="Pie 247">
+            <a:extLst>
+              <a:ext uri="{FF2B5EF4-FFF2-40B4-BE49-F238E27FC236}">
+                <a16:creationId xmlns:a16="http://schemas.microsoft.com/office/drawing/2014/main" id="{FE313805-1392-AF42-A374-47B4F5E4BA0F}"/>
+              </a:ext>
+            </a:extLst>
+          </p:cNvPr>
+          <p:cNvSpPr/>
+          <p:nvPr/>
+        </p:nvSpPr>
+        <p:spPr>
+          <a:xfrm rot="18168921">
+            <a:off x="8373877" y="2131672"/>
+            <a:ext cx="200949" cy="207854"/>
+          </a:xfrm>
+          <a:prstGeom prst="pie">
+            <a:avLst>
+              <a:gd name="adj1" fmla="val 10681927"/>
+              <a:gd name="adj2" fmla="val 15872251"/>
+            </a:avLst>
+          </a:prstGeom>
+          <a:solidFill>
+            <a:srgbClr val="0070C0"/>
+          </a:solidFill>
+          <a:ln w="38100">
+            <a:noFill/>
+          </a:ln>
+        </p:spPr>
+        <p:style>
+          <a:lnRef idx="2">
+            <a:schemeClr val="accent1">
+              <a:shade val="50000"/>
+            </a:schemeClr>
+          </a:lnRef>
+          <a:fillRef idx="1">
+            <a:schemeClr val="accent1"/>
+          </a:fillRef>
+          <a:effectRef idx="0">
+            <a:schemeClr val="accent1"/>
+          </a:effectRef>
+          <a:fontRef idx="minor">
+            <a:schemeClr val="lt1"/>
+          </a:fontRef>
+        </p:style>
+        <p:txBody>
+          <a:bodyPr rtlCol="0" anchor="ctr"/>
+          <a:lstStyle/>
+          <a:p>
+            <a:pPr algn="ctr"/>
+            <a:endParaRPr lang="en-US">
+              <a:solidFill>
+                <a:schemeClr val="tx1"/>
+              </a:solidFill>
+            </a:endParaRPr>
+          </a:p>
+        </p:txBody>
+      </p:sp>
+      <p:sp>
+        <p:nvSpPr>
+          <p:cNvPr id="249" name="Pie 248">
+            <a:extLst>
+              <a:ext uri="{FF2B5EF4-FFF2-40B4-BE49-F238E27FC236}">
+                <a16:creationId xmlns:a16="http://schemas.microsoft.com/office/drawing/2014/main" id="{C5435C1F-DA6A-D24D-A928-64AC6F5703EC}"/>
+              </a:ext>
+            </a:extLst>
+          </p:cNvPr>
+          <p:cNvSpPr/>
+          <p:nvPr/>
+        </p:nvSpPr>
+        <p:spPr>
+          <a:xfrm rot="19084447">
+            <a:off x="6843452" y="2709940"/>
+            <a:ext cx="233302" cy="227311"/>
+          </a:xfrm>
+          <a:prstGeom prst="pie">
+            <a:avLst>
+              <a:gd name="adj1" fmla="val 10681927"/>
+              <a:gd name="adj2" fmla="val 15872251"/>
+            </a:avLst>
+          </a:prstGeom>
+          <a:solidFill>
+            <a:srgbClr val="0070C0"/>
+          </a:solidFill>
+          <a:ln w="38100">
+            <a:noFill/>
+          </a:ln>
+        </p:spPr>
+        <p:style>
+          <a:lnRef idx="2">
+            <a:schemeClr val="accent1">
+              <a:shade val="50000"/>
+            </a:schemeClr>
+          </a:lnRef>
+          <a:fillRef idx="1">
+            <a:schemeClr val="accent1"/>
+          </a:fillRef>
+          <a:effectRef idx="0">
+            <a:schemeClr val="accent1"/>
+          </a:effectRef>
+          <a:fontRef idx="minor">
+            <a:schemeClr val="lt1"/>
+          </a:fontRef>
+        </p:style>
+        <p:txBody>
+          <a:bodyPr rtlCol="0" anchor="ctr"/>
+          <a:lstStyle/>
+          <a:p>
+            <a:pPr algn="ctr"/>
+            <a:endParaRPr lang="en-US">
+              <a:solidFill>
+                <a:schemeClr val="tx1"/>
+              </a:solidFill>
+            </a:endParaRPr>
+          </a:p>
+        </p:txBody>
+      </p:sp>
+      <p:sp>
+        <p:nvSpPr>
+          <p:cNvPr id="250" name="Rectangle 249">
+            <a:extLst>
+              <a:ext uri="{FF2B5EF4-FFF2-40B4-BE49-F238E27FC236}">
+                <a16:creationId xmlns:a16="http://schemas.microsoft.com/office/drawing/2014/main" id="{5C1986C6-1E2F-8442-8B1E-2609BF399B7B}"/>
+              </a:ext>
+            </a:extLst>
+          </p:cNvPr>
+          <p:cNvSpPr/>
+          <p:nvPr/>
+        </p:nvSpPr>
+        <p:spPr>
+          <a:xfrm rot="1750628">
+            <a:off x="6822947" y="3859549"/>
+            <a:ext cx="439532" cy="149372"/>
+          </a:xfrm>
+          <a:prstGeom prst="rect">
+            <a:avLst/>
+          </a:prstGeom>
+          <a:solidFill>
+            <a:srgbClr val="0070C0"/>
+          </a:solidFill>
+          <a:ln w="38100">
+            <a:noFill/>
+          </a:ln>
+        </p:spPr>
+        <p:style>
+          <a:lnRef idx="2">
+            <a:schemeClr val="accent1">
+              <a:shade val="50000"/>
+            </a:schemeClr>
+          </a:lnRef>
+          <a:fillRef idx="1">
+            <a:schemeClr val="accent1"/>
+          </a:fillRef>
+          <a:effectRef idx="0">
+            <a:schemeClr val="accent1"/>
+          </a:effectRef>
+          <a:fontRef idx="minor">
+            <a:schemeClr val="lt1"/>
+          </a:fontRef>
+        </p:style>
+        <p:txBody>
+          <a:bodyPr rtlCol="0" anchor="ctr"/>
+          <a:lstStyle/>
+          <a:p>
+            <a:pPr algn="ctr"/>
+            <a:endParaRPr lang="en-US"/>
+          </a:p>
+        </p:txBody>
+      </p:sp>
+      <p:sp>
+        <p:nvSpPr>
+          <p:cNvPr id="251" name="Pie 250">
+            <a:extLst>
+              <a:ext uri="{FF2B5EF4-FFF2-40B4-BE49-F238E27FC236}">
+                <a16:creationId xmlns:a16="http://schemas.microsoft.com/office/drawing/2014/main" id="{5AF8785A-C542-7144-8B84-94543099C78F}"/>
+              </a:ext>
+            </a:extLst>
+          </p:cNvPr>
+          <p:cNvSpPr/>
+          <p:nvPr/>
+        </p:nvSpPr>
+        <p:spPr>
+          <a:xfrm rot="1750628">
+            <a:off x="7022969" y="3952794"/>
+            <a:ext cx="332295" cy="299732"/>
+          </a:xfrm>
+          <a:prstGeom prst="pie">
+            <a:avLst>
+              <a:gd name="adj1" fmla="val 16082683"/>
+              <a:gd name="adj2" fmla="val 21568076"/>
+            </a:avLst>
+          </a:prstGeom>
+          <a:solidFill>
+            <a:srgbClr val="0070C0"/>
+          </a:solidFill>
+          <a:ln w="38100">
+            <a:noFill/>
+          </a:ln>
+        </p:spPr>
+        <p:style>
+          <a:lnRef idx="2">
+            <a:schemeClr val="accent1">
+              <a:shade val="50000"/>
+            </a:schemeClr>
+          </a:lnRef>
+          <a:fillRef idx="1">
+            <a:schemeClr val="accent1"/>
+          </a:fillRef>
+          <a:effectRef idx="0">
+            <a:schemeClr val="accent1"/>
+          </a:effectRef>
+          <a:fontRef idx="minor">
+            <a:schemeClr val="lt1"/>
+          </a:fontRef>
+        </p:style>
+        <p:txBody>
+          <a:bodyPr rtlCol="0" anchor="ctr"/>
+          <a:lstStyle/>
+          <a:p>
+            <a:pPr algn="ctr"/>
+            <a:endParaRPr lang="en-US">
+              <a:solidFill>
+                <a:schemeClr val="tx1"/>
+              </a:solidFill>
+            </a:endParaRPr>
+          </a:p>
+        </p:txBody>
+      </p:sp>
+      <p:sp>
+        <p:nvSpPr>
+          <p:cNvPr id="252" name="Oval 251">
+            <a:extLst>
+              <a:ext uri="{FF2B5EF4-FFF2-40B4-BE49-F238E27FC236}">
+                <a16:creationId xmlns:a16="http://schemas.microsoft.com/office/drawing/2014/main" id="{0DF69C61-4BD4-FB4C-9309-124EADFF1932}"/>
+              </a:ext>
+            </a:extLst>
+          </p:cNvPr>
+          <p:cNvSpPr/>
+          <p:nvPr/>
+        </p:nvSpPr>
+        <p:spPr>
+          <a:xfrm>
+            <a:off x="5881585" y="3770974"/>
+            <a:ext cx="108000" cy="108000"/>
+          </a:xfrm>
+          <a:prstGeom prst="ellipse">
+            <a:avLst/>
+          </a:prstGeom>
+          <a:solidFill>
+            <a:schemeClr val="tx1"/>
+          </a:solidFill>
+          <a:ln w="38100">
+            <a:noFill/>
+          </a:ln>
+        </p:spPr>
+        <p:style>
+          <a:lnRef idx="2">
+            <a:schemeClr val="accent1">
+              <a:shade val="50000"/>
+            </a:schemeClr>
+          </a:lnRef>
+          <a:fillRef idx="1">
+            <a:schemeClr val="accent1"/>
+          </a:fillRef>
+          <a:effectRef idx="0">
+            <a:schemeClr val="accent1"/>
+          </a:effectRef>
+          <a:fontRef idx="minor">
+            <a:schemeClr val="lt1"/>
+          </a:fontRef>
+        </p:style>
+        <p:txBody>
+          <a:bodyPr rtlCol="0" anchor="ctr"/>
+          <a:lstStyle/>
+          <a:p>
+            <a:pPr algn="ctr"/>
+            <a:endParaRPr lang="en-US"/>
+          </a:p>
+        </p:txBody>
+      </p:sp>
+      <p:sp>
+        <p:nvSpPr>
+          <p:cNvPr id="253" name="Oval 252">
+            <a:extLst>
+              <a:ext uri="{FF2B5EF4-FFF2-40B4-BE49-F238E27FC236}">
+                <a16:creationId xmlns:a16="http://schemas.microsoft.com/office/drawing/2014/main" id="{E1952CFF-A6C6-E44A-A29F-115B21D38705}"/>
+              </a:ext>
+            </a:extLst>
+          </p:cNvPr>
+          <p:cNvSpPr/>
+          <p:nvPr/>
+        </p:nvSpPr>
+        <p:spPr>
+          <a:xfrm>
+            <a:off x="5882664" y="2988352"/>
+            <a:ext cx="108000" cy="108000"/>
+          </a:xfrm>
+          <a:prstGeom prst="ellipse">
+            <a:avLst/>
+          </a:prstGeom>
+          <a:solidFill>
+            <a:schemeClr val="tx1"/>
+          </a:solidFill>
+          <a:ln w="38100">
+            <a:noFill/>
+          </a:ln>
+        </p:spPr>
+        <p:style>
+          <a:lnRef idx="2">
+            <a:schemeClr val="accent1">
+              <a:shade val="50000"/>
+            </a:schemeClr>
+          </a:lnRef>
+          <a:fillRef idx="1">
+            <a:schemeClr val="accent1"/>
+          </a:fillRef>
+          <a:effectRef idx="0">
+            <a:schemeClr val="accent1"/>
+          </a:effectRef>
+          <a:fontRef idx="minor">
+            <a:schemeClr val="lt1"/>
+          </a:fontRef>
+        </p:style>
+        <p:txBody>
+          <a:bodyPr rtlCol="0" anchor="ctr"/>
+          <a:lstStyle/>
+          <a:p>
+            <a:pPr algn="ctr"/>
+            <a:endParaRPr lang="en-US"/>
+          </a:p>
+        </p:txBody>
+      </p:sp>
+      <p:sp>
+        <p:nvSpPr>
+          <p:cNvPr id="254" name="Oval 253">
+            <a:extLst>
+              <a:ext uri="{FF2B5EF4-FFF2-40B4-BE49-F238E27FC236}">
+                <a16:creationId xmlns:a16="http://schemas.microsoft.com/office/drawing/2014/main" id="{5A7C530D-2A65-F44A-A5E9-49C0D2E62AD3}"/>
+              </a:ext>
+            </a:extLst>
+          </p:cNvPr>
+          <p:cNvSpPr/>
+          <p:nvPr/>
+        </p:nvSpPr>
+        <p:spPr>
+          <a:xfrm>
+            <a:off x="7622659" y="2480937"/>
+            <a:ext cx="108000" cy="108000"/>
+          </a:xfrm>
+          <a:prstGeom prst="ellipse">
+            <a:avLst/>
+          </a:prstGeom>
+          <a:solidFill>
+            <a:schemeClr val="tx1"/>
+          </a:solidFill>
+          <a:ln w="38100">
+            <a:noFill/>
+          </a:ln>
+        </p:spPr>
+        <p:style>
+          <a:lnRef idx="2">
+            <a:schemeClr val="accent1">
+              <a:shade val="50000"/>
+            </a:schemeClr>
+          </a:lnRef>
+          <a:fillRef idx="1">
+            <a:schemeClr val="accent1"/>
+          </a:fillRef>
+          <a:effectRef idx="0">
+            <a:schemeClr val="accent1"/>
+          </a:effectRef>
+          <a:fontRef idx="minor">
+            <a:schemeClr val="lt1"/>
+          </a:fontRef>
+        </p:style>
+        <p:txBody>
+          <a:bodyPr rtlCol="0" anchor="ctr"/>
+          <a:lstStyle/>
+          <a:p>
+            <a:pPr algn="ctr"/>
+            <a:endParaRPr lang="en-US"/>
+          </a:p>
+        </p:txBody>
+      </p:sp>
+      <p:sp>
+        <p:nvSpPr>
+          <p:cNvPr id="255" name="Oval 254">
+            <a:extLst>
+              <a:ext uri="{FF2B5EF4-FFF2-40B4-BE49-F238E27FC236}">
+                <a16:creationId xmlns:a16="http://schemas.microsoft.com/office/drawing/2014/main" id="{40952F16-68F5-0647-806D-34739E60CD23}"/>
+              </a:ext>
+            </a:extLst>
+          </p:cNvPr>
+          <p:cNvSpPr/>
+          <p:nvPr/>
+        </p:nvSpPr>
+        <p:spPr>
+          <a:xfrm>
+            <a:off x="9318902" y="1789946"/>
+            <a:ext cx="108000" cy="108000"/>
+          </a:xfrm>
+          <a:prstGeom prst="ellipse">
+            <a:avLst/>
+          </a:prstGeom>
+          <a:solidFill>
+            <a:schemeClr val="tx1"/>
+          </a:solidFill>
+          <a:ln w="38100">
+            <a:noFill/>
+          </a:ln>
+        </p:spPr>
+        <p:style>
+          <a:lnRef idx="2">
+            <a:schemeClr val="accent1">
+              <a:shade val="50000"/>
+            </a:schemeClr>
+          </a:lnRef>
+          <a:fillRef idx="1">
+            <a:schemeClr val="accent1"/>
+          </a:fillRef>
+          <a:effectRef idx="0">
+            <a:schemeClr val="accent1"/>
+          </a:effectRef>
+          <a:fontRef idx="minor">
+            <a:schemeClr val="lt1"/>
+          </a:fontRef>
+        </p:style>
+        <p:txBody>
+          <a:bodyPr rtlCol="0" anchor="ctr"/>
+          <a:lstStyle/>
+          <a:p>
+            <a:pPr algn="ctr"/>
+            <a:endParaRPr lang="en-US"/>
+          </a:p>
+        </p:txBody>
+      </p:sp>
+      <p:sp>
+        <p:nvSpPr>
+          <p:cNvPr id="256" name="Oval 255">
+            <a:extLst>
+              <a:ext uri="{FF2B5EF4-FFF2-40B4-BE49-F238E27FC236}">
+                <a16:creationId xmlns:a16="http://schemas.microsoft.com/office/drawing/2014/main" id="{8EC1F374-5D06-EE46-AFF7-C6AED322D003}"/>
+              </a:ext>
+            </a:extLst>
+          </p:cNvPr>
+          <p:cNvSpPr/>
+          <p:nvPr/>
+        </p:nvSpPr>
+        <p:spPr>
+          <a:xfrm>
+            <a:off x="10809169" y="1382300"/>
+            <a:ext cx="108000" cy="108000"/>
+          </a:xfrm>
+          <a:prstGeom prst="ellipse">
+            <a:avLst/>
+          </a:prstGeom>
+          <a:solidFill>
+            <a:schemeClr val="tx1"/>
+          </a:solidFill>
+          <a:ln w="38100">
+            <a:noFill/>
+          </a:ln>
+        </p:spPr>
+        <p:style>
+          <a:lnRef idx="2">
+            <a:schemeClr val="accent1">
+              <a:shade val="50000"/>
+            </a:schemeClr>
+          </a:lnRef>
+          <a:fillRef idx="1">
+            <a:schemeClr val="accent1"/>
+          </a:fillRef>
+          <a:effectRef idx="0">
+            <a:schemeClr val="accent1"/>
+          </a:effectRef>
+          <a:fontRef idx="minor">
+            <a:schemeClr val="lt1"/>
+          </a:fontRef>
+        </p:style>
+        <p:txBody>
+          <a:bodyPr rtlCol="0" anchor="ctr"/>
+          <a:lstStyle/>
+          <a:p>
+            <a:pPr algn="ctr"/>
+            <a:endParaRPr lang="en-US"/>
+          </a:p>
+        </p:txBody>
+      </p:sp>
+      <p:sp>
+        <p:nvSpPr>
+          <p:cNvPr id="257" name="Oval 256">
+            <a:extLst>
+              <a:ext uri="{FF2B5EF4-FFF2-40B4-BE49-F238E27FC236}">
+                <a16:creationId xmlns:a16="http://schemas.microsoft.com/office/drawing/2014/main" id="{4402C3A6-329B-834B-A6FF-C22A9023AD37}"/>
+              </a:ext>
+            </a:extLst>
+          </p:cNvPr>
+          <p:cNvSpPr/>
+          <p:nvPr/>
+        </p:nvSpPr>
+        <p:spPr>
+          <a:xfrm>
+            <a:off x="10839255" y="2222173"/>
+            <a:ext cx="108000" cy="108000"/>
+          </a:xfrm>
+          <a:prstGeom prst="ellipse">
+            <a:avLst/>
+          </a:prstGeom>
+          <a:solidFill>
+            <a:schemeClr val="tx1"/>
+          </a:solidFill>
+          <a:ln w="38100">
+            <a:noFill/>
+          </a:ln>
+        </p:spPr>
+        <p:style>
+          <a:lnRef idx="2">
+            <a:schemeClr val="accent1">
+              <a:shade val="50000"/>
+            </a:schemeClr>
+          </a:lnRef>
+          <a:fillRef idx="1">
+            <a:schemeClr val="accent1"/>
+          </a:fillRef>
+          <a:effectRef idx="0">
+            <a:schemeClr val="accent1"/>
+          </a:effectRef>
+          <a:fontRef idx="minor">
+            <a:schemeClr val="lt1"/>
+          </a:fontRef>
+        </p:style>
+        <p:txBody>
+          <a:bodyPr rtlCol="0" anchor="ctr"/>
+          <a:lstStyle/>
+          <a:p>
+            <a:pPr algn="ctr"/>
+            <a:endParaRPr lang="en-US"/>
+          </a:p>
+        </p:txBody>
+      </p:sp>
+      <p:sp>
+        <p:nvSpPr>
+          <p:cNvPr id="258" name="Oval 257">
+            <a:extLst>
+              <a:ext uri="{FF2B5EF4-FFF2-40B4-BE49-F238E27FC236}">
+                <a16:creationId xmlns:a16="http://schemas.microsoft.com/office/drawing/2014/main" id="{7F055DF5-411E-E14F-8A33-5FA53F7A0D81}"/>
+              </a:ext>
+            </a:extLst>
+          </p:cNvPr>
+          <p:cNvSpPr/>
+          <p:nvPr/>
+        </p:nvSpPr>
+        <p:spPr>
+          <a:xfrm>
+            <a:off x="8374370" y="4264328"/>
+            <a:ext cx="108000" cy="108000"/>
+          </a:xfrm>
+          <a:prstGeom prst="ellipse">
+            <a:avLst/>
+          </a:prstGeom>
+          <a:solidFill>
+            <a:schemeClr val="tx1"/>
+          </a:solidFill>
+          <a:ln w="38100">
+            <a:noFill/>
+          </a:ln>
+        </p:spPr>
+        <p:style>
+          <a:lnRef idx="2">
+            <a:schemeClr val="accent1">
+              <a:shade val="50000"/>
+            </a:schemeClr>
+          </a:lnRef>
+          <a:fillRef idx="1">
+            <a:schemeClr val="accent1"/>
+          </a:fillRef>
+          <a:effectRef idx="0">
+            <a:schemeClr val="accent1"/>
+          </a:effectRef>
+          <a:fontRef idx="minor">
+            <a:schemeClr val="lt1"/>
+          </a:fontRef>
+        </p:style>
+        <p:txBody>
+          <a:bodyPr rtlCol="0" anchor="ctr"/>
+          <a:lstStyle/>
+          <a:p>
+            <a:pPr algn="ctr"/>
+            <a:endParaRPr lang="en-US"/>
+          </a:p>
+        </p:txBody>
+      </p:sp>
+      <mc:AlternateContent xmlns:mc="http://schemas.openxmlformats.org/markup-compatibility/2006">
+        <mc:Choice xmlns:a14="http://schemas.microsoft.com/office/drawing/2010/main" Requires="a14">
+          <p:sp>
+            <p:nvSpPr>
+              <p:cNvPr id="260" name="TextBox 259">
+                <a:extLst>
+                  <a:ext uri="{FF2B5EF4-FFF2-40B4-BE49-F238E27FC236}">
+                    <a16:creationId xmlns:a16="http://schemas.microsoft.com/office/drawing/2014/main" id="{1FD252AD-7082-5A44-A293-1771930A237C}"/>
+                  </a:ext>
+                </a:extLst>
+              </p:cNvPr>
+              <p:cNvSpPr txBox="1"/>
+              <p:nvPr/>
+            </p:nvSpPr>
+            <p:spPr>
+              <a:xfrm>
+                <a:off x="5664949" y="3636689"/>
+                <a:ext cx="219483" cy="307777"/>
+              </a:xfrm>
+              <a:prstGeom prst="rect">
+                <a:avLst/>
+              </a:prstGeom>
+              <a:noFill/>
+            </p:spPr>
+            <p:txBody>
+              <a:bodyPr wrap="none" lIns="0" tIns="0" rIns="0" bIns="0" rtlCol="0">
+                <a:spAutoFit/>
+              </a:bodyPr>
+              <a:lstStyle/>
+              <a:p>
+                <a14:m>
+                  <m:oMathPara xmlns:m="http://schemas.openxmlformats.org/officeDocument/2006/math">
+                    <m:oMathParaPr>
+                      <m:jc m:val="centerGroup"/>
+                    </m:oMathParaPr>
+                    <m:oMath xmlns:m="http://schemas.openxmlformats.org/officeDocument/2006/math">
+                      <m:r>
+                        <a:rPr lang="en-CA" sz="2000" b="0" i="1" smtClean="0">
+                          <a:latin typeface="Cambria Math" panose="02040503050406030204" pitchFamily="18" charset="0"/>
+                          <a:cs typeface="Arial" panose="020B0604020202020204" pitchFamily="34" charset="0"/>
+                        </a:rPr>
+                        <m:t>𝑎</m:t>
+                      </m:r>
+                    </m:oMath>
+                  </m:oMathPara>
+                </a14:m>
+                <a:endParaRPr lang="en-US" sz="2000" dirty="0">
+                  <a:latin typeface="Arial" panose="020B0604020202020204" pitchFamily="34" charset="0"/>
+                  <a:cs typeface="Arial" panose="020B0604020202020204" pitchFamily="34" charset="0"/>
+                </a:endParaRPr>
+              </a:p>
+            </p:txBody>
+          </p:sp>
+        </mc:Choice>
+        <mc:Fallback>
+          <p:sp>
+            <p:nvSpPr>
+              <p:cNvPr id="260" name="TextBox 259">
+                <a:extLst>
+                  <a:ext uri="{FF2B5EF4-FFF2-40B4-BE49-F238E27FC236}">
+                    <a16:creationId xmlns:a16="http://schemas.microsoft.com/office/drawing/2014/main" id="{1FD252AD-7082-5A44-A293-1771930A237C}"/>
+                  </a:ext>
+                </a:extLst>
+              </p:cNvPr>
+              <p:cNvSpPr txBox="1">
+                <a:spLocks noRot="1" noChangeAspect="1" noMove="1" noResize="1" noEditPoints="1" noAdjustHandles="1" noChangeArrowheads="1" noChangeShapeType="1" noTextEdit="1"/>
+              </p:cNvSpPr>
+              <p:nvPr/>
+            </p:nvSpPr>
+            <p:spPr>
+              <a:xfrm>
+                <a:off x="5664949" y="3636689"/>
+                <a:ext cx="219483" cy="307777"/>
+              </a:xfrm>
+              <a:prstGeom prst="rect">
+                <a:avLst/>
+              </a:prstGeom>
+              <a:blipFill>
+                <a:blip r:embed="rId6"/>
+                <a:stretch>
+                  <a:fillRect l="-11111" r="-11111"/>
+                </a:stretch>
+              </a:blipFill>
+            </p:spPr>
+            <p:txBody>
+              <a:bodyPr/>
+              <a:lstStyle/>
+              <a:p>
+                <a:r>
+                  <a:rPr lang="en-US">
+                    <a:noFill/>
+                  </a:rPr>
+                  <a:t> </a:t>
+                </a:r>
+              </a:p>
+            </p:txBody>
+          </p:sp>
+        </mc:Fallback>
+      </mc:AlternateContent>
+      <mc:AlternateContent xmlns:mc="http://schemas.openxmlformats.org/markup-compatibility/2006">
+        <mc:Choice xmlns:a14="http://schemas.microsoft.com/office/drawing/2010/main" Requires="a14">
+          <p:sp>
+            <p:nvSpPr>
+              <p:cNvPr id="261" name="TextBox 260">
+                <a:extLst>
+                  <a:ext uri="{FF2B5EF4-FFF2-40B4-BE49-F238E27FC236}">
+                    <a16:creationId xmlns:a16="http://schemas.microsoft.com/office/drawing/2014/main" id="{86780DB3-71DD-2D4B-A072-2E300308A479}"/>
+                  </a:ext>
+                </a:extLst>
+              </p:cNvPr>
+              <p:cNvSpPr txBox="1"/>
+              <p:nvPr/>
+            </p:nvSpPr>
+            <p:spPr>
+              <a:xfrm>
+                <a:off x="8335404" y="4337178"/>
+                <a:ext cx="219483" cy="307777"/>
+              </a:xfrm>
+              <a:prstGeom prst="rect">
+                <a:avLst/>
+              </a:prstGeom>
+              <a:noFill/>
+            </p:spPr>
+            <p:txBody>
+              <a:bodyPr wrap="none" lIns="0" tIns="0" rIns="0" bIns="0" rtlCol="0">
+                <a:spAutoFit/>
+              </a:bodyPr>
+              <a:lstStyle/>
+              <a:p>
+                <a14:m>
+                  <m:oMathPara xmlns:m="http://schemas.openxmlformats.org/officeDocument/2006/math">
+                    <m:oMathParaPr>
+                      <m:jc m:val="centerGroup"/>
+                    </m:oMathParaPr>
+                    <m:oMath xmlns:m="http://schemas.openxmlformats.org/officeDocument/2006/math">
+                      <m:r>
+                        <a:rPr lang="en-CA" sz="2000" b="0" i="1" smtClean="0">
+                          <a:latin typeface="Cambria Math" panose="02040503050406030204" pitchFamily="18" charset="0"/>
+                          <a:cs typeface="Arial" panose="020B0604020202020204" pitchFamily="34" charset="0"/>
+                        </a:rPr>
+                        <m:t>𝑏</m:t>
+                      </m:r>
+                    </m:oMath>
+                  </m:oMathPara>
+                </a14:m>
+                <a:endParaRPr lang="en-US" sz="2000" dirty="0">
+                  <a:latin typeface="Arial" panose="020B0604020202020204" pitchFamily="34" charset="0"/>
+                  <a:cs typeface="Arial" panose="020B0604020202020204" pitchFamily="34" charset="0"/>
+                </a:endParaRPr>
+              </a:p>
+            </p:txBody>
+          </p:sp>
+        </mc:Choice>
+        <mc:Fallback>
+          <p:sp>
+            <p:nvSpPr>
+              <p:cNvPr id="261" name="TextBox 260">
+                <a:extLst>
+                  <a:ext uri="{FF2B5EF4-FFF2-40B4-BE49-F238E27FC236}">
+                    <a16:creationId xmlns:a16="http://schemas.microsoft.com/office/drawing/2014/main" id="{86780DB3-71DD-2D4B-A072-2E300308A479}"/>
+                  </a:ext>
+                </a:extLst>
+              </p:cNvPr>
+              <p:cNvSpPr txBox="1">
+                <a:spLocks noRot="1" noChangeAspect="1" noMove="1" noResize="1" noEditPoints="1" noAdjustHandles="1" noChangeArrowheads="1" noChangeShapeType="1" noTextEdit="1"/>
+              </p:cNvSpPr>
+              <p:nvPr/>
+            </p:nvSpPr>
+            <p:spPr>
+              <a:xfrm>
+                <a:off x="8335404" y="4337178"/>
+                <a:ext cx="219483" cy="307777"/>
+              </a:xfrm>
+              <a:prstGeom prst="rect">
+                <a:avLst/>
+              </a:prstGeom>
+              <a:blipFill>
+                <a:blip r:embed="rId7"/>
+                <a:stretch>
+                  <a:fillRect l="-15789" r="-15789" b="-4000"/>
+                </a:stretch>
+              </a:blipFill>
+            </p:spPr>
+            <p:txBody>
+              <a:bodyPr/>
+              <a:lstStyle/>
+              <a:p>
+                <a:r>
+                  <a:rPr lang="en-US">
+                    <a:noFill/>
+                  </a:rPr>
+                  <a:t> </a:t>
+                </a:r>
+              </a:p>
+            </p:txBody>
+          </p:sp>
+        </mc:Fallback>
+      </mc:AlternateContent>
+      <mc:AlternateContent xmlns:mc="http://schemas.openxmlformats.org/markup-compatibility/2006">
+        <mc:Choice xmlns:a14="http://schemas.microsoft.com/office/drawing/2010/main" Requires="a14">
+          <p:sp>
+            <p:nvSpPr>
+              <p:cNvPr id="262" name="TextBox 261">
+                <a:extLst>
+                  <a:ext uri="{FF2B5EF4-FFF2-40B4-BE49-F238E27FC236}">
+                    <a16:creationId xmlns:a16="http://schemas.microsoft.com/office/drawing/2014/main" id="{1CCF60C1-6AA1-ED45-BC2A-0D81A9C53640}"/>
+                  </a:ext>
+                </a:extLst>
+              </p:cNvPr>
+              <p:cNvSpPr txBox="1"/>
+              <p:nvPr/>
+            </p:nvSpPr>
+            <p:spPr>
+              <a:xfrm>
+                <a:off x="10976942" y="2094836"/>
+                <a:ext cx="197298" cy="307777"/>
+              </a:xfrm>
+              <a:prstGeom prst="rect">
+                <a:avLst/>
+              </a:prstGeom>
+              <a:noFill/>
+            </p:spPr>
+            <p:txBody>
+              <a:bodyPr wrap="none" lIns="0" tIns="0" rIns="0" bIns="0" rtlCol="0">
+                <a:spAutoFit/>
+              </a:bodyPr>
+              <a:lstStyle/>
+              <a:p>
+                <a14:m>
+                  <m:oMathPara xmlns:m="http://schemas.openxmlformats.org/officeDocument/2006/math">
+                    <m:oMathParaPr>
+                      <m:jc m:val="centerGroup"/>
+                    </m:oMathParaPr>
+                    <m:oMath xmlns:m="http://schemas.openxmlformats.org/officeDocument/2006/math">
+                      <m:r>
+                        <a:rPr lang="en-CA" sz="2000" b="0" i="1" smtClean="0">
+                          <a:latin typeface="Cambria Math" panose="02040503050406030204" pitchFamily="18" charset="0"/>
+                          <a:cs typeface="Arial" panose="020B0604020202020204" pitchFamily="34" charset="0"/>
+                        </a:rPr>
+                        <m:t>𝑐</m:t>
+                      </m:r>
+                    </m:oMath>
+                  </m:oMathPara>
+                </a14:m>
+                <a:endParaRPr lang="en-US" sz="2000" dirty="0">
+                  <a:latin typeface="Arial" panose="020B0604020202020204" pitchFamily="34" charset="0"/>
+                  <a:cs typeface="Arial" panose="020B0604020202020204" pitchFamily="34" charset="0"/>
+                </a:endParaRPr>
+              </a:p>
+            </p:txBody>
+          </p:sp>
+        </mc:Choice>
+        <mc:Fallback>
+          <p:sp>
+            <p:nvSpPr>
+              <p:cNvPr id="262" name="TextBox 261">
+                <a:extLst>
+                  <a:ext uri="{FF2B5EF4-FFF2-40B4-BE49-F238E27FC236}">
+                    <a16:creationId xmlns:a16="http://schemas.microsoft.com/office/drawing/2014/main" id="{1CCF60C1-6AA1-ED45-BC2A-0D81A9C53640}"/>
+                  </a:ext>
+                </a:extLst>
+              </p:cNvPr>
+              <p:cNvSpPr txBox="1">
+                <a:spLocks noRot="1" noChangeAspect="1" noMove="1" noResize="1" noEditPoints="1" noAdjustHandles="1" noChangeArrowheads="1" noChangeShapeType="1" noTextEdit="1"/>
+              </p:cNvSpPr>
+              <p:nvPr/>
+            </p:nvSpPr>
+            <p:spPr>
+              <a:xfrm>
+                <a:off x="10976942" y="2094836"/>
+                <a:ext cx="197298" cy="307777"/>
+              </a:xfrm>
+              <a:prstGeom prst="rect">
+                <a:avLst/>
+              </a:prstGeom>
+              <a:blipFill>
+                <a:blip r:embed="rId8"/>
+                <a:stretch>
+                  <a:fillRect l="-12500" r="-6250"/>
+                </a:stretch>
+              </a:blipFill>
+            </p:spPr>
+            <p:txBody>
+              <a:bodyPr/>
+              <a:lstStyle/>
+              <a:p>
+                <a:r>
+                  <a:rPr lang="en-US">
+                    <a:noFill/>
+                  </a:rPr>
+                  <a:t> </a:t>
+                </a:r>
+              </a:p>
+            </p:txBody>
+          </p:sp>
+        </mc:Fallback>
+      </mc:AlternateContent>
+      <mc:AlternateContent xmlns:mc="http://schemas.openxmlformats.org/markup-compatibility/2006">
+        <mc:Choice xmlns:a14="http://schemas.microsoft.com/office/drawing/2010/main" Requires="a14">
+          <p:sp>
+            <p:nvSpPr>
+              <p:cNvPr id="263" name="TextBox 262">
+                <a:extLst>
+                  <a:ext uri="{FF2B5EF4-FFF2-40B4-BE49-F238E27FC236}">
+                    <a16:creationId xmlns:a16="http://schemas.microsoft.com/office/drawing/2014/main" id="{BD551BE6-5C6B-D14B-9374-0035D5D9FCC2}"/>
+                  </a:ext>
+                </a:extLst>
+              </p:cNvPr>
+              <p:cNvSpPr txBox="1"/>
+              <p:nvPr/>
+            </p:nvSpPr>
+            <p:spPr>
+              <a:xfrm>
+                <a:off x="10947291" y="1266020"/>
+                <a:ext cx="227755" cy="307777"/>
+              </a:xfrm>
+              <a:prstGeom prst="rect">
+                <a:avLst/>
+              </a:prstGeom>
+              <a:noFill/>
+            </p:spPr>
+            <p:txBody>
+              <a:bodyPr wrap="none" lIns="0" tIns="0" rIns="0" bIns="0" rtlCol="0">
+                <a:spAutoFit/>
+              </a:bodyPr>
+              <a:lstStyle/>
+              <a:p>
+                <a14:m>
+                  <m:oMathPara xmlns:m="http://schemas.openxmlformats.org/officeDocument/2006/math">
+                    <m:oMathParaPr>
+                      <m:jc m:val="centerGroup"/>
+                    </m:oMathParaPr>
+                    <m:oMath xmlns:m="http://schemas.openxmlformats.org/officeDocument/2006/math">
+                      <m:r>
+                        <a:rPr lang="en-CA" sz="2000" b="0" i="1" smtClean="0">
+                          <a:latin typeface="Cambria Math" panose="02040503050406030204" pitchFamily="18" charset="0"/>
+                          <a:cs typeface="Arial" panose="020B0604020202020204" pitchFamily="34" charset="0"/>
+                        </a:rPr>
+                        <m:t>𝑑</m:t>
+                      </m:r>
+                    </m:oMath>
+                  </m:oMathPara>
+                </a14:m>
+                <a:endParaRPr lang="en-US" sz="2000" dirty="0">
+                  <a:latin typeface="Arial" panose="020B0604020202020204" pitchFamily="34" charset="0"/>
+                  <a:cs typeface="Arial" panose="020B0604020202020204" pitchFamily="34" charset="0"/>
+                </a:endParaRPr>
+              </a:p>
+            </p:txBody>
+          </p:sp>
+        </mc:Choice>
+        <mc:Fallback>
+          <p:sp>
+            <p:nvSpPr>
+              <p:cNvPr id="263" name="TextBox 262">
+                <a:extLst>
+                  <a:ext uri="{FF2B5EF4-FFF2-40B4-BE49-F238E27FC236}">
+                    <a16:creationId xmlns:a16="http://schemas.microsoft.com/office/drawing/2014/main" id="{BD551BE6-5C6B-D14B-9374-0035D5D9FCC2}"/>
+                  </a:ext>
+                </a:extLst>
+              </p:cNvPr>
+              <p:cNvSpPr txBox="1">
+                <a:spLocks noRot="1" noChangeAspect="1" noMove="1" noResize="1" noEditPoints="1" noAdjustHandles="1" noChangeArrowheads="1" noChangeShapeType="1" noTextEdit="1"/>
+              </p:cNvSpPr>
+              <p:nvPr/>
+            </p:nvSpPr>
+            <p:spPr>
+              <a:xfrm>
+                <a:off x="10947291" y="1266020"/>
+                <a:ext cx="227755" cy="307777"/>
+              </a:xfrm>
+              <a:prstGeom prst="rect">
+                <a:avLst/>
+              </a:prstGeom>
+              <a:blipFill>
+                <a:blip r:embed="rId9"/>
+                <a:stretch>
+                  <a:fillRect l="-21053" r="-15789" b="-4000"/>
+                </a:stretch>
+              </a:blipFill>
+            </p:spPr>
+            <p:txBody>
+              <a:bodyPr/>
+              <a:lstStyle/>
+              <a:p>
+                <a:r>
+                  <a:rPr lang="en-US">
+                    <a:noFill/>
+                  </a:rPr>
+                  <a:t> </a:t>
+                </a:r>
+              </a:p>
+            </p:txBody>
+          </p:sp>
+        </mc:Fallback>
+      </mc:AlternateContent>
+      <mc:AlternateContent xmlns:mc="http://schemas.openxmlformats.org/markup-compatibility/2006">
+        <mc:Choice xmlns:a14="http://schemas.microsoft.com/office/drawing/2010/main" Requires="a14">
+          <p:sp>
+            <p:nvSpPr>
+              <p:cNvPr id="264" name="TextBox 263">
+                <a:extLst>
+                  <a:ext uri="{FF2B5EF4-FFF2-40B4-BE49-F238E27FC236}">
+                    <a16:creationId xmlns:a16="http://schemas.microsoft.com/office/drawing/2014/main" id="{72DF9429-CE4F-0E45-82AB-3998D2F71585}"/>
+                  </a:ext>
+                </a:extLst>
+              </p:cNvPr>
+              <p:cNvSpPr txBox="1"/>
+              <p:nvPr/>
+            </p:nvSpPr>
+            <p:spPr>
+              <a:xfrm>
+                <a:off x="9278906" y="1423509"/>
+                <a:ext cx="202812" cy="307777"/>
+              </a:xfrm>
+              <a:prstGeom prst="rect">
+                <a:avLst/>
+              </a:prstGeom>
+              <a:noFill/>
+            </p:spPr>
+            <p:txBody>
+              <a:bodyPr wrap="none" lIns="0" tIns="0" rIns="0" bIns="0" rtlCol="0">
+                <a:spAutoFit/>
+              </a:bodyPr>
+              <a:lstStyle/>
+              <a:p>
+                <a14:m>
+                  <m:oMathPara xmlns:m="http://schemas.openxmlformats.org/officeDocument/2006/math">
+                    <m:oMathParaPr>
+                      <m:jc m:val="centerGroup"/>
+                    </m:oMathParaPr>
+                    <m:oMath xmlns:m="http://schemas.openxmlformats.org/officeDocument/2006/math">
+                      <m:r>
+                        <a:rPr lang="en-CA" sz="2000" b="0" i="1" smtClean="0">
+                          <a:latin typeface="Cambria Math" panose="02040503050406030204" pitchFamily="18" charset="0"/>
+                          <a:cs typeface="Arial" panose="020B0604020202020204" pitchFamily="34" charset="0"/>
+                        </a:rPr>
+                        <m:t>𝑒</m:t>
+                      </m:r>
+                    </m:oMath>
+                  </m:oMathPara>
+                </a14:m>
+                <a:endParaRPr lang="en-US" sz="2000" dirty="0">
+                  <a:latin typeface="Arial" panose="020B0604020202020204" pitchFamily="34" charset="0"/>
+                  <a:cs typeface="Arial" panose="020B0604020202020204" pitchFamily="34" charset="0"/>
+                </a:endParaRPr>
+              </a:p>
+            </p:txBody>
+          </p:sp>
+        </mc:Choice>
+        <mc:Fallback>
+          <p:sp>
+            <p:nvSpPr>
+              <p:cNvPr id="264" name="TextBox 263">
+                <a:extLst>
+                  <a:ext uri="{FF2B5EF4-FFF2-40B4-BE49-F238E27FC236}">
+                    <a16:creationId xmlns:a16="http://schemas.microsoft.com/office/drawing/2014/main" id="{72DF9429-CE4F-0E45-82AB-3998D2F71585}"/>
+                  </a:ext>
+                </a:extLst>
+              </p:cNvPr>
+              <p:cNvSpPr txBox="1">
+                <a:spLocks noRot="1" noChangeAspect="1" noMove="1" noResize="1" noEditPoints="1" noAdjustHandles="1" noChangeArrowheads="1" noChangeShapeType="1" noTextEdit="1"/>
+              </p:cNvSpPr>
+              <p:nvPr/>
+            </p:nvSpPr>
+            <p:spPr>
+              <a:xfrm>
+                <a:off x="9278906" y="1423509"/>
+                <a:ext cx="202812" cy="307777"/>
+              </a:xfrm>
+              <a:prstGeom prst="rect">
+                <a:avLst/>
+              </a:prstGeom>
+              <a:blipFill>
+                <a:blip r:embed="rId10"/>
+                <a:stretch>
+                  <a:fillRect l="-11765" r="-5882"/>
+                </a:stretch>
+              </a:blipFill>
+            </p:spPr>
+            <p:txBody>
+              <a:bodyPr/>
+              <a:lstStyle/>
+              <a:p>
+                <a:r>
+                  <a:rPr lang="en-US">
+                    <a:noFill/>
+                  </a:rPr>
+                  <a:t> </a:t>
+                </a:r>
+              </a:p>
+            </p:txBody>
+          </p:sp>
+        </mc:Fallback>
+      </mc:AlternateContent>
+      <mc:AlternateContent xmlns:mc="http://schemas.openxmlformats.org/markup-compatibility/2006">
+        <mc:Choice xmlns:a14="http://schemas.microsoft.com/office/drawing/2010/main" Requires="a14">
+          <p:sp>
+            <p:nvSpPr>
+              <p:cNvPr id="265" name="TextBox 264">
+                <a:extLst>
+                  <a:ext uri="{FF2B5EF4-FFF2-40B4-BE49-F238E27FC236}">
+                    <a16:creationId xmlns:a16="http://schemas.microsoft.com/office/drawing/2014/main" id="{246A1CD6-10A9-FE44-9CFB-E18129FF1CC3}"/>
+                  </a:ext>
+                </a:extLst>
+              </p:cNvPr>
+              <p:cNvSpPr txBox="1"/>
+              <p:nvPr/>
+            </p:nvSpPr>
+            <p:spPr>
+              <a:xfrm>
+                <a:off x="7580932" y="2148542"/>
+                <a:ext cx="219099" cy="307777"/>
+              </a:xfrm>
+              <a:prstGeom prst="rect">
+                <a:avLst/>
+              </a:prstGeom>
+              <a:noFill/>
+            </p:spPr>
+            <p:txBody>
+              <a:bodyPr wrap="none" lIns="0" tIns="0" rIns="0" bIns="0" rtlCol="0">
+                <a:spAutoFit/>
+              </a:bodyPr>
+              <a:lstStyle/>
+              <a:p>
+                <a14:m>
+                  <m:oMathPara xmlns:m="http://schemas.openxmlformats.org/officeDocument/2006/math">
+                    <m:oMathParaPr>
+                      <m:jc m:val="centerGroup"/>
+                    </m:oMathParaPr>
+                    <m:oMath xmlns:m="http://schemas.openxmlformats.org/officeDocument/2006/math">
+                      <m:r>
+                        <a:rPr lang="en-CA" sz="2000" b="0" i="1" smtClean="0">
+                          <a:latin typeface="Cambria Math" panose="02040503050406030204" pitchFamily="18" charset="0"/>
+                          <a:cs typeface="Arial" panose="020B0604020202020204" pitchFamily="34" charset="0"/>
+                        </a:rPr>
+                        <m:t>𝑓</m:t>
+                      </m:r>
+                    </m:oMath>
+                  </m:oMathPara>
+                </a14:m>
+                <a:endParaRPr lang="en-US" sz="2000" dirty="0">
+                  <a:latin typeface="Arial" panose="020B0604020202020204" pitchFamily="34" charset="0"/>
+                  <a:cs typeface="Arial" panose="020B0604020202020204" pitchFamily="34" charset="0"/>
+                </a:endParaRPr>
+              </a:p>
+            </p:txBody>
+          </p:sp>
+        </mc:Choice>
+        <mc:Fallback>
+          <p:sp>
+            <p:nvSpPr>
+              <p:cNvPr id="265" name="TextBox 264">
+                <a:extLst>
+                  <a:ext uri="{FF2B5EF4-FFF2-40B4-BE49-F238E27FC236}">
+                    <a16:creationId xmlns:a16="http://schemas.microsoft.com/office/drawing/2014/main" id="{246A1CD6-10A9-FE44-9CFB-E18129FF1CC3}"/>
+                  </a:ext>
+                </a:extLst>
+              </p:cNvPr>
+              <p:cNvSpPr txBox="1">
+                <a:spLocks noRot="1" noChangeAspect="1" noMove="1" noResize="1" noEditPoints="1" noAdjustHandles="1" noChangeArrowheads="1" noChangeShapeType="1" noTextEdit="1"/>
+              </p:cNvSpPr>
+              <p:nvPr/>
+            </p:nvSpPr>
+            <p:spPr>
+              <a:xfrm>
+                <a:off x="7580932" y="2148542"/>
+                <a:ext cx="219099" cy="307777"/>
+              </a:xfrm>
+              <a:prstGeom prst="rect">
+                <a:avLst/>
+              </a:prstGeom>
+              <a:blipFill>
+                <a:blip r:embed="rId11"/>
+                <a:stretch>
+                  <a:fillRect l="-33333" r="-33333" b="-32000"/>
+                </a:stretch>
+              </a:blipFill>
+            </p:spPr>
+            <p:txBody>
+              <a:bodyPr/>
+              <a:lstStyle/>
+              <a:p>
+                <a:r>
+                  <a:rPr lang="en-US">
+                    <a:noFill/>
+                  </a:rPr>
+                  <a:t> </a:t>
+                </a:r>
+              </a:p>
+            </p:txBody>
+          </p:sp>
+        </mc:Fallback>
+      </mc:AlternateContent>
+      <mc:AlternateContent xmlns:mc="http://schemas.openxmlformats.org/markup-compatibility/2006">
+        <mc:Choice xmlns:a14="http://schemas.microsoft.com/office/drawing/2010/main" Requires="a14">
+          <p:sp>
+            <p:nvSpPr>
+              <p:cNvPr id="266" name="TextBox 265">
+                <a:extLst>
+                  <a:ext uri="{FF2B5EF4-FFF2-40B4-BE49-F238E27FC236}">
+                    <a16:creationId xmlns:a16="http://schemas.microsoft.com/office/drawing/2014/main" id="{CD1282EB-6522-E048-9C31-CB4ADEE0CAC7}"/>
+                  </a:ext>
+                </a:extLst>
+              </p:cNvPr>
+              <p:cNvSpPr txBox="1"/>
+              <p:nvPr/>
+            </p:nvSpPr>
+            <p:spPr>
+              <a:xfrm>
+                <a:off x="5685332" y="2768971"/>
+                <a:ext cx="231987" cy="307777"/>
+              </a:xfrm>
+              <a:prstGeom prst="rect">
+                <a:avLst/>
+              </a:prstGeom>
+              <a:noFill/>
+            </p:spPr>
+            <p:txBody>
+              <a:bodyPr wrap="none" lIns="0" tIns="0" rIns="0" bIns="0" rtlCol="0">
+                <a:spAutoFit/>
+              </a:bodyPr>
+              <a:lstStyle/>
+              <a:p>
+                <a14:m>
+                  <m:oMathPara xmlns:m="http://schemas.openxmlformats.org/officeDocument/2006/math">
+                    <m:oMathParaPr>
+                      <m:jc m:val="centerGroup"/>
+                    </m:oMathParaPr>
+                    <m:oMath xmlns:m="http://schemas.openxmlformats.org/officeDocument/2006/math">
+                      <m:r>
+                        <a:rPr lang="en-CA" sz="2000" b="0" i="1" smtClean="0">
+                          <a:latin typeface="Cambria Math" panose="02040503050406030204" pitchFamily="18" charset="0"/>
+                          <a:cs typeface="Arial" panose="020B0604020202020204" pitchFamily="34" charset="0"/>
+                        </a:rPr>
+                        <m:t>𝑔</m:t>
+                      </m:r>
+                    </m:oMath>
+                  </m:oMathPara>
+                </a14:m>
+                <a:endParaRPr lang="en-US" sz="2000" dirty="0">
+                  <a:latin typeface="Arial" panose="020B0604020202020204" pitchFamily="34" charset="0"/>
+                  <a:cs typeface="Arial" panose="020B0604020202020204" pitchFamily="34" charset="0"/>
+                </a:endParaRPr>
+              </a:p>
+            </p:txBody>
+          </p:sp>
+        </mc:Choice>
+        <mc:Fallback>
+          <p:sp>
+            <p:nvSpPr>
+              <p:cNvPr id="266" name="TextBox 265">
+                <a:extLst>
+                  <a:ext uri="{FF2B5EF4-FFF2-40B4-BE49-F238E27FC236}">
+                    <a16:creationId xmlns:a16="http://schemas.microsoft.com/office/drawing/2014/main" id="{CD1282EB-6522-E048-9C31-CB4ADEE0CAC7}"/>
+                  </a:ext>
+                </a:extLst>
+              </p:cNvPr>
+              <p:cNvSpPr txBox="1">
+                <a:spLocks noRot="1" noChangeAspect="1" noMove="1" noResize="1" noEditPoints="1" noAdjustHandles="1" noChangeArrowheads="1" noChangeShapeType="1" noTextEdit="1"/>
+              </p:cNvSpPr>
+              <p:nvPr/>
+            </p:nvSpPr>
+            <p:spPr>
+              <a:xfrm>
+                <a:off x="5685332" y="2768971"/>
+                <a:ext cx="231987" cy="307777"/>
+              </a:xfrm>
+              <a:prstGeom prst="rect">
+                <a:avLst/>
+              </a:prstGeom>
+              <a:blipFill>
+                <a:blip r:embed="rId12"/>
+                <a:stretch>
+                  <a:fillRect l="-21053" r="-15789" b="-24000"/>
+                </a:stretch>
+              </a:blipFill>
+            </p:spPr>
+            <p:txBody>
+              <a:bodyPr/>
+              <a:lstStyle/>
+              <a:p>
+                <a:r>
+                  <a:rPr lang="en-US">
+                    <a:noFill/>
+                  </a:rPr>
+                  <a:t> </a:t>
+                </a:r>
+              </a:p>
+            </p:txBody>
+          </p:sp>
+        </mc:Fallback>
+      </mc:AlternateContent>
     </p:spTree>
     <p:extLst>
       <p:ext uri="{BB962C8B-B14F-4D97-AF65-F5344CB8AC3E}">
